--- a/LabSession0 - Initial Setup.pptx
+++ b/LabSession0 - Initial Setup.pptx
@@ -6,13 +6,18 @@
     <p:sldMasterId id="2147483672" r:id="rId2"/>
   </p:sldMasterIdLst>
   <p:notesMasterIdLst>
-    <p:notesMasterId r:id="rId7"/>
+    <p:notesMasterId r:id="rId12"/>
   </p:notesMasterIdLst>
   <p:sldIdLst>
     <p:sldId id="256" r:id="rId3"/>
     <p:sldId id="302" r:id="rId4"/>
     <p:sldId id="303" r:id="rId5"/>
     <p:sldId id="304" r:id="rId6"/>
+    <p:sldId id="305" r:id="rId7"/>
+    <p:sldId id="306" r:id="rId8"/>
+    <p:sldId id="307" r:id="rId9"/>
+    <p:sldId id="308" r:id="rId10"/>
+    <p:sldId id="309" r:id="rId11"/>
   </p:sldIdLst>
   <p:sldSz cx="9144000" cy="6858000" type="screen4x3"/>
   <p:notesSz cx="6858000" cy="9144000"/>
@@ -120,6 +125,11 @@
             <p14:sldId id="302"/>
             <p14:sldId id="303"/>
             <p14:sldId id="304"/>
+            <p14:sldId id="305"/>
+            <p14:sldId id="306"/>
+            <p14:sldId id="307"/>
+            <p14:sldId id="308"/>
+            <p14:sldId id="309"/>
           </p14:sldIdLst>
         </p14:section>
       </p14:sectionLst>
@@ -640,6 +650,90 @@
     <p:extLst>
       <p:ext uri="{BB962C8B-B14F-4D97-AF65-F5344CB8AC3E}">
         <p14:creationId xmlns:p14="http://schemas.microsoft.com/office/powerpoint/2010/main" val="3693777848"/>
+      </p:ext>
+    </p:extLst>
+  </p:cSld>
+  <p:clrMapOvr>
+    <a:masterClrMapping/>
+  </p:clrMapOvr>
+</p:notes>
+</file>
+
+<file path=ppt/notesSlides/notesSlide3.xml><?xml version="1.0" encoding="utf-8"?>
+<p:notes xmlns:a="http://schemas.openxmlformats.org/drawingml/2006/main" xmlns:r="http://schemas.openxmlformats.org/officeDocument/2006/relationships" xmlns:p="http://schemas.openxmlformats.org/presentationml/2006/main">
+  <p:cSld>
+    <p:spTree>
+      <p:nvGrpSpPr>
+        <p:cNvPr id="1" name=""/>
+        <p:cNvGrpSpPr/>
+        <p:nvPr/>
+      </p:nvGrpSpPr>
+      <p:grpSpPr>
+        <a:xfrm>
+          <a:off x="0" y="0"/>
+          <a:ext cx="0" cy="0"/>
+          <a:chOff x="0" y="0"/>
+          <a:chExt cx="0" cy="0"/>
+        </a:xfrm>
+      </p:grpSpPr>
+      <p:sp>
+        <p:nvSpPr>
+          <p:cNvPr id="2" name="Segnaposto immagine diapositiva 1"/>
+          <p:cNvSpPr>
+            <a:spLocks noGrp="1" noRot="1" noChangeAspect="1"/>
+          </p:cNvSpPr>
+          <p:nvPr>
+            <p:ph type="sldImg"/>
+          </p:nvPr>
+        </p:nvSpPr>
+        <p:spPr/>
+      </p:sp>
+      <p:sp>
+        <p:nvSpPr>
+          <p:cNvPr id="3" name="Segnaposto note 2"/>
+          <p:cNvSpPr>
+            <a:spLocks noGrp="1"/>
+          </p:cNvSpPr>
+          <p:nvPr>
+            <p:ph type="body" idx="1"/>
+          </p:nvPr>
+        </p:nvSpPr>
+        <p:spPr/>
+        <p:txBody>
+          <a:bodyPr/>
+          <a:lstStyle/>
+          <a:p>
+            <a:endParaRPr lang="en-GB" dirty="0"/>
+          </a:p>
+        </p:txBody>
+      </p:sp>
+      <p:sp>
+        <p:nvSpPr>
+          <p:cNvPr id="4" name="Segnaposto numero diapositiva 3"/>
+          <p:cNvSpPr>
+            <a:spLocks noGrp="1"/>
+          </p:cNvSpPr>
+          <p:nvPr>
+            <p:ph type="sldNum" sz="quarter" idx="5"/>
+          </p:nvPr>
+        </p:nvSpPr>
+        <p:spPr/>
+        <p:txBody>
+          <a:bodyPr/>
+          <a:lstStyle/>
+          <a:p>
+            <a:fld id="{579EA76A-0A3F-4C6E-BCAD-3645DACBB6C6}" type="slidenum">
+              <a:rPr lang="en-US" smtClean="0"/>
+              <a:t>5</a:t>
+            </a:fld>
+            <a:endParaRPr lang="en-US"/>
+          </a:p>
+        </p:txBody>
+      </p:sp>
+    </p:spTree>
+    <p:extLst>
+      <p:ext uri="{BB962C8B-B14F-4D97-AF65-F5344CB8AC3E}">
+        <p14:creationId xmlns:p14="http://schemas.microsoft.com/office/powerpoint/2010/main" val="571056939"/>
       </p:ext>
     </p:extLst>
   </p:cSld>
@@ -7926,6 +8020,765 @@
     <p:extLst>
       <p:ext uri="{BB962C8B-B14F-4D97-AF65-F5344CB8AC3E}">
         <p14:creationId xmlns:p14="http://schemas.microsoft.com/office/powerpoint/2010/main" val="3516899283"/>
+      </p:ext>
+    </p:extLst>
+  </p:cSld>
+  <p:clrMapOvr>
+    <a:masterClrMapping/>
+  </p:clrMapOvr>
+</p:sld>
+</file>
+
+<file path=ppt/slides/slide5.xml><?xml version="1.0" encoding="utf-8"?>
+<p:sld xmlns:a="http://schemas.openxmlformats.org/drawingml/2006/main" xmlns:r="http://schemas.openxmlformats.org/officeDocument/2006/relationships" xmlns:p="http://schemas.openxmlformats.org/presentationml/2006/main">
+  <p:cSld>
+    <p:spTree>
+      <p:nvGrpSpPr>
+        <p:cNvPr id="1" name=""/>
+        <p:cNvGrpSpPr/>
+        <p:nvPr/>
+      </p:nvGrpSpPr>
+      <p:grpSpPr>
+        <a:xfrm>
+          <a:off x="0" y="0"/>
+          <a:ext cx="0" cy="0"/>
+          <a:chOff x="0" y="0"/>
+          <a:chExt cx="0" cy="0"/>
+        </a:xfrm>
+      </p:grpSpPr>
+      <p:sp>
+        <p:nvSpPr>
+          <p:cNvPr id="2" name="Titolo 1">
+            <a:extLst>
+              <a:ext uri="{FF2B5EF4-FFF2-40B4-BE49-F238E27FC236}">
+                <a16:creationId xmlns:a16="http://schemas.microsoft.com/office/drawing/2014/main" id="{445714CA-E0DE-4A06-983D-E6FCA0D880D9}"/>
+              </a:ext>
+            </a:extLst>
+          </p:cNvPr>
+          <p:cNvSpPr>
+            <a:spLocks noGrp="1"/>
+          </p:cNvSpPr>
+          <p:nvPr>
+            <p:ph type="title"/>
+          </p:nvPr>
+        </p:nvSpPr>
+        <p:spPr>
+          <a:xfrm>
+            <a:off x="411892" y="365127"/>
+            <a:ext cx="7759722" cy="846292"/>
+          </a:xfrm>
+        </p:spPr>
+        <p:txBody>
+          <a:bodyPr>
+            <a:normAutofit fontScale="90000"/>
+          </a:bodyPr>
+          <a:lstStyle/>
+          <a:p>
+            <a:r>
+              <a:rPr lang="en-GB" dirty="0"/>
+              <a:t>Step 3: Install Python Libraries with pip</a:t>
+            </a:r>
+          </a:p>
+        </p:txBody>
+      </p:sp>
+      <p:sp>
+        <p:nvSpPr>
+          <p:cNvPr id="3" name="Segnaposto contenuto 2">
+            <a:extLst>
+              <a:ext uri="{FF2B5EF4-FFF2-40B4-BE49-F238E27FC236}">
+                <a16:creationId xmlns:a16="http://schemas.microsoft.com/office/drawing/2014/main" id="{88DDDFFD-4EB5-4D54-81DA-19CDFC81B261}"/>
+              </a:ext>
+            </a:extLst>
+          </p:cNvPr>
+          <p:cNvSpPr>
+            <a:spLocks noGrp="1"/>
+          </p:cNvSpPr>
+          <p:nvPr>
+            <p:ph idx="1"/>
+          </p:nvPr>
+        </p:nvSpPr>
+        <p:spPr/>
+        <p:txBody>
+          <a:bodyPr/>
+          <a:lstStyle/>
+          <a:p>
+            <a:endParaRPr lang="en-GB"/>
+          </a:p>
+        </p:txBody>
+      </p:sp>
+      <p:sp>
+        <p:nvSpPr>
+          <p:cNvPr id="4" name="Segnaposto data 3">
+            <a:extLst>
+              <a:ext uri="{FF2B5EF4-FFF2-40B4-BE49-F238E27FC236}">
+                <a16:creationId xmlns:a16="http://schemas.microsoft.com/office/drawing/2014/main" id="{A14690C0-4DA6-4DF9-A98F-99EAD8A70AC0}"/>
+              </a:ext>
+            </a:extLst>
+          </p:cNvPr>
+          <p:cNvSpPr>
+            <a:spLocks noGrp="1"/>
+          </p:cNvSpPr>
+          <p:nvPr>
+            <p:ph type="dt" sz="half" idx="10"/>
+          </p:nvPr>
+        </p:nvSpPr>
+        <p:spPr>
+          <a:xfrm>
+            <a:off x="411891" y="6361329"/>
+            <a:ext cx="2541664" cy="365125"/>
+          </a:xfrm>
+        </p:spPr>
+        <p:txBody>
+          <a:bodyPr/>
+          <a:lstStyle/>
+          <a:p>
+            <a:r>
+              <a:rPr lang="en-US" dirty="0"/>
+              <a:t>Initial Setup – Pierluigi Zama Ramirez</a:t>
+            </a:r>
+          </a:p>
+        </p:txBody>
+      </p:sp>
+      <p:sp>
+        <p:nvSpPr>
+          <p:cNvPr id="5" name="Segnaposto numero diapositiva 4">
+            <a:extLst>
+              <a:ext uri="{FF2B5EF4-FFF2-40B4-BE49-F238E27FC236}">
+                <a16:creationId xmlns:a16="http://schemas.microsoft.com/office/drawing/2014/main" id="{385B2656-64C8-4519-8F81-7859234441B1}"/>
+              </a:ext>
+            </a:extLst>
+          </p:cNvPr>
+          <p:cNvSpPr>
+            <a:spLocks noGrp="1"/>
+          </p:cNvSpPr>
+          <p:nvPr>
+            <p:ph type="sldNum" sz="quarter" idx="12"/>
+          </p:nvPr>
+        </p:nvSpPr>
+        <p:spPr/>
+        <p:txBody>
+          <a:bodyPr/>
+          <a:lstStyle/>
+          <a:p>
+            <a:fld id="{21D15A9C-11B4-4C77-BDEA-04E3D7D1DFC0}" type="slidenum">
+              <a:rPr lang="en-US" smtClean="0"/>
+              <a:t>5</a:t>
+            </a:fld>
+            <a:endParaRPr lang="en-US"/>
+          </a:p>
+        </p:txBody>
+      </p:sp>
+    </p:spTree>
+    <p:extLst>
+      <p:ext uri="{BB962C8B-B14F-4D97-AF65-F5344CB8AC3E}">
+        <p14:creationId xmlns:p14="http://schemas.microsoft.com/office/powerpoint/2010/main" val="2096771471"/>
+      </p:ext>
+    </p:extLst>
+  </p:cSld>
+  <p:clrMapOvr>
+    <a:masterClrMapping/>
+  </p:clrMapOvr>
+</p:sld>
+</file>
+
+<file path=ppt/slides/slide6.xml><?xml version="1.0" encoding="utf-8"?>
+<p:sld xmlns:a="http://schemas.openxmlformats.org/drawingml/2006/main" xmlns:r="http://schemas.openxmlformats.org/officeDocument/2006/relationships" xmlns:p="http://schemas.openxmlformats.org/presentationml/2006/main">
+  <p:cSld>
+    <p:spTree>
+      <p:nvGrpSpPr>
+        <p:cNvPr id="1" name=""/>
+        <p:cNvGrpSpPr/>
+        <p:nvPr/>
+      </p:nvGrpSpPr>
+      <p:grpSpPr>
+        <a:xfrm>
+          <a:off x="0" y="0"/>
+          <a:ext cx="0" cy="0"/>
+          <a:chOff x="0" y="0"/>
+          <a:chExt cx="0" cy="0"/>
+        </a:xfrm>
+      </p:grpSpPr>
+      <p:sp>
+        <p:nvSpPr>
+          <p:cNvPr id="2" name="Titolo 1">
+            <a:extLst>
+              <a:ext uri="{FF2B5EF4-FFF2-40B4-BE49-F238E27FC236}">
+                <a16:creationId xmlns:a16="http://schemas.microsoft.com/office/drawing/2014/main" id="{C2425517-4760-4CAE-AE51-2926BAC8F809}"/>
+              </a:ext>
+            </a:extLst>
+          </p:cNvPr>
+          <p:cNvSpPr>
+            <a:spLocks noGrp="1"/>
+          </p:cNvSpPr>
+          <p:nvPr>
+            <p:ph type="title"/>
+          </p:nvPr>
+        </p:nvSpPr>
+        <p:spPr/>
+        <p:txBody>
+          <a:bodyPr>
+            <a:normAutofit fontScale="90000"/>
+          </a:bodyPr>
+          <a:lstStyle/>
+          <a:p>
+            <a:r>
+              <a:rPr lang="en-GB" dirty="0"/>
+              <a:t>Step 4: Install and run </a:t>
+            </a:r>
+            <a:r>
+              <a:rPr lang="en-GB" dirty="0" err="1"/>
+              <a:t>Jupyter</a:t>
+            </a:r>
+            <a:r>
+              <a:rPr lang="en-GB" dirty="0"/>
+              <a:t> Notebook</a:t>
+            </a:r>
+          </a:p>
+        </p:txBody>
+      </p:sp>
+      <p:sp>
+        <p:nvSpPr>
+          <p:cNvPr id="3" name="Segnaposto contenuto 2">
+            <a:extLst>
+              <a:ext uri="{FF2B5EF4-FFF2-40B4-BE49-F238E27FC236}">
+                <a16:creationId xmlns:a16="http://schemas.microsoft.com/office/drawing/2014/main" id="{87EB0E7F-A70F-40D1-8E72-EC4A6A106225}"/>
+              </a:ext>
+            </a:extLst>
+          </p:cNvPr>
+          <p:cNvSpPr>
+            <a:spLocks noGrp="1"/>
+          </p:cNvSpPr>
+          <p:nvPr>
+            <p:ph idx="1"/>
+          </p:nvPr>
+        </p:nvSpPr>
+        <p:spPr/>
+        <p:txBody>
+          <a:bodyPr/>
+          <a:lstStyle/>
+          <a:p>
+            <a:endParaRPr lang="en-GB"/>
+          </a:p>
+        </p:txBody>
+      </p:sp>
+      <p:sp>
+        <p:nvSpPr>
+          <p:cNvPr id="4" name="Segnaposto data 3">
+            <a:extLst>
+              <a:ext uri="{FF2B5EF4-FFF2-40B4-BE49-F238E27FC236}">
+                <a16:creationId xmlns:a16="http://schemas.microsoft.com/office/drawing/2014/main" id="{CD37FF21-5647-48BC-ABE0-22F8AB863E52}"/>
+              </a:ext>
+            </a:extLst>
+          </p:cNvPr>
+          <p:cNvSpPr>
+            <a:spLocks noGrp="1"/>
+          </p:cNvSpPr>
+          <p:nvPr>
+            <p:ph type="dt" sz="half" idx="10"/>
+          </p:nvPr>
+        </p:nvSpPr>
+        <p:spPr>
+          <a:xfrm>
+            <a:off x="411891" y="6361329"/>
+            <a:ext cx="2558835" cy="365125"/>
+          </a:xfrm>
+        </p:spPr>
+        <p:txBody>
+          <a:bodyPr/>
+          <a:lstStyle/>
+          <a:p>
+            <a:r>
+              <a:rPr lang="en-US" dirty="0"/>
+              <a:t>Initial Setup – Pierluigi Zama Ramirez</a:t>
+            </a:r>
+          </a:p>
+        </p:txBody>
+      </p:sp>
+      <p:sp>
+        <p:nvSpPr>
+          <p:cNvPr id="5" name="Segnaposto numero diapositiva 4">
+            <a:extLst>
+              <a:ext uri="{FF2B5EF4-FFF2-40B4-BE49-F238E27FC236}">
+                <a16:creationId xmlns:a16="http://schemas.microsoft.com/office/drawing/2014/main" id="{1B67C968-09C6-409E-9094-6A61912F818E}"/>
+              </a:ext>
+            </a:extLst>
+          </p:cNvPr>
+          <p:cNvSpPr>
+            <a:spLocks noGrp="1"/>
+          </p:cNvSpPr>
+          <p:nvPr>
+            <p:ph type="sldNum" sz="quarter" idx="12"/>
+          </p:nvPr>
+        </p:nvSpPr>
+        <p:spPr/>
+        <p:txBody>
+          <a:bodyPr/>
+          <a:lstStyle/>
+          <a:p>
+            <a:fld id="{21D15A9C-11B4-4C77-BDEA-04E3D7D1DFC0}" type="slidenum">
+              <a:rPr lang="en-US" smtClean="0"/>
+              <a:t>6</a:t>
+            </a:fld>
+            <a:endParaRPr lang="en-US"/>
+          </a:p>
+        </p:txBody>
+      </p:sp>
+    </p:spTree>
+    <p:extLst>
+      <p:ext uri="{BB962C8B-B14F-4D97-AF65-F5344CB8AC3E}">
+        <p14:creationId xmlns:p14="http://schemas.microsoft.com/office/powerpoint/2010/main" val="2030660169"/>
+      </p:ext>
+    </p:extLst>
+  </p:cSld>
+  <p:clrMapOvr>
+    <a:masterClrMapping/>
+  </p:clrMapOvr>
+</p:sld>
+</file>
+
+<file path=ppt/slides/slide7.xml><?xml version="1.0" encoding="utf-8"?>
+<p:sld xmlns:a="http://schemas.openxmlformats.org/drawingml/2006/main" xmlns:r="http://schemas.openxmlformats.org/officeDocument/2006/relationships" xmlns:p="http://schemas.openxmlformats.org/presentationml/2006/main">
+  <p:cSld>
+    <p:spTree>
+      <p:nvGrpSpPr>
+        <p:cNvPr id="1" name=""/>
+        <p:cNvGrpSpPr/>
+        <p:nvPr/>
+      </p:nvGrpSpPr>
+      <p:grpSpPr>
+        <a:xfrm>
+          <a:off x="0" y="0"/>
+          <a:ext cx="0" cy="0"/>
+          <a:chOff x="0" y="0"/>
+          <a:chExt cx="0" cy="0"/>
+        </a:xfrm>
+      </p:grpSpPr>
+      <p:sp>
+        <p:nvSpPr>
+          <p:cNvPr id="2" name="Titolo 1">
+            <a:extLst>
+              <a:ext uri="{FF2B5EF4-FFF2-40B4-BE49-F238E27FC236}">
+                <a16:creationId xmlns:a16="http://schemas.microsoft.com/office/drawing/2014/main" id="{C2425517-4760-4CAE-AE51-2926BAC8F809}"/>
+              </a:ext>
+            </a:extLst>
+          </p:cNvPr>
+          <p:cNvSpPr>
+            <a:spLocks noGrp="1"/>
+          </p:cNvSpPr>
+          <p:nvPr>
+            <p:ph type="title"/>
+          </p:nvPr>
+        </p:nvSpPr>
+        <p:spPr/>
+        <p:txBody>
+          <a:bodyPr/>
+          <a:lstStyle/>
+          <a:p>
+            <a:r>
+              <a:rPr lang="en-GB" dirty="0" err="1"/>
+              <a:t>Jupyter</a:t>
+            </a:r>
+            <a:r>
+              <a:rPr lang="en-GB" dirty="0"/>
+              <a:t> Notebook: An overview</a:t>
+            </a:r>
+          </a:p>
+        </p:txBody>
+      </p:sp>
+      <p:sp>
+        <p:nvSpPr>
+          <p:cNvPr id="3" name="Segnaposto contenuto 2">
+            <a:extLst>
+              <a:ext uri="{FF2B5EF4-FFF2-40B4-BE49-F238E27FC236}">
+                <a16:creationId xmlns:a16="http://schemas.microsoft.com/office/drawing/2014/main" id="{87EB0E7F-A70F-40D1-8E72-EC4A6A106225}"/>
+              </a:ext>
+            </a:extLst>
+          </p:cNvPr>
+          <p:cNvSpPr>
+            <a:spLocks noGrp="1"/>
+          </p:cNvSpPr>
+          <p:nvPr>
+            <p:ph idx="1"/>
+          </p:nvPr>
+        </p:nvSpPr>
+        <p:spPr/>
+        <p:txBody>
+          <a:bodyPr/>
+          <a:lstStyle/>
+          <a:p>
+            <a:endParaRPr lang="en-GB"/>
+          </a:p>
+        </p:txBody>
+      </p:sp>
+      <p:sp>
+        <p:nvSpPr>
+          <p:cNvPr id="4" name="Segnaposto data 3">
+            <a:extLst>
+              <a:ext uri="{FF2B5EF4-FFF2-40B4-BE49-F238E27FC236}">
+                <a16:creationId xmlns:a16="http://schemas.microsoft.com/office/drawing/2014/main" id="{CD37FF21-5647-48BC-ABE0-22F8AB863E52}"/>
+              </a:ext>
+            </a:extLst>
+          </p:cNvPr>
+          <p:cNvSpPr>
+            <a:spLocks noGrp="1"/>
+          </p:cNvSpPr>
+          <p:nvPr>
+            <p:ph type="dt" sz="half" idx="10"/>
+          </p:nvPr>
+        </p:nvSpPr>
+        <p:spPr>
+          <a:xfrm>
+            <a:off x="411891" y="6361329"/>
+            <a:ext cx="2558835" cy="365125"/>
+          </a:xfrm>
+        </p:spPr>
+        <p:txBody>
+          <a:bodyPr/>
+          <a:lstStyle/>
+          <a:p>
+            <a:r>
+              <a:rPr lang="en-US" dirty="0"/>
+              <a:t>Initial Setup – Pierluigi Zama Ramirez</a:t>
+            </a:r>
+          </a:p>
+        </p:txBody>
+      </p:sp>
+      <p:sp>
+        <p:nvSpPr>
+          <p:cNvPr id="5" name="Segnaposto numero diapositiva 4">
+            <a:extLst>
+              <a:ext uri="{FF2B5EF4-FFF2-40B4-BE49-F238E27FC236}">
+                <a16:creationId xmlns:a16="http://schemas.microsoft.com/office/drawing/2014/main" id="{1B67C968-09C6-409E-9094-6A61912F818E}"/>
+              </a:ext>
+            </a:extLst>
+          </p:cNvPr>
+          <p:cNvSpPr>
+            <a:spLocks noGrp="1"/>
+          </p:cNvSpPr>
+          <p:nvPr>
+            <p:ph type="sldNum" sz="quarter" idx="12"/>
+          </p:nvPr>
+        </p:nvSpPr>
+        <p:spPr/>
+        <p:txBody>
+          <a:bodyPr/>
+          <a:lstStyle/>
+          <a:p>
+            <a:fld id="{21D15A9C-11B4-4C77-BDEA-04E3D7D1DFC0}" type="slidenum">
+              <a:rPr lang="en-US" smtClean="0"/>
+              <a:t>7</a:t>
+            </a:fld>
+            <a:endParaRPr lang="en-US"/>
+          </a:p>
+        </p:txBody>
+      </p:sp>
+    </p:spTree>
+    <p:extLst>
+      <p:ext uri="{BB962C8B-B14F-4D97-AF65-F5344CB8AC3E}">
+        <p14:creationId xmlns:p14="http://schemas.microsoft.com/office/powerpoint/2010/main" val="1499836088"/>
+      </p:ext>
+    </p:extLst>
+  </p:cSld>
+  <p:clrMapOvr>
+    <a:masterClrMapping/>
+  </p:clrMapOvr>
+</p:sld>
+</file>
+
+<file path=ppt/slides/slide8.xml><?xml version="1.0" encoding="utf-8"?>
+<p:sld xmlns:a="http://schemas.openxmlformats.org/drawingml/2006/main" xmlns:r="http://schemas.openxmlformats.org/officeDocument/2006/relationships" xmlns:p="http://schemas.openxmlformats.org/presentationml/2006/main">
+  <p:cSld>
+    <p:spTree>
+      <p:nvGrpSpPr>
+        <p:cNvPr id="1" name=""/>
+        <p:cNvGrpSpPr/>
+        <p:nvPr/>
+      </p:nvGrpSpPr>
+      <p:grpSpPr>
+        <a:xfrm>
+          <a:off x="0" y="0"/>
+          <a:ext cx="0" cy="0"/>
+          <a:chOff x="0" y="0"/>
+          <a:chExt cx="0" cy="0"/>
+        </a:xfrm>
+      </p:grpSpPr>
+      <p:sp>
+        <p:nvSpPr>
+          <p:cNvPr id="2" name="Titolo 1">
+            <a:extLst>
+              <a:ext uri="{FF2B5EF4-FFF2-40B4-BE49-F238E27FC236}">
+                <a16:creationId xmlns:a16="http://schemas.microsoft.com/office/drawing/2014/main" id="{C2425517-4760-4CAE-AE51-2926BAC8F809}"/>
+              </a:ext>
+            </a:extLst>
+          </p:cNvPr>
+          <p:cNvSpPr>
+            <a:spLocks noGrp="1"/>
+          </p:cNvSpPr>
+          <p:nvPr>
+            <p:ph type="title"/>
+          </p:nvPr>
+        </p:nvSpPr>
+        <p:spPr/>
+        <p:txBody>
+          <a:bodyPr/>
+          <a:lstStyle/>
+          <a:p>
+            <a:r>
+              <a:rPr lang="en-GB"/>
+              <a:t>Visual </a:t>
+            </a:r>
+            <a:r>
+              <a:rPr lang="en-GB" dirty="0"/>
+              <a:t>S</a:t>
+            </a:r>
+            <a:r>
+              <a:rPr lang="en-GB"/>
+              <a:t>tudio </a:t>
+            </a:r>
+            <a:r>
+              <a:rPr lang="en-GB" dirty="0"/>
+              <a:t>Code </a:t>
+            </a:r>
+            <a:r>
+              <a:rPr lang="en-GB"/>
+              <a:t>and terminal</a:t>
+            </a:r>
+          </a:p>
+        </p:txBody>
+      </p:sp>
+      <p:sp>
+        <p:nvSpPr>
+          <p:cNvPr id="3" name="Segnaposto contenuto 2">
+            <a:extLst>
+              <a:ext uri="{FF2B5EF4-FFF2-40B4-BE49-F238E27FC236}">
+                <a16:creationId xmlns:a16="http://schemas.microsoft.com/office/drawing/2014/main" id="{87EB0E7F-A70F-40D1-8E72-EC4A6A106225}"/>
+              </a:ext>
+            </a:extLst>
+          </p:cNvPr>
+          <p:cNvSpPr>
+            <a:spLocks noGrp="1"/>
+          </p:cNvSpPr>
+          <p:nvPr>
+            <p:ph idx="1"/>
+          </p:nvPr>
+        </p:nvSpPr>
+        <p:spPr/>
+        <p:txBody>
+          <a:bodyPr/>
+          <a:lstStyle/>
+          <a:p>
+            <a:endParaRPr lang="en-GB"/>
+          </a:p>
+        </p:txBody>
+      </p:sp>
+      <p:sp>
+        <p:nvSpPr>
+          <p:cNvPr id="4" name="Segnaposto data 3">
+            <a:extLst>
+              <a:ext uri="{FF2B5EF4-FFF2-40B4-BE49-F238E27FC236}">
+                <a16:creationId xmlns:a16="http://schemas.microsoft.com/office/drawing/2014/main" id="{CD37FF21-5647-48BC-ABE0-22F8AB863E52}"/>
+              </a:ext>
+            </a:extLst>
+          </p:cNvPr>
+          <p:cNvSpPr>
+            <a:spLocks noGrp="1"/>
+          </p:cNvSpPr>
+          <p:nvPr>
+            <p:ph type="dt" sz="half" idx="10"/>
+          </p:nvPr>
+        </p:nvSpPr>
+        <p:spPr>
+          <a:xfrm>
+            <a:off x="411891" y="6361329"/>
+            <a:ext cx="2558835" cy="365125"/>
+          </a:xfrm>
+        </p:spPr>
+        <p:txBody>
+          <a:bodyPr/>
+          <a:lstStyle/>
+          <a:p>
+            <a:r>
+              <a:rPr lang="en-US" dirty="0"/>
+              <a:t>Initial Setup – Pierluigi Zama Ramirez</a:t>
+            </a:r>
+          </a:p>
+        </p:txBody>
+      </p:sp>
+      <p:sp>
+        <p:nvSpPr>
+          <p:cNvPr id="5" name="Segnaposto numero diapositiva 4">
+            <a:extLst>
+              <a:ext uri="{FF2B5EF4-FFF2-40B4-BE49-F238E27FC236}">
+                <a16:creationId xmlns:a16="http://schemas.microsoft.com/office/drawing/2014/main" id="{1B67C968-09C6-409E-9094-6A61912F818E}"/>
+              </a:ext>
+            </a:extLst>
+          </p:cNvPr>
+          <p:cNvSpPr>
+            <a:spLocks noGrp="1"/>
+          </p:cNvSpPr>
+          <p:nvPr>
+            <p:ph type="sldNum" sz="quarter" idx="12"/>
+          </p:nvPr>
+        </p:nvSpPr>
+        <p:spPr/>
+        <p:txBody>
+          <a:bodyPr/>
+          <a:lstStyle/>
+          <a:p>
+            <a:fld id="{21D15A9C-11B4-4C77-BDEA-04E3D7D1DFC0}" type="slidenum">
+              <a:rPr lang="en-US" smtClean="0"/>
+              <a:t>8</a:t>
+            </a:fld>
+            <a:endParaRPr lang="en-US"/>
+          </a:p>
+        </p:txBody>
+      </p:sp>
+    </p:spTree>
+    <p:extLst>
+      <p:ext uri="{BB962C8B-B14F-4D97-AF65-F5344CB8AC3E}">
+        <p14:creationId xmlns:p14="http://schemas.microsoft.com/office/powerpoint/2010/main" val="2993606909"/>
+      </p:ext>
+    </p:extLst>
+  </p:cSld>
+  <p:clrMapOvr>
+    <a:masterClrMapping/>
+  </p:clrMapOvr>
+</p:sld>
+</file>
+
+<file path=ppt/slides/slide9.xml><?xml version="1.0" encoding="utf-8"?>
+<p:sld xmlns:a="http://schemas.openxmlformats.org/drawingml/2006/main" xmlns:r="http://schemas.openxmlformats.org/officeDocument/2006/relationships" xmlns:p="http://schemas.openxmlformats.org/presentationml/2006/main">
+  <p:cSld>
+    <p:spTree>
+      <p:nvGrpSpPr>
+        <p:cNvPr id="1" name=""/>
+        <p:cNvGrpSpPr/>
+        <p:nvPr/>
+      </p:nvGrpSpPr>
+      <p:grpSpPr>
+        <a:xfrm>
+          <a:off x="0" y="0"/>
+          <a:ext cx="0" cy="0"/>
+          <a:chOff x="0" y="0"/>
+          <a:chExt cx="0" cy="0"/>
+        </a:xfrm>
+      </p:grpSpPr>
+      <p:sp>
+        <p:nvSpPr>
+          <p:cNvPr id="2" name="Titolo 1">
+            <a:extLst>
+              <a:ext uri="{FF2B5EF4-FFF2-40B4-BE49-F238E27FC236}">
+                <a16:creationId xmlns:a16="http://schemas.microsoft.com/office/drawing/2014/main" id="{C2425517-4760-4CAE-AE51-2926BAC8F809}"/>
+              </a:ext>
+            </a:extLst>
+          </p:cNvPr>
+          <p:cNvSpPr>
+            <a:spLocks noGrp="1"/>
+          </p:cNvSpPr>
+          <p:nvPr>
+            <p:ph type="title"/>
+          </p:nvPr>
+        </p:nvSpPr>
+        <p:spPr/>
+        <p:txBody>
+          <a:bodyPr/>
+          <a:lstStyle/>
+          <a:p>
+            <a:endParaRPr lang="en-GB" dirty="0"/>
+          </a:p>
+        </p:txBody>
+      </p:sp>
+      <p:sp>
+        <p:nvSpPr>
+          <p:cNvPr id="3" name="Segnaposto contenuto 2">
+            <a:extLst>
+              <a:ext uri="{FF2B5EF4-FFF2-40B4-BE49-F238E27FC236}">
+                <a16:creationId xmlns:a16="http://schemas.microsoft.com/office/drawing/2014/main" id="{87EB0E7F-A70F-40D1-8E72-EC4A6A106225}"/>
+              </a:ext>
+            </a:extLst>
+          </p:cNvPr>
+          <p:cNvSpPr>
+            <a:spLocks noGrp="1"/>
+          </p:cNvSpPr>
+          <p:nvPr>
+            <p:ph idx="1"/>
+          </p:nvPr>
+        </p:nvSpPr>
+        <p:spPr/>
+        <p:txBody>
+          <a:bodyPr/>
+          <a:lstStyle/>
+          <a:p>
+            <a:endParaRPr lang="en-GB"/>
+          </a:p>
+        </p:txBody>
+      </p:sp>
+      <p:sp>
+        <p:nvSpPr>
+          <p:cNvPr id="4" name="Segnaposto data 3">
+            <a:extLst>
+              <a:ext uri="{FF2B5EF4-FFF2-40B4-BE49-F238E27FC236}">
+                <a16:creationId xmlns:a16="http://schemas.microsoft.com/office/drawing/2014/main" id="{CD37FF21-5647-48BC-ABE0-22F8AB863E52}"/>
+              </a:ext>
+            </a:extLst>
+          </p:cNvPr>
+          <p:cNvSpPr>
+            <a:spLocks noGrp="1"/>
+          </p:cNvSpPr>
+          <p:nvPr>
+            <p:ph type="dt" sz="half" idx="10"/>
+          </p:nvPr>
+        </p:nvSpPr>
+        <p:spPr>
+          <a:xfrm>
+            <a:off x="411891" y="6361329"/>
+            <a:ext cx="2558835" cy="365125"/>
+          </a:xfrm>
+        </p:spPr>
+        <p:txBody>
+          <a:bodyPr/>
+          <a:lstStyle/>
+          <a:p>
+            <a:r>
+              <a:rPr lang="en-US" dirty="0"/>
+              <a:t>Initial Setup – Pierluigi Zama Ramirez</a:t>
+            </a:r>
+          </a:p>
+        </p:txBody>
+      </p:sp>
+      <p:sp>
+        <p:nvSpPr>
+          <p:cNvPr id="5" name="Segnaposto numero diapositiva 4">
+            <a:extLst>
+              <a:ext uri="{FF2B5EF4-FFF2-40B4-BE49-F238E27FC236}">
+                <a16:creationId xmlns:a16="http://schemas.microsoft.com/office/drawing/2014/main" id="{1B67C968-09C6-409E-9094-6A61912F818E}"/>
+              </a:ext>
+            </a:extLst>
+          </p:cNvPr>
+          <p:cNvSpPr>
+            <a:spLocks noGrp="1"/>
+          </p:cNvSpPr>
+          <p:nvPr>
+            <p:ph type="sldNum" sz="quarter" idx="12"/>
+          </p:nvPr>
+        </p:nvSpPr>
+        <p:spPr/>
+        <p:txBody>
+          <a:bodyPr/>
+          <a:lstStyle/>
+          <a:p>
+            <a:fld id="{21D15A9C-11B4-4C77-BDEA-04E3D7D1DFC0}" type="slidenum">
+              <a:rPr lang="en-US" smtClean="0"/>
+              <a:t>9</a:t>
+            </a:fld>
+            <a:endParaRPr lang="en-US"/>
+          </a:p>
+        </p:txBody>
+      </p:sp>
+    </p:spTree>
+    <p:extLst>
+      <p:ext uri="{BB962C8B-B14F-4D97-AF65-F5344CB8AC3E}">
+        <p14:creationId xmlns:p14="http://schemas.microsoft.com/office/powerpoint/2010/main" val="3267681367"/>
       </p:ext>
     </p:extLst>
   </p:cSld>

--- a/LabSession0 - Initial Setup.pptx
+++ b/LabSession0 - Initial Setup.pptx
@@ -6,7 +6,7 @@
     <p:sldMasterId id="2147483672" r:id="rId2"/>
   </p:sldMasterIdLst>
   <p:notesMasterIdLst>
-    <p:notesMasterId r:id="rId12"/>
+    <p:notesMasterId r:id="rId14"/>
   </p:notesMasterIdLst>
   <p:sldIdLst>
     <p:sldId id="256" r:id="rId3"/>
@@ -16,8 +16,10 @@
     <p:sldId id="305" r:id="rId7"/>
     <p:sldId id="306" r:id="rId8"/>
     <p:sldId id="307" r:id="rId9"/>
-    <p:sldId id="308" r:id="rId10"/>
+    <p:sldId id="310" r:id="rId10"/>
     <p:sldId id="309" r:id="rId11"/>
+    <p:sldId id="308" r:id="rId12"/>
+    <p:sldId id="311" r:id="rId13"/>
   </p:sldIdLst>
   <p:sldSz cx="9144000" cy="6858000" type="screen4x3"/>
   <p:notesSz cx="6858000" cy="9144000"/>
@@ -128,8 +130,10 @@
             <p14:sldId id="305"/>
             <p14:sldId id="306"/>
             <p14:sldId id="307"/>
+            <p14:sldId id="310"/>
+            <p14:sldId id="309"/>
             <p14:sldId id="308"/>
-            <p14:sldId id="309"/>
+            <p14:sldId id="311"/>
           </p14:sldIdLst>
         </p14:section>
       </p14:sectionLst>
@@ -223,7 +227,7 @@
           <a:p>
             <a:fld id="{2CC5598C-FF10-4AF1-BC63-A7C8964CD468}" type="datetimeFigureOut">
               <a:rPr lang="en-US" smtClean="0"/>
-              <a:t>9/22/2019</a:t>
+              <a:t>9/23/2019</a:t>
             </a:fld>
             <a:endParaRPr lang="en-US"/>
           </a:p>
@@ -382,7 +386,7 @@
           <a:p>
             <a:fld id="{579EA76A-0A3F-4C6E-BCAD-3645DACBB6C6}" type="slidenum">
               <a:rPr lang="en-US" smtClean="0"/>
-              <a:t>‹N›</a:t>
+              <a:t>‹#›</a:t>
             </a:fld>
             <a:endParaRPr lang="en-US"/>
           </a:p>
@@ -743,6 +747,258 @@
 </p:notes>
 </file>
 
+<file path=ppt/notesSlides/notesSlide4.xml><?xml version="1.0" encoding="utf-8"?>
+<p:notes xmlns:a="http://schemas.openxmlformats.org/drawingml/2006/main" xmlns:r="http://schemas.openxmlformats.org/officeDocument/2006/relationships" xmlns:p="http://schemas.openxmlformats.org/presentationml/2006/main">
+  <p:cSld>
+    <p:spTree>
+      <p:nvGrpSpPr>
+        <p:cNvPr id="1" name=""/>
+        <p:cNvGrpSpPr/>
+        <p:nvPr/>
+      </p:nvGrpSpPr>
+      <p:grpSpPr>
+        <a:xfrm>
+          <a:off x="0" y="0"/>
+          <a:ext cx="0" cy="0"/>
+          <a:chOff x="0" y="0"/>
+          <a:chExt cx="0" cy="0"/>
+        </a:xfrm>
+      </p:grpSpPr>
+      <p:sp>
+        <p:nvSpPr>
+          <p:cNvPr id="2" name="Slide Image Placeholder 1"/>
+          <p:cNvSpPr>
+            <a:spLocks noGrp="1" noRot="1" noChangeAspect="1"/>
+          </p:cNvSpPr>
+          <p:nvPr>
+            <p:ph type="sldImg"/>
+          </p:nvPr>
+        </p:nvSpPr>
+        <p:spPr/>
+      </p:sp>
+      <p:sp>
+        <p:nvSpPr>
+          <p:cNvPr id="3" name="Notes Placeholder 2"/>
+          <p:cNvSpPr>
+            <a:spLocks noGrp="1"/>
+          </p:cNvSpPr>
+          <p:nvPr>
+            <p:ph type="body" idx="1"/>
+          </p:nvPr>
+        </p:nvSpPr>
+        <p:spPr/>
+        <p:txBody>
+          <a:bodyPr/>
+          <a:lstStyle/>
+          <a:p>
+            <a:endParaRPr lang="en-GB" dirty="0"/>
+          </a:p>
+        </p:txBody>
+      </p:sp>
+      <p:sp>
+        <p:nvSpPr>
+          <p:cNvPr id="4" name="Slide Number Placeholder 3"/>
+          <p:cNvSpPr>
+            <a:spLocks noGrp="1"/>
+          </p:cNvSpPr>
+          <p:nvPr>
+            <p:ph type="sldNum" sz="quarter" idx="5"/>
+          </p:nvPr>
+        </p:nvSpPr>
+        <p:spPr/>
+        <p:txBody>
+          <a:bodyPr/>
+          <a:lstStyle/>
+          <a:p>
+            <a:fld id="{579EA76A-0A3F-4C6E-BCAD-3645DACBB6C6}" type="slidenum">
+              <a:rPr lang="en-US" smtClean="0"/>
+              <a:t>7</a:t>
+            </a:fld>
+            <a:endParaRPr lang="en-US"/>
+          </a:p>
+        </p:txBody>
+      </p:sp>
+    </p:spTree>
+    <p:extLst>
+      <p:ext uri="{BB962C8B-B14F-4D97-AF65-F5344CB8AC3E}">
+        <p14:creationId xmlns:p14="http://schemas.microsoft.com/office/powerpoint/2010/main" val="3300223062"/>
+      </p:ext>
+    </p:extLst>
+  </p:cSld>
+  <p:clrMapOvr>
+    <a:masterClrMapping/>
+  </p:clrMapOvr>
+</p:notes>
+</file>
+
+<file path=ppt/notesSlides/notesSlide5.xml><?xml version="1.0" encoding="utf-8"?>
+<p:notes xmlns:a="http://schemas.openxmlformats.org/drawingml/2006/main" xmlns:r="http://schemas.openxmlformats.org/officeDocument/2006/relationships" xmlns:p="http://schemas.openxmlformats.org/presentationml/2006/main">
+  <p:cSld>
+    <p:spTree>
+      <p:nvGrpSpPr>
+        <p:cNvPr id="1" name=""/>
+        <p:cNvGrpSpPr/>
+        <p:nvPr/>
+      </p:nvGrpSpPr>
+      <p:grpSpPr>
+        <a:xfrm>
+          <a:off x="0" y="0"/>
+          <a:ext cx="0" cy="0"/>
+          <a:chOff x="0" y="0"/>
+          <a:chExt cx="0" cy="0"/>
+        </a:xfrm>
+      </p:grpSpPr>
+      <p:sp>
+        <p:nvSpPr>
+          <p:cNvPr id="2" name="Slide Image Placeholder 1"/>
+          <p:cNvSpPr>
+            <a:spLocks noGrp="1" noRot="1" noChangeAspect="1"/>
+          </p:cNvSpPr>
+          <p:nvPr>
+            <p:ph type="sldImg"/>
+          </p:nvPr>
+        </p:nvSpPr>
+        <p:spPr/>
+      </p:sp>
+      <p:sp>
+        <p:nvSpPr>
+          <p:cNvPr id="3" name="Notes Placeholder 2"/>
+          <p:cNvSpPr>
+            <a:spLocks noGrp="1"/>
+          </p:cNvSpPr>
+          <p:nvPr>
+            <p:ph type="body" idx="1"/>
+          </p:nvPr>
+        </p:nvSpPr>
+        <p:spPr/>
+        <p:txBody>
+          <a:bodyPr/>
+          <a:lstStyle/>
+          <a:p>
+            <a:endParaRPr lang="en-GB" dirty="0"/>
+          </a:p>
+        </p:txBody>
+      </p:sp>
+      <p:sp>
+        <p:nvSpPr>
+          <p:cNvPr id="4" name="Slide Number Placeholder 3"/>
+          <p:cNvSpPr>
+            <a:spLocks noGrp="1"/>
+          </p:cNvSpPr>
+          <p:nvPr>
+            <p:ph type="sldNum" sz="quarter" idx="5"/>
+          </p:nvPr>
+        </p:nvSpPr>
+        <p:spPr/>
+        <p:txBody>
+          <a:bodyPr/>
+          <a:lstStyle/>
+          <a:p>
+            <a:fld id="{579EA76A-0A3F-4C6E-BCAD-3645DACBB6C6}" type="slidenum">
+              <a:rPr lang="en-US" smtClean="0"/>
+              <a:t>8</a:t>
+            </a:fld>
+            <a:endParaRPr lang="en-US"/>
+          </a:p>
+        </p:txBody>
+      </p:sp>
+    </p:spTree>
+    <p:extLst>
+      <p:ext uri="{BB962C8B-B14F-4D97-AF65-F5344CB8AC3E}">
+        <p14:creationId xmlns:p14="http://schemas.microsoft.com/office/powerpoint/2010/main" val="2736114230"/>
+      </p:ext>
+    </p:extLst>
+  </p:cSld>
+  <p:clrMapOvr>
+    <a:masterClrMapping/>
+  </p:clrMapOvr>
+</p:notes>
+</file>
+
+<file path=ppt/notesSlides/notesSlide6.xml><?xml version="1.0" encoding="utf-8"?>
+<p:notes xmlns:a="http://schemas.openxmlformats.org/drawingml/2006/main" xmlns:r="http://schemas.openxmlformats.org/officeDocument/2006/relationships" xmlns:p="http://schemas.openxmlformats.org/presentationml/2006/main">
+  <p:cSld>
+    <p:spTree>
+      <p:nvGrpSpPr>
+        <p:cNvPr id="1" name=""/>
+        <p:cNvGrpSpPr/>
+        <p:nvPr/>
+      </p:nvGrpSpPr>
+      <p:grpSpPr>
+        <a:xfrm>
+          <a:off x="0" y="0"/>
+          <a:ext cx="0" cy="0"/>
+          <a:chOff x="0" y="0"/>
+          <a:chExt cx="0" cy="0"/>
+        </a:xfrm>
+      </p:grpSpPr>
+      <p:sp>
+        <p:nvSpPr>
+          <p:cNvPr id="2" name="Slide Image Placeholder 1"/>
+          <p:cNvSpPr>
+            <a:spLocks noGrp="1" noRot="1" noChangeAspect="1"/>
+          </p:cNvSpPr>
+          <p:nvPr>
+            <p:ph type="sldImg"/>
+          </p:nvPr>
+        </p:nvSpPr>
+        <p:spPr/>
+      </p:sp>
+      <p:sp>
+        <p:nvSpPr>
+          <p:cNvPr id="3" name="Notes Placeholder 2"/>
+          <p:cNvSpPr>
+            <a:spLocks noGrp="1"/>
+          </p:cNvSpPr>
+          <p:nvPr>
+            <p:ph type="body" idx="1"/>
+          </p:nvPr>
+        </p:nvSpPr>
+        <p:spPr/>
+        <p:txBody>
+          <a:bodyPr/>
+          <a:lstStyle/>
+          <a:p>
+            <a:endParaRPr lang="en-GB" dirty="0"/>
+          </a:p>
+        </p:txBody>
+      </p:sp>
+      <p:sp>
+        <p:nvSpPr>
+          <p:cNvPr id="4" name="Slide Number Placeholder 3"/>
+          <p:cNvSpPr>
+            <a:spLocks noGrp="1"/>
+          </p:cNvSpPr>
+          <p:nvPr>
+            <p:ph type="sldNum" sz="quarter" idx="5"/>
+          </p:nvPr>
+        </p:nvSpPr>
+        <p:spPr/>
+        <p:txBody>
+          <a:bodyPr/>
+          <a:lstStyle/>
+          <a:p>
+            <a:fld id="{579EA76A-0A3F-4C6E-BCAD-3645DACBB6C6}" type="slidenum">
+              <a:rPr lang="en-US" smtClean="0"/>
+              <a:t>9</a:t>
+            </a:fld>
+            <a:endParaRPr lang="en-US"/>
+          </a:p>
+        </p:txBody>
+      </p:sp>
+    </p:spTree>
+    <p:extLst>
+      <p:ext uri="{BB962C8B-B14F-4D97-AF65-F5344CB8AC3E}">
+        <p14:creationId xmlns:p14="http://schemas.microsoft.com/office/powerpoint/2010/main" val="1091326578"/>
+      </p:ext>
+    </p:extLst>
+  </p:cSld>
+  <p:clrMapOvr>
+    <a:masterClrMapping/>
+  </p:clrMapOvr>
+</p:notes>
+</file>
+
 <file path=ppt/slideLayouts/slideLayout1.xml><?xml version="1.0" encoding="utf-8"?>
 <p:sldLayout xmlns:a="http://schemas.openxmlformats.org/drawingml/2006/main" xmlns:r="http://schemas.openxmlformats.org/officeDocument/2006/relationships" xmlns:p="http://schemas.openxmlformats.org/presentationml/2006/main" type="title" preserve="1">
   <p:cSld name="Diapositiva titolo">
@@ -923,7 +1179,7 @@
           <a:p>
             <a:fld id="{21D15A9C-11B4-4C77-BDEA-04E3D7D1DFC0}" type="slidenum">
               <a:rPr lang="en-US" smtClean="0"/>
-              <a:t>‹N›</a:t>
+              <a:t>‹#›</a:t>
             </a:fld>
             <a:endParaRPr lang="en-US"/>
           </a:p>
@@ -1100,7 +1356,7 @@
           <a:p>
             <a:fld id="{21D15A9C-11B4-4C77-BDEA-04E3D7D1DFC0}" type="slidenum">
               <a:rPr lang="en-US" smtClean="0"/>
-              <a:t>‹N›</a:t>
+              <a:t>‹#›</a:t>
             </a:fld>
             <a:endParaRPr lang="en-US"/>
           </a:p>
@@ -1287,7 +1543,7 @@
           <a:p>
             <a:fld id="{21D15A9C-11B4-4C77-BDEA-04E3D7D1DFC0}" type="slidenum">
               <a:rPr lang="en-US" smtClean="0"/>
-              <a:t>‹N›</a:t>
+              <a:t>‹#›</a:t>
             </a:fld>
             <a:endParaRPr lang="en-US"/>
           </a:p>
@@ -1685,7 +1941,7 @@
           <a:p>
             <a:fld id="{B6BBDCE0-C0AA-484E-A956-04C10F83074F}" type="slidenum">
               <a:rPr lang="en-US" smtClean="0"/>
-              <a:t>‹N›</a:t>
+              <a:t>‹#›</a:t>
             </a:fld>
             <a:endParaRPr lang="en-US"/>
           </a:p>
@@ -1960,7 +2216,7 @@
           <a:p>
             <a:fld id="{B6BBDCE0-C0AA-484E-A956-04C10F83074F}" type="slidenum">
               <a:rPr lang="en-US" smtClean="0"/>
-              <a:t>‹N›</a:t>
+              <a:t>‹#›</a:t>
             </a:fld>
             <a:endParaRPr lang="en-US"/>
           </a:p>
@@ -2229,7 +2485,7 @@
           <a:p>
             <a:fld id="{B6BBDCE0-C0AA-484E-A956-04C10F83074F}" type="slidenum">
               <a:rPr lang="en-US" smtClean="0"/>
-              <a:t>‹N›</a:t>
+              <a:t>‹#›</a:t>
             </a:fld>
             <a:endParaRPr lang="en-US"/>
           </a:p>
@@ -2634,7 +2890,7 @@
           <a:p>
             <a:fld id="{B6BBDCE0-C0AA-484E-A956-04C10F83074F}" type="slidenum">
               <a:rPr lang="en-US" smtClean="0"/>
-              <a:t>‹N›</a:t>
+              <a:t>‹#›</a:t>
             </a:fld>
             <a:endParaRPr lang="en-US"/>
           </a:p>
@@ -2783,7 +3039,7 @@
           <a:p>
             <a:fld id="{B6BBDCE0-C0AA-484E-A956-04C10F83074F}" type="slidenum">
               <a:rPr lang="en-US" smtClean="0"/>
-              <a:t>‹N›</a:t>
+              <a:t>‹#›</a:t>
             </a:fld>
             <a:endParaRPr lang="en-US"/>
           </a:p>
@@ -2901,7 +3157,7 @@
           <a:p>
             <a:fld id="{B6BBDCE0-C0AA-484E-A956-04C10F83074F}" type="slidenum">
               <a:rPr lang="en-US" smtClean="0"/>
-              <a:t>‹N›</a:t>
+              <a:t>‹#›</a:t>
             </a:fld>
             <a:endParaRPr lang="en-US"/>
           </a:p>
@@ -3210,7 +3466,7 @@
           <a:p>
             <a:fld id="{B6BBDCE0-C0AA-484E-A956-04C10F83074F}" type="slidenum">
               <a:rPr lang="en-US" smtClean="0"/>
-              <a:t>‹N›</a:t>
+              <a:t>‹#›</a:t>
             </a:fld>
             <a:endParaRPr lang="en-US"/>
           </a:p>
@@ -3365,7 +3621,7 @@
           <a:p>
             <a:fld id="{21D15A9C-11B4-4C77-BDEA-04E3D7D1DFC0}" type="slidenum">
               <a:rPr lang="en-US" smtClean="0"/>
-              <a:t>‹N›</a:t>
+              <a:t>‹#›</a:t>
             </a:fld>
             <a:endParaRPr lang="en-US"/>
           </a:p>
@@ -3650,7 +3906,7 @@
           <a:p>
             <a:fld id="{B6BBDCE0-C0AA-484E-A956-04C10F83074F}" type="slidenum">
               <a:rPr lang="en-US" smtClean="0"/>
-              <a:t>‹N›</a:t>
+              <a:t>‹#›</a:t>
             </a:fld>
             <a:endParaRPr lang="en-US"/>
           </a:p>
@@ -3859,7 +4115,7 @@
           <a:p>
             <a:fld id="{B6BBDCE0-C0AA-484E-A956-04C10F83074F}" type="slidenum">
               <a:rPr lang="en-US" smtClean="0"/>
-              <a:t>‹N›</a:t>
+              <a:t>‹#›</a:t>
             </a:fld>
             <a:endParaRPr lang="en-US"/>
           </a:p>
@@ -4068,7 +4324,7 @@
           <a:p>
             <a:fld id="{B6BBDCE0-C0AA-484E-A956-04C10F83074F}" type="slidenum">
               <a:rPr lang="en-US" smtClean="0"/>
-              <a:t>‹N›</a:t>
+              <a:t>‹#›</a:t>
             </a:fld>
             <a:endParaRPr lang="en-US"/>
           </a:p>
@@ -4319,7 +4575,7 @@
           <a:p>
             <a:fld id="{21D15A9C-11B4-4C77-BDEA-04E3D7D1DFC0}" type="slidenum">
               <a:rPr lang="en-US" smtClean="0"/>
-              <a:t>‹N›</a:t>
+              <a:t>‹#›</a:t>
             </a:fld>
             <a:endParaRPr lang="en-US"/>
           </a:p>
@@ -4648,7 +4904,7 @@
           <a:p>
             <a:fld id="{21D15A9C-11B4-4C77-BDEA-04E3D7D1DFC0}" type="slidenum">
               <a:rPr lang="en-US" smtClean="0"/>
-              <a:t>‹N›</a:t>
+              <a:t>‹#›</a:t>
             </a:fld>
             <a:endParaRPr lang="en-US"/>
           </a:p>
@@ -5083,7 +5339,7 @@
           <a:p>
             <a:fld id="{21D15A9C-11B4-4C77-BDEA-04E3D7D1DFC0}" type="slidenum">
               <a:rPr lang="en-US" smtClean="0"/>
-              <a:t>‹N›</a:t>
+              <a:t>‹#›</a:t>
             </a:fld>
             <a:endParaRPr lang="en-US"/>
           </a:p>
@@ -5208,7 +5464,7 @@
           <a:p>
             <a:fld id="{21D15A9C-11B4-4C77-BDEA-04E3D7D1DFC0}" type="slidenum">
               <a:rPr lang="en-US" smtClean="0"/>
-              <a:t>‹N›</a:t>
+              <a:t>‹#›</a:t>
             </a:fld>
             <a:endParaRPr lang="en-US"/>
           </a:p>
@@ -5310,7 +5566,7 @@
           <a:p>
             <a:fld id="{21D15A9C-11B4-4C77-BDEA-04E3D7D1DFC0}" type="slidenum">
               <a:rPr lang="en-US" smtClean="0"/>
-              <a:t>‹N›</a:t>
+              <a:t>‹#›</a:t>
             </a:fld>
             <a:endParaRPr lang="en-US"/>
           </a:p>
@@ -5594,7 +5850,7 @@
           <a:p>
             <a:fld id="{21D15A9C-11B4-4C77-BDEA-04E3D7D1DFC0}" type="slidenum">
               <a:rPr lang="en-US" smtClean="0"/>
-              <a:t>‹N›</a:t>
+              <a:t>‹#›</a:t>
             </a:fld>
             <a:endParaRPr lang="en-US"/>
           </a:p>
@@ -5858,7 +6114,7 @@
           <a:p>
             <a:fld id="{21D15A9C-11B4-4C77-BDEA-04E3D7D1DFC0}" type="slidenum">
               <a:rPr lang="en-US" smtClean="0"/>
-              <a:t>‹N›</a:t>
+              <a:t>‹#›</a:t>
             </a:fld>
             <a:endParaRPr lang="en-US"/>
           </a:p>
@@ -6071,7 +6327,7 @@
             <a:fld id="{21D15A9C-11B4-4C77-BDEA-04E3D7D1DFC0}" type="slidenum">
               <a:rPr lang="en-US" smtClean="0"/>
               <a:pPr/>
-              <a:t>‹N›</a:t>
+              <a:t>‹#›</a:t>
             </a:fld>
             <a:endParaRPr lang="en-US" dirty="0"/>
           </a:p>
@@ -7205,6 +7461,602 @@
 </p:sld>
 </file>
 
+<file path=ppt/slides/slide10.xml><?xml version="1.0" encoding="utf-8"?>
+<p:sld xmlns:a="http://schemas.openxmlformats.org/drawingml/2006/main" xmlns:r="http://schemas.openxmlformats.org/officeDocument/2006/relationships" xmlns:p="http://schemas.openxmlformats.org/presentationml/2006/main">
+  <p:cSld>
+    <p:spTree>
+      <p:nvGrpSpPr>
+        <p:cNvPr id="1" name=""/>
+        <p:cNvGrpSpPr/>
+        <p:nvPr/>
+      </p:nvGrpSpPr>
+      <p:grpSpPr>
+        <a:xfrm>
+          <a:off x="0" y="0"/>
+          <a:ext cx="0" cy="0"/>
+          <a:chOff x="0" y="0"/>
+          <a:chExt cx="0" cy="0"/>
+        </a:xfrm>
+      </p:grpSpPr>
+      <p:sp>
+        <p:nvSpPr>
+          <p:cNvPr id="2" name="Titolo 1">
+            <a:extLst>
+              <a:ext uri="{FF2B5EF4-FFF2-40B4-BE49-F238E27FC236}">
+                <a16:creationId xmlns:a16="http://schemas.microsoft.com/office/drawing/2014/main" id="{C2425517-4760-4CAE-AE51-2926BAC8F809}"/>
+              </a:ext>
+            </a:extLst>
+          </p:cNvPr>
+          <p:cNvSpPr>
+            <a:spLocks noGrp="1"/>
+          </p:cNvSpPr>
+          <p:nvPr>
+            <p:ph type="title"/>
+          </p:nvPr>
+        </p:nvSpPr>
+        <p:spPr/>
+        <p:txBody>
+          <a:bodyPr>
+            <a:normAutofit fontScale="90000"/>
+          </a:bodyPr>
+          <a:lstStyle/>
+          <a:p>
+            <a:r>
+              <a:rPr lang="en-GB" dirty="0"/>
+              <a:t>Working from home: IDE and terminal</a:t>
+            </a:r>
+          </a:p>
+        </p:txBody>
+      </p:sp>
+      <p:sp>
+        <p:nvSpPr>
+          <p:cNvPr id="3" name="Segnaposto contenuto 2">
+            <a:extLst>
+              <a:ext uri="{FF2B5EF4-FFF2-40B4-BE49-F238E27FC236}">
+                <a16:creationId xmlns:a16="http://schemas.microsoft.com/office/drawing/2014/main" id="{87EB0E7F-A70F-40D1-8E72-EC4A6A106225}"/>
+              </a:ext>
+            </a:extLst>
+          </p:cNvPr>
+          <p:cNvSpPr>
+            <a:spLocks noGrp="1"/>
+          </p:cNvSpPr>
+          <p:nvPr>
+            <p:ph idx="1"/>
+          </p:nvPr>
+        </p:nvSpPr>
+        <p:spPr>
+          <a:xfrm>
+            <a:off x="411892" y="1825625"/>
+            <a:ext cx="4388708" cy="2974975"/>
+          </a:xfrm>
+        </p:spPr>
+        <p:txBody>
+          <a:bodyPr>
+            <a:normAutofit fontScale="92500"/>
+          </a:bodyPr>
+          <a:lstStyle/>
+          <a:p>
+            <a:pPr marL="0" indent="0">
+              <a:buNone/>
+            </a:pPr>
+            <a:r>
+              <a:rPr lang="en-GB" dirty="0"/>
+              <a:t>When you work with python you typically do not program directly on </a:t>
+            </a:r>
+            <a:r>
+              <a:rPr lang="en-GB" dirty="0" err="1"/>
+              <a:t>Jupyter</a:t>
+            </a:r>
+            <a:r>
+              <a:rPr lang="en-GB" dirty="0"/>
+              <a:t> Notebook but it is common to use a Source Code Editor such as</a:t>
+            </a:r>
+          </a:p>
+          <a:p>
+            <a:pPr marL="0" indent="0">
+              <a:buNone/>
+            </a:pPr>
+            <a:r>
+              <a:rPr lang="en-GB" b="1" dirty="0"/>
+              <a:t>Visual Studio Code: </a:t>
+            </a:r>
+            <a:r>
+              <a:rPr lang="en-GB" u="sng" dirty="0">
+                <a:solidFill>
+                  <a:srgbClr val="0070C0"/>
+                </a:solidFill>
+              </a:rPr>
+              <a:t>https://code.visualstudio.com/</a:t>
+            </a:r>
+            <a:r>
+              <a:rPr lang="en-GB" b="1" u="sng" dirty="0">
+                <a:solidFill>
+                  <a:srgbClr val="0070C0"/>
+                </a:solidFill>
+              </a:rPr>
+              <a:t> </a:t>
+            </a:r>
+          </a:p>
+          <a:p>
+            <a:pPr marL="0" indent="0">
+              <a:buNone/>
+            </a:pPr>
+            <a:r>
+              <a:rPr lang="en-GB" dirty="0"/>
+              <a:t>or </a:t>
+            </a:r>
+            <a:r>
+              <a:rPr lang="en-GB" b="1" dirty="0" err="1"/>
+              <a:t>Pycharm</a:t>
+            </a:r>
+            <a:r>
+              <a:rPr lang="en-GB" b="1" dirty="0"/>
+              <a:t>:</a:t>
+            </a:r>
+          </a:p>
+          <a:p>
+            <a:pPr marL="0" indent="0">
+              <a:buNone/>
+            </a:pPr>
+            <a:r>
+              <a:rPr lang="en-GB" u="sng" dirty="0">
+                <a:solidFill>
+                  <a:srgbClr val="0070C0"/>
+                </a:solidFill>
+              </a:rPr>
+              <a:t>https://www.jetbrains.com/pycharm/</a:t>
+            </a:r>
+          </a:p>
+          <a:p>
+            <a:pPr marL="0" indent="0">
+              <a:buNone/>
+            </a:pPr>
+            <a:endParaRPr lang="en-GB" b="1" dirty="0"/>
+          </a:p>
+          <a:p>
+            <a:pPr marL="0" indent="0">
+              <a:buNone/>
+            </a:pPr>
+            <a:endParaRPr lang="en-GB" dirty="0"/>
+          </a:p>
+        </p:txBody>
+      </p:sp>
+      <p:sp>
+        <p:nvSpPr>
+          <p:cNvPr id="4" name="Segnaposto data 3">
+            <a:extLst>
+              <a:ext uri="{FF2B5EF4-FFF2-40B4-BE49-F238E27FC236}">
+                <a16:creationId xmlns:a16="http://schemas.microsoft.com/office/drawing/2014/main" id="{CD37FF21-5647-48BC-ABE0-22F8AB863E52}"/>
+              </a:ext>
+            </a:extLst>
+          </p:cNvPr>
+          <p:cNvSpPr>
+            <a:spLocks noGrp="1"/>
+          </p:cNvSpPr>
+          <p:nvPr>
+            <p:ph type="dt" sz="half" idx="10"/>
+          </p:nvPr>
+        </p:nvSpPr>
+        <p:spPr>
+          <a:xfrm>
+            <a:off x="411891" y="6361329"/>
+            <a:ext cx="2558835" cy="365125"/>
+          </a:xfrm>
+        </p:spPr>
+        <p:txBody>
+          <a:bodyPr/>
+          <a:lstStyle/>
+          <a:p>
+            <a:r>
+              <a:rPr lang="en-US" dirty="0"/>
+              <a:t>Initial Setup – Pierluigi Zama Ramirez</a:t>
+            </a:r>
+          </a:p>
+        </p:txBody>
+      </p:sp>
+      <p:sp>
+        <p:nvSpPr>
+          <p:cNvPr id="5" name="Segnaposto numero diapositiva 4">
+            <a:extLst>
+              <a:ext uri="{FF2B5EF4-FFF2-40B4-BE49-F238E27FC236}">
+                <a16:creationId xmlns:a16="http://schemas.microsoft.com/office/drawing/2014/main" id="{1B67C968-09C6-409E-9094-6A61912F818E}"/>
+              </a:ext>
+            </a:extLst>
+          </p:cNvPr>
+          <p:cNvSpPr>
+            <a:spLocks noGrp="1"/>
+          </p:cNvSpPr>
+          <p:nvPr>
+            <p:ph type="sldNum" sz="quarter" idx="12"/>
+          </p:nvPr>
+        </p:nvSpPr>
+        <p:spPr/>
+        <p:txBody>
+          <a:bodyPr/>
+          <a:lstStyle/>
+          <a:p>
+            <a:fld id="{21D15A9C-11B4-4C77-BDEA-04E3D7D1DFC0}" type="slidenum">
+              <a:rPr lang="en-US" smtClean="0"/>
+              <a:t>10</a:t>
+            </a:fld>
+            <a:endParaRPr lang="en-US"/>
+          </a:p>
+        </p:txBody>
+      </p:sp>
+      <p:pic>
+        <p:nvPicPr>
+          <p:cNvPr id="7" name="Picture 6" descr="A screenshot of a computer screen&#10;&#10;Description automatically generated">
+            <a:extLst>
+              <a:ext uri="{FF2B5EF4-FFF2-40B4-BE49-F238E27FC236}">
+                <a16:creationId xmlns:a16="http://schemas.microsoft.com/office/drawing/2014/main" id="{4DF3BEF7-DC55-4F94-A68C-905967B726EE}"/>
+              </a:ext>
+            </a:extLst>
+          </p:cNvPr>
+          <p:cNvPicPr>
+            <a:picLocks noChangeAspect="1"/>
+          </p:cNvPicPr>
+          <p:nvPr/>
+        </p:nvPicPr>
+        <p:blipFill>
+          <a:blip r:embed="rId2">
+            <a:extLst>
+              <a:ext uri="{28A0092B-C50C-407E-A947-70E740481C1C}">
+                <a14:useLocalDpi xmlns:a14="http://schemas.microsoft.com/office/drawing/2010/main" val="0"/>
+              </a:ext>
+            </a:extLst>
+          </a:blip>
+          <a:stretch>
+            <a:fillRect/>
+          </a:stretch>
+        </p:blipFill>
+        <p:spPr>
+          <a:xfrm>
+            <a:off x="4840819" y="1825625"/>
+            <a:ext cx="3932479" cy="2364106"/>
+          </a:xfrm>
+          <a:prstGeom prst="rect">
+            <a:avLst/>
+          </a:prstGeom>
+        </p:spPr>
+      </p:pic>
+      <p:sp>
+        <p:nvSpPr>
+          <p:cNvPr id="8" name="TextBox 7">
+            <a:extLst>
+              <a:ext uri="{FF2B5EF4-FFF2-40B4-BE49-F238E27FC236}">
+                <a16:creationId xmlns:a16="http://schemas.microsoft.com/office/drawing/2014/main" id="{A87279E9-021B-455F-A831-1F47A5C4ADC7}"/>
+              </a:ext>
+            </a:extLst>
+          </p:cNvPr>
+          <p:cNvSpPr txBox="1"/>
+          <p:nvPr/>
+        </p:nvSpPr>
+        <p:spPr>
+          <a:xfrm>
+            <a:off x="5722677" y="4316968"/>
+            <a:ext cx="1986441" cy="369332"/>
+          </a:xfrm>
+          <a:prstGeom prst="rect">
+            <a:avLst/>
+          </a:prstGeom>
+          <a:noFill/>
+        </p:spPr>
+        <p:txBody>
+          <a:bodyPr wrap="none" rtlCol="0">
+            <a:spAutoFit/>
+          </a:bodyPr>
+          <a:lstStyle/>
+          <a:p>
+            <a:r>
+              <a:rPr lang="en-GB" dirty="0"/>
+              <a:t>Visual Studio Code</a:t>
+            </a:r>
+          </a:p>
+        </p:txBody>
+      </p:sp>
+      <p:sp>
+        <p:nvSpPr>
+          <p:cNvPr id="9" name="TextBox 8">
+            <a:extLst>
+              <a:ext uri="{FF2B5EF4-FFF2-40B4-BE49-F238E27FC236}">
+                <a16:creationId xmlns:a16="http://schemas.microsoft.com/office/drawing/2014/main" id="{F94C595A-21CC-4F57-9954-C4B981E0A9EB}"/>
+              </a:ext>
+            </a:extLst>
+          </p:cNvPr>
+          <p:cNvSpPr txBox="1"/>
+          <p:nvPr/>
+        </p:nvSpPr>
+        <p:spPr>
+          <a:xfrm>
+            <a:off x="411891" y="5063689"/>
+            <a:ext cx="8361407" cy="1384995"/>
+          </a:xfrm>
+          <a:prstGeom prst="rect">
+            <a:avLst/>
+          </a:prstGeom>
+          <a:noFill/>
+        </p:spPr>
+        <p:txBody>
+          <a:bodyPr wrap="square" rtlCol="0">
+            <a:spAutoFit/>
+          </a:bodyPr>
+          <a:lstStyle/>
+          <a:p>
+            <a:r>
+              <a:rPr lang="en-GB" sz="2200" dirty="0">
+                <a:latin typeface="Tw Cen MT" panose="020B0602020104020603" pitchFamily="34" charset="0"/>
+              </a:rPr>
+              <a:t>When you finish writing your script from your terminal you can navigate to your script folder and run:</a:t>
+            </a:r>
+          </a:p>
+          <a:p>
+            <a:pPr algn="ctr"/>
+            <a:r>
+              <a:rPr lang="en-GB" sz="2200" b="1" i="1" dirty="0">
+                <a:latin typeface="Tw Cen MT" panose="020B0602020104020603" pitchFamily="34" charset="0"/>
+              </a:rPr>
+              <a:t>python my_script.py</a:t>
+            </a:r>
+          </a:p>
+          <a:p>
+            <a:endParaRPr lang="en-GB" dirty="0"/>
+          </a:p>
+        </p:txBody>
+      </p:sp>
+    </p:spTree>
+    <p:extLst>
+      <p:ext uri="{BB962C8B-B14F-4D97-AF65-F5344CB8AC3E}">
+        <p14:creationId xmlns:p14="http://schemas.microsoft.com/office/powerpoint/2010/main" val="2993606909"/>
+      </p:ext>
+    </p:extLst>
+  </p:cSld>
+  <p:clrMapOvr>
+    <a:masterClrMapping/>
+  </p:clrMapOvr>
+</p:sld>
+</file>
+
+<file path=ppt/slides/slide11.xml><?xml version="1.0" encoding="utf-8"?>
+<p:sld xmlns:a="http://schemas.openxmlformats.org/drawingml/2006/main" xmlns:r="http://schemas.openxmlformats.org/officeDocument/2006/relationships" xmlns:p="http://schemas.openxmlformats.org/presentationml/2006/main">
+  <p:cSld>
+    <p:spTree>
+      <p:nvGrpSpPr>
+        <p:cNvPr id="1" name=""/>
+        <p:cNvGrpSpPr/>
+        <p:nvPr/>
+      </p:nvGrpSpPr>
+      <p:grpSpPr>
+        <a:xfrm>
+          <a:off x="0" y="0"/>
+          <a:ext cx="0" cy="0"/>
+          <a:chOff x="0" y="0"/>
+          <a:chExt cx="0" cy="0"/>
+        </a:xfrm>
+      </p:grpSpPr>
+      <p:sp>
+        <p:nvSpPr>
+          <p:cNvPr id="2" name="Title 1">
+            <a:extLst>
+              <a:ext uri="{FF2B5EF4-FFF2-40B4-BE49-F238E27FC236}">
+                <a16:creationId xmlns:a16="http://schemas.microsoft.com/office/drawing/2014/main" id="{DF3D8252-8ACC-4A32-B182-BB210C937B6C}"/>
+              </a:ext>
+            </a:extLst>
+          </p:cNvPr>
+          <p:cNvSpPr>
+            <a:spLocks noGrp="1"/>
+          </p:cNvSpPr>
+          <p:nvPr>
+            <p:ph type="title"/>
+          </p:nvPr>
+        </p:nvSpPr>
+        <p:spPr/>
+        <p:txBody>
+          <a:bodyPr/>
+          <a:lstStyle/>
+          <a:p>
+            <a:r>
+              <a:rPr lang="en-GB" dirty="0"/>
+              <a:t>References</a:t>
+            </a:r>
+          </a:p>
+        </p:txBody>
+      </p:sp>
+      <p:sp>
+        <p:nvSpPr>
+          <p:cNvPr id="3" name="Content Placeholder 2">
+            <a:extLst>
+              <a:ext uri="{FF2B5EF4-FFF2-40B4-BE49-F238E27FC236}">
+                <a16:creationId xmlns:a16="http://schemas.microsoft.com/office/drawing/2014/main" id="{B792448F-A164-4713-A14D-05C2DCFB5137}"/>
+              </a:ext>
+            </a:extLst>
+          </p:cNvPr>
+          <p:cNvSpPr>
+            <a:spLocks noGrp="1"/>
+          </p:cNvSpPr>
+          <p:nvPr>
+            <p:ph idx="1"/>
+          </p:nvPr>
+        </p:nvSpPr>
+        <p:spPr/>
+        <p:txBody>
+          <a:bodyPr>
+            <a:normAutofit lnSpcReduction="10000"/>
+          </a:bodyPr>
+          <a:lstStyle/>
+          <a:p>
+            <a:r>
+              <a:rPr lang="en-GB" dirty="0"/>
+              <a:t>Python3 documentation: </a:t>
+            </a:r>
+          </a:p>
+          <a:p>
+            <a:pPr marL="0" indent="0" algn="ctr">
+              <a:buNone/>
+            </a:pPr>
+            <a:r>
+              <a:rPr lang="en-GB" u="sng" dirty="0">
+                <a:solidFill>
+                  <a:srgbClr val="0070C0"/>
+                </a:solidFill>
+              </a:rPr>
+              <a:t>https://docs.python.org/3/c-api/index.html</a:t>
+            </a:r>
+          </a:p>
+          <a:p>
+            <a:r>
+              <a:rPr lang="en-GB" dirty="0" err="1"/>
+              <a:t>Jupyter</a:t>
+            </a:r>
+            <a:r>
+              <a:rPr lang="en-GB" dirty="0"/>
+              <a:t> documentation:</a:t>
+            </a:r>
+          </a:p>
+          <a:p>
+            <a:pPr marL="0" indent="0" algn="ctr">
+              <a:buNone/>
+            </a:pPr>
+            <a:r>
+              <a:rPr lang="en-GB" u="sng" dirty="0">
+                <a:solidFill>
+                  <a:srgbClr val="0070C0"/>
+                </a:solidFill>
+              </a:rPr>
+              <a:t>https://jupyter.readthedocs.io/en/latest/</a:t>
+            </a:r>
+          </a:p>
+          <a:p>
+            <a:r>
+              <a:rPr lang="en-GB" dirty="0" err="1"/>
+              <a:t>Numpy</a:t>
+            </a:r>
+            <a:r>
+              <a:rPr lang="en-GB" dirty="0"/>
+              <a:t> documentation:</a:t>
+            </a:r>
+          </a:p>
+          <a:p>
+            <a:pPr marL="0" indent="0" algn="ctr">
+              <a:buNone/>
+            </a:pPr>
+            <a:r>
+              <a:rPr lang="en-GB" u="sng" dirty="0">
+                <a:solidFill>
+                  <a:srgbClr val="0070C0"/>
+                </a:solidFill>
+              </a:rPr>
+              <a:t>https://docs.scipy.org/doc/numpy/reference/index.html</a:t>
+            </a:r>
+          </a:p>
+          <a:p>
+            <a:r>
+              <a:rPr lang="en-GB" dirty="0"/>
+              <a:t>Matplotlib documentation:</a:t>
+            </a:r>
+          </a:p>
+          <a:p>
+            <a:pPr algn="ctr"/>
+            <a:r>
+              <a:rPr lang="en-GB" dirty="0">
+                <a:solidFill>
+                  <a:srgbClr val="0070C0"/>
+                </a:solidFill>
+              </a:rPr>
+              <a:t>https://matplotlib.org/3.1.1/api/index.html</a:t>
+            </a:r>
+          </a:p>
+          <a:p>
+            <a:r>
+              <a:rPr lang="en-GB" dirty="0"/>
+              <a:t>OpenCV documentation:</a:t>
+            </a:r>
+          </a:p>
+          <a:p>
+            <a:pPr marL="0" indent="0" algn="ctr">
+              <a:buNone/>
+            </a:pPr>
+            <a:r>
+              <a:rPr lang="en-GB" u="sng" dirty="0">
+                <a:solidFill>
+                  <a:schemeClr val="accent5"/>
+                </a:solidFill>
+              </a:rPr>
+              <a:t>https://docs.opencv.org/trunk/d6/d00/tutorial_py_root.html</a:t>
+            </a:r>
+          </a:p>
+        </p:txBody>
+      </p:sp>
+      <p:sp>
+        <p:nvSpPr>
+          <p:cNvPr id="4" name="Date Placeholder 3">
+            <a:extLst>
+              <a:ext uri="{FF2B5EF4-FFF2-40B4-BE49-F238E27FC236}">
+                <a16:creationId xmlns:a16="http://schemas.microsoft.com/office/drawing/2014/main" id="{071C9865-5481-49D2-ABC6-F1F2A902679B}"/>
+              </a:ext>
+            </a:extLst>
+          </p:cNvPr>
+          <p:cNvSpPr>
+            <a:spLocks noGrp="1"/>
+          </p:cNvSpPr>
+          <p:nvPr>
+            <p:ph type="dt" sz="half" idx="10"/>
+          </p:nvPr>
+        </p:nvSpPr>
+        <p:spPr/>
+        <p:txBody>
+          <a:bodyPr/>
+          <a:lstStyle/>
+          <a:p>
+            <a:r>
+              <a:rPr lang="en-US"/>
+              <a:t>TensorFlow 101 - Alessio Tonioni</a:t>
+            </a:r>
+            <a:endParaRPr lang="en-US" dirty="0"/>
+          </a:p>
+        </p:txBody>
+      </p:sp>
+      <p:sp>
+        <p:nvSpPr>
+          <p:cNvPr id="5" name="Slide Number Placeholder 4">
+            <a:extLst>
+              <a:ext uri="{FF2B5EF4-FFF2-40B4-BE49-F238E27FC236}">
+                <a16:creationId xmlns:a16="http://schemas.microsoft.com/office/drawing/2014/main" id="{E6619CBC-8378-46B5-B875-4F81E797B3BE}"/>
+              </a:ext>
+            </a:extLst>
+          </p:cNvPr>
+          <p:cNvSpPr>
+            <a:spLocks noGrp="1"/>
+          </p:cNvSpPr>
+          <p:nvPr>
+            <p:ph type="sldNum" sz="quarter" idx="12"/>
+          </p:nvPr>
+        </p:nvSpPr>
+        <p:spPr/>
+        <p:txBody>
+          <a:bodyPr/>
+          <a:lstStyle/>
+          <a:p>
+            <a:fld id="{21D15A9C-11B4-4C77-BDEA-04E3D7D1DFC0}" type="slidenum">
+              <a:rPr lang="en-US" smtClean="0"/>
+              <a:t>11</a:t>
+            </a:fld>
+            <a:endParaRPr lang="en-US"/>
+          </a:p>
+        </p:txBody>
+      </p:sp>
+    </p:spTree>
+    <p:extLst>
+      <p:ext uri="{BB962C8B-B14F-4D97-AF65-F5344CB8AC3E}">
+        <p14:creationId xmlns:p14="http://schemas.microsoft.com/office/powerpoint/2010/main" val="499923485"/>
+      </p:ext>
+    </p:extLst>
+  </p:cSld>
+  <p:clrMapOvr>
+    <a:masterClrMapping/>
+  </p:clrMapOvr>
+</p:sld>
+</file>
+
 <file path=ppt/slides/slide2.xml><?xml version="1.0" encoding="utf-8"?>
 <p:sld xmlns:a="http://schemas.openxmlformats.org/drawingml/2006/main" xmlns:r="http://schemas.openxmlformats.org/officeDocument/2006/relationships" xmlns:p="http://schemas.openxmlformats.org/presentationml/2006/main">
   <p:cSld>
@@ -7284,7 +8136,7 @@
           <a:p>
             <a:r>
               <a:rPr lang="en-GB" dirty="0"/>
-              <a:t>Windows or Linux-Ubuntu (macOS and other Linux distributions are not tested but should work, follow Linux guidelines)</a:t>
+              <a:t>Windows or Linux-Ubuntu (macOS and other Linux distributions are not in this guide but they should work too.)</a:t>
             </a:r>
           </a:p>
           <a:p>
@@ -7969,7 +8821,7 @@
         <p:spPr>
           <a:xfrm>
             <a:off x="411892" y="3314700"/>
-            <a:ext cx="4826172" cy="861774"/>
+            <a:ext cx="4402156" cy="2831544"/>
           </a:xfrm>
           <a:prstGeom prst="rect">
             <a:avLst/>
@@ -7988,6 +8840,9 @@
               </a:rPr>
               <a:t>Installing on Windows:</a:t>
             </a:r>
+            <a:endParaRPr lang="en-US" sz="1600" dirty="0">
+              <a:latin typeface="Tw Cen MT" panose="020B0602020104020603" pitchFamily="34" charset="0"/>
+            </a:endParaRPr>
           </a:p>
           <a:p>
             <a:pPr marL="285750" indent="-285750">
@@ -7995,17 +8850,184 @@
               <a:buChar char="•"/>
             </a:pPr>
             <a:r>
+              <a:rPr lang="en-US" sz="1600" dirty="0">
+                <a:latin typeface="Tw Cen MT" panose="020B0602020104020603" pitchFamily="34" charset="0"/>
+              </a:rPr>
+              <a:t>Download the get-pip.py installer script from here: </a:t>
+            </a:r>
+            <a:r>
+              <a:rPr lang="en-US" sz="1600" u="sng" dirty="0">
+                <a:solidFill>
+                  <a:srgbClr val="0070C0"/>
+                </a:solidFill>
+                <a:latin typeface="Tw Cen MT" panose="020B0602020104020603" pitchFamily="34" charset="0"/>
+              </a:rPr>
+              <a:t>https://bootstrap.pypa.io/get-pip.py</a:t>
+            </a:r>
+            <a:r>
+              <a:rPr lang="en-US" sz="1600" dirty="0">
+                <a:latin typeface="Tw Cen MT" panose="020B0602020104020603" pitchFamily="34" charset="0"/>
+              </a:rPr>
+              <a:t>. Right-click on the link and select </a:t>
+            </a:r>
+            <a:r>
+              <a:rPr lang="en-US" sz="1600" i="1" dirty="0">
+                <a:latin typeface="Tw Cen MT" panose="020B0602020104020603" pitchFamily="34" charset="0"/>
+              </a:rPr>
+              <a:t>Save As</a:t>
+            </a:r>
+            <a:r>
+              <a:rPr lang="en-US" sz="1600" dirty="0">
+                <a:latin typeface="Tw Cen MT" panose="020B0602020104020603" pitchFamily="34" charset="0"/>
+              </a:rPr>
+              <a:t> and save it to any location.</a:t>
+            </a:r>
+          </a:p>
+          <a:p>
+            <a:pPr marL="285750" indent="-285750">
+              <a:buFont typeface="Arial" panose="020B0604020202020204" pitchFamily="34" charset="0"/>
+              <a:buChar char="•"/>
+            </a:pPr>
+            <a:r>
+              <a:rPr lang="en-US" sz="1600" dirty="0">
+                <a:latin typeface="Tw Cen MT" panose="020B0602020104020603" pitchFamily="34" charset="0"/>
+              </a:rPr>
+              <a:t>Open the Command Prompt (better </a:t>
+            </a:r>
+            <a:r>
+              <a:rPr lang="en-US" sz="1600" b="1" dirty="0">
+                <a:latin typeface="Tw Cen MT" panose="020B0602020104020603" pitchFamily="34" charset="0"/>
+              </a:rPr>
+              <a:t>Windows PowerShell</a:t>
+            </a:r>
+            <a:r>
+              <a:rPr lang="en-US" sz="1600" dirty="0">
+                <a:latin typeface="Tw Cen MT" panose="020B0602020104020603" pitchFamily="34" charset="0"/>
+              </a:rPr>
+              <a:t>) and navigate to the folder containing the get-pip.py file (</a:t>
+            </a:r>
+            <a:r>
+              <a:rPr lang="en-US" sz="1600" i="1" dirty="0">
+                <a:latin typeface="Tw Cen MT" panose="020B0602020104020603" pitchFamily="34" charset="0"/>
+              </a:rPr>
+              <a:t>cd</a:t>
+            </a:r>
+            <a:r>
+              <a:rPr lang="en-US" sz="1600" dirty="0">
+                <a:latin typeface="Tw Cen MT" panose="020B0602020104020603" pitchFamily="34" charset="0"/>
+              </a:rPr>
+              <a:t> </a:t>
+            </a:r>
+            <a:r>
+              <a:rPr lang="en-US" sz="1600" i="1" dirty="0">
+                <a:latin typeface="Tw Cen MT" panose="020B0602020104020603" pitchFamily="34" charset="0"/>
+              </a:rPr>
+              <a:t>path_to_folder)</a:t>
+            </a:r>
+            <a:r>
+              <a:rPr lang="en-US" sz="1600" dirty="0">
+                <a:latin typeface="Tw Cen MT" panose="020B0602020104020603" pitchFamily="34" charset="0"/>
+              </a:rPr>
+              <a:t>. </a:t>
+            </a:r>
+          </a:p>
+          <a:p>
+            <a:pPr marL="285750" indent="-285750">
+              <a:buFont typeface="Arial" panose="020B0604020202020204" pitchFamily="34" charset="0"/>
+              <a:buChar char="•"/>
+            </a:pPr>
+            <a:r>
+              <a:rPr lang="en-US" sz="1600" dirty="0">
+                <a:latin typeface="Tw Cen MT" panose="020B0602020104020603" pitchFamily="34" charset="0"/>
+              </a:rPr>
+              <a:t>Run the following command: </a:t>
+            </a:r>
+            <a:r>
+              <a:rPr lang="en-US" sz="1600" b="1" i="1" dirty="0">
+                <a:latin typeface="Tw Cen MT" panose="020B0602020104020603" pitchFamily="34" charset="0"/>
+              </a:rPr>
+              <a:t>python get-pip.py</a:t>
+            </a:r>
+          </a:p>
+          <a:p>
+            <a:pPr marL="285750" indent="-285750">
+              <a:buFont typeface="Arial" panose="020B0604020202020204" pitchFamily="34" charset="0"/>
+              <a:buChar char="•"/>
+            </a:pPr>
+            <a:endParaRPr lang="en-GB" dirty="0"/>
+          </a:p>
+        </p:txBody>
+      </p:sp>
+      <p:sp>
+        <p:nvSpPr>
+          <p:cNvPr id="7" name="CasellaDiTesto 5">
+            <a:extLst>
+              <a:ext uri="{FF2B5EF4-FFF2-40B4-BE49-F238E27FC236}">
+                <a16:creationId xmlns:a16="http://schemas.microsoft.com/office/drawing/2014/main" id="{F396E0AF-3398-4050-9751-B9EB4EAACBAA}"/>
+              </a:ext>
+            </a:extLst>
+          </p:cNvPr>
+          <p:cNvSpPr txBox="1"/>
+          <p:nvPr/>
+        </p:nvSpPr>
+        <p:spPr>
+          <a:xfrm>
+            <a:off x="4584357" y="3314700"/>
+            <a:ext cx="4147751" cy="1354217"/>
+          </a:xfrm>
+          <a:prstGeom prst="rect">
+            <a:avLst/>
+          </a:prstGeom>
+          <a:noFill/>
+        </p:spPr>
+        <p:txBody>
+          <a:bodyPr wrap="square" rtlCol="0">
+            <a:spAutoFit/>
+          </a:bodyPr>
+          <a:lstStyle/>
+          <a:p>
+            <a:r>
               <a:rPr lang="en-GB" sz="1600" dirty="0">
                 <a:latin typeface="Tw Cen MT" panose="020B0602020104020603" pitchFamily="34" charset="0"/>
               </a:rPr>
-              <a:t>Download the get-pip.py installer </a:t>
-            </a:r>
-            <a:r>
-              <a:rPr lang="en-GB" sz="1600">
+              <a:t>Installing on Ubuntu:</a:t>
+            </a:r>
+          </a:p>
+          <a:p>
+            <a:pPr marL="285750" indent="-285750">
+              <a:buFont typeface="Arial" panose="020B0604020202020204" pitchFamily="34" charset="0"/>
+              <a:buChar char="•"/>
+            </a:pPr>
+            <a:r>
+              <a:rPr lang="en-GB" sz="1600" dirty="0">
                 <a:latin typeface="Tw Cen MT" panose="020B0602020104020603" pitchFamily="34" charset="0"/>
               </a:rPr>
-              <a:t>from:</a:t>
-            </a:r>
+              <a:t>Open your terminal and run the following:</a:t>
+            </a:r>
+          </a:p>
+          <a:p>
+            <a:pPr algn="ctr"/>
+            <a:r>
+              <a:rPr lang="en-US" altLang="en-US" sz="1600" b="1" i="1" dirty="0" err="1">
+                <a:latin typeface="Tw Cen MT" panose="020B0602020104020603" pitchFamily="34" charset="0"/>
+              </a:rPr>
+              <a:t>sudo</a:t>
+            </a:r>
+            <a:r>
+              <a:rPr lang="en-US" altLang="en-US" sz="1600" b="1" i="1" dirty="0">
+                <a:latin typeface="Tw Cen MT" panose="020B0602020104020603" pitchFamily="34" charset="0"/>
+              </a:rPr>
+              <a:t> apt-get install python3-pip </a:t>
+            </a:r>
+          </a:p>
+          <a:p>
+            <a:pPr marL="285750" indent="-285750">
+              <a:buFont typeface="Arial" panose="020B0604020202020204" pitchFamily="34" charset="0"/>
+              <a:buChar char="•"/>
+            </a:pPr>
+            <a:endParaRPr lang="en-US" sz="1600" dirty="0">
+              <a:latin typeface="Tw Cen MT" panose="020B0602020104020603" pitchFamily="34" charset="0"/>
+            </a:endParaRPr>
           </a:p>
           <a:p>
             <a:pPr marL="285750" indent="-285750">
@@ -8097,12 +9119,185 @@
             <p:ph idx="1"/>
           </p:nvPr>
         </p:nvSpPr>
-        <p:spPr/>
-        <p:txBody>
-          <a:bodyPr/>
-          <a:lstStyle/>
-          <a:p>
-            <a:endParaRPr lang="en-GB"/>
+        <p:spPr>
+          <a:xfrm>
+            <a:off x="399535" y="1866901"/>
+            <a:ext cx="8344930" cy="4356100"/>
+          </a:xfrm>
+        </p:spPr>
+        <p:txBody>
+          <a:bodyPr>
+            <a:normAutofit fontScale="92500" lnSpcReduction="10000"/>
+          </a:bodyPr>
+          <a:lstStyle/>
+          <a:p>
+            <a:pPr marL="0" indent="0">
+              <a:buNone/>
+            </a:pPr>
+            <a:r>
+              <a:rPr lang="en-GB" dirty="0"/>
+              <a:t>Installing on every OS:</a:t>
+            </a:r>
+          </a:p>
+          <a:p>
+            <a:pPr marL="0" indent="0">
+              <a:buNone/>
+            </a:pPr>
+            <a:r>
+              <a:rPr lang="en-GB" dirty="0"/>
+              <a:t>Open your terminal (Windows PowerShell for Windows) and run the following commands:</a:t>
+            </a:r>
+          </a:p>
+          <a:p>
+            <a:pPr marL="0" indent="0">
+              <a:buNone/>
+            </a:pPr>
+            <a:endParaRPr lang="en-GB" dirty="0"/>
+          </a:p>
+          <a:p>
+            <a:r>
+              <a:rPr lang="en-GB" dirty="0"/>
+              <a:t>Install </a:t>
+            </a:r>
+            <a:r>
+              <a:rPr lang="en-GB" dirty="0" err="1"/>
+              <a:t>numpy</a:t>
+            </a:r>
+            <a:r>
+              <a:rPr lang="en-GB" dirty="0"/>
+              <a:t> (For array operations) :</a:t>
+            </a:r>
+          </a:p>
+          <a:p>
+            <a:pPr marL="0" indent="0" algn="ctr">
+              <a:buNone/>
+            </a:pPr>
+            <a:r>
+              <a:rPr lang="en-GB" dirty="0"/>
+              <a:t> </a:t>
+            </a:r>
+            <a:r>
+              <a:rPr lang="en-GB" b="1" i="1" dirty="0"/>
+              <a:t>pip3 install </a:t>
+            </a:r>
+            <a:r>
+              <a:rPr lang="en-GB" b="1" i="1" dirty="0" err="1"/>
+              <a:t>numpy</a:t>
+            </a:r>
+            <a:endParaRPr lang="en-GB" b="1" i="1" dirty="0"/>
+          </a:p>
+          <a:p>
+            <a:r>
+              <a:rPr lang="en-GB" dirty="0"/>
+              <a:t>Install matplotlib (For plotting and visualization)</a:t>
+            </a:r>
+          </a:p>
+          <a:p>
+            <a:pPr marL="0" indent="0" algn="ctr">
+              <a:buNone/>
+            </a:pPr>
+            <a:r>
+              <a:rPr lang="en-GB" b="1" i="1" dirty="0"/>
+              <a:t>pip3 install matplotlib</a:t>
+            </a:r>
+          </a:p>
+          <a:p>
+            <a:r>
+              <a:rPr lang="en-GB" dirty="0"/>
+              <a:t>Install OpenCV (Computer Vision Library): </a:t>
+            </a:r>
+          </a:p>
+          <a:p>
+            <a:pPr marL="0" indent="0" algn="ctr">
+              <a:buNone/>
+            </a:pPr>
+            <a:r>
+              <a:rPr lang="en-GB" b="1" i="1" dirty="0"/>
+              <a:t>pip3 install </a:t>
+            </a:r>
+            <a:r>
+              <a:rPr lang="en-GB" b="1" i="1" dirty="0" err="1"/>
+              <a:t>opencv</a:t>
+            </a:r>
+            <a:r>
+              <a:rPr lang="en-GB" b="1" i="1" dirty="0"/>
+              <a:t>-python==</a:t>
+            </a:r>
+            <a:r>
+              <a:rPr lang="en-GB" b="1" i="1" dirty="0" err="1">
+                <a:solidFill>
+                  <a:srgbClr val="FF0000"/>
+                </a:solidFill>
+              </a:rPr>
+              <a:t>version_with_SIFT</a:t>
+            </a:r>
+            <a:endParaRPr lang="en-GB" b="1" i="1" dirty="0">
+              <a:solidFill>
+                <a:srgbClr val="FF0000"/>
+              </a:solidFill>
+            </a:endParaRPr>
+          </a:p>
+          <a:p>
+            <a:pPr marL="0" indent="0" algn="ctr">
+              <a:buNone/>
+            </a:pPr>
+            <a:r>
+              <a:rPr lang="en-GB" b="1" i="1" dirty="0"/>
+              <a:t>pip install </a:t>
+            </a:r>
+            <a:r>
+              <a:rPr lang="en-GB" b="1" i="1" dirty="0" err="1"/>
+              <a:t>opencv</a:t>
+            </a:r>
+            <a:r>
+              <a:rPr lang="en-GB" b="1" i="1" dirty="0"/>
+              <a:t>-</a:t>
+            </a:r>
+            <a:r>
+              <a:rPr lang="en-GB" b="1" i="1" dirty="0" err="1"/>
+              <a:t>contrib</a:t>
+            </a:r>
+            <a:r>
+              <a:rPr lang="en-GB" b="1" i="1" dirty="0"/>
+              <a:t>-python ==</a:t>
+            </a:r>
+            <a:r>
+              <a:rPr lang="en-GB" b="1" i="1" dirty="0" err="1">
+                <a:solidFill>
+                  <a:srgbClr val="FF0000"/>
+                </a:solidFill>
+              </a:rPr>
+              <a:t>version_with_SIFT</a:t>
+            </a:r>
+            <a:endParaRPr lang="en-GB" b="1" i="1" dirty="0">
+              <a:solidFill>
+                <a:srgbClr val="FF0000"/>
+              </a:solidFill>
+            </a:endParaRPr>
+          </a:p>
+          <a:p>
+            <a:pPr marL="0" indent="0">
+              <a:buNone/>
+            </a:pPr>
+            <a:endParaRPr lang="en-GB" dirty="0"/>
+          </a:p>
+          <a:p>
+            <a:pPr marL="0" indent="0">
+              <a:buNone/>
+            </a:pPr>
+            <a:endParaRPr lang="en-GB" dirty="0"/>
+          </a:p>
+          <a:p>
+            <a:pPr marL="0" indent="0">
+              <a:buNone/>
+            </a:pPr>
+            <a:endParaRPr lang="en-GB" dirty="0"/>
+          </a:p>
+          <a:p>
+            <a:pPr marL="0" indent="0">
+              <a:buNone/>
+            </a:pPr>
+            <a:endParaRPr lang="en-GB" dirty="0"/>
           </a:p>
         </p:txBody>
       </p:sp>
@@ -8254,10 +9449,121 @@
         </p:nvSpPr>
         <p:spPr/>
         <p:txBody>
-          <a:bodyPr/>
-          <a:lstStyle/>
-          <a:p>
-            <a:endParaRPr lang="en-GB"/>
+          <a:bodyPr>
+            <a:normAutofit fontScale="92500"/>
+          </a:bodyPr>
+          <a:lstStyle/>
+          <a:p>
+            <a:pPr marL="0" indent="0">
+              <a:buNone/>
+            </a:pPr>
+            <a:r>
+              <a:rPr lang="en-US" dirty="0"/>
+              <a:t>The </a:t>
+            </a:r>
+            <a:r>
+              <a:rPr lang="en-US" dirty="0" err="1"/>
+              <a:t>Jupyter</a:t>
+            </a:r>
+            <a:r>
+              <a:rPr lang="en-US" dirty="0"/>
+              <a:t> Notebook is an open-source web application that allows you to create and share documents that contain live code, equations, visualizations and narrative text. It is useful to explain how to code and to visualize interactively the results of an algorithm or code.</a:t>
+            </a:r>
+            <a:endParaRPr lang="en-GB" dirty="0"/>
+          </a:p>
+          <a:p>
+            <a:pPr marL="0" indent="0">
+              <a:buNone/>
+            </a:pPr>
+            <a:r>
+              <a:rPr lang="en-GB" b="1" dirty="0"/>
+              <a:t>Install</a:t>
+            </a:r>
+            <a:r>
+              <a:rPr lang="en-GB" dirty="0"/>
+              <a:t> on every OS:</a:t>
+            </a:r>
+          </a:p>
+          <a:p>
+            <a:r>
+              <a:rPr lang="en-GB" dirty="0"/>
+              <a:t>Open your terminal and run: </a:t>
+            </a:r>
+            <a:r>
+              <a:rPr lang="en-GB" b="1" i="1" dirty="0"/>
+              <a:t>pip3 install </a:t>
+            </a:r>
+            <a:r>
+              <a:rPr lang="en-GB" b="1" i="1" dirty="0" err="1"/>
+              <a:t>jupyter</a:t>
+            </a:r>
+            <a:endParaRPr lang="en-GB" b="1" i="1" dirty="0"/>
+          </a:p>
+          <a:p>
+            <a:pPr marL="0" indent="0">
+              <a:buNone/>
+            </a:pPr>
+            <a:r>
+              <a:rPr lang="en-GB" b="1" dirty="0"/>
+              <a:t>Run</a:t>
+            </a:r>
+            <a:r>
+              <a:rPr lang="en-GB" dirty="0"/>
+              <a:t> it:</a:t>
+            </a:r>
+          </a:p>
+          <a:p>
+            <a:r>
+              <a:rPr lang="en-GB" dirty="0"/>
+              <a:t>Launch the notebook server in a terminal (do not close it!) with the following command: </a:t>
+            </a:r>
+            <a:r>
+              <a:rPr lang="en-GB" b="1" i="1" dirty="0" err="1"/>
+              <a:t>jupyter</a:t>
+            </a:r>
+            <a:r>
+              <a:rPr lang="en-GB" b="1" i="1" dirty="0"/>
+              <a:t> notebook  --port 8081</a:t>
+            </a:r>
+          </a:p>
+          <a:p>
+            <a:pPr marL="0" indent="0">
+              <a:buNone/>
+            </a:pPr>
+            <a:r>
+              <a:rPr lang="en-US" dirty="0"/>
+              <a:t>You should see the notebook open in your browser. </a:t>
+            </a:r>
+            <a:r>
+              <a:rPr lang="en-GB" dirty="0"/>
+              <a:t>However, you should see in the terminal the URL of the server (</a:t>
+            </a:r>
+            <a:r>
+              <a:rPr lang="en-GB" b="1" dirty="0"/>
+              <a:t>http://localhost:8081</a:t>
+            </a:r>
+            <a:r>
+              <a:rPr lang="en-GB" dirty="0"/>
+              <a:t>)</a:t>
+            </a:r>
+          </a:p>
+          <a:p>
+            <a:pPr marL="0" indent="0">
+              <a:buNone/>
+            </a:pPr>
+            <a:endParaRPr lang="en-GB" dirty="0"/>
+          </a:p>
+          <a:p>
+            <a:pPr marL="0" indent="0">
+              <a:buNone/>
+            </a:pPr>
+            <a:endParaRPr lang="en-GB" dirty="0"/>
+          </a:p>
+          <a:p>
+            <a:pPr marL="0" indent="0">
+              <a:buNone/>
+            </a:pPr>
+            <a:endParaRPr lang="en-GB" dirty="0"/>
           </a:p>
         </p:txBody>
       </p:sp>
@@ -8387,31 +9693,6 @@
       </p:sp>
       <p:sp>
         <p:nvSpPr>
-          <p:cNvPr id="3" name="Segnaposto contenuto 2">
-            <a:extLst>
-              <a:ext uri="{FF2B5EF4-FFF2-40B4-BE49-F238E27FC236}">
-                <a16:creationId xmlns:a16="http://schemas.microsoft.com/office/drawing/2014/main" id="{87EB0E7F-A70F-40D1-8E72-EC4A6A106225}"/>
-              </a:ext>
-            </a:extLst>
-          </p:cNvPr>
-          <p:cNvSpPr>
-            <a:spLocks noGrp="1"/>
-          </p:cNvSpPr>
-          <p:nvPr>
-            <p:ph idx="1"/>
-          </p:nvPr>
-        </p:nvSpPr>
-        <p:spPr/>
-        <p:txBody>
-          <a:bodyPr/>
-          <a:lstStyle/>
-          <a:p>
-            <a:endParaRPr lang="en-GB"/>
-          </a:p>
-        </p:txBody>
-      </p:sp>
-      <p:sp>
-        <p:nvSpPr>
           <p:cNvPr id="4" name="Segnaposto data 3">
             <a:extLst>
               <a:ext uri="{FF2B5EF4-FFF2-40B4-BE49-F238E27FC236}">
@@ -8469,6 +9750,149 @@
               <a:t>7</a:t>
             </a:fld>
             <a:endParaRPr lang="en-US"/>
+          </a:p>
+        </p:txBody>
+      </p:sp>
+      <p:sp>
+        <p:nvSpPr>
+          <p:cNvPr id="8" name="TextBox 7">
+            <a:extLst>
+              <a:ext uri="{FF2B5EF4-FFF2-40B4-BE49-F238E27FC236}">
+                <a16:creationId xmlns:a16="http://schemas.microsoft.com/office/drawing/2014/main" id="{524FB599-5D29-4B3F-9927-9A935AB0DA50}"/>
+              </a:ext>
+            </a:extLst>
+          </p:cNvPr>
+          <p:cNvSpPr txBox="1"/>
+          <p:nvPr/>
+        </p:nvSpPr>
+        <p:spPr>
+          <a:xfrm>
+            <a:off x="1001818" y="5742638"/>
+            <a:ext cx="7140353" cy="369332"/>
+          </a:xfrm>
+          <a:prstGeom prst="rect">
+            <a:avLst/>
+          </a:prstGeom>
+          <a:noFill/>
+        </p:spPr>
+        <p:txBody>
+          <a:bodyPr wrap="none" rtlCol="0">
+            <a:spAutoFit/>
+          </a:bodyPr>
+          <a:lstStyle/>
+          <a:p>
+            <a:r>
+              <a:rPr lang="en-GB" dirty="0"/>
+              <a:t>Notebook dashboard. Navigate to your notebook (.</a:t>
+            </a:r>
+            <a:r>
+              <a:rPr lang="en-GB" dirty="0" err="1"/>
+              <a:t>ipynb</a:t>
+            </a:r>
+            <a:r>
+              <a:rPr lang="en-GB" dirty="0"/>
+              <a:t> file) and open it. </a:t>
+            </a:r>
+          </a:p>
+        </p:txBody>
+      </p:sp>
+      <p:pic>
+        <p:nvPicPr>
+          <p:cNvPr id="16" name="Content Placeholder 15" descr="A screenshot of a computer screen&#10;&#10;Description automatically generated">
+            <a:extLst>
+              <a:ext uri="{FF2B5EF4-FFF2-40B4-BE49-F238E27FC236}">
+                <a16:creationId xmlns:a16="http://schemas.microsoft.com/office/drawing/2014/main" id="{53A94E6D-7223-4FD3-810B-21B05FCFC2A3}"/>
+              </a:ext>
+            </a:extLst>
+          </p:cNvPr>
+          <p:cNvPicPr>
+            <a:picLocks noGrp="1" noChangeAspect="1"/>
+          </p:cNvPicPr>
+          <p:nvPr>
+            <p:ph idx="1"/>
+          </p:nvPr>
+        </p:nvPicPr>
+        <p:blipFill>
+          <a:blip r:embed="rId3">
+            <a:extLst>
+              <a:ext uri="{28A0092B-C50C-407E-A947-70E740481C1C}">
+                <a14:useLocalDpi xmlns:a14="http://schemas.microsoft.com/office/drawing/2010/main" val="0"/>
+              </a:ext>
+            </a:extLst>
+          </a:blip>
+          <a:stretch>
+            <a:fillRect/>
+          </a:stretch>
+        </p:blipFill>
+        <p:spPr>
+          <a:xfrm>
+            <a:off x="1388919" y="1922273"/>
+            <a:ext cx="6366153" cy="3580961"/>
+          </a:xfrm>
+          <a:prstGeom prst="rect">
+            <a:avLst/>
+          </a:prstGeom>
+          <a:ln>
+            <a:noFill/>
+          </a:ln>
+          <a:effectLst>
+            <a:outerShdw blurRad="292100" dist="139700" dir="2700000" algn="tl" rotWithShape="0">
+              <a:srgbClr val="333333">
+                <a:alpha val="65000"/>
+              </a:srgbClr>
+            </a:outerShdw>
+          </a:effectLst>
+        </p:spPr>
+      </p:pic>
+      <p:sp>
+        <p:nvSpPr>
+          <p:cNvPr id="17" name="Oval 16">
+            <a:extLst>
+              <a:ext uri="{FF2B5EF4-FFF2-40B4-BE49-F238E27FC236}">
+                <a16:creationId xmlns:a16="http://schemas.microsoft.com/office/drawing/2014/main" id="{DA07955D-3A39-45EF-9285-66533386F48D}"/>
+              </a:ext>
+            </a:extLst>
+          </p:cNvPr>
+          <p:cNvSpPr/>
+          <p:nvPr/>
+        </p:nvSpPr>
+        <p:spPr>
+          <a:xfrm>
+            <a:off x="1805940" y="3375660"/>
+            <a:ext cx="1051560" cy="106680"/>
+          </a:xfrm>
+          <a:prstGeom prst="ellipse">
+            <a:avLst/>
+          </a:prstGeom>
+          <a:noFill/>
+          <a:ln>
+            <a:solidFill>
+              <a:srgbClr val="FF0000"/>
+            </a:solidFill>
+          </a:ln>
+        </p:spPr>
+        <p:style>
+          <a:lnRef idx="2">
+            <a:schemeClr val="accent1">
+              <a:shade val="50000"/>
+            </a:schemeClr>
+          </a:lnRef>
+          <a:fillRef idx="1">
+            <a:schemeClr val="accent1"/>
+          </a:fillRef>
+          <a:effectRef idx="0">
+            <a:schemeClr val="accent1"/>
+          </a:effectRef>
+          <a:fontRef idx="minor">
+            <a:schemeClr val="lt1"/>
+          </a:fontRef>
+        </p:style>
+        <p:txBody>
+          <a:bodyPr rtlCol="0" anchor="ctr"/>
+          <a:lstStyle/>
+          <a:p>
+            <a:pPr algn="ctr"/>
+            <a:endParaRPr lang="en-GB"/>
           </a:p>
         </p:txBody>
       </p:sp>
@@ -8502,6 +9926,54 @@
           <a:chExt cx="0" cy="0"/>
         </a:xfrm>
       </p:grpSpPr>
+      <p:pic>
+        <p:nvPicPr>
+          <p:cNvPr id="14" name="Content Placeholder 13" descr="A screenshot of a computer&#10;&#10;Description automatically generated">
+            <a:extLst>
+              <a:ext uri="{FF2B5EF4-FFF2-40B4-BE49-F238E27FC236}">
+                <a16:creationId xmlns:a16="http://schemas.microsoft.com/office/drawing/2014/main" id="{77E87B2F-9F93-48A2-945A-D50F9E8003B2}"/>
+              </a:ext>
+            </a:extLst>
+          </p:cNvPr>
+          <p:cNvPicPr>
+            <a:picLocks noGrp="1" noChangeAspect="1"/>
+          </p:cNvPicPr>
+          <p:nvPr>
+            <p:ph idx="1"/>
+          </p:nvPr>
+        </p:nvPicPr>
+        <p:blipFill>
+          <a:blip r:embed="rId3">
+            <a:extLst>
+              <a:ext uri="{28A0092B-C50C-407E-A947-70E740481C1C}">
+                <a14:useLocalDpi xmlns:a14="http://schemas.microsoft.com/office/drawing/2010/main" val="0"/>
+              </a:ext>
+            </a:extLst>
+          </a:blip>
+          <a:stretch>
+            <a:fillRect/>
+          </a:stretch>
+        </p:blipFill>
+        <p:spPr>
+          <a:xfrm>
+            <a:off x="1127325" y="1843771"/>
+            <a:ext cx="6889335" cy="3875251"/>
+          </a:xfrm>
+          <a:prstGeom prst="rect">
+            <a:avLst/>
+          </a:prstGeom>
+          <a:ln>
+            <a:noFill/>
+          </a:ln>
+          <a:effectLst>
+            <a:outerShdw blurRad="292100" dist="139700" dir="2700000" algn="tl" rotWithShape="0">
+              <a:srgbClr val="333333">
+                <a:alpha val="65000"/>
+              </a:srgbClr>
+            </a:outerShdw>
+          </a:effectLst>
+        </p:spPr>
+      </p:pic>
       <p:sp>
         <p:nvSpPr>
           <p:cNvPr id="2" name="Titolo 1">
@@ -8524,50 +9996,13 @@
           <a:lstStyle/>
           <a:p>
             <a:r>
-              <a:rPr lang="en-GB"/>
-              <a:t>Visual </a:t>
+              <a:rPr lang="en-GB" dirty="0" err="1"/>
+              <a:t>Jupyter</a:t>
             </a:r>
             <a:r>
               <a:rPr lang="en-GB" dirty="0"/>
-              <a:t>S</a:t>
-            </a:r>
-            <a:r>
-              <a:rPr lang="en-GB"/>
-              <a:t>tudio </a:t>
-            </a:r>
-            <a:r>
-              <a:rPr lang="en-GB" dirty="0"/>
-              <a:t>Code </a:t>
-            </a:r>
-            <a:r>
-              <a:rPr lang="en-GB"/>
-              <a:t>and terminal</a:t>
-            </a:r>
-          </a:p>
-        </p:txBody>
-      </p:sp>
-      <p:sp>
-        <p:nvSpPr>
-          <p:cNvPr id="3" name="Segnaposto contenuto 2">
-            <a:extLst>
-              <a:ext uri="{FF2B5EF4-FFF2-40B4-BE49-F238E27FC236}">
-                <a16:creationId xmlns:a16="http://schemas.microsoft.com/office/drawing/2014/main" id="{87EB0E7F-A70F-40D1-8E72-EC4A6A106225}"/>
-              </a:ext>
-            </a:extLst>
-          </p:cNvPr>
-          <p:cNvSpPr>
-            <a:spLocks noGrp="1"/>
-          </p:cNvSpPr>
-          <p:nvPr>
-            <p:ph idx="1"/>
-          </p:nvPr>
-        </p:nvSpPr>
-        <p:spPr/>
-        <p:txBody>
-          <a:bodyPr/>
-          <a:lstStyle/>
-          <a:p>
-            <a:endParaRPr lang="en-GB"/>
+              <a:t> Notebook: An overview</a:t>
+            </a:r>
           </a:p>
         </p:txBody>
       </p:sp>
@@ -8633,10 +10068,149 @@
           </a:p>
         </p:txBody>
       </p:sp>
+      <p:sp>
+        <p:nvSpPr>
+          <p:cNvPr id="8" name="TextBox 7">
+            <a:extLst>
+              <a:ext uri="{FF2B5EF4-FFF2-40B4-BE49-F238E27FC236}">
+                <a16:creationId xmlns:a16="http://schemas.microsoft.com/office/drawing/2014/main" id="{524FB599-5D29-4B3F-9927-9A935AB0DA50}"/>
+              </a:ext>
+            </a:extLst>
+          </p:cNvPr>
+          <p:cNvSpPr txBox="1"/>
+          <p:nvPr/>
+        </p:nvSpPr>
+        <p:spPr>
+          <a:xfrm>
+            <a:off x="1704798" y="5938453"/>
+            <a:ext cx="5734390" cy="369332"/>
+          </a:xfrm>
+          <a:prstGeom prst="rect">
+            <a:avLst/>
+          </a:prstGeom>
+          <a:noFill/>
+        </p:spPr>
+        <p:txBody>
+          <a:bodyPr wrap="none" rtlCol="0">
+            <a:spAutoFit/>
+          </a:bodyPr>
+          <a:lstStyle/>
+          <a:p>
+            <a:r>
+              <a:rPr lang="en-GB" dirty="0"/>
+              <a:t>Run single code instruction and see the result interactively!</a:t>
+            </a:r>
+          </a:p>
+        </p:txBody>
+      </p:sp>
+      <p:sp>
+        <p:nvSpPr>
+          <p:cNvPr id="17" name="Oval 16">
+            <a:extLst>
+              <a:ext uri="{FF2B5EF4-FFF2-40B4-BE49-F238E27FC236}">
+                <a16:creationId xmlns:a16="http://schemas.microsoft.com/office/drawing/2014/main" id="{DA07955D-3A39-45EF-9285-66533386F48D}"/>
+              </a:ext>
+            </a:extLst>
+          </p:cNvPr>
+          <p:cNvSpPr/>
+          <p:nvPr/>
+        </p:nvSpPr>
+        <p:spPr>
+          <a:xfrm>
+            <a:off x="2673752" y="2562944"/>
+            <a:ext cx="296974" cy="219919"/>
+          </a:xfrm>
+          <a:prstGeom prst="ellipse">
+            <a:avLst/>
+          </a:prstGeom>
+          <a:noFill/>
+          <a:ln>
+            <a:solidFill>
+              <a:srgbClr val="FF0000"/>
+            </a:solidFill>
+          </a:ln>
+        </p:spPr>
+        <p:style>
+          <a:lnRef idx="2">
+            <a:schemeClr val="accent1">
+              <a:shade val="50000"/>
+            </a:schemeClr>
+          </a:lnRef>
+          <a:fillRef idx="1">
+            <a:schemeClr val="accent1"/>
+          </a:fillRef>
+          <a:effectRef idx="0">
+            <a:schemeClr val="accent1"/>
+          </a:effectRef>
+          <a:fontRef idx="minor">
+            <a:schemeClr val="lt1"/>
+          </a:fontRef>
+        </p:style>
+        <p:txBody>
+          <a:bodyPr rtlCol="0" anchor="ctr"/>
+          <a:lstStyle/>
+          <a:p>
+            <a:pPr algn="ctr"/>
+            <a:endParaRPr lang="en-GB"/>
+          </a:p>
+        </p:txBody>
+      </p:sp>
+      <p:sp>
+        <p:nvSpPr>
+          <p:cNvPr id="18" name="Oval 17">
+            <a:extLst>
+              <a:ext uri="{FF2B5EF4-FFF2-40B4-BE49-F238E27FC236}">
+                <a16:creationId xmlns:a16="http://schemas.microsoft.com/office/drawing/2014/main" id="{5D323B37-775A-4802-8603-C4DF2130A544}"/>
+              </a:ext>
+            </a:extLst>
+          </p:cNvPr>
+          <p:cNvSpPr/>
+          <p:nvPr/>
+        </p:nvSpPr>
+        <p:spPr>
+          <a:xfrm>
+            <a:off x="1869080" y="4464896"/>
+            <a:ext cx="1703176" cy="539920"/>
+          </a:xfrm>
+          <a:prstGeom prst="ellipse">
+            <a:avLst/>
+          </a:prstGeom>
+          <a:noFill/>
+          <a:ln>
+            <a:solidFill>
+              <a:srgbClr val="FF0000"/>
+            </a:solidFill>
+          </a:ln>
+        </p:spPr>
+        <p:style>
+          <a:lnRef idx="2">
+            <a:schemeClr val="accent1">
+              <a:shade val="50000"/>
+            </a:schemeClr>
+          </a:lnRef>
+          <a:fillRef idx="1">
+            <a:schemeClr val="accent1"/>
+          </a:fillRef>
+          <a:effectRef idx="0">
+            <a:schemeClr val="accent1"/>
+          </a:effectRef>
+          <a:fontRef idx="minor">
+            <a:schemeClr val="lt1"/>
+          </a:fontRef>
+        </p:style>
+        <p:txBody>
+          <a:bodyPr rtlCol="0" anchor="ctr"/>
+          <a:lstStyle/>
+          <a:p>
+            <a:pPr algn="ctr"/>
+            <a:endParaRPr lang="en-GB"/>
+          </a:p>
+        </p:txBody>
+      </p:sp>
     </p:spTree>
     <p:extLst>
       <p:ext uri="{BB962C8B-B14F-4D97-AF65-F5344CB8AC3E}">
-        <p14:creationId xmlns:p14="http://schemas.microsoft.com/office/powerpoint/2010/main" val="2993606909"/>
+        <p14:creationId xmlns:p14="http://schemas.microsoft.com/office/powerpoint/2010/main" val="4078975265"/>
       </p:ext>
     </p:extLst>
   </p:cSld>
@@ -8681,38 +10255,61 @@
         </p:nvSpPr>
         <p:spPr/>
         <p:txBody>
-          <a:bodyPr/>
-          <a:lstStyle/>
-          <a:p>
-            <a:endParaRPr lang="en-GB" dirty="0"/>
-          </a:p>
-        </p:txBody>
-      </p:sp>
-      <p:sp>
-        <p:nvSpPr>
-          <p:cNvPr id="3" name="Segnaposto contenuto 2">
+          <a:bodyPr>
+            <a:normAutofit fontScale="90000"/>
+          </a:bodyPr>
+          <a:lstStyle/>
+          <a:p>
+            <a:r>
+              <a:rPr lang="en-GB" dirty="0"/>
+              <a:t>Export python .</a:t>
+            </a:r>
+            <a:r>
+              <a:rPr lang="en-GB" dirty="0" err="1"/>
+              <a:t>py</a:t>
+            </a:r>
+            <a:r>
+              <a:rPr lang="en-GB" dirty="0"/>
+              <a:t> from notebook file</a:t>
+            </a:r>
+          </a:p>
+        </p:txBody>
+      </p:sp>
+      <p:pic>
+        <p:nvPicPr>
+          <p:cNvPr id="7" name="Content Placeholder 6" descr="A screenshot of a computer&#10;&#10;Description automatically generated">
             <a:extLst>
               <a:ext uri="{FF2B5EF4-FFF2-40B4-BE49-F238E27FC236}">
-                <a16:creationId xmlns:a16="http://schemas.microsoft.com/office/drawing/2014/main" id="{87EB0E7F-A70F-40D1-8E72-EC4A6A106225}"/>
+                <a16:creationId xmlns:a16="http://schemas.microsoft.com/office/drawing/2014/main" id="{8FBFC568-680E-46BF-A905-6B8F742DD6A5}"/>
               </a:ext>
             </a:extLst>
           </p:cNvPr>
-          <p:cNvSpPr>
-            <a:spLocks noGrp="1"/>
-          </p:cNvSpPr>
+          <p:cNvPicPr>
+            <a:picLocks noGrp="1" noChangeAspect="1"/>
+          </p:cNvPicPr>
           <p:nvPr>
             <p:ph idx="1"/>
           </p:nvPr>
-        </p:nvSpPr>
-        <p:spPr/>
-        <p:txBody>
-          <a:bodyPr/>
-          <a:lstStyle/>
-          <a:p>
-            <a:endParaRPr lang="en-GB"/>
-          </a:p>
-        </p:txBody>
-      </p:sp>
+        </p:nvPicPr>
+        <p:blipFill>
+          <a:blip r:embed="rId3">
+            <a:extLst>
+              <a:ext uri="{28A0092B-C50C-407E-A947-70E740481C1C}">
+                <a14:useLocalDpi xmlns:a14="http://schemas.microsoft.com/office/drawing/2010/main" val="0"/>
+              </a:ext>
+            </a:extLst>
+          </a:blip>
+          <a:stretch>
+            <a:fillRect/>
+          </a:stretch>
+        </p:blipFill>
+        <p:spPr>
+          <a:xfrm>
+            <a:off x="1173146" y="1797627"/>
+            <a:ext cx="6797708" cy="3823711"/>
+          </a:xfrm>
+        </p:spPr>
+      </p:pic>
       <p:sp>
         <p:nvSpPr>
           <p:cNvPr id="4" name="Segnaposto data 3">
@@ -8772,6 +10369,118 @@
               <a:t>9</a:t>
             </a:fld>
             <a:endParaRPr lang="en-US"/>
+          </a:p>
+        </p:txBody>
+      </p:sp>
+      <p:sp>
+        <p:nvSpPr>
+          <p:cNvPr id="8" name="TextBox 7">
+            <a:extLst>
+              <a:ext uri="{FF2B5EF4-FFF2-40B4-BE49-F238E27FC236}">
+                <a16:creationId xmlns:a16="http://schemas.microsoft.com/office/drawing/2014/main" id="{EA102731-FDB3-406B-AE1E-72D2178D3F9C}"/>
+              </a:ext>
+            </a:extLst>
+          </p:cNvPr>
+          <p:cNvSpPr txBox="1"/>
+          <p:nvPr/>
+        </p:nvSpPr>
+        <p:spPr>
+          <a:xfrm>
+            <a:off x="411891" y="5838214"/>
+            <a:ext cx="8361407" cy="646331"/>
+          </a:xfrm>
+          <a:prstGeom prst="rect">
+            <a:avLst/>
+          </a:prstGeom>
+          <a:noFill/>
+        </p:spPr>
+        <p:txBody>
+          <a:bodyPr wrap="square" rtlCol="0">
+            <a:spAutoFit/>
+          </a:bodyPr>
+          <a:lstStyle/>
+          <a:p>
+            <a:pPr algn="ctr"/>
+            <a:r>
+              <a:rPr lang="en-GB" dirty="0"/>
+              <a:t>You can download  the all notebook as a single </a:t>
+            </a:r>
+            <a:r>
+              <a:rPr lang="en-GB" b="1" dirty="0"/>
+              <a:t>.</a:t>
+            </a:r>
+            <a:r>
+              <a:rPr lang="en-GB" b="1" dirty="0" err="1"/>
+              <a:t>py</a:t>
+            </a:r>
+            <a:r>
+              <a:rPr lang="en-GB" b="1" dirty="0"/>
+              <a:t> file</a:t>
+            </a:r>
+            <a:r>
+              <a:rPr lang="en-GB" dirty="0"/>
+              <a:t>! After that, you  can run it as normal </a:t>
+            </a:r>
+            <a:r>
+              <a:rPr lang="en-GB" dirty="0" err="1"/>
+              <a:t>Pyhton</a:t>
+            </a:r>
+            <a:r>
+              <a:rPr lang="en-GB" dirty="0"/>
+              <a:t> script.</a:t>
+            </a:r>
+          </a:p>
+        </p:txBody>
+      </p:sp>
+      <p:sp>
+        <p:nvSpPr>
+          <p:cNvPr id="9" name="Oval 8">
+            <a:extLst>
+              <a:ext uri="{FF2B5EF4-FFF2-40B4-BE49-F238E27FC236}">
+                <a16:creationId xmlns:a16="http://schemas.microsoft.com/office/drawing/2014/main" id="{A2A879D0-EBDC-411F-91AD-5A89F518C42B}"/>
+              </a:ext>
+            </a:extLst>
+          </p:cNvPr>
+          <p:cNvSpPr/>
+          <p:nvPr/>
+        </p:nvSpPr>
+        <p:spPr>
+          <a:xfrm>
+            <a:off x="1551008" y="3528608"/>
+            <a:ext cx="2167134" cy="534106"/>
+          </a:xfrm>
+          <a:prstGeom prst="ellipse">
+            <a:avLst/>
+          </a:prstGeom>
+          <a:noFill/>
+          <a:ln>
+            <a:solidFill>
+              <a:srgbClr val="FF0000"/>
+            </a:solidFill>
+          </a:ln>
+        </p:spPr>
+        <p:style>
+          <a:lnRef idx="2">
+            <a:schemeClr val="accent1">
+              <a:shade val="50000"/>
+            </a:schemeClr>
+          </a:lnRef>
+          <a:fillRef idx="1">
+            <a:schemeClr val="accent1"/>
+          </a:fillRef>
+          <a:effectRef idx="0">
+            <a:schemeClr val="accent1"/>
+          </a:effectRef>
+          <a:fontRef idx="minor">
+            <a:schemeClr val="lt1"/>
+          </a:fontRef>
+        </p:style>
+        <p:txBody>
+          <a:bodyPr rtlCol="0" anchor="ctr"/>
+          <a:lstStyle/>
+          <a:p>
+            <a:pPr algn="ctr"/>
+            <a:endParaRPr lang="en-GB"/>
           </a:p>
         </p:txBody>
       </p:sp>

--- a/LabSession0 - Initial Setup.pptx
+++ b/LabSession0 - Initial Setup.pptx
@@ -8476,7 +8476,7 @@
         <p:spPr>
           <a:xfrm>
             <a:off x="387178" y="3149807"/>
-            <a:ext cx="4826172" cy="1384995"/>
+            <a:ext cx="4826172" cy="1354217"/>
           </a:xfrm>
           <a:prstGeom prst="rect">
             <a:avLst/>
@@ -8508,11 +8508,11 @@
               <a:t>Download the latest Python3 release from: </a:t>
             </a:r>
             <a:r>
-              <a:rPr lang="it-IT" sz="1600" dirty="0">
+              <a:rPr lang="en-GB" sz="1600" dirty="0">
                 <a:latin typeface="Tw Cen MT" panose="020B0602020104020603" pitchFamily="34" charset="0"/>
                 <a:hlinkClick r:id="rId4"/>
               </a:rPr>
-              <a:t>https://www.python.org/downloads/windows/</a:t>
+              <a:t>https://www.python.org/downloads/</a:t>
             </a:r>
             <a:endParaRPr lang="it-IT" sz="1600" dirty="0">
               <a:latin typeface="Tw Cen MT" panose="020B0602020104020603" pitchFamily="34" charset="0"/>
@@ -8861,14 +8861,24 @@
                   <a:srgbClr val="0070C0"/>
                 </a:solidFill>
                 <a:latin typeface="Tw Cen MT" panose="020B0602020104020603" pitchFamily="34" charset="0"/>
+                <a:hlinkClick r:id="rId3"/>
               </a:rPr>
               <a:t>https://bootstrap.pypa.io/get-pip.py</a:t>
+            </a:r>
+            <a:r>
+              <a:rPr lang="en-US" sz="1600" u="sng" dirty="0">
+                <a:solidFill>
+                  <a:srgbClr val="0070C0"/>
+                </a:solidFill>
+                <a:latin typeface="Tw Cen MT" panose="020B0602020104020603" pitchFamily="34" charset="0"/>
+              </a:rPr>
+              <a:t> </a:t>
             </a:r>
             <a:r>
               <a:rPr lang="en-US" sz="1600" dirty="0">
                 <a:latin typeface="Tw Cen MT" panose="020B0602020104020603" pitchFamily="34" charset="0"/>
               </a:rPr>
-              <a:t>. Right-click on the link and select </a:t>
+              <a:t>Right-click on the link and select </a:t>
             </a:r>
             <a:r>
               <a:rPr lang="en-US" sz="1600" i="1" dirty="0">
@@ -9224,18 +9234,13 @@
               <a:t>-python==</a:t>
             </a:r>
             <a:r>
-              <a:rPr lang="en-GB" b="1" i="1" dirty="0" err="1">
+              <a:rPr lang="en-GB" b="1" i="1" dirty="0">
                 <a:solidFill>
                   <a:srgbClr val="FF0000"/>
                 </a:solidFill>
               </a:rPr>
-              <a:t>version_with_SIFT</a:t>
-            </a:r>
-            <a:endParaRPr lang="en-GB" b="1" i="1" dirty="0">
-              <a:solidFill>
-                <a:srgbClr val="FF0000"/>
-              </a:solidFill>
-            </a:endParaRPr>
+              <a:t>3.4.2.16</a:t>
+            </a:r>
           </a:p>
           <a:p>
             <a:pPr marL="0" indent="0" algn="ctr">
@@ -9243,7 +9248,7 @@
             </a:pPr>
             <a:r>
               <a:rPr lang="en-GB" b="1" i="1" dirty="0"/>
-              <a:t>pip install </a:t>
+              <a:t>pip3 install </a:t>
             </a:r>
             <a:r>
               <a:rPr lang="en-GB" b="1" i="1" dirty="0" err="1"/>
@@ -9262,18 +9267,13 @@
               <a:t>-python ==</a:t>
             </a:r>
             <a:r>
-              <a:rPr lang="en-GB" b="1" i="1" dirty="0" err="1">
+              <a:rPr lang="en-GB" b="1" i="1" dirty="0">
                 <a:solidFill>
                   <a:srgbClr val="FF0000"/>
                 </a:solidFill>
               </a:rPr>
-              <a:t>version_with_SIFT</a:t>
-            </a:r>
-            <a:endParaRPr lang="en-GB" b="1" i="1" dirty="0">
-              <a:solidFill>
-                <a:srgbClr val="FF0000"/>
-              </a:solidFill>
-            </a:endParaRPr>
+              <a:t> 3.4.2.16</a:t>
+            </a:r>
           </a:p>
           <a:p>
             <a:pPr marL="0" indent="0">
@@ -9359,7 +9359,7 @@
               <a:rPr lang="en-US" smtClean="0"/>
               <a:t>5</a:t>
             </a:fld>
-            <a:endParaRPr lang="en-US"/>
+            <a:endParaRPr lang="en-US" dirty="0"/>
           </a:p>
         </p:txBody>
       </p:sp>
@@ -9450,7 +9450,7 @@
         <p:spPr/>
         <p:txBody>
           <a:bodyPr>
-            <a:normAutofit fontScale="92500"/>
+            <a:normAutofit lnSpcReduction="10000"/>
           </a:bodyPr>
           <a:lstStyle/>
           <a:p>
@@ -9514,8 +9514,28 @@
           </a:p>
           <a:p>
             <a:r>
+              <a:rPr lang="en-GB" b="1" dirty="0"/>
+              <a:t>Navigate</a:t>
+            </a:r>
+            <a:r>
               <a:rPr lang="en-GB" dirty="0"/>
-              <a:t>Launch the notebook server in a terminal (do not close it!) with the following command: </a:t>
+              <a:t> to the folder containing the lab-session notebooks and </a:t>
+            </a:r>
+            <a:r>
+              <a:rPr lang="en-GB" b="1" dirty="0"/>
+              <a:t>launch</a:t>
+            </a:r>
+            <a:r>
+              <a:rPr lang="en-GB" dirty="0"/>
+              <a:t> the notebook server in a terminal (</a:t>
+            </a:r>
+            <a:r>
+              <a:rPr lang="en-GB" b="1" dirty="0"/>
+              <a:t>do not close it!) </a:t>
+            </a:r>
+            <a:r>
+              <a:rPr lang="en-GB" dirty="0"/>
+              <a:t>with the following command: </a:t>
             </a:r>
             <a:r>
               <a:rPr lang="en-GB" b="1" i="1" dirty="0" err="1"/>
@@ -9525,18 +9545,17 @@
               <a:rPr lang="en-GB" b="1" i="1" dirty="0"/>
               <a:t> notebook  --port 8081</a:t>
             </a:r>
-          </a:p>
-          <a:p>
-            <a:pPr marL="0" indent="0">
-              <a:buNone/>
-            </a:pPr>
+            <a:r>
+              <a:rPr lang="en-GB" i="1" dirty="0"/>
+              <a:t>. </a:t>
+            </a:r>
             <a:r>
               <a:rPr lang="en-US" dirty="0"/>
               <a:t>You should see the notebook open in your browser. </a:t>
             </a:r>
             <a:r>
               <a:rPr lang="en-GB" dirty="0"/>
-              <a:t>However, you should see in the terminal the URL of the server (</a:t>
+              <a:t>However, the terminal printed the URL of the server (</a:t>
             </a:r>
             <a:r>
               <a:rPr lang="en-GB" b="1" dirty="0"/>

--- a/LabSession0 - Initial Setup.pptx
+++ b/LabSession0 - Initial Setup.pptx
@@ -7565,6 +7565,7 @@
                 <a:solidFill>
                   <a:srgbClr val="0070C0"/>
                 </a:solidFill>
+                <a:hlinkClick r:id="rId2"/>
               </a:rPr>
               <a:t>https://code.visualstudio.com/</a:t>
             </a:r>
@@ -7573,9 +7574,15 @@
                 <a:solidFill>
                   <a:srgbClr val="0070C0"/>
                 </a:solidFill>
+                <a:hlinkClick r:id="rId2"/>
               </a:rPr>
               <a:t> </a:t>
             </a:r>
+            <a:endParaRPr lang="en-GB" b="1" u="sng" dirty="0">
+              <a:solidFill>
+                <a:srgbClr val="0070C0"/>
+              </a:solidFill>
+            </a:endParaRPr>
           </a:p>
           <a:p>
             <a:pPr marL="0" indent="0">
@@ -7603,9 +7610,15 @@
                 <a:solidFill>
                   <a:srgbClr val="0070C0"/>
                 </a:solidFill>
+                <a:hlinkClick r:id="rId3"/>
               </a:rPr>
               <a:t>https://www.jetbrains.com/pycharm/</a:t>
             </a:r>
+            <a:endParaRPr lang="en-GB" u="sng" dirty="0">
+              <a:solidFill>
+                <a:srgbClr val="0070C0"/>
+              </a:solidFill>
+            </a:endParaRPr>
           </a:p>
           <a:p>
             <a:pPr marL="0" indent="0">
@@ -7698,7 +7711,7 @@
           <p:nvPr/>
         </p:nvPicPr>
         <p:blipFill>
-          <a:blip r:embed="rId2">
+          <a:blip r:embed="rId4">
             <a:extLst>
               <a:ext uri="{28A0092B-C50C-407E-A947-70E740481C1C}">
                 <a14:useLocalDpi xmlns:a14="http://schemas.microsoft.com/office/drawing/2010/main" val="0"/>
@@ -7898,9 +7911,15 @@
                 <a:solidFill>
                   <a:srgbClr val="0070C0"/>
                 </a:solidFill>
+                <a:hlinkClick r:id="rId2"/>
               </a:rPr>
               <a:t>https://docs.python.org/3/c-api/index.html</a:t>
             </a:r>
+            <a:endParaRPr lang="en-GB" u="sng" dirty="0">
+              <a:solidFill>
+                <a:srgbClr val="0070C0"/>
+              </a:solidFill>
+            </a:endParaRPr>
           </a:p>
           <a:p>
             <a:r>
@@ -7921,9 +7940,15 @@
                 <a:solidFill>
                   <a:srgbClr val="0070C0"/>
                 </a:solidFill>
+                <a:hlinkClick r:id="rId3"/>
               </a:rPr>
               <a:t>https://jupyter.readthedocs.io/en/latest/</a:t>
             </a:r>
+            <a:endParaRPr lang="en-GB" u="sng" dirty="0">
+              <a:solidFill>
+                <a:srgbClr val="0070C0"/>
+              </a:solidFill>
+            </a:endParaRPr>
           </a:p>
           <a:p>
             <a:r>
@@ -7944,9 +7969,15 @@
                 <a:solidFill>
                   <a:srgbClr val="0070C0"/>
                 </a:solidFill>
+                <a:hlinkClick r:id="rId4"/>
               </a:rPr>
               <a:t>https://docs.scipy.org/doc/numpy/reference/index.html</a:t>
             </a:r>
+            <a:endParaRPr lang="en-GB" u="sng" dirty="0">
+              <a:solidFill>
+                <a:srgbClr val="0070C0"/>
+              </a:solidFill>
+            </a:endParaRPr>
           </a:p>
           <a:p>
             <a:r>
@@ -7955,15 +7986,23 @@
             </a:r>
           </a:p>
           <a:p>
-            <a:pPr algn="ctr"/>
-            <a:r>
-              <a:rPr lang="en-GB" dirty="0">
+            <a:pPr marL="0" indent="0" algn="ctr">
+              <a:buNone/>
+            </a:pPr>
+            <a:r>
+              <a:rPr lang="en-GB" u="sng" dirty="0">
                 <a:solidFill>
                   <a:srgbClr val="0070C0"/>
                 </a:solidFill>
+                <a:hlinkClick r:id="rId5"/>
               </a:rPr>
               <a:t>https://matplotlib.org/3.1.1/api/index.html</a:t>
             </a:r>
+            <a:endParaRPr lang="en-GB" u="sng" dirty="0">
+              <a:solidFill>
+                <a:srgbClr val="0070C0"/>
+              </a:solidFill>
+            </a:endParaRPr>
           </a:p>
           <a:p>
             <a:r>
@@ -7980,9 +8019,15 @@
                 <a:solidFill>
                   <a:schemeClr val="accent5"/>
                 </a:solidFill>
+                <a:hlinkClick r:id="rId6"/>
               </a:rPr>
               <a:t>https://docs.opencv.org/trunk/d6/d00/tutorial_py_root.html</a:t>
             </a:r>
+            <a:endParaRPr lang="en-GB" u="sng" dirty="0">
+              <a:solidFill>
+                <a:schemeClr val="accent5"/>
+              </a:solidFill>
+            </a:endParaRPr>
           </a:p>
         </p:txBody>
       </p:sp>

--- a/LabSession0 - Initial Setup.pptx
+++ b/LabSession0 - Initial Setup.pptx
@@ -6,20 +6,24 @@
     <p:sldMasterId id="2147483672" r:id="rId2"/>
   </p:sldMasterIdLst>
   <p:notesMasterIdLst>
-    <p:notesMasterId r:id="rId14"/>
+    <p:notesMasterId r:id="rId18"/>
   </p:notesMasterIdLst>
   <p:sldIdLst>
     <p:sldId id="256" r:id="rId3"/>
-    <p:sldId id="302" r:id="rId4"/>
-    <p:sldId id="303" r:id="rId5"/>
-    <p:sldId id="304" r:id="rId6"/>
-    <p:sldId id="305" r:id="rId7"/>
-    <p:sldId id="306" r:id="rId8"/>
-    <p:sldId id="307" r:id="rId9"/>
-    <p:sldId id="310" r:id="rId10"/>
-    <p:sldId id="309" r:id="rId11"/>
-    <p:sldId id="308" r:id="rId12"/>
-    <p:sldId id="311" r:id="rId13"/>
+    <p:sldId id="312" r:id="rId4"/>
+    <p:sldId id="302" r:id="rId5"/>
+    <p:sldId id="303" r:id="rId6"/>
+    <p:sldId id="304" r:id="rId7"/>
+    <p:sldId id="305" r:id="rId8"/>
+    <p:sldId id="306" r:id="rId9"/>
+    <p:sldId id="314" r:id="rId10"/>
+    <p:sldId id="307" r:id="rId11"/>
+    <p:sldId id="317" r:id="rId12"/>
+    <p:sldId id="315" r:id="rId13"/>
+    <p:sldId id="310" r:id="rId14"/>
+    <p:sldId id="309" r:id="rId15"/>
+    <p:sldId id="308" r:id="rId16"/>
+    <p:sldId id="311" r:id="rId17"/>
   </p:sldIdLst>
   <p:sldSz cx="9144000" cy="6858000" type="screen4x3"/>
   <p:notesSz cx="6858000" cy="9144000"/>
@@ -124,12 +128,16 @@
         <p14:section name="Sezione predefinita" id="{E0B2A424-0C01-4A46-9046-A28E1EC71906}">
           <p14:sldIdLst>
             <p14:sldId id="256"/>
+            <p14:sldId id="312"/>
             <p14:sldId id="302"/>
             <p14:sldId id="303"/>
             <p14:sldId id="304"/>
             <p14:sldId id="305"/>
             <p14:sldId id="306"/>
+            <p14:sldId id="314"/>
             <p14:sldId id="307"/>
+            <p14:sldId id="317"/>
+            <p14:sldId id="315"/>
             <p14:sldId id="310"/>
             <p14:sldId id="309"/>
             <p14:sldId id="308"/>
@@ -143,6 +151,18 @@
     </p:ext>
   </p:extLst>
 </p:presentation>
+</file>
+
+<file path=ppt/commentAuthors.xml><?xml version="1.0" encoding="utf-8"?>
+<p:cmAuthorLst xmlns:a="http://schemas.openxmlformats.org/drawingml/2006/main" xmlns:r="http://schemas.openxmlformats.org/officeDocument/2006/relationships" xmlns:p="http://schemas.openxmlformats.org/presentationml/2006/main">
+  <p:cmAuthor id="1" name="Pierluigi Zama Ramirez" initials="PZR" lastIdx="1" clrIdx="0">
+    <p:extLst>
+      <p:ext uri="{19B8F6BF-5375-455C-9EA6-DF929625EA0E}">
+        <p15:presenceInfo xmlns:p15="http://schemas.microsoft.com/office/powerpoint/2012/main" userId="86b9ea593df47805" providerId="Windows Live"/>
+      </p:ext>
+    </p:extLst>
+  </p:cmAuthor>
+</p:cmAuthorLst>
 </file>
 
 <file path=ppt/notesMasters/notesMaster1.xml><?xml version="1.0" encoding="utf-8"?>
@@ -227,7 +247,7 @@
           <a:p>
             <a:fld id="{2CC5598C-FF10-4AF1-BC63-A7C8964CD468}" type="datetimeFigureOut">
               <a:rPr lang="en-US" smtClean="0"/>
-              <a:t>9/23/2019</a:t>
+              <a:t>9/24/2019</a:t>
             </a:fld>
             <a:endParaRPr lang="en-US"/>
           </a:p>
@@ -560,7 +580,7 @@
           <a:p>
             <a:fld id="{579EA76A-0A3F-4C6E-BCAD-3645DACBB6C6}" type="slidenum">
               <a:rPr lang="en-US" smtClean="0"/>
-              <a:t>3</a:t>
+              <a:t>4</a:t>
             </a:fld>
             <a:endParaRPr lang="en-US"/>
           </a:p>
@@ -644,7 +664,7 @@
           <a:p>
             <a:fld id="{579EA76A-0A3F-4C6E-BCAD-3645DACBB6C6}" type="slidenum">
               <a:rPr lang="en-US" smtClean="0"/>
-              <a:t>4</a:t>
+              <a:t>5</a:t>
             </a:fld>
             <a:endParaRPr lang="en-US"/>
           </a:p>
@@ -728,7 +748,7 @@
           <a:p>
             <a:fld id="{579EA76A-0A3F-4C6E-BCAD-3645DACBB6C6}" type="slidenum">
               <a:rPr lang="en-US" smtClean="0"/>
-              <a:t>5</a:t>
+              <a:t>6</a:t>
             </a:fld>
             <a:endParaRPr lang="en-US"/>
           </a:p>
@@ -812,7 +832,7 @@
           <a:p>
             <a:fld id="{579EA76A-0A3F-4C6E-BCAD-3645DACBB6C6}" type="slidenum">
               <a:rPr lang="en-US" smtClean="0"/>
-              <a:t>7</a:t>
+              <a:t>9</a:t>
             </a:fld>
             <a:endParaRPr lang="en-US"/>
           </a:p>
@@ -896,7 +916,7 @@
           <a:p>
             <a:fld id="{579EA76A-0A3F-4C6E-BCAD-3645DACBB6C6}" type="slidenum">
               <a:rPr lang="en-US" smtClean="0"/>
-              <a:t>8</a:t>
+              <a:t>11</a:t>
             </a:fld>
             <a:endParaRPr lang="en-US"/>
           </a:p>
@@ -905,7 +925,7 @@
     </p:spTree>
     <p:extLst>
       <p:ext uri="{BB962C8B-B14F-4D97-AF65-F5344CB8AC3E}">
-        <p14:creationId xmlns:p14="http://schemas.microsoft.com/office/powerpoint/2010/main" val="2736114230"/>
+        <p14:creationId xmlns:p14="http://schemas.microsoft.com/office/powerpoint/2010/main" val="1238318035"/>
       </p:ext>
     </p:extLst>
   </p:cSld>
@@ -980,7 +1000,91 @@
           <a:p>
             <a:fld id="{579EA76A-0A3F-4C6E-BCAD-3645DACBB6C6}" type="slidenum">
               <a:rPr lang="en-US" smtClean="0"/>
-              <a:t>9</a:t>
+              <a:t>12</a:t>
+            </a:fld>
+            <a:endParaRPr lang="en-US"/>
+          </a:p>
+        </p:txBody>
+      </p:sp>
+    </p:spTree>
+    <p:extLst>
+      <p:ext uri="{BB962C8B-B14F-4D97-AF65-F5344CB8AC3E}">
+        <p14:creationId xmlns:p14="http://schemas.microsoft.com/office/powerpoint/2010/main" val="2736114230"/>
+      </p:ext>
+    </p:extLst>
+  </p:cSld>
+  <p:clrMapOvr>
+    <a:masterClrMapping/>
+  </p:clrMapOvr>
+</p:notes>
+</file>
+
+<file path=ppt/notesSlides/notesSlide7.xml><?xml version="1.0" encoding="utf-8"?>
+<p:notes xmlns:a="http://schemas.openxmlformats.org/drawingml/2006/main" xmlns:r="http://schemas.openxmlformats.org/officeDocument/2006/relationships" xmlns:p="http://schemas.openxmlformats.org/presentationml/2006/main">
+  <p:cSld>
+    <p:spTree>
+      <p:nvGrpSpPr>
+        <p:cNvPr id="1" name=""/>
+        <p:cNvGrpSpPr/>
+        <p:nvPr/>
+      </p:nvGrpSpPr>
+      <p:grpSpPr>
+        <a:xfrm>
+          <a:off x="0" y="0"/>
+          <a:ext cx="0" cy="0"/>
+          <a:chOff x="0" y="0"/>
+          <a:chExt cx="0" cy="0"/>
+        </a:xfrm>
+      </p:grpSpPr>
+      <p:sp>
+        <p:nvSpPr>
+          <p:cNvPr id="2" name="Slide Image Placeholder 1"/>
+          <p:cNvSpPr>
+            <a:spLocks noGrp="1" noRot="1" noChangeAspect="1"/>
+          </p:cNvSpPr>
+          <p:nvPr>
+            <p:ph type="sldImg"/>
+          </p:nvPr>
+        </p:nvSpPr>
+        <p:spPr/>
+      </p:sp>
+      <p:sp>
+        <p:nvSpPr>
+          <p:cNvPr id="3" name="Notes Placeholder 2"/>
+          <p:cNvSpPr>
+            <a:spLocks noGrp="1"/>
+          </p:cNvSpPr>
+          <p:nvPr>
+            <p:ph type="body" idx="1"/>
+          </p:nvPr>
+        </p:nvSpPr>
+        <p:spPr/>
+        <p:txBody>
+          <a:bodyPr/>
+          <a:lstStyle/>
+          <a:p>
+            <a:endParaRPr lang="en-GB" dirty="0"/>
+          </a:p>
+        </p:txBody>
+      </p:sp>
+      <p:sp>
+        <p:nvSpPr>
+          <p:cNvPr id="4" name="Slide Number Placeholder 3"/>
+          <p:cNvSpPr>
+            <a:spLocks noGrp="1"/>
+          </p:cNvSpPr>
+          <p:nvPr>
+            <p:ph type="sldNum" sz="quarter" idx="5"/>
+          </p:nvPr>
+        </p:nvSpPr>
+        <p:spPr/>
+        <p:txBody>
+          <a:bodyPr/>
+          <a:lstStyle/>
+          <a:p>
+            <a:fld id="{579EA76A-0A3F-4C6E-BCAD-3645DACBB6C6}" type="slidenum">
+              <a:rPr lang="en-US" smtClean="0"/>
+              <a:t>13</a:t>
             </a:fld>
             <a:endParaRPr lang="en-US"/>
           </a:p>
@@ -7480,6 +7584,228 @@
       </p:grpSpPr>
       <p:sp>
         <p:nvSpPr>
+          <p:cNvPr id="2" name="Title 1">
+            <a:extLst>
+              <a:ext uri="{FF2B5EF4-FFF2-40B4-BE49-F238E27FC236}">
+                <a16:creationId xmlns:a16="http://schemas.microsoft.com/office/drawing/2014/main" id="{9684FB9A-E9C6-411C-A1CD-8267E2FAE1B4}"/>
+              </a:ext>
+            </a:extLst>
+          </p:cNvPr>
+          <p:cNvSpPr>
+            <a:spLocks noGrp="1"/>
+          </p:cNvSpPr>
+          <p:nvPr>
+            <p:ph type="title"/>
+          </p:nvPr>
+        </p:nvSpPr>
+        <p:spPr>
+          <a:xfrm>
+            <a:off x="628650" y="2986722"/>
+            <a:ext cx="7886700" cy="884555"/>
+          </a:xfrm>
+        </p:spPr>
+        <p:txBody>
+          <a:bodyPr/>
+          <a:lstStyle/>
+          <a:p>
+            <a:pPr algn="ctr"/>
+            <a:r>
+              <a:rPr lang="en-GB" b="1" dirty="0">
+                <a:solidFill>
+                  <a:schemeClr val="accent5"/>
+                </a:solidFill>
+              </a:rPr>
+              <a:t>After Initial Setup</a:t>
+            </a:r>
+          </a:p>
+        </p:txBody>
+      </p:sp>
+    </p:spTree>
+    <p:extLst>
+      <p:ext uri="{BB962C8B-B14F-4D97-AF65-F5344CB8AC3E}">
+        <p14:creationId xmlns:p14="http://schemas.microsoft.com/office/powerpoint/2010/main" val="399536302"/>
+      </p:ext>
+    </p:extLst>
+  </p:cSld>
+  <p:clrMapOvr>
+    <a:masterClrMapping/>
+  </p:clrMapOvr>
+</p:sld>
+</file>
+
+<file path=ppt/slides/slide11.xml><?xml version="1.0" encoding="utf-8"?>
+<p:sld xmlns:a="http://schemas.openxmlformats.org/drawingml/2006/main" xmlns:r="http://schemas.openxmlformats.org/officeDocument/2006/relationships" xmlns:p="http://schemas.openxmlformats.org/presentationml/2006/main">
+  <p:cSld>
+    <p:spTree>
+      <p:nvGrpSpPr>
+        <p:cNvPr id="1" name=""/>
+        <p:cNvGrpSpPr/>
+        <p:nvPr/>
+      </p:nvGrpSpPr>
+      <p:grpSpPr>
+        <a:xfrm>
+          <a:off x="0" y="0"/>
+          <a:ext cx="0" cy="0"/>
+          <a:chOff x="0" y="0"/>
+          <a:chExt cx="0" cy="0"/>
+        </a:xfrm>
+      </p:grpSpPr>
+      <p:pic>
+        <p:nvPicPr>
+          <p:cNvPr id="16" name="Content Placeholder 15" descr="A screenshot of a computer screen&#10;&#10;Description automatically generated">
+            <a:extLst>
+              <a:ext uri="{FF2B5EF4-FFF2-40B4-BE49-F238E27FC236}">
+                <a16:creationId xmlns:a16="http://schemas.microsoft.com/office/drawing/2014/main" id="{53A94E6D-7223-4FD3-810B-21B05FCFC2A3}"/>
+              </a:ext>
+            </a:extLst>
+          </p:cNvPr>
+          <p:cNvPicPr>
+            <a:picLocks noGrp="1" noChangeAspect="1"/>
+          </p:cNvPicPr>
+          <p:nvPr>
+            <p:ph idx="1"/>
+          </p:nvPr>
+        </p:nvPicPr>
+        <p:blipFill>
+          <a:blip r:embed="rId3">
+            <a:extLst>
+              <a:ext uri="{28A0092B-C50C-407E-A947-70E740481C1C}">
+                <a14:useLocalDpi xmlns:a14="http://schemas.microsoft.com/office/drawing/2010/main" val="0"/>
+              </a:ext>
+            </a:extLst>
+          </a:blip>
+          <a:stretch>
+            <a:fillRect/>
+          </a:stretch>
+        </p:blipFill>
+        <p:spPr>
+          <a:xfrm>
+            <a:off x="2716964" y="3627834"/>
+            <a:ext cx="3710063" cy="2086911"/>
+          </a:xfrm>
+          <a:prstGeom prst="rect">
+            <a:avLst/>
+          </a:prstGeom>
+          <a:ln>
+            <a:noFill/>
+          </a:ln>
+          <a:effectLst>
+            <a:outerShdw blurRad="292100" dist="139700" dir="2700000" algn="tl" rotWithShape="0">
+              <a:srgbClr val="333333">
+                <a:alpha val="65000"/>
+              </a:srgbClr>
+            </a:outerShdw>
+          </a:effectLst>
+        </p:spPr>
+      </p:pic>
+      <p:sp>
+        <p:nvSpPr>
+          <p:cNvPr id="3" name="TextBox 2">
+            <a:extLst>
+              <a:ext uri="{FF2B5EF4-FFF2-40B4-BE49-F238E27FC236}">
+                <a16:creationId xmlns:a16="http://schemas.microsoft.com/office/drawing/2014/main" id="{23F9059D-4830-483D-8556-63D1A605001A}"/>
+              </a:ext>
+            </a:extLst>
+          </p:cNvPr>
+          <p:cNvSpPr txBox="1"/>
+          <p:nvPr/>
+        </p:nvSpPr>
+        <p:spPr>
+          <a:xfrm>
+            <a:off x="459944" y="1724326"/>
+            <a:ext cx="8224109" cy="2031325"/>
+          </a:xfrm>
+          <a:prstGeom prst="rect">
+            <a:avLst/>
+          </a:prstGeom>
+          <a:noFill/>
+        </p:spPr>
+        <p:txBody>
+          <a:bodyPr wrap="square" rtlCol="0">
+            <a:spAutoFit/>
+          </a:bodyPr>
+          <a:lstStyle/>
+          <a:p>
+            <a:r>
+              <a:rPr lang="en-GB" b="1" dirty="0"/>
+              <a:t>Run</a:t>
+            </a:r>
+            <a:r>
+              <a:rPr lang="en-GB" dirty="0"/>
+              <a:t> Jupyter Notebook:</a:t>
+            </a:r>
+          </a:p>
+          <a:p>
+            <a:r>
+              <a:rPr lang="en-GB" b="1" dirty="0"/>
+              <a:t>Navigate</a:t>
+            </a:r>
+            <a:r>
+              <a:rPr lang="en-GB" dirty="0"/>
+              <a:t> to the folder containing the lab-session notebooks and </a:t>
+            </a:r>
+            <a:r>
+              <a:rPr lang="en-GB" b="1" dirty="0"/>
+              <a:t>launch</a:t>
+            </a:r>
+            <a:r>
+              <a:rPr lang="en-GB" dirty="0"/>
+              <a:t> the notebook server in a terminal (</a:t>
+            </a:r>
+            <a:r>
+              <a:rPr lang="en-GB" b="1" dirty="0"/>
+              <a:t>do not close it!) </a:t>
+            </a:r>
+            <a:r>
+              <a:rPr lang="en-GB" dirty="0"/>
+              <a:t>with the following command: </a:t>
+            </a:r>
+          </a:p>
+          <a:p>
+            <a:pPr algn="ctr"/>
+            <a:r>
+              <a:rPr lang="en-GB" b="1" i="1" dirty="0" err="1"/>
+              <a:t>jupyter</a:t>
+            </a:r>
+            <a:r>
+              <a:rPr lang="en-GB" b="1" i="1" dirty="0"/>
+              <a:t> notebook  --</a:t>
+            </a:r>
+            <a:r>
+              <a:rPr lang="en-GB" b="1" i="1" dirty="0" err="1"/>
+              <a:t>ip</a:t>
+            </a:r>
+            <a:r>
+              <a:rPr lang="en-GB" b="1" i="1" dirty="0"/>
+              <a:t> 127.0.0.1</a:t>
+            </a:r>
+            <a:endParaRPr lang="en-GB" i="1" dirty="0"/>
+          </a:p>
+          <a:p>
+            <a:r>
+              <a:rPr lang="en-US" dirty="0"/>
+              <a:t>You should see the notebook open in your browser. </a:t>
+            </a:r>
+            <a:r>
+              <a:rPr lang="en-GB" dirty="0"/>
+              <a:t>However, the terminal printed the URL of the server (default address: </a:t>
+            </a:r>
+            <a:r>
+              <a:rPr lang="en-GB" b="1" dirty="0"/>
+              <a:t>http://localhost:8888</a:t>
+            </a:r>
+            <a:r>
+              <a:rPr lang="en-GB" dirty="0"/>
+              <a:t>)</a:t>
+            </a:r>
+          </a:p>
+          <a:p>
+            <a:endParaRPr lang="en-GB" dirty="0"/>
+          </a:p>
+        </p:txBody>
+      </p:sp>
+      <p:sp>
+        <p:nvSpPr>
           <p:cNvPr id="2" name="Titolo 1">
             <a:extLst>
               <a:ext uri="{FF2B5EF4-FFF2-40B4-BE49-F238E27FC236}">
@@ -7496,6 +7822,806 @@
         </p:nvSpPr>
         <p:spPr/>
         <p:txBody>
+          <a:bodyPr/>
+          <a:lstStyle/>
+          <a:p>
+            <a:r>
+              <a:rPr lang="en-GB" dirty="0"/>
+              <a:t>Jupyter Notebook: An overview</a:t>
+            </a:r>
+          </a:p>
+        </p:txBody>
+      </p:sp>
+      <p:sp>
+        <p:nvSpPr>
+          <p:cNvPr id="4" name="Segnaposto data 3">
+            <a:extLst>
+              <a:ext uri="{FF2B5EF4-FFF2-40B4-BE49-F238E27FC236}">
+                <a16:creationId xmlns:a16="http://schemas.microsoft.com/office/drawing/2014/main" id="{CD37FF21-5647-48BC-ABE0-22F8AB863E52}"/>
+              </a:ext>
+            </a:extLst>
+          </p:cNvPr>
+          <p:cNvSpPr>
+            <a:spLocks noGrp="1"/>
+          </p:cNvSpPr>
+          <p:nvPr>
+            <p:ph type="dt" sz="half" idx="10"/>
+          </p:nvPr>
+        </p:nvSpPr>
+        <p:spPr>
+          <a:xfrm>
+            <a:off x="411891" y="6361329"/>
+            <a:ext cx="2558835" cy="365125"/>
+          </a:xfrm>
+        </p:spPr>
+        <p:txBody>
+          <a:bodyPr/>
+          <a:lstStyle/>
+          <a:p>
+            <a:r>
+              <a:rPr lang="en-US" dirty="0"/>
+              <a:t>Initial Setup – Pierluigi Zama Ramirez</a:t>
+            </a:r>
+          </a:p>
+        </p:txBody>
+      </p:sp>
+      <p:sp>
+        <p:nvSpPr>
+          <p:cNvPr id="5" name="Segnaposto numero diapositiva 4">
+            <a:extLst>
+              <a:ext uri="{FF2B5EF4-FFF2-40B4-BE49-F238E27FC236}">
+                <a16:creationId xmlns:a16="http://schemas.microsoft.com/office/drawing/2014/main" id="{1B67C968-09C6-409E-9094-6A61912F818E}"/>
+              </a:ext>
+            </a:extLst>
+          </p:cNvPr>
+          <p:cNvSpPr>
+            <a:spLocks noGrp="1"/>
+          </p:cNvSpPr>
+          <p:nvPr>
+            <p:ph type="sldNum" sz="quarter" idx="12"/>
+          </p:nvPr>
+        </p:nvSpPr>
+        <p:spPr/>
+        <p:txBody>
+          <a:bodyPr/>
+          <a:lstStyle/>
+          <a:p>
+            <a:fld id="{21D15A9C-11B4-4C77-BDEA-04E3D7D1DFC0}" type="slidenum">
+              <a:rPr lang="en-US" smtClean="0"/>
+              <a:t>11</a:t>
+            </a:fld>
+            <a:endParaRPr lang="en-US"/>
+          </a:p>
+        </p:txBody>
+      </p:sp>
+      <p:sp>
+        <p:nvSpPr>
+          <p:cNvPr id="8" name="TextBox 7">
+            <a:extLst>
+              <a:ext uri="{FF2B5EF4-FFF2-40B4-BE49-F238E27FC236}">
+                <a16:creationId xmlns:a16="http://schemas.microsoft.com/office/drawing/2014/main" id="{524FB599-5D29-4B3F-9927-9A935AB0DA50}"/>
+              </a:ext>
+            </a:extLst>
+          </p:cNvPr>
+          <p:cNvSpPr txBox="1"/>
+          <p:nvPr/>
+        </p:nvSpPr>
+        <p:spPr>
+          <a:xfrm>
+            <a:off x="1001818" y="5924693"/>
+            <a:ext cx="7140353" cy="369332"/>
+          </a:xfrm>
+          <a:prstGeom prst="rect">
+            <a:avLst/>
+          </a:prstGeom>
+          <a:noFill/>
+        </p:spPr>
+        <p:txBody>
+          <a:bodyPr wrap="none" rtlCol="0">
+            <a:spAutoFit/>
+          </a:bodyPr>
+          <a:lstStyle/>
+          <a:p>
+            <a:pPr algn="ctr"/>
+            <a:r>
+              <a:rPr lang="en-GB" dirty="0"/>
+              <a:t>Notebook dashboard. Navigate to your notebook (.</a:t>
+            </a:r>
+            <a:r>
+              <a:rPr lang="en-GB" dirty="0" err="1"/>
+              <a:t>ipynb</a:t>
+            </a:r>
+            <a:r>
+              <a:rPr lang="en-GB" dirty="0"/>
+              <a:t> file) and open it</a:t>
+            </a:r>
+          </a:p>
+        </p:txBody>
+      </p:sp>
+      <p:sp>
+        <p:nvSpPr>
+          <p:cNvPr id="17" name="Oval 16">
+            <a:extLst>
+              <a:ext uri="{FF2B5EF4-FFF2-40B4-BE49-F238E27FC236}">
+                <a16:creationId xmlns:a16="http://schemas.microsoft.com/office/drawing/2014/main" id="{DA07955D-3A39-45EF-9285-66533386F48D}"/>
+              </a:ext>
+            </a:extLst>
+          </p:cNvPr>
+          <p:cNvSpPr/>
+          <p:nvPr/>
+        </p:nvSpPr>
+        <p:spPr>
+          <a:xfrm>
+            <a:off x="2877254" y="4451029"/>
+            <a:ext cx="755904" cy="105156"/>
+          </a:xfrm>
+          <a:prstGeom prst="ellipse">
+            <a:avLst/>
+          </a:prstGeom>
+          <a:noFill/>
+          <a:ln>
+            <a:solidFill>
+              <a:srgbClr val="FF0000"/>
+            </a:solidFill>
+          </a:ln>
+        </p:spPr>
+        <p:style>
+          <a:lnRef idx="2">
+            <a:schemeClr val="accent1">
+              <a:shade val="50000"/>
+            </a:schemeClr>
+          </a:lnRef>
+          <a:fillRef idx="1">
+            <a:schemeClr val="accent1"/>
+          </a:fillRef>
+          <a:effectRef idx="0">
+            <a:schemeClr val="accent1"/>
+          </a:effectRef>
+          <a:fontRef idx="minor">
+            <a:schemeClr val="lt1"/>
+          </a:fontRef>
+        </p:style>
+        <p:txBody>
+          <a:bodyPr rtlCol="0" anchor="ctr"/>
+          <a:lstStyle/>
+          <a:p>
+            <a:pPr algn="ctr"/>
+            <a:endParaRPr lang="en-GB"/>
+          </a:p>
+        </p:txBody>
+      </p:sp>
+    </p:spTree>
+    <p:extLst>
+      <p:ext uri="{BB962C8B-B14F-4D97-AF65-F5344CB8AC3E}">
+        <p14:creationId xmlns:p14="http://schemas.microsoft.com/office/powerpoint/2010/main" val="1701414140"/>
+      </p:ext>
+    </p:extLst>
+  </p:cSld>
+  <p:clrMapOvr>
+    <a:masterClrMapping/>
+  </p:clrMapOvr>
+</p:sld>
+</file>
+
+<file path=ppt/slides/slide12.xml><?xml version="1.0" encoding="utf-8"?>
+<p:sld xmlns:a="http://schemas.openxmlformats.org/drawingml/2006/main" xmlns:r="http://schemas.openxmlformats.org/officeDocument/2006/relationships" xmlns:p="http://schemas.openxmlformats.org/presentationml/2006/main">
+  <p:cSld>
+    <p:spTree>
+      <p:nvGrpSpPr>
+        <p:cNvPr id="1" name=""/>
+        <p:cNvGrpSpPr/>
+        <p:nvPr/>
+      </p:nvGrpSpPr>
+      <p:grpSpPr>
+        <a:xfrm>
+          <a:off x="0" y="0"/>
+          <a:ext cx="0" cy="0"/>
+          <a:chOff x="0" y="0"/>
+          <a:chExt cx="0" cy="0"/>
+        </a:xfrm>
+      </p:grpSpPr>
+      <p:pic>
+        <p:nvPicPr>
+          <p:cNvPr id="14" name="Content Placeholder 13" descr="A screenshot of a computer&#10;&#10;Description automatically generated">
+            <a:extLst>
+              <a:ext uri="{FF2B5EF4-FFF2-40B4-BE49-F238E27FC236}">
+                <a16:creationId xmlns:a16="http://schemas.microsoft.com/office/drawing/2014/main" id="{77E87B2F-9F93-48A2-945A-D50F9E8003B2}"/>
+              </a:ext>
+            </a:extLst>
+          </p:cNvPr>
+          <p:cNvPicPr>
+            <a:picLocks noGrp="1" noChangeAspect="1"/>
+          </p:cNvPicPr>
+          <p:nvPr>
+            <p:ph idx="1"/>
+          </p:nvPr>
+        </p:nvPicPr>
+        <p:blipFill>
+          <a:blip r:embed="rId3">
+            <a:extLst>
+              <a:ext uri="{28A0092B-C50C-407E-A947-70E740481C1C}">
+                <a14:useLocalDpi xmlns:a14="http://schemas.microsoft.com/office/drawing/2010/main" val="0"/>
+              </a:ext>
+            </a:extLst>
+          </a:blip>
+          <a:stretch>
+            <a:fillRect/>
+          </a:stretch>
+        </p:blipFill>
+        <p:spPr>
+          <a:xfrm>
+            <a:off x="1127325" y="1843771"/>
+            <a:ext cx="6889335" cy="3875251"/>
+          </a:xfrm>
+          <a:prstGeom prst="rect">
+            <a:avLst/>
+          </a:prstGeom>
+          <a:ln>
+            <a:noFill/>
+          </a:ln>
+          <a:effectLst>
+            <a:outerShdw blurRad="292100" dist="139700" dir="2700000" algn="tl" rotWithShape="0">
+              <a:srgbClr val="333333">
+                <a:alpha val="65000"/>
+              </a:srgbClr>
+            </a:outerShdw>
+          </a:effectLst>
+        </p:spPr>
+      </p:pic>
+      <p:sp>
+        <p:nvSpPr>
+          <p:cNvPr id="2" name="Titolo 1">
+            <a:extLst>
+              <a:ext uri="{FF2B5EF4-FFF2-40B4-BE49-F238E27FC236}">
+                <a16:creationId xmlns:a16="http://schemas.microsoft.com/office/drawing/2014/main" id="{C2425517-4760-4CAE-AE51-2926BAC8F809}"/>
+              </a:ext>
+            </a:extLst>
+          </p:cNvPr>
+          <p:cNvSpPr>
+            <a:spLocks noGrp="1"/>
+          </p:cNvSpPr>
+          <p:nvPr>
+            <p:ph type="title"/>
+          </p:nvPr>
+        </p:nvSpPr>
+        <p:spPr/>
+        <p:txBody>
+          <a:bodyPr/>
+          <a:lstStyle/>
+          <a:p>
+            <a:r>
+              <a:rPr lang="en-GB" dirty="0"/>
+              <a:t>Jupyter Notebook: An overview</a:t>
+            </a:r>
+          </a:p>
+        </p:txBody>
+      </p:sp>
+      <p:sp>
+        <p:nvSpPr>
+          <p:cNvPr id="4" name="Segnaposto data 3">
+            <a:extLst>
+              <a:ext uri="{FF2B5EF4-FFF2-40B4-BE49-F238E27FC236}">
+                <a16:creationId xmlns:a16="http://schemas.microsoft.com/office/drawing/2014/main" id="{CD37FF21-5647-48BC-ABE0-22F8AB863E52}"/>
+              </a:ext>
+            </a:extLst>
+          </p:cNvPr>
+          <p:cNvSpPr>
+            <a:spLocks noGrp="1"/>
+          </p:cNvSpPr>
+          <p:nvPr>
+            <p:ph type="dt" sz="half" idx="10"/>
+          </p:nvPr>
+        </p:nvSpPr>
+        <p:spPr>
+          <a:xfrm>
+            <a:off x="411891" y="6361329"/>
+            <a:ext cx="2558835" cy="365125"/>
+          </a:xfrm>
+        </p:spPr>
+        <p:txBody>
+          <a:bodyPr/>
+          <a:lstStyle/>
+          <a:p>
+            <a:r>
+              <a:rPr lang="en-US" dirty="0"/>
+              <a:t>Initial Setup – Pierluigi Zama Ramirez</a:t>
+            </a:r>
+          </a:p>
+        </p:txBody>
+      </p:sp>
+      <p:sp>
+        <p:nvSpPr>
+          <p:cNvPr id="5" name="Segnaposto numero diapositiva 4">
+            <a:extLst>
+              <a:ext uri="{FF2B5EF4-FFF2-40B4-BE49-F238E27FC236}">
+                <a16:creationId xmlns:a16="http://schemas.microsoft.com/office/drawing/2014/main" id="{1B67C968-09C6-409E-9094-6A61912F818E}"/>
+              </a:ext>
+            </a:extLst>
+          </p:cNvPr>
+          <p:cNvSpPr>
+            <a:spLocks noGrp="1"/>
+          </p:cNvSpPr>
+          <p:nvPr>
+            <p:ph type="sldNum" sz="quarter" idx="12"/>
+          </p:nvPr>
+        </p:nvSpPr>
+        <p:spPr/>
+        <p:txBody>
+          <a:bodyPr/>
+          <a:lstStyle/>
+          <a:p>
+            <a:fld id="{21D15A9C-11B4-4C77-BDEA-04E3D7D1DFC0}" type="slidenum">
+              <a:rPr lang="en-US" smtClean="0"/>
+              <a:t>12</a:t>
+            </a:fld>
+            <a:endParaRPr lang="en-US"/>
+          </a:p>
+        </p:txBody>
+      </p:sp>
+      <p:sp>
+        <p:nvSpPr>
+          <p:cNvPr id="8" name="TextBox 7">
+            <a:extLst>
+              <a:ext uri="{FF2B5EF4-FFF2-40B4-BE49-F238E27FC236}">
+                <a16:creationId xmlns:a16="http://schemas.microsoft.com/office/drawing/2014/main" id="{524FB599-5D29-4B3F-9927-9A935AB0DA50}"/>
+              </a:ext>
+            </a:extLst>
+          </p:cNvPr>
+          <p:cNvSpPr txBox="1"/>
+          <p:nvPr/>
+        </p:nvSpPr>
+        <p:spPr>
+          <a:xfrm>
+            <a:off x="1704798" y="5938453"/>
+            <a:ext cx="5734390" cy="369332"/>
+          </a:xfrm>
+          <a:prstGeom prst="rect">
+            <a:avLst/>
+          </a:prstGeom>
+          <a:noFill/>
+        </p:spPr>
+        <p:txBody>
+          <a:bodyPr wrap="none" rtlCol="0">
+            <a:spAutoFit/>
+          </a:bodyPr>
+          <a:lstStyle/>
+          <a:p>
+            <a:r>
+              <a:rPr lang="en-GB" dirty="0"/>
+              <a:t>Run single code instruction and see the result interactively!</a:t>
+            </a:r>
+          </a:p>
+        </p:txBody>
+      </p:sp>
+      <p:sp>
+        <p:nvSpPr>
+          <p:cNvPr id="17" name="Oval 16">
+            <a:extLst>
+              <a:ext uri="{FF2B5EF4-FFF2-40B4-BE49-F238E27FC236}">
+                <a16:creationId xmlns:a16="http://schemas.microsoft.com/office/drawing/2014/main" id="{DA07955D-3A39-45EF-9285-66533386F48D}"/>
+              </a:ext>
+            </a:extLst>
+          </p:cNvPr>
+          <p:cNvSpPr/>
+          <p:nvPr/>
+        </p:nvSpPr>
+        <p:spPr>
+          <a:xfrm>
+            <a:off x="2673752" y="2562944"/>
+            <a:ext cx="296974" cy="219919"/>
+          </a:xfrm>
+          <a:prstGeom prst="ellipse">
+            <a:avLst/>
+          </a:prstGeom>
+          <a:noFill/>
+          <a:ln>
+            <a:solidFill>
+              <a:srgbClr val="FF0000"/>
+            </a:solidFill>
+          </a:ln>
+        </p:spPr>
+        <p:style>
+          <a:lnRef idx="2">
+            <a:schemeClr val="accent1">
+              <a:shade val="50000"/>
+            </a:schemeClr>
+          </a:lnRef>
+          <a:fillRef idx="1">
+            <a:schemeClr val="accent1"/>
+          </a:fillRef>
+          <a:effectRef idx="0">
+            <a:schemeClr val="accent1"/>
+          </a:effectRef>
+          <a:fontRef idx="minor">
+            <a:schemeClr val="lt1"/>
+          </a:fontRef>
+        </p:style>
+        <p:txBody>
+          <a:bodyPr rtlCol="0" anchor="ctr"/>
+          <a:lstStyle/>
+          <a:p>
+            <a:pPr algn="ctr"/>
+            <a:endParaRPr lang="en-GB"/>
+          </a:p>
+        </p:txBody>
+      </p:sp>
+      <p:sp>
+        <p:nvSpPr>
+          <p:cNvPr id="18" name="Oval 17">
+            <a:extLst>
+              <a:ext uri="{FF2B5EF4-FFF2-40B4-BE49-F238E27FC236}">
+                <a16:creationId xmlns:a16="http://schemas.microsoft.com/office/drawing/2014/main" id="{5D323B37-775A-4802-8603-C4DF2130A544}"/>
+              </a:ext>
+            </a:extLst>
+          </p:cNvPr>
+          <p:cNvSpPr/>
+          <p:nvPr/>
+        </p:nvSpPr>
+        <p:spPr>
+          <a:xfrm>
+            <a:off x="1869080" y="4464896"/>
+            <a:ext cx="1703176" cy="539920"/>
+          </a:xfrm>
+          <a:prstGeom prst="ellipse">
+            <a:avLst/>
+          </a:prstGeom>
+          <a:noFill/>
+          <a:ln>
+            <a:solidFill>
+              <a:srgbClr val="FF0000"/>
+            </a:solidFill>
+          </a:ln>
+        </p:spPr>
+        <p:style>
+          <a:lnRef idx="2">
+            <a:schemeClr val="accent1">
+              <a:shade val="50000"/>
+            </a:schemeClr>
+          </a:lnRef>
+          <a:fillRef idx="1">
+            <a:schemeClr val="accent1"/>
+          </a:fillRef>
+          <a:effectRef idx="0">
+            <a:schemeClr val="accent1"/>
+          </a:effectRef>
+          <a:fontRef idx="minor">
+            <a:schemeClr val="lt1"/>
+          </a:fontRef>
+        </p:style>
+        <p:txBody>
+          <a:bodyPr rtlCol="0" anchor="ctr"/>
+          <a:lstStyle/>
+          <a:p>
+            <a:pPr algn="ctr"/>
+            <a:endParaRPr lang="en-GB"/>
+          </a:p>
+        </p:txBody>
+      </p:sp>
+    </p:spTree>
+    <p:extLst>
+      <p:ext uri="{BB962C8B-B14F-4D97-AF65-F5344CB8AC3E}">
+        <p14:creationId xmlns:p14="http://schemas.microsoft.com/office/powerpoint/2010/main" val="4078975265"/>
+      </p:ext>
+    </p:extLst>
+  </p:cSld>
+  <p:clrMapOvr>
+    <a:masterClrMapping/>
+  </p:clrMapOvr>
+</p:sld>
+</file>
+
+<file path=ppt/slides/slide13.xml><?xml version="1.0" encoding="utf-8"?>
+<p:sld xmlns:a="http://schemas.openxmlformats.org/drawingml/2006/main" xmlns:r="http://schemas.openxmlformats.org/officeDocument/2006/relationships" xmlns:p="http://schemas.openxmlformats.org/presentationml/2006/main">
+  <p:cSld>
+    <p:spTree>
+      <p:nvGrpSpPr>
+        <p:cNvPr id="1" name=""/>
+        <p:cNvGrpSpPr/>
+        <p:nvPr/>
+      </p:nvGrpSpPr>
+      <p:grpSpPr>
+        <a:xfrm>
+          <a:off x="0" y="0"/>
+          <a:ext cx="0" cy="0"/>
+          <a:chOff x="0" y="0"/>
+          <a:chExt cx="0" cy="0"/>
+        </a:xfrm>
+      </p:grpSpPr>
+      <p:sp>
+        <p:nvSpPr>
+          <p:cNvPr id="2" name="Titolo 1">
+            <a:extLst>
+              <a:ext uri="{FF2B5EF4-FFF2-40B4-BE49-F238E27FC236}">
+                <a16:creationId xmlns:a16="http://schemas.microsoft.com/office/drawing/2014/main" id="{C2425517-4760-4CAE-AE51-2926BAC8F809}"/>
+              </a:ext>
+            </a:extLst>
+          </p:cNvPr>
+          <p:cNvSpPr>
+            <a:spLocks noGrp="1"/>
+          </p:cNvSpPr>
+          <p:nvPr>
+            <p:ph type="title"/>
+          </p:nvPr>
+        </p:nvSpPr>
+        <p:spPr/>
+        <p:txBody>
+          <a:bodyPr>
+            <a:normAutofit fontScale="90000"/>
+          </a:bodyPr>
+          <a:lstStyle/>
+          <a:p>
+            <a:r>
+              <a:rPr lang="en-GB" dirty="0"/>
+              <a:t>Export python .</a:t>
+            </a:r>
+            <a:r>
+              <a:rPr lang="en-GB" dirty="0" err="1"/>
+              <a:t>py</a:t>
+            </a:r>
+            <a:r>
+              <a:rPr lang="en-GB" dirty="0"/>
+              <a:t> from notebook file</a:t>
+            </a:r>
+          </a:p>
+        </p:txBody>
+      </p:sp>
+      <p:pic>
+        <p:nvPicPr>
+          <p:cNvPr id="7" name="Content Placeholder 6" descr="A screenshot of a computer&#10;&#10;Description automatically generated">
+            <a:extLst>
+              <a:ext uri="{FF2B5EF4-FFF2-40B4-BE49-F238E27FC236}">
+                <a16:creationId xmlns:a16="http://schemas.microsoft.com/office/drawing/2014/main" id="{8FBFC568-680E-46BF-A905-6B8F742DD6A5}"/>
+              </a:ext>
+            </a:extLst>
+          </p:cNvPr>
+          <p:cNvPicPr>
+            <a:picLocks noGrp="1" noChangeAspect="1"/>
+          </p:cNvPicPr>
+          <p:nvPr>
+            <p:ph idx="1"/>
+          </p:nvPr>
+        </p:nvPicPr>
+        <p:blipFill>
+          <a:blip r:embed="rId3">
+            <a:extLst>
+              <a:ext uri="{28A0092B-C50C-407E-A947-70E740481C1C}">
+                <a14:useLocalDpi xmlns:a14="http://schemas.microsoft.com/office/drawing/2010/main" val="0"/>
+              </a:ext>
+            </a:extLst>
+          </a:blip>
+          <a:stretch>
+            <a:fillRect/>
+          </a:stretch>
+        </p:blipFill>
+        <p:spPr>
+          <a:xfrm>
+            <a:off x="1173146" y="1797627"/>
+            <a:ext cx="6797708" cy="3823711"/>
+          </a:xfrm>
+        </p:spPr>
+      </p:pic>
+      <p:sp>
+        <p:nvSpPr>
+          <p:cNvPr id="4" name="Segnaposto data 3">
+            <a:extLst>
+              <a:ext uri="{FF2B5EF4-FFF2-40B4-BE49-F238E27FC236}">
+                <a16:creationId xmlns:a16="http://schemas.microsoft.com/office/drawing/2014/main" id="{CD37FF21-5647-48BC-ABE0-22F8AB863E52}"/>
+              </a:ext>
+            </a:extLst>
+          </p:cNvPr>
+          <p:cNvSpPr>
+            <a:spLocks noGrp="1"/>
+          </p:cNvSpPr>
+          <p:nvPr>
+            <p:ph type="dt" sz="half" idx="10"/>
+          </p:nvPr>
+        </p:nvSpPr>
+        <p:spPr>
+          <a:xfrm>
+            <a:off x="411891" y="6361329"/>
+            <a:ext cx="2558835" cy="365125"/>
+          </a:xfrm>
+        </p:spPr>
+        <p:txBody>
+          <a:bodyPr/>
+          <a:lstStyle/>
+          <a:p>
+            <a:r>
+              <a:rPr lang="en-US" dirty="0"/>
+              <a:t>Initial Setup – Pierluigi Zama Ramirez</a:t>
+            </a:r>
+          </a:p>
+        </p:txBody>
+      </p:sp>
+      <p:sp>
+        <p:nvSpPr>
+          <p:cNvPr id="5" name="Segnaposto numero diapositiva 4">
+            <a:extLst>
+              <a:ext uri="{FF2B5EF4-FFF2-40B4-BE49-F238E27FC236}">
+                <a16:creationId xmlns:a16="http://schemas.microsoft.com/office/drawing/2014/main" id="{1B67C968-09C6-409E-9094-6A61912F818E}"/>
+              </a:ext>
+            </a:extLst>
+          </p:cNvPr>
+          <p:cNvSpPr>
+            <a:spLocks noGrp="1"/>
+          </p:cNvSpPr>
+          <p:nvPr>
+            <p:ph type="sldNum" sz="quarter" idx="12"/>
+          </p:nvPr>
+        </p:nvSpPr>
+        <p:spPr/>
+        <p:txBody>
+          <a:bodyPr/>
+          <a:lstStyle/>
+          <a:p>
+            <a:fld id="{21D15A9C-11B4-4C77-BDEA-04E3D7D1DFC0}" type="slidenum">
+              <a:rPr lang="en-US" smtClean="0"/>
+              <a:t>13</a:t>
+            </a:fld>
+            <a:endParaRPr lang="en-US"/>
+          </a:p>
+        </p:txBody>
+      </p:sp>
+      <p:sp>
+        <p:nvSpPr>
+          <p:cNvPr id="8" name="TextBox 7">
+            <a:extLst>
+              <a:ext uri="{FF2B5EF4-FFF2-40B4-BE49-F238E27FC236}">
+                <a16:creationId xmlns:a16="http://schemas.microsoft.com/office/drawing/2014/main" id="{EA102731-FDB3-406B-AE1E-72D2178D3F9C}"/>
+              </a:ext>
+            </a:extLst>
+          </p:cNvPr>
+          <p:cNvSpPr txBox="1"/>
+          <p:nvPr/>
+        </p:nvSpPr>
+        <p:spPr>
+          <a:xfrm>
+            <a:off x="411891" y="5838214"/>
+            <a:ext cx="8361407" cy="646331"/>
+          </a:xfrm>
+          <a:prstGeom prst="rect">
+            <a:avLst/>
+          </a:prstGeom>
+          <a:noFill/>
+        </p:spPr>
+        <p:txBody>
+          <a:bodyPr wrap="square" rtlCol="0">
+            <a:spAutoFit/>
+          </a:bodyPr>
+          <a:lstStyle/>
+          <a:p>
+            <a:pPr algn="ctr"/>
+            <a:r>
+              <a:rPr lang="en-GB" dirty="0"/>
+              <a:t>You can download  the all notebook as a single </a:t>
+            </a:r>
+            <a:r>
+              <a:rPr lang="en-GB" b="1" dirty="0"/>
+              <a:t>.</a:t>
+            </a:r>
+            <a:r>
+              <a:rPr lang="en-GB" b="1" dirty="0" err="1"/>
+              <a:t>py</a:t>
+            </a:r>
+            <a:r>
+              <a:rPr lang="en-GB" b="1" dirty="0"/>
+              <a:t> file</a:t>
+            </a:r>
+            <a:r>
+              <a:rPr lang="en-GB" dirty="0"/>
+              <a:t>! After that, you  can run it as normal </a:t>
+            </a:r>
+            <a:r>
+              <a:rPr lang="en-GB" dirty="0" err="1"/>
+              <a:t>Pyhton</a:t>
+            </a:r>
+            <a:r>
+              <a:rPr lang="en-GB" dirty="0"/>
+              <a:t> script.</a:t>
+            </a:r>
+          </a:p>
+        </p:txBody>
+      </p:sp>
+      <p:sp>
+        <p:nvSpPr>
+          <p:cNvPr id="9" name="Oval 8">
+            <a:extLst>
+              <a:ext uri="{FF2B5EF4-FFF2-40B4-BE49-F238E27FC236}">
+                <a16:creationId xmlns:a16="http://schemas.microsoft.com/office/drawing/2014/main" id="{A2A879D0-EBDC-411F-91AD-5A89F518C42B}"/>
+              </a:ext>
+            </a:extLst>
+          </p:cNvPr>
+          <p:cNvSpPr/>
+          <p:nvPr/>
+        </p:nvSpPr>
+        <p:spPr>
+          <a:xfrm>
+            <a:off x="1551008" y="3528608"/>
+            <a:ext cx="2167134" cy="534106"/>
+          </a:xfrm>
+          <a:prstGeom prst="ellipse">
+            <a:avLst/>
+          </a:prstGeom>
+          <a:noFill/>
+          <a:ln>
+            <a:solidFill>
+              <a:srgbClr val="FF0000"/>
+            </a:solidFill>
+          </a:ln>
+        </p:spPr>
+        <p:style>
+          <a:lnRef idx="2">
+            <a:schemeClr val="accent1">
+              <a:shade val="50000"/>
+            </a:schemeClr>
+          </a:lnRef>
+          <a:fillRef idx="1">
+            <a:schemeClr val="accent1"/>
+          </a:fillRef>
+          <a:effectRef idx="0">
+            <a:schemeClr val="accent1"/>
+          </a:effectRef>
+          <a:fontRef idx="minor">
+            <a:schemeClr val="lt1"/>
+          </a:fontRef>
+        </p:style>
+        <p:txBody>
+          <a:bodyPr rtlCol="0" anchor="ctr"/>
+          <a:lstStyle/>
+          <a:p>
+            <a:pPr algn="ctr"/>
+            <a:endParaRPr lang="en-GB"/>
+          </a:p>
+        </p:txBody>
+      </p:sp>
+    </p:spTree>
+    <p:extLst>
+      <p:ext uri="{BB962C8B-B14F-4D97-AF65-F5344CB8AC3E}">
+        <p14:creationId xmlns:p14="http://schemas.microsoft.com/office/powerpoint/2010/main" val="3267681367"/>
+      </p:ext>
+    </p:extLst>
+  </p:cSld>
+  <p:clrMapOvr>
+    <a:masterClrMapping/>
+  </p:clrMapOvr>
+</p:sld>
+</file>
+
+<file path=ppt/slides/slide14.xml><?xml version="1.0" encoding="utf-8"?>
+<p:sld xmlns:a="http://schemas.openxmlformats.org/drawingml/2006/main" xmlns:r="http://schemas.openxmlformats.org/officeDocument/2006/relationships" xmlns:p="http://schemas.openxmlformats.org/presentationml/2006/main">
+  <p:cSld>
+    <p:spTree>
+      <p:nvGrpSpPr>
+        <p:cNvPr id="1" name=""/>
+        <p:cNvGrpSpPr/>
+        <p:nvPr/>
+      </p:nvGrpSpPr>
+      <p:grpSpPr>
+        <a:xfrm>
+          <a:off x="0" y="0"/>
+          <a:ext cx="0" cy="0"/>
+          <a:chOff x="0" y="0"/>
+          <a:chExt cx="0" cy="0"/>
+        </a:xfrm>
+      </p:grpSpPr>
+      <p:sp>
+        <p:nvSpPr>
+          <p:cNvPr id="2" name="Titolo 1">
+            <a:extLst>
+              <a:ext uri="{FF2B5EF4-FFF2-40B4-BE49-F238E27FC236}">
+                <a16:creationId xmlns:a16="http://schemas.microsoft.com/office/drawing/2014/main" id="{C2425517-4760-4CAE-AE51-2926BAC8F809}"/>
+              </a:ext>
+            </a:extLst>
+          </p:cNvPr>
+          <p:cNvSpPr>
+            <a:spLocks noGrp="1"/>
+          </p:cNvSpPr>
+          <p:nvPr>
+            <p:ph type="title"/>
+          </p:nvPr>
+        </p:nvSpPr>
+        <p:spPr/>
+        <p:txBody>
           <a:bodyPr>
             <a:normAutofit fontScale="90000"/>
           </a:bodyPr>
@@ -7541,15 +8667,7 @@
             </a:pPr>
             <a:r>
               <a:rPr lang="en-GB" dirty="0"/>
-              <a:t>When you work with python you typically do not program directly on </a:t>
-            </a:r>
-            <a:r>
-              <a:rPr lang="en-GB" dirty="0" err="1"/>
-              <a:t>Jupyter</a:t>
-            </a:r>
-            <a:r>
-              <a:rPr lang="en-GB" dirty="0"/>
-              <a:t> Notebook but it is common to use a Source Code Editor such as</a:t>
+              <a:t>When you work with python you typically do not program directly on Jupyter Notebook but it is common to use a Source Code Editor such as</a:t>
             </a:r>
           </a:p>
           <a:p>
@@ -7690,7 +8808,7 @@
           <a:p>
             <a:fld id="{21D15A9C-11B4-4C77-BDEA-04E3D7D1DFC0}" type="slidenum">
               <a:rPr lang="en-US" smtClean="0"/>
-              <a:t>10</a:t>
+              <a:t>14</a:t>
             </a:fld>
             <a:endParaRPr lang="en-US"/>
           </a:p>
@@ -7829,7 +8947,7 @@
 </p:sld>
 </file>
 
-<file path=ppt/slides/slide11.xml><?xml version="1.0" encoding="utf-8"?>
+<file path=ppt/slides/slide15.xml><?xml version="1.0" encoding="utf-8"?>
 <p:sld xmlns:a="http://schemas.openxmlformats.org/drawingml/2006/main" xmlns:r="http://schemas.openxmlformats.org/officeDocument/2006/relationships" xmlns:p="http://schemas.openxmlformats.org/presentationml/2006/main">
   <p:cSld>
     <p:spTree>
@@ -7923,12 +9041,8 @@
           </a:p>
           <a:p>
             <a:r>
-              <a:rPr lang="en-GB" dirty="0" err="1"/>
-              <a:t>Jupyter</a:t>
-            </a:r>
-            <a:r>
               <a:rPr lang="en-GB" dirty="0"/>
-              <a:t> documentation:</a:t>
+              <a:t>Jupyter documentation:</a:t>
             </a:r>
           </a:p>
           <a:p>
@@ -8083,7 +9197,7 @@
           <a:p>
             <a:fld id="{21D15A9C-11B4-4C77-BDEA-04E3D7D1DFC0}" type="slidenum">
               <a:rPr lang="en-US" smtClean="0"/>
-              <a:t>11</a:t>
+              <a:t>15</a:t>
             </a:fld>
             <a:endParaRPr lang="en-US"/>
           </a:p>
@@ -8121,10 +9235,10 @@
       </p:grpSpPr>
       <p:sp>
         <p:nvSpPr>
-          <p:cNvPr id="2" name="Titolo 1">
+          <p:cNvPr id="2" name="Title 1">
             <a:extLst>
               <a:ext uri="{FF2B5EF4-FFF2-40B4-BE49-F238E27FC236}">
-                <a16:creationId xmlns:a16="http://schemas.microsoft.com/office/drawing/2014/main" id="{361D2861-0249-4B59-B52A-4018D1B0A6CE}"/>
+                <a16:creationId xmlns:a16="http://schemas.microsoft.com/office/drawing/2014/main" id="{9684FB9A-E9C6-411C-A1CD-8267E2FAE1B4}"/>
               </a:ext>
             </a:extLst>
           </p:cNvPr>
@@ -8135,167 +9249,32 @@
             <p:ph type="title"/>
           </p:nvPr>
         </p:nvSpPr>
-        <p:spPr/>
-        <p:txBody>
-          <a:bodyPr/>
-          <a:lstStyle/>
-          <a:p>
-            <a:r>
-              <a:rPr lang="en-GB" dirty="0"/>
-              <a:t>Requirements</a:t>
-            </a:r>
-          </a:p>
-        </p:txBody>
-      </p:sp>
-      <p:sp>
-        <p:nvSpPr>
-          <p:cNvPr id="3" name="Segnaposto contenuto 2">
-            <a:extLst>
-              <a:ext uri="{FF2B5EF4-FFF2-40B4-BE49-F238E27FC236}">
-                <a16:creationId xmlns:a16="http://schemas.microsoft.com/office/drawing/2014/main" id="{52EFA161-FD00-47A4-ACF6-17F18CA73BC3}"/>
-              </a:ext>
-            </a:extLst>
-          </p:cNvPr>
-          <p:cNvSpPr>
-            <a:spLocks noGrp="1"/>
-          </p:cNvSpPr>
-          <p:nvPr>
-            <p:ph idx="1"/>
-          </p:nvPr>
-        </p:nvSpPr>
-        <p:spPr/>
-        <p:txBody>
-          <a:bodyPr>
-            <a:normAutofit/>
-          </a:bodyPr>
-          <a:lstStyle/>
-          <a:p>
-            <a:pPr marL="0" indent="0">
-              <a:buNone/>
-            </a:pPr>
-            <a:r>
-              <a:rPr lang="en-GB" dirty="0"/>
-              <a:t>These slides will teach you how to configure and install the required libraries in your computer.  Requirements:</a:t>
-            </a:r>
-          </a:p>
-          <a:p>
-            <a:r>
-              <a:rPr lang="en-GB" dirty="0"/>
-              <a:t>Windows or Linux-Ubuntu (macOS and other Linux distributions are not in this guide but they should work too.)</a:t>
-            </a:r>
-          </a:p>
-          <a:p>
-            <a:r>
-              <a:rPr lang="en-GB" dirty="0"/>
-              <a:t>Internet connection</a:t>
-            </a:r>
-          </a:p>
-          <a:p>
-            <a:pPr marL="0" indent="0">
-              <a:buNone/>
-            </a:pPr>
-            <a:r>
-              <a:rPr lang="en-GB" dirty="0"/>
-              <a:t>We will install:</a:t>
-            </a:r>
-          </a:p>
-          <a:p>
-            <a:r>
-              <a:rPr lang="en-GB" dirty="0"/>
-              <a:t>Python 3.x</a:t>
-            </a:r>
-          </a:p>
-          <a:p>
-            <a:r>
-              <a:rPr lang="en-GB" dirty="0"/>
-              <a:t>Pip</a:t>
-            </a:r>
-          </a:p>
-          <a:p>
-            <a:r>
-              <a:rPr lang="en-GB" dirty="0"/>
-              <a:t>Python-Libraries: OpenCV, Matplotlib, </a:t>
-            </a:r>
-            <a:r>
-              <a:rPr lang="en-GB" dirty="0" err="1"/>
-              <a:t>Numpy</a:t>
-            </a:r>
-            <a:endParaRPr lang="en-GB" dirty="0"/>
-          </a:p>
-          <a:p>
-            <a:r>
-              <a:rPr lang="en-GB" dirty="0"/>
-              <a:t>Jupyter Notebook</a:t>
-            </a:r>
-          </a:p>
-        </p:txBody>
-      </p:sp>
-      <p:sp>
-        <p:nvSpPr>
-          <p:cNvPr id="4" name="Segnaposto data 3">
-            <a:extLst>
-              <a:ext uri="{FF2B5EF4-FFF2-40B4-BE49-F238E27FC236}">
-                <a16:creationId xmlns:a16="http://schemas.microsoft.com/office/drawing/2014/main" id="{C6A43D2E-BC24-44D1-A9C1-7E28F8F8270B}"/>
-              </a:ext>
-            </a:extLst>
-          </p:cNvPr>
-          <p:cNvSpPr>
-            <a:spLocks noGrp="1"/>
-          </p:cNvSpPr>
-          <p:nvPr>
-            <p:ph type="dt" sz="half" idx="10"/>
-          </p:nvPr>
-        </p:nvSpPr>
-        <p:spPr>
-          <a:xfrm>
-            <a:off x="411892" y="6361329"/>
-            <a:ext cx="2540858" cy="365125"/>
-          </a:xfrm>
-        </p:spPr>
-        <p:txBody>
-          <a:bodyPr/>
-          <a:lstStyle/>
-          <a:p>
-            <a:r>
-              <a:rPr lang="en-US" dirty="0"/>
-              <a:t>Initial Setup – Pierluigi Zama Ramirez</a:t>
-            </a:r>
-          </a:p>
-        </p:txBody>
-      </p:sp>
-      <p:sp>
-        <p:nvSpPr>
-          <p:cNvPr id="5" name="Segnaposto numero diapositiva 4">
-            <a:extLst>
-              <a:ext uri="{FF2B5EF4-FFF2-40B4-BE49-F238E27FC236}">
-                <a16:creationId xmlns:a16="http://schemas.microsoft.com/office/drawing/2014/main" id="{B236EFDE-9250-44AC-A2B9-397EB990E3E9}"/>
-              </a:ext>
-            </a:extLst>
-          </p:cNvPr>
-          <p:cNvSpPr>
-            <a:spLocks noGrp="1"/>
-          </p:cNvSpPr>
-          <p:nvPr>
-            <p:ph type="sldNum" sz="quarter" idx="12"/>
-          </p:nvPr>
-        </p:nvSpPr>
-        <p:spPr/>
-        <p:txBody>
-          <a:bodyPr/>
-          <a:lstStyle/>
-          <a:p>
-            <a:fld id="{21D15A9C-11B4-4C77-BDEA-04E3D7D1DFC0}" type="slidenum">
-              <a:rPr lang="en-US" smtClean="0"/>
-              <a:t>2</a:t>
-            </a:fld>
-            <a:endParaRPr lang="en-US"/>
+        <p:spPr>
+          <a:xfrm>
+            <a:off x="628650" y="2986722"/>
+            <a:ext cx="7886700" cy="884555"/>
+          </a:xfrm>
+        </p:spPr>
+        <p:txBody>
+          <a:bodyPr/>
+          <a:lstStyle/>
+          <a:p>
+            <a:pPr algn="ctr"/>
+            <a:r>
+              <a:rPr lang="en-GB" b="1" dirty="0">
+                <a:solidFill>
+                  <a:schemeClr val="accent5"/>
+                </a:solidFill>
+              </a:rPr>
+              <a:t>Working on your computer</a:t>
+            </a:r>
           </a:p>
         </p:txBody>
       </p:sp>
     </p:spTree>
     <p:extLst>
       <p:ext uri="{BB962C8B-B14F-4D97-AF65-F5344CB8AC3E}">
-        <p14:creationId xmlns:p14="http://schemas.microsoft.com/office/powerpoint/2010/main" val="3430479768"/>
+        <p14:creationId xmlns:p14="http://schemas.microsoft.com/office/powerpoint/2010/main" val="2167818151"/>
       </p:ext>
     </p:extLst>
   </p:cSld>
@@ -8327,6 +9306,211 @@
           <p:cNvPr id="2" name="Titolo 1">
             <a:extLst>
               <a:ext uri="{FF2B5EF4-FFF2-40B4-BE49-F238E27FC236}">
+                <a16:creationId xmlns:a16="http://schemas.microsoft.com/office/drawing/2014/main" id="{361D2861-0249-4B59-B52A-4018D1B0A6CE}"/>
+              </a:ext>
+            </a:extLst>
+          </p:cNvPr>
+          <p:cNvSpPr>
+            <a:spLocks noGrp="1"/>
+          </p:cNvSpPr>
+          <p:nvPr>
+            <p:ph type="title"/>
+          </p:nvPr>
+        </p:nvSpPr>
+        <p:spPr/>
+        <p:txBody>
+          <a:bodyPr>
+            <a:normAutofit/>
+          </a:bodyPr>
+          <a:lstStyle/>
+          <a:p>
+            <a:r>
+              <a:rPr lang="en-GB" dirty="0"/>
+              <a:t>Requirements</a:t>
+            </a:r>
+          </a:p>
+        </p:txBody>
+      </p:sp>
+      <p:sp>
+        <p:nvSpPr>
+          <p:cNvPr id="3" name="Segnaposto contenuto 2">
+            <a:extLst>
+              <a:ext uri="{FF2B5EF4-FFF2-40B4-BE49-F238E27FC236}">
+                <a16:creationId xmlns:a16="http://schemas.microsoft.com/office/drawing/2014/main" id="{52EFA161-FD00-47A4-ACF6-17F18CA73BC3}"/>
+              </a:ext>
+            </a:extLst>
+          </p:cNvPr>
+          <p:cNvSpPr>
+            <a:spLocks noGrp="1"/>
+          </p:cNvSpPr>
+          <p:nvPr>
+            <p:ph idx="1"/>
+          </p:nvPr>
+        </p:nvSpPr>
+        <p:spPr/>
+        <p:txBody>
+          <a:bodyPr>
+            <a:normAutofit/>
+          </a:bodyPr>
+          <a:lstStyle/>
+          <a:p>
+            <a:pPr marL="0" indent="0">
+              <a:buNone/>
+            </a:pPr>
+            <a:r>
+              <a:rPr lang="en-GB" dirty="0"/>
+              <a:t>These slides will teach you how to configure and install the required libraries in your computer.  Requirements:</a:t>
+            </a:r>
+          </a:p>
+          <a:p>
+            <a:r>
+              <a:rPr lang="en-GB" dirty="0"/>
+              <a:t>Windows or Linux-Ubuntu (macOS and other Linux distributions are not in this guide but they should work too.)</a:t>
+            </a:r>
+          </a:p>
+          <a:p>
+            <a:r>
+              <a:rPr lang="en-GB" dirty="0"/>
+              <a:t>Internet connection</a:t>
+            </a:r>
+          </a:p>
+          <a:p>
+            <a:pPr marL="0" indent="0">
+              <a:buNone/>
+            </a:pPr>
+            <a:r>
+              <a:rPr lang="en-GB" dirty="0"/>
+              <a:t>We will install:</a:t>
+            </a:r>
+          </a:p>
+          <a:p>
+            <a:r>
+              <a:rPr lang="en-GB" dirty="0"/>
+              <a:t>Python 3.x</a:t>
+            </a:r>
+          </a:p>
+          <a:p>
+            <a:r>
+              <a:rPr lang="en-GB" dirty="0"/>
+              <a:t>Pip</a:t>
+            </a:r>
+          </a:p>
+          <a:p>
+            <a:r>
+              <a:rPr lang="en-GB" dirty="0"/>
+              <a:t>Python-Libraries: OpenCV, Matplotlib, </a:t>
+            </a:r>
+            <a:r>
+              <a:rPr lang="en-GB" dirty="0" err="1"/>
+              <a:t>Numpy</a:t>
+            </a:r>
+            <a:endParaRPr lang="en-GB" dirty="0"/>
+          </a:p>
+          <a:p>
+            <a:r>
+              <a:rPr lang="en-GB" dirty="0"/>
+              <a:t>Jupyter Notebook</a:t>
+            </a:r>
+          </a:p>
+        </p:txBody>
+      </p:sp>
+      <p:sp>
+        <p:nvSpPr>
+          <p:cNvPr id="4" name="Segnaposto data 3">
+            <a:extLst>
+              <a:ext uri="{FF2B5EF4-FFF2-40B4-BE49-F238E27FC236}">
+                <a16:creationId xmlns:a16="http://schemas.microsoft.com/office/drawing/2014/main" id="{C6A43D2E-BC24-44D1-A9C1-7E28F8F8270B}"/>
+              </a:ext>
+            </a:extLst>
+          </p:cNvPr>
+          <p:cNvSpPr>
+            <a:spLocks noGrp="1"/>
+          </p:cNvSpPr>
+          <p:nvPr>
+            <p:ph type="dt" sz="half" idx="10"/>
+          </p:nvPr>
+        </p:nvSpPr>
+        <p:spPr>
+          <a:xfrm>
+            <a:off x="411892" y="6361329"/>
+            <a:ext cx="2540858" cy="365125"/>
+          </a:xfrm>
+        </p:spPr>
+        <p:txBody>
+          <a:bodyPr/>
+          <a:lstStyle/>
+          <a:p>
+            <a:r>
+              <a:rPr lang="en-US" dirty="0"/>
+              <a:t>Initial Setup – Pierluigi Zama Ramirez</a:t>
+            </a:r>
+          </a:p>
+        </p:txBody>
+      </p:sp>
+      <p:sp>
+        <p:nvSpPr>
+          <p:cNvPr id="5" name="Segnaposto numero diapositiva 4">
+            <a:extLst>
+              <a:ext uri="{FF2B5EF4-FFF2-40B4-BE49-F238E27FC236}">
+                <a16:creationId xmlns:a16="http://schemas.microsoft.com/office/drawing/2014/main" id="{B236EFDE-9250-44AC-A2B9-397EB990E3E9}"/>
+              </a:ext>
+            </a:extLst>
+          </p:cNvPr>
+          <p:cNvSpPr>
+            <a:spLocks noGrp="1"/>
+          </p:cNvSpPr>
+          <p:nvPr>
+            <p:ph type="sldNum" sz="quarter" idx="12"/>
+          </p:nvPr>
+        </p:nvSpPr>
+        <p:spPr/>
+        <p:txBody>
+          <a:bodyPr/>
+          <a:lstStyle/>
+          <a:p>
+            <a:fld id="{21D15A9C-11B4-4C77-BDEA-04E3D7D1DFC0}" type="slidenum">
+              <a:rPr lang="en-US" smtClean="0"/>
+              <a:t>3</a:t>
+            </a:fld>
+            <a:endParaRPr lang="en-US"/>
+          </a:p>
+        </p:txBody>
+      </p:sp>
+    </p:spTree>
+    <p:extLst>
+      <p:ext uri="{BB962C8B-B14F-4D97-AF65-F5344CB8AC3E}">
+        <p14:creationId xmlns:p14="http://schemas.microsoft.com/office/powerpoint/2010/main" val="3430479768"/>
+      </p:ext>
+    </p:extLst>
+  </p:cSld>
+  <p:clrMapOvr>
+    <a:masterClrMapping/>
+  </p:clrMapOvr>
+</p:sld>
+</file>
+
+<file path=ppt/slides/slide4.xml><?xml version="1.0" encoding="utf-8"?>
+<p:sld xmlns:a="http://schemas.openxmlformats.org/drawingml/2006/main" xmlns:r="http://schemas.openxmlformats.org/officeDocument/2006/relationships" xmlns:p="http://schemas.openxmlformats.org/presentationml/2006/main">
+  <p:cSld>
+    <p:spTree>
+      <p:nvGrpSpPr>
+        <p:cNvPr id="1" name=""/>
+        <p:cNvGrpSpPr/>
+        <p:nvPr/>
+      </p:nvGrpSpPr>
+      <p:grpSpPr>
+        <a:xfrm>
+          <a:off x="0" y="0"/>
+          <a:ext cx="0" cy="0"/>
+          <a:chOff x="0" y="0"/>
+          <a:chExt cx="0" cy="0"/>
+        </a:xfrm>
+      </p:grpSpPr>
+      <p:sp>
+        <p:nvSpPr>
+          <p:cNvPr id="2" name="Titolo 1">
+            <a:extLst>
+              <a:ext uri="{FF2B5EF4-FFF2-40B4-BE49-F238E27FC236}">
                 <a16:creationId xmlns:a16="http://schemas.microsoft.com/office/drawing/2014/main" id="{A3EBBD06-D7F7-4BCF-A9C5-DF5E66E37FB6}"/>
               </a:ext>
             </a:extLst>
@@ -8453,7 +9637,7 @@
           <a:p>
             <a:fld id="{21D15A9C-11B4-4C77-BDEA-04E3D7D1DFC0}" type="slidenum">
               <a:rPr lang="en-US" smtClean="0"/>
-              <a:t>3</a:t>
+              <a:t>4</a:t>
             </a:fld>
             <a:endParaRPr lang="en-US" dirty="0"/>
           </a:p>
@@ -8698,414 +9882,6 @@
 </p:sld>
 </file>
 
-<file path=ppt/slides/slide4.xml><?xml version="1.0" encoding="utf-8"?>
-<p:sld xmlns:a="http://schemas.openxmlformats.org/drawingml/2006/main" xmlns:r="http://schemas.openxmlformats.org/officeDocument/2006/relationships" xmlns:p="http://schemas.openxmlformats.org/presentationml/2006/main">
-  <p:cSld>
-    <p:spTree>
-      <p:nvGrpSpPr>
-        <p:cNvPr id="1" name=""/>
-        <p:cNvGrpSpPr/>
-        <p:nvPr/>
-      </p:nvGrpSpPr>
-      <p:grpSpPr>
-        <a:xfrm>
-          <a:off x="0" y="0"/>
-          <a:ext cx="0" cy="0"/>
-          <a:chOff x="0" y="0"/>
-          <a:chExt cx="0" cy="0"/>
-        </a:xfrm>
-      </p:grpSpPr>
-      <p:sp>
-        <p:nvSpPr>
-          <p:cNvPr id="2" name="Titolo 1">
-            <a:extLst>
-              <a:ext uri="{FF2B5EF4-FFF2-40B4-BE49-F238E27FC236}">
-                <a16:creationId xmlns:a16="http://schemas.microsoft.com/office/drawing/2014/main" id="{BABBC831-34D5-492C-AABF-C131D913B082}"/>
-              </a:ext>
-            </a:extLst>
-          </p:cNvPr>
-          <p:cNvSpPr>
-            <a:spLocks noGrp="1"/>
-          </p:cNvSpPr>
-          <p:nvPr>
-            <p:ph type="title"/>
-          </p:nvPr>
-        </p:nvSpPr>
-        <p:spPr/>
-        <p:txBody>
-          <a:bodyPr/>
-          <a:lstStyle/>
-          <a:p>
-            <a:r>
-              <a:rPr lang="en-GB" dirty="0"/>
-              <a:t>Step 2: Installing pip</a:t>
-            </a:r>
-          </a:p>
-        </p:txBody>
-      </p:sp>
-      <p:sp>
-        <p:nvSpPr>
-          <p:cNvPr id="3" name="Segnaposto contenuto 2">
-            <a:extLst>
-              <a:ext uri="{FF2B5EF4-FFF2-40B4-BE49-F238E27FC236}">
-                <a16:creationId xmlns:a16="http://schemas.microsoft.com/office/drawing/2014/main" id="{AB7E86F7-B8D6-4C22-B53D-B1F3877950FD}"/>
-              </a:ext>
-            </a:extLst>
-          </p:cNvPr>
-          <p:cNvSpPr>
-            <a:spLocks noGrp="1"/>
-          </p:cNvSpPr>
-          <p:nvPr>
-            <p:ph idx="1"/>
-          </p:nvPr>
-        </p:nvSpPr>
-        <p:spPr>
-          <a:xfrm>
-            <a:off x="411892" y="1825625"/>
-            <a:ext cx="8344930" cy="1489075"/>
-          </a:xfrm>
-        </p:spPr>
-        <p:txBody>
-          <a:bodyPr/>
-          <a:lstStyle/>
-          <a:p>
-            <a:pPr marL="0" indent="0">
-              <a:buNone/>
-            </a:pPr>
-            <a:r>
-              <a:rPr lang="en-GB" dirty="0"/>
-              <a:t>PIP is a recursive acronym that stands for “PIP Installs Packages”. It’s a command-line utility that allows you to install, reinstall, or uninstall Python packages with a simple and straightforward command: </a:t>
-            </a:r>
-            <a:r>
-              <a:rPr lang="en-GB" b="1" dirty="0"/>
-              <a:t>pip</a:t>
-            </a:r>
-          </a:p>
-          <a:p>
-            <a:pPr marL="0" indent="0">
-              <a:buNone/>
-            </a:pPr>
-            <a:endParaRPr lang="en-GB" dirty="0"/>
-          </a:p>
-        </p:txBody>
-      </p:sp>
-      <p:sp>
-        <p:nvSpPr>
-          <p:cNvPr id="4" name="Segnaposto data 3">
-            <a:extLst>
-              <a:ext uri="{FF2B5EF4-FFF2-40B4-BE49-F238E27FC236}">
-                <a16:creationId xmlns:a16="http://schemas.microsoft.com/office/drawing/2014/main" id="{1D9218CC-38FC-48A8-B386-621D6B0912B6}"/>
-              </a:ext>
-            </a:extLst>
-          </p:cNvPr>
-          <p:cNvSpPr>
-            <a:spLocks noGrp="1"/>
-          </p:cNvSpPr>
-          <p:nvPr>
-            <p:ph type="dt" sz="half" idx="10"/>
-          </p:nvPr>
-        </p:nvSpPr>
-        <p:spPr>
-          <a:xfrm>
-            <a:off x="411892" y="6361329"/>
-            <a:ext cx="2559908" cy="365125"/>
-          </a:xfrm>
-        </p:spPr>
-        <p:txBody>
-          <a:bodyPr/>
-          <a:lstStyle/>
-          <a:p>
-            <a:r>
-              <a:rPr lang="en-US" dirty="0"/>
-              <a:t>Initial Setup – Pierluigi Zama Ramirez</a:t>
-            </a:r>
-          </a:p>
-        </p:txBody>
-      </p:sp>
-      <p:sp>
-        <p:nvSpPr>
-          <p:cNvPr id="5" name="Segnaposto numero diapositiva 4">
-            <a:extLst>
-              <a:ext uri="{FF2B5EF4-FFF2-40B4-BE49-F238E27FC236}">
-                <a16:creationId xmlns:a16="http://schemas.microsoft.com/office/drawing/2014/main" id="{40D77B21-85BE-41B2-9B83-7110F626F061}"/>
-              </a:ext>
-            </a:extLst>
-          </p:cNvPr>
-          <p:cNvSpPr>
-            <a:spLocks noGrp="1"/>
-          </p:cNvSpPr>
-          <p:nvPr>
-            <p:ph type="sldNum" sz="quarter" idx="12"/>
-          </p:nvPr>
-        </p:nvSpPr>
-        <p:spPr/>
-        <p:txBody>
-          <a:bodyPr/>
-          <a:lstStyle/>
-          <a:p>
-            <a:fld id="{21D15A9C-11B4-4C77-BDEA-04E3D7D1DFC0}" type="slidenum">
-              <a:rPr lang="en-US" smtClean="0"/>
-              <a:t>4</a:t>
-            </a:fld>
-            <a:endParaRPr lang="en-US"/>
-          </a:p>
-        </p:txBody>
-      </p:sp>
-      <p:sp>
-        <p:nvSpPr>
-          <p:cNvPr id="6" name="CasellaDiTesto 5">
-            <a:extLst>
-              <a:ext uri="{FF2B5EF4-FFF2-40B4-BE49-F238E27FC236}">
-                <a16:creationId xmlns:a16="http://schemas.microsoft.com/office/drawing/2014/main" id="{A01BC8A4-52AF-4A64-85C5-7EBEFF22FC53}"/>
-              </a:ext>
-            </a:extLst>
-          </p:cNvPr>
-          <p:cNvSpPr txBox="1"/>
-          <p:nvPr/>
-        </p:nvSpPr>
-        <p:spPr>
-          <a:xfrm>
-            <a:off x="411892" y="3314700"/>
-            <a:ext cx="4402156" cy="2831544"/>
-          </a:xfrm>
-          <a:prstGeom prst="rect">
-            <a:avLst/>
-          </a:prstGeom>
-          <a:noFill/>
-        </p:spPr>
-        <p:txBody>
-          <a:bodyPr wrap="square" rtlCol="0">
-            <a:spAutoFit/>
-          </a:bodyPr>
-          <a:lstStyle/>
-          <a:p>
-            <a:r>
-              <a:rPr lang="en-GB" sz="1600" dirty="0">
-                <a:latin typeface="Tw Cen MT" panose="020B0602020104020603" pitchFamily="34" charset="0"/>
-              </a:rPr>
-              <a:t>Installing on Windows:</a:t>
-            </a:r>
-            <a:endParaRPr lang="en-US" sz="1600" dirty="0">
-              <a:latin typeface="Tw Cen MT" panose="020B0602020104020603" pitchFamily="34" charset="0"/>
-            </a:endParaRPr>
-          </a:p>
-          <a:p>
-            <a:pPr marL="285750" indent="-285750">
-              <a:buFont typeface="Arial" panose="020B0604020202020204" pitchFamily="34" charset="0"/>
-              <a:buChar char="•"/>
-            </a:pPr>
-            <a:r>
-              <a:rPr lang="en-US" sz="1600" dirty="0">
-                <a:latin typeface="Tw Cen MT" panose="020B0602020104020603" pitchFamily="34" charset="0"/>
-              </a:rPr>
-              <a:t>Download the get-pip.py installer script from here: </a:t>
-            </a:r>
-            <a:r>
-              <a:rPr lang="en-US" sz="1600" u="sng" dirty="0">
-                <a:solidFill>
-                  <a:srgbClr val="0070C0"/>
-                </a:solidFill>
-                <a:latin typeface="Tw Cen MT" panose="020B0602020104020603" pitchFamily="34" charset="0"/>
-                <a:hlinkClick r:id="rId3"/>
-              </a:rPr>
-              <a:t>https://bootstrap.pypa.io/get-pip.py</a:t>
-            </a:r>
-            <a:r>
-              <a:rPr lang="en-US" sz="1600" u="sng" dirty="0">
-                <a:solidFill>
-                  <a:srgbClr val="0070C0"/>
-                </a:solidFill>
-                <a:latin typeface="Tw Cen MT" panose="020B0602020104020603" pitchFamily="34" charset="0"/>
-              </a:rPr>
-              <a:t> </a:t>
-            </a:r>
-            <a:r>
-              <a:rPr lang="en-US" sz="1600" dirty="0">
-                <a:latin typeface="Tw Cen MT" panose="020B0602020104020603" pitchFamily="34" charset="0"/>
-              </a:rPr>
-              <a:t>Right-click on the link and select </a:t>
-            </a:r>
-            <a:r>
-              <a:rPr lang="en-US" sz="1600" i="1" dirty="0">
-                <a:latin typeface="Tw Cen MT" panose="020B0602020104020603" pitchFamily="34" charset="0"/>
-              </a:rPr>
-              <a:t>Save As</a:t>
-            </a:r>
-            <a:r>
-              <a:rPr lang="en-US" sz="1600" dirty="0">
-                <a:latin typeface="Tw Cen MT" panose="020B0602020104020603" pitchFamily="34" charset="0"/>
-              </a:rPr>
-              <a:t> and save it to any location.</a:t>
-            </a:r>
-          </a:p>
-          <a:p>
-            <a:pPr marL="285750" indent="-285750">
-              <a:buFont typeface="Arial" panose="020B0604020202020204" pitchFamily="34" charset="0"/>
-              <a:buChar char="•"/>
-            </a:pPr>
-            <a:r>
-              <a:rPr lang="en-US" sz="1600" dirty="0">
-                <a:latin typeface="Tw Cen MT" panose="020B0602020104020603" pitchFamily="34" charset="0"/>
-              </a:rPr>
-              <a:t>Open the Command Prompt (better </a:t>
-            </a:r>
-            <a:r>
-              <a:rPr lang="en-US" sz="1600" b="1" dirty="0">
-                <a:latin typeface="Tw Cen MT" panose="020B0602020104020603" pitchFamily="34" charset="0"/>
-              </a:rPr>
-              <a:t>Windows PowerShell</a:t>
-            </a:r>
-            <a:r>
-              <a:rPr lang="en-US" sz="1600" dirty="0">
-                <a:latin typeface="Tw Cen MT" panose="020B0602020104020603" pitchFamily="34" charset="0"/>
-              </a:rPr>
-              <a:t>) and navigate to the folder containing the get-pip.py file (</a:t>
-            </a:r>
-            <a:r>
-              <a:rPr lang="en-US" sz="1600" i="1" dirty="0">
-                <a:latin typeface="Tw Cen MT" panose="020B0602020104020603" pitchFamily="34" charset="0"/>
-              </a:rPr>
-              <a:t>cd</a:t>
-            </a:r>
-            <a:r>
-              <a:rPr lang="en-US" sz="1600" dirty="0">
-                <a:latin typeface="Tw Cen MT" panose="020B0602020104020603" pitchFamily="34" charset="0"/>
-              </a:rPr>
-              <a:t> </a:t>
-            </a:r>
-            <a:r>
-              <a:rPr lang="en-US" sz="1600" i="1" dirty="0">
-                <a:latin typeface="Tw Cen MT" panose="020B0602020104020603" pitchFamily="34" charset="0"/>
-              </a:rPr>
-              <a:t>path_to_folder)</a:t>
-            </a:r>
-            <a:r>
-              <a:rPr lang="en-US" sz="1600" dirty="0">
-                <a:latin typeface="Tw Cen MT" panose="020B0602020104020603" pitchFamily="34" charset="0"/>
-              </a:rPr>
-              <a:t>. </a:t>
-            </a:r>
-          </a:p>
-          <a:p>
-            <a:pPr marL="285750" indent="-285750">
-              <a:buFont typeface="Arial" panose="020B0604020202020204" pitchFamily="34" charset="0"/>
-              <a:buChar char="•"/>
-            </a:pPr>
-            <a:r>
-              <a:rPr lang="en-US" sz="1600" dirty="0">
-                <a:latin typeface="Tw Cen MT" panose="020B0602020104020603" pitchFamily="34" charset="0"/>
-              </a:rPr>
-              <a:t>Run the following command: </a:t>
-            </a:r>
-            <a:r>
-              <a:rPr lang="en-US" sz="1600" b="1" i="1" dirty="0">
-                <a:latin typeface="Tw Cen MT" panose="020B0602020104020603" pitchFamily="34" charset="0"/>
-              </a:rPr>
-              <a:t>python get-pip.py</a:t>
-            </a:r>
-          </a:p>
-          <a:p>
-            <a:pPr marL="285750" indent="-285750">
-              <a:buFont typeface="Arial" panose="020B0604020202020204" pitchFamily="34" charset="0"/>
-              <a:buChar char="•"/>
-            </a:pPr>
-            <a:endParaRPr lang="en-GB" dirty="0"/>
-          </a:p>
-        </p:txBody>
-      </p:sp>
-      <p:sp>
-        <p:nvSpPr>
-          <p:cNvPr id="7" name="CasellaDiTesto 5">
-            <a:extLst>
-              <a:ext uri="{FF2B5EF4-FFF2-40B4-BE49-F238E27FC236}">
-                <a16:creationId xmlns:a16="http://schemas.microsoft.com/office/drawing/2014/main" id="{F396E0AF-3398-4050-9751-B9EB4EAACBAA}"/>
-              </a:ext>
-            </a:extLst>
-          </p:cNvPr>
-          <p:cNvSpPr txBox="1"/>
-          <p:nvPr/>
-        </p:nvSpPr>
-        <p:spPr>
-          <a:xfrm>
-            <a:off x="4584357" y="3314700"/>
-            <a:ext cx="4147751" cy="1354217"/>
-          </a:xfrm>
-          <a:prstGeom prst="rect">
-            <a:avLst/>
-          </a:prstGeom>
-          <a:noFill/>
-        </p:spPr>
-        <p:txBody>
-          <a:bodyPr wrap="square" rtlCol="0">
-            <a:spAutoFit/>
-          </a:bodyPr>
-          <a:lstStyle/>
-          <a:p>
-            <a:r>
-              <a:rPr lang="en-GB" sz="1600" dirty="0">
-                <a:latin typeface="Tw Cen MT" panose="020B0602020104020603" pitchFamily="34" charset="0"/>
-              </a:rPr>
-              <a:t>Installing on Ubuntu:</a:t>
-            </a:r>
-          </a:p>
-          <a:p>
-            <a:pPr marL="285750" indent="-285750">
-              <a:buFont typeface="Arial" panose="020B0604020202020204" pitchFamily="34" charset="0"/>
-              <a:buChar char="•"/>
-            </a:pPr>
-            <a:r>
-              <a:rPr lang="en-GB" sz="1600" dirty="0">
-                <a:latin typeface="Tw Cen MT" panose="020B0602020104020603" pitchFamily="34" charset="0"/>
-              </a:rPr>
-              <a:t>Open your terminal and run the following:</a:t>
-            </a:r>
-          </a:p>
-          <a:p>
-            <a:pPr algn="ctr"/>
-            <a:r>
-              <a:rPr lang="en-US" altLang="en-US" sz="1600" b="1" i="1" dirty="0" err="1">
-                <a:latin typeface="Tw Cen MT" panose="020B0602020104020603" pitchFamily="34" charset="0"/>
-              </a:rPr>
-              <a:t>sudo</a:t>
-            </a:r>
-            <a:r>
-              <a:rPr lang="en-US" altLang="en-US" sz="1600" b="1" i="1" dirty="0">
-                <a:latin typeface="Tw Cen MT" panose="020B0602020104020603" pitchFamily="34" charset="0"/>
-              </a:rPr>
-              <a:t> apt-get install python3-pip </a:t>
-            </a:r>
-          </a:p>
-          <a:p>
-            <a:pPr marL="285750" indent="-285750">
-              <a:buFont typeface="Arial" panose="020B0604020202020204" pitchFamily="34" charset="0"/>
-              <a:buChar char="•"/>
-            </a:pPr>
-            <a:endParaRPr lang="en-US" sz="1600" dirty="0">
-              <a:latin typeface="Tw Cen MT" panose="020B0602020104020603" pitchFamily="34" charset="0"/>
-            </a:endParaRPr>
-          </a:p>
-          <a:p>
-            <a:pPr marL="285750" indent="-285750">
-              <a:buFont typeface="Arial" panose="020B0604020202020204" pitchFamily="34" charset="0"/>
-              <a:buChar char="•"/>
-            </a:pPr>
-            <a:endParaRPr lang="en-GB" dirty="0"/>
-          </a:p>
-        </p:txBody>
-      </p:sp>
-    </p:spTree>
-    <p:extLst>
-      <p:ext uri="{BB962C8B-B14F-4D97-AF65-F5344CB8AC3E}">
-        <p14:creationId xmlns:p14="http://schemas.microsoft.com/office/powerpoint/2010/main" val="3516899283"/>
-      </p:ext>
-    </p:extLst>
-  </p:cSld>
-  <p:clrMapOvr>
-    <a:masterClrMapping/>
-  </p:clrMapOvr>
-</p:sld>
-</file>
-
 <file path=ppt/slides/slide5.xml><?xml version="1.0" encoding="utf-8"?>
 <p:sld xmlns:a="http://schemas.openxmlformats.org/drawingml/2006/main" xmlns:r="http://schemas.openxmlformats.org/officeDocument/2006/relationships" xmlns:p="http://schemas.openxmlformats.org/presentationml/2006/main">
   <p:cSld>
@@ -9128,7 +9904,7 @@
           <p:cNvPr id="2" name="Titolo 1">
             <a:extLst>
               <a:ext uri="{FF2B5EF4-FFF2-40B4-BE49-F238E27FC236}">
-                <a16:creationId xmlns:a16="http://schemas.microsoft.com/office/drawing/2014/main" id="{445714CA-E0DE-4A06-983D-E6FCA0D880D9}"/>
+                <a16:creationId xmlns:a16="http://schemas.microsoft.com/office/drawing/2014/main" id="{BABBC831-34D5-492C-AABF-C131D913B082}"/>
               </a:ext>
             </a:extLst>
           </p:cNvPr>
@@ -9139,21 +9915,14 @@
             <p:ph type="title"/>
           </p:nvPr>
         </p:nvSpPr>
-        <p:spPr>
-          <a:xfrm>
-            <a:off x="411892" y="365127"/>
-            <a:ext cx="7759722" cy="846292"/>
-          </a:xfrm>
-        </p:spPr>
-        <p:txBody>
-          <a:bodyPr>
-            <a:normAutofit fontScale="90000"/>
-          </a:bodyPr>
+        <p:spPr/>
+        <p:txBody>
+          <a:bodyPr/>
           <a:lstStyle/>
           <a:p>
             <a:r>
               <a:rPr lang="en-GB" dirty="0"/>
-              <a:t>Step 3: Install Python Libraries with pip</a:t>
+              <a:t>Step 2: Installing pip</a:t>
             </a:r>
           </a:p>
         </p:txBody>
@@ -9163,7 +9932,7 @@
           <p:cNvPr id="3" name="Segnaposto contenuto 2">
             <a:extLst>
               <a:ext uri="{FF2B5EF4-FFF2-40B4-BE49-F238E27FC236}">
-                <a16:creationId xmlns:a16="http://schemas.microsoft.com/office/drawing/2014/main" id="{88DDDFFD-4EB5-4D54-81DA-19CDFC81B261}"/>
+                <a16:creationId xmlns:a16="http://schemas.microsoft.com/office/drawing/2014/main" id="{AB7E86F7-B8D6-4C22-B53D-B1F3877950FD}"/>
               </a:ext>
             </a:extLst>
           </p:cNvPr>
@@ -9176,14 +9945,12 @@
         </p:nvSpPr>
         <p:spPr>
           <a:xfrm>
-            <a:off x="399535" y="1866901"/>
-            <a:ext cx="8344930" cy="4356100"/>
-          </a:xfrm>
-        </p:spPr>
-        <p:txBody>
-          <a:bodyPr>
-            <a:normAutofit fontScale="92500" lnSpcReduction="10000"/>
-          </a:bodyPr>
+            <a:off x="411892" y="1825625"/>
+            <a:ext cx="8344930" cy="1489075"/>
+          </a:xfrm>
+        </p:spPr>
+        <p:txBody>
+          <a:bodyPr/>
           <a:lstStyle/>
           <a:p>
             <a:pPr marL="0" indent="0">
@@ -9191,152 +9958,12 @@
             </a:pPr>
             <a:r>
               <a:rPr lang="en-GB" dirty="0"/>
-              <a:t>Installing on every OS:</a:t>
-            </a:r>
-          </a:p>
-          <a:p>
-            <a:pPr marL="0" indent="0">
-              <a:buNone/>
-            </a:pPr>
-            <a:r>
-              <a:rPr lang="en-GB" dirty="0"/>
-              <a:t>Open your terminal (Windows PowerShell for Windows) and run the following commands:</a:t>
-            </a:r>
-          </a:p>
-          <a:p>
-            <a:pPr marL="0" indent="0">
-              <a:buNone/>
-            </a:pPr>
-            <a:endParaRPr lang="en-GB" dirty="0"/>
-          </a:p>
-          <a:p>
-            <a:r>
-              <a:rPr lang="en-GB" dirty="0"/>
-              <a:t>Install </a:t>
-            </a:r>
-            <a:r>
-              <a:rPr lang="en-GB" dirty="0" err="1"/>
-              <a:t>numpy</a:t>
-            </a:r>
-            <a:r>
-              <a:rPr lang="en-GB" dirty="0"/>
-              <a:t> (For array operations) :</a:t>
-            </a:r>
-          </a:p>
-          <a:p>
-            <a:pPr marL="0" indent="0" algn="ctr">
-              <a:buNone/>
-            </a:pPr>
-            <a:r>
-              <a:rPr lang="en-GB" dirty="0"/>
-              <a:t> </a:t>
-            </a:r>
-            <a:r>
-              <a:rPr lang="en-GB" b="1" i="1" dirty="0"/>
-              <a:t>pip3 install </a:t>
-            </a:r>
-            <a:r>
-              <a:rPr lang="en-GB" b="1" i="1" dirty="0" err="1"/>
-              <a:t>numpy</a:t>
-            </a:r>
-            <a:endParaRPr lang="en-GB" b="1" i="1" dirty="0"/>
-          </a:p>
-          <a:p>
-            <a:r>
-              <a:rPr lang="en-GB" dirty="0"/>
-              <a:t>Install matplotlib (For plotting and visualization)</a:t>
-            </a:r>
-          </a:p>
-          <a:p>
-            <a:pPr marL="0" indent="0" algn="ctr">
-              <a:buNone/>
-            </a:pPr>
-            <a:r>
-              <a:rPr lang="en-GB" b="1" i="1" dirty="0"/>
-              <a:t>pip3 install matplotlib</a:t>
-            </a:r>
-          </a:p>
-          <a:p>
-            <a:r>
-              <a:rPr lang="en-GB" dirty="0"/>
-              <a:t>Install OpenCV (Computer Vision Library): </a:t>
-            </a:r>
-          </a:p>
-          <a:p>
-            <a:pPr marL="0" indent="0" algn="ctr">
-              <a:buNone/>
-            </a:pPr>
-            <a:r>
-              <a:rPr lang="en-GB" b="1" i="1" dirty="0"/>
-              <a:t>pip3 install </a:t>
-            </a:r>
-            <a:r>
-              <a:rPr lang="en-GB" b="1" i="1" dirty="0" err="1"/>
-              <a:t>opencv</a:t>
-            </a:r>
-            <a:r>
-              <a:rPr lang="en-GB" b="1" i="1" dirty="0"/>
-              <a:t>-python==</a:t>
-            </a:r>
-            <a:r>
-              <a:rPr lang="en-GB" b="1" i="1" dirty="0">
-                <a:solidFill>
-                  <a:srgbClr val="FF0000"/>
-                </a:solidFill>
-              </a:rPr>
-              <a:t>3.4.2.16</a:t>
-            </a:r>
-          </a:p>
-          <a:p>
-            <a:pPr marL="0" indent="0" algn="ctr">
-              <a:buNone/>
-            </a:pPr>
-            <a:r>
-              <a:rPr lang="en-GB" b="1" i="1" dirty="0"/>
-              <a:t>pip3 install </a:t>
-            </a:r>
-            <a:r>
-              <a:rPr lang="en-GB" b="1" i="1" dirty="0" err="1"/>
-              <a:t>opencv</a:t>
-            </a:r>
-            <a:r>
-              <a:rPr lang="en-GB" b="1" i="1" dirty="0"/>
-              <a:t>-</a:t>
-            </a:r>
-            <a:r>
-              <a:rPr lang="en-GB" b="1" i="1" dirty="0" err="1"/>
-              <a:t>contrib</a:t>
-            </a:r>
-            <a:r>
-              <a:rPr lang="en-GB" b="1" i="1" dirty="0"/>
-              <a:t>-python ==</a:t>
-            </a:r>
-            <a:r>
-              <a:rPr lang="en-GB" b="1" i="1" dirty="0">
-                <a:solidFill>
-                  <a:srgbClr val="FF0000"/>
-                </a:solidFill>
-              </a:rPr>
-              <a:t> 3.4.2.16</a:t>
-            </a:r>
-          </a:p>
-          <a:p>
-            <a:pPr marL="0" indent="0">
-              <a:buNone/>
-            </a:pPr>
-            <a:endParaRPr lang="en-GB" dirty="0"/>
-          </a:p>
-          <a:p>
-            <a:pPr marL="0" indent="0">
-              <a:buNone/>
-            </a:pPr>
-            <a:endParaRPr lang="en-GB" dirty="0"/>
-          </a:p>
-          <a:p>
-            <a:pPr marL="0" indent="0">
-              <a:buNone/>
-            </a:pPr>
-            <a:endParaRPr lang="en-GB" dirty="0"/>
+              <a:t>PIP is a recursive acronym that stands for “PIP Installs Packages”. It’s a command-line utility that allows you to install, reinstall, or uninstall Python packages with a simple and straightforward command: </a:t>
+            </a:r>
+            <a:r>
+              <a:rPr lang="en-GB" b="1" dirty="0"/>
+              <a:t>pip</a:t>
+            </a:r>
           </a:p>
           <a:p>
             <a:pPr marL="0" indent="0">
@@ -9351,7 +9978,7 @@
           <p:cNvPr id="4" name="Segnaposto data 3">
             <a:extLst>
               <a:ext uri="{FF2B5EF4-FFF2-40B4-BE49-F238E27FC236}">
-                <a16:creationId xmlns:a16="http://schemas.microsoft.com/office/drawing/2014/main" id="{A14690C0-4DA6-4DF9-A98F-99EAD8A70AC0}"/>
+                <a16:creationId xmlns:a16="http://schemas.microsoft.com/office/drawing/2014/main" id="{1D9218CC-38FC-48A8-B386-621D6B0912B6}"/>
               </a:ext>
             </a:extLst>
           </p:cNvPr>
@@ -9364,8 +9991,8 @@
         </p:nvSpPr>
         <p:spPr>
           <a:xfrm>
-            <a:off x="411891" y="6361329"/>
-            <a:ext cx="2541664" cy="365125"/>
+            <a:off x="411892" y="6361329"/>
+            <a:ext cx="2559908" cy="365125"/>
           </a:xfrm>
         </p:spPr>
         <p:txBody>
@@ -9384,7 +10011,7 @@
           <p:cNvPr id="5" name="Segnaposto numero diapositiva 4">
             <a:extLst>
               <a:ext uri="{FF2B5EF4-FFF2-40B4-BE49-F238E27FC236}">
-                <a16:creationId xmlns:a16="http://schemas.microsoft.com/office/drawing/2014/main" id="{385B2656-64C8-4519-8F81-7859234441B1}"/>
+                <a16:creationId xmlns:a16="http://schemas.microsoft.com/office/drawing/2014/main" id="{40D77B21-85BE-41B2-9B83-7110F626F061}"/>
               </a:ext>
             </a:extLst>
           </p:cNvPr>
@@ -9404,14 +10031,256 @@
               <a:rPr lang="en-US" smtClean="0"/>
               <a:t>5</a:t>
             </a:fld>
-            <a:endParaRPr lang="en-US" dirty="0"/>
+            <a:endParaRPr lang="en-US"/>
+          </a:p>
+        </p:txBody>
+      </p:sp>
+      <p:sp>
+        <p:nvSpPr>
+          <p:cNvPr id="6" name="CasellaDiTesto 5">
+            <a:extLst>
+              <a:ext uri="{FF2B5EF4-FFF2-40B4-BE49-F238E27FC236}">
+                <a16:creationId xmlns:a16="http://schemas.microsoft.com/office/drawing/2014/main" id="{A01BC8A4-52AF-4A64-85C5-7EBEFF22FC53}"/>
+              </a:ext>
+            </a:extLst>
+          </p:cNvPr>
+          <p:cNvSpPr txBox="1"/>
+          <p:nvPr/>
+        </p:nvSpPr>
+        <p:spPr>
+          <a:xfrm>
+            <a:off x="411892" y="3314700"/>
+            <a:ext cx="4402156" cy="2831544"/>
+          </a:xfrm>
+          <a:prstGeom prst="rect">
+            <a:avLst/>
+          </a:prstGeom>
+          <a:noFill/>
+        </p:spPr>
+        <p:txBody>
+          <a:bodyPr wrap="square" rtlCol="0">
+            <a:spAutoFit/>
+          </a:bodyPr>
+          <a:lstStyle/>
+          <a:p>
+            <a:r>
+              <a:rPr lang="en-GB" sz="1600" dirty="0">
+                <a:latin typeface="Tw Cen MT" panose="020B0602020104020603" pitchFamily="34" charset="0"/>
+              </a:rPr>
+              <a:t>Installing on Windows:</a:t>
+            </a:r>
+            <a:endParaRPr lang="en-US" sz="1600" dirty="0">
+              <a:latin typeface="Tw Cen MT" panose="020B0602020104020603" pitchFamily="34" charset="0"/>
+            </a:endParaRPr>
+          </a:p>
+          <a:p>
+            <a:pPr marL="285750" indent="-285750">
+              <a:buFont typeface="Arial" panose="020B0604020202020204" pitchFamily="34" charset="0"/>
+              <a:buChar char="•"/>
+            </a:pPr>
+            <a:r>
+              <a:rPr lang="en-US" sz="1600" dirty="0">
+                <a:latin typeface="Tw Cen MT" panose="020B0602020104020603" pitchFamily="34" charset="0"/>
+              </a:rPr>
+              <a:t>Download the get-pip.py installer script from here: </a:t>
+            </a:r>
+            <a:r>
+              <a:rPr lang="en-US" sz="1600" u="sng" dirty="0">
+                <a:solidFill>
+                  <a:srgbClr val="0070C0"/>
+                </a:solidFill>
+                <a:latin typeface="Tw Cen MT" panose="020B0602020104020603" pitchFamily="34" charset="0"/>
+                <a:hlinkClick r:id="rId3"/>
+              </a:rPr>
+              <a:t>https://bootstrap.pypa.io/get-pip.py</a:t>
+            </a:r>
+            <a:r>
+              <a:rPr lang="en-US" sz="1600" u="sng" dirty="0">
+                <a:solidFill>
+                  <a:srgbClr val="0070C0"/>
+                </a:solidFill>
+                <a:latin typeface="Tw Cen MT" panose="020B0602020104020603" pitchFamily="34" charset="0"/>
+              </a:rPr>
+              <a:t> </a:t>
+            </a:r>
+            <a:r>
+              <a:rPr lang="en-US" sz="1600" dirty="0">
+                <a:latin typeface="Tw Cen MT" panose="020B0602020104020603" pitchFamily="34" charset="0"/>
+              </a:rPr>
+              <a:t>Right-click on the link and select </a:t>
+            </a:r>
+            <a:r>
+              <a:rPr lang="en-US" sz="1600" i="1" dirty="0">
+                <a:latin typeface="Tw Cen MT" panose="020B0602020104020603" pitchFamily="34" charset="0"/>
+              </a:rPr>
+              <a:t>Save As</a:t>
+            </a:r>
+            <a:r>
+              <a:rPr lang="en-US" sz="1600" dirty="0">
+                <a:latin typeface="Tw Cen MT" panose="020B0602020104020603" pitchFamily="34" charset="0"/>
+              </a:rPr>
+              <a:t> and save it to any location.</a:t>
+            </a:r>
+          </a:p>
+          <a:p>
+            <a:pPr marL="285750" indent="-285750">
+              <a:buFont typeface="Arial" panose="020B0604020202020204" pitchFamily="34" charset="0"/>
+              <a:buChar char="•"/>
+            </a:pPr>
+            <a:r>
+              <a:rPr lang="en-US" sz="1600" dirty="0">
+                <a:latin typeface="Tw Cen MT" panose="020B0602020104020603" pitchFamily="34" charset="0"/>
+              </a:rPr>
+              <a:t>Open the Command Prompt (better </a:t>
+            </a:r>
+            <a:r>
+              <a:rPr lang="en-US" sz="1600" b="1" dirty="0">
+                <a:latin typeface="Tw Cen MT" panose="020B0602020104020603" pitchFamily="34" charset="0"/>
+              </a:rPr>
+              <a:t>Windows PowerShell</a:t>
+            </a:r>
+            <a:r>
+              <a:rPr lang="en-US" sz="1600" dirty="0">
+                <a:latin typeface="Tw Cen MT" panose="020B0602020104020603" pitchFamily="34" charset="0"/>
+              </a:rPr>
+              <a:t>) and navigate to the folder containing the get-pip.py file (</a:t>
+            </a:r>
+            <a:r>
+              <a:rPr lang="en-US" sz="1600" i="1" dirty="0">
+                <a:latin typeface="Tw Cen MT" panose="020B0602020104020603" pitchFamily="34" charset="0"/>
+              </a:rPr>
+              <a:t>cd</a:t>
+            </a:r>
+            <a:r>
+              <a:rPr lang="en-US" sz="1600" dirty="0">
+                <a:latin typeface="Tw Cen MT" panose="020B0602020104020603" pitchFamily="34" charset="0"/>
+              </a:rPr>
+              <a:t> </a:t>
+            </a:r>
+            <a:r>
+              <a:rPr lang="en-US" sz="1600" i="1" dirty="0">
+                <a:latin typeface="Tw Cen MT" panose="020B0602020104020603" pitchFamily="34" charset="0"/>
+              </a:rPr>
+              <a:t>path_to_folder)</a:t>
+            </a:r>
+            <a:r>
+              <a:rPr lang="en-US" sz="1600" dirty="0">
+                <a:latin typeface="Tw Cen MT" panose="020B0602020104020603" pitchFamily="34" charset="0"/>
+              </a:rPr>
+              <a:t>. </a:t>
+            </a:r>
+          </a:p>
+          <a:p>
+            <a:pPr marL="285750" indent="-285750">
+              <a:buFont typeface="Arial" panose="020B0604020202020204" pitchFamily="34" charset="0"/>
+              <a:buChar char="•"/>
+            </a:pPr>
+            <a:r>
+              <a:rPr lang="en-US" sz="1600" dirty="0">
+                <a:latin typeface="Tw Cen MT" panose="020B0602020104020603" pitchFamily="34" charset="0"/>
+              </a:rPr>
+              <a:t>Run the following command: </a:t>
+            </a:r>
+            <a:r>
+              <a:rPr lang="en-US" sz="1600" b="1" i="1" dirty="0">
+                <a:latin typeface="Tw Cen MT" panose="020B0602020104020603" pitchFamily="34" charset="0"/>
+              </a:rPr>
+              <a:t>python get-pip.py</a:t>
+            </a:r>
+          </a:p>
+          <a:p>
+            <a:pPr marL="285750" indent="-285750">
+              <a:buFont typeface="Arial" panose="020B0604020202020204" pitchFamily="34" charset="0"/>
+              <a:buChar char="•"/>
+            </a:pPr>
+            <a:endParaRPr lang="en-GB" dirty="0"/>
+          </a:p>
+        </p:txBody>
+      </p:sp>
+      <p:sp>
+        <p:nvSpPr>
+          <p:cNvPr id="7" name="CasellaDiTesto 5">
+            <a:extLst>
+              <a:ext uri="{FF2B5EF4-FFF2-40B4-BE49-F238E27FC236}">
+                <a16:creationId xmlns:a16="http://schemas.microsoft.com/office/drawing/2014/main" id="{F396E0AF-3398-4050-9751-B9EB4EAACBAA}"/>
+              </a:ext>
+            </a:extLst>
+          </p:cNvPr>
+          <p:cNvSpPr txBox="1"/>
+          <p:nvPr/>
+        </p:nvSpPr>
+        <p:spPr>
+          <a:xfrm>
+            <a:off x="4584357" y="3314700"/>
+            <a:ext cx="4147751" cy="1354217"/>
+          </a:xfrm>
+          <a:prstGeom prst="rect">
+            <a:avLst/>
+          </a:prstGeom>
+          <a:noFill/>
+        </p:spPr>
+        <p:txBody>
+          <a:bodyPr wrap="square" rtlCol="0">
+            <a:spAutoFit/>
+          </a:bodyPr>
+          <a:lstStyle/>
+          <a:p>
+            <a:r>
+              <a:rPr lang="en-GB" sz="1600" dirty="0">
+                <a:latin typeface="Tw Cen MT" panose="020B0602020104020603" pitchFamily="34" charset="0"/>
+              </a:rPr>
+              <a:t>Installing on Ubuntu:</a:t>
+            </a:r>
+          </a:p>
+          <a:p>
+            <a:pPr marL="285750" indent="-285750">
+              <a:buFont typeface="Arial" panose="020B0604020202020204" pitchFamily="34" charset="0"/>
+              <a:buChar char="•"/>
+            </a:pPr>
+            <a:r>
+              <a:rPr lang="en-GB" sz="1600" dirty="0">
+                <a:latin typeface="Tw Cen MT" panose="020B0602020104020603" pitchFamily="34" charset="0"/>
+              </a:rPr>
+              <a:t>Open your terminal and run the following:</a:t>
+            </a:r>
+          </a:p>
+          <a:p>
+            <a:pPr algn="ctr"/>
+            <a:r>
+              <a:rPr lang="en-US" altLang="en-US" sz="1600" b="1" i="1" dirty="0" err="1">
+                <a:latin typeface="Tw Cen MT" panose="020B0602020104020603" pitchFamily="34" charset="0"/>
+              </a:rPr>
+              <a:t>sudo</a:t>
+            </a:r>
+            <a:r>
+              <a:rPr lang="en-US" altLang="en-US" sz="1600" b="1" i="1" dirty="0">
+                <a:latin typeface="Tw Cen MT" panose="020B0602020104020603" pitchFamily="34" charset="0"/>
+              </a:rPr>
+              <a:t> apt-get install python3-pip </a:t>
+            </a:r>
+          </a:p>
+          <a:p>
+            <a:pPr marL="285750" indent="-285750">
+              <a:buFont typeface="Arial" panose="020B0604020202020204" pitchFamily="34" charset="0"/>
+              <a:buChar char="•"/>
+            </a:pPr>
+            <a:endParaRPr lang="en-US" sz="1600" dirty="0">
+              <a:latin typeface="Tw Cen MT" panose="020B0602020104020603" pitchFamily="34" charset="0"/>
+            </a:endParaRPr>
+          </a:p>
+          <a:p>
+            <a:pPr marL="285750" indent="-285750">
+              <a:buFont typeface="Arial" panose="020B0604020202020204" pitchFamily="34" charset="0"/>
+              <a:buChar char="•"/>
+            </a:pPr>
+            <a:endParaRPr lang="en-GB" dirty="0"/>
           </a:p>
         </p:txBody>
       </p:sp>
     </p:spTree>
     <p:extLst>
       <p:ext uri="{BB962C8B-B14F-4D97-AF65-F5344CB8AC3E}">
-        <p14:creationId xmlns:p14="http://schemas.microsoft.com/office/powerpoint/2010/main" val="2096771471"/>
+        <p14:creationId xmlns:p14="http://schemas.microsoft.com/office/powerpoint/2010/main" val="3516899283"/>
       </p:ext>
     </p:extLst>
   </p:cSld>
@@ -9443,7 +10312,7 @@
           <p:cNvPr id="2" name="Titolo 1">
             <a:extLst>
               <a:ext uri="{FF2B5EF4-FFF2-40B4-BE49-F238E27FC236}">
-                <a16:creationId xmlns:a16="http://schemas.microsoft.com/office/drawing/2014/main" id="{C2425517-4760-4CAE-AE51-2926BAC8F809}"/>
+                <a16:creationId xmlns:a16="http://schemas.microsoft.com/office/drawing/2014/main" id="{445714CA-E0DE-4A06-983D-E6FCA0D880D9}"/>
               </a:ext>
             </a:extLst>
           </p:cNvPr>
@@ -9454,7 +10323,12 @@
             <p:ph type="title"/>
           </p:nvPr>
         </p:nvSpPr>
-        <p:spPr/>
+        <p:spPr>
+          <a:xfrm>
+            <a:off x="411892" y="365127"/>
+            <a:ext cx="7759722" cy="846292"/>
+          </a:xfrm>
+        </p:spPr>
         <p:txBody>
           <a:bodyPr>
             <a:normAutofit fontScale="90000"/>
@@ -9463,15 +10337,7 @@
           <a:p>
             <a:r>
               <a:rPr lang="en-GB" dirty="0"/>
-              <a:t>Step 4: Install and run </a:t>
-            </a:r>
-            <a:r>
-              <a:rPr lang="en-GB" dirty="0" err="1"/>
-              <a:t>Jupyter</a:t>
-            </a:r>
-            <a:r>
-              <a:rPr lang="en-GB" dirty="0"/>
-              <a:t> Notebook</a:t>
+              <a:t>Step 3: Install Python Libraries with pip</a:t>
             </a:r>
           </a:p>
         </p:txBody>
@@ -9481,7 +10347,7 @@
           <p:cNvPr id="3" name="Segnaposto contenuto 2">
             <a:extLst>
               <a:ext uri="{FF2B5EF4-FFF2-40B4-BE49-F238E27FC236}">
-                <a16:creationId xmlns:a16="http://schemas.microsoft.com/office/drawing/2014/main" id="{87EB0E7F-A70F-40D1-8E72-EC4A6A106225}"/>
+                <a16:creationId xmlns:a16="http://schemas.microsoft.com/office/drawing/2014/main" id="{88DDDFFD-4EB5-4D54-81DA-19CDFC81B261}"/>
               </a:ext>
             </a:extLst>
           </p:cNvPr>
@@ -9492,10 +10358,15 @@
             <p:ph idx="1"/>
           </p:nvPr>
         </p:nvSpPr>
-        <p:spPr/>
+        <p:spPr>
+          <a:xfrm>
+            <a:off x="399535" y="1866901"/>
+            <a:ext cx="8344930" cy="4356100"/>
+          </a:xfrm>
+        </p:spPr>
         <p:txBody>
           <a:bodyPr>
-            <a:normAutofit lnSpcReduction="10000"/>
+            <a:normAutofit fontScale="92500" lnSpcReduction="10000"/>
           </a:bodyPr>
           <a:lstStyle/>
           <a:p>
@@ -9503,36 +10374,46 @@
               <a:buNone/>
             </a:pPr>
             <a:r>
-              <a:rPr lang="en-US" dirty="0"/>
-              <a:t>The </a:t>
-            </a:r>
-            <a:r>
-              <a:rPr lang="en-US" dirty="0" err="1"/>
-              <a:t>Jupyter</a:t>
-            </a:r>
-            <a:r>
-              <a:rPr lang="en-US" dirty="0"/>
-              <a:t> Notebook is an open-source web application that allows you to create and share documents that contain live code, equations, visualizations and narrative text. It is useful to explain how to code and to visualize interactively the results of an algorithm or code.</a:t>
-            </a:r>
+              <a:rPr lang="en-GB" dirty="0"/>
+              <a:t>Installing on every OS:</a:t>
+            </a:r>
+          </a:p>
+          <a:p>
+            <a:pPr marL="0" indent="0">
+              <a:buNone/>
+            </a:pPr>
+            <a:r>
+              <a:rPr lang="en-GB" dirty="0"/>
+              <a:t>Open your terminal (Windows PowerShell for Windows) and run the following commands:</a:t>
+            </a:r>
+          </a:p>
+          <a:p>
+            <a:pPr marL="0" indent="0">
+              <a:buNone/>
+            </a:pPr>
             <a:endParaRPr lang="en-GB" dirty="0"/>
           </a:p>
           <a:p>
-            <a:pPr marL="0" indent="0">
+            <a:r>
+              <a:rPr lang="en-GB" dirty="0"/>
+              <a:t>Install </a:t>
+            </a:r>
+            <a:r>
+              <a:rPr lang="en-GB" dirty="0" err="1"/>
+              <a:t>numpy</a:t>
+            </a:r>
+            <a:r>
+              <a:rPr lang="en-GB" dirty="0"/>
+              <a:t> (For array operations) :</a:t>
+            </a:r>
+          </a:p>
+          <a:p>
+            <a:pPr marL="0" indent="0" algn="ctr">
               <a:buNone/>
             </a:pPr>
             <a:r>
-              <a:rPr lang="en-GB" b="1" dirty="0"/>
-              <a:t>Install</a:t>
-            </a:r>
-            <a:r>
               <a:rPr lang="en-GB" dirty="0"/>
-              <a:t> on every OS:</a:t>
-            </a:r>
-          </a:p>
-          <a:p>
-            <a:r>
-              <a:rPr lang="en-GB" dirty="0"/>
-              <a:t>Open your terminal and run: </a:t>
+              <a:t> </a:t>
             </a:r>
             <a:r>
               <a:rPr lang="en-GB" b="1" i="1" dirty="0"/>
@@ -9540,76 +10421,94 @@
             </a:r>
             <a:r>
               <a:rPr lang="en-GB" b="1" i="1" dirty="0" err="1"/>
-              <a:t>jupyter</a:t>
+              <a:t>numpy</a:t>
             </a:r>
             <a:endParaRPr lang="en-GB" b="1" i="1" dirty="0"/>
           </a:p>
           <a:p>
+            <a:r>
+              <a:rPr lang="en-GB" dirty="0"/>
+              <a:t>Install matplotlib (For plotting and visualization)</a:t>
+            </a:r>
+          </a:p>
+          <a:p>
+            <a:pPr marL="0" indent="0" algn="ctr">
+              <a:buNone/>
+            </a:pPr>
+            <a:r>
+              <a:rPr lang="en-GB" b="1" i="1" dirty="0"/>
+              <a:t>pip3 install matplotlib</a:t>
+            </a:r>
+          </a:p>
+          <a:p>
+            <a:r>
+              <a:rPr lang="en-GB" dirty="0"/>
+              <a:t>Install OpenCV (Computer Vision Library): </a:t>
+            </a:r>
+          </a:p>
+          <a:p>
+            <a:pPr marL="0" indent="0" algn="ctr">
+              <a:buNone/>
+            </a:pPr>
+            <a:r>
+              <a:rPr lang="en-GB" b="1" i="1" dirty="0"/>
+              <a:t>pip3 install </a:t>
+            </a:r>
+            <a:r>
+              <a:rPr lang="en-GB" b="1" i="1" dirty="0" err="1"/>
+              <a:t>opencv</a:t>
+            </a:r>
+            <a:r>
+              <a:rPr lang="en-GB" b="1" i="1" dirty="0"/>
+              <a:t>-python==</a:t>
+            </a:r>
+            <a:r>
+              <a:rPr lang="en-GB" b="1" i="1" dirty="0">
+                <a:solidFill>
+                  <a:srgbClr val="FF0000"/>
+                </a:solidFill>
+              </a:rPr>
+              <a:t>3.4.2.16</a:t>
+            </a:r>
+          </a:p>
+          <a:p>
+            <a:pPr marL="0" indent="0" algn="ctr">
+              <a:buNone/>
+            </a:pPr>
+            <a:r>
+              <a:rPr lang="en-GB" b="1" i="1" dirty="0"/>
+              <a:t>pip3 install </a:t>
+            </a:r>
+            <a:r>
+              <a:rPr lang="en-GB" b="1" i="1" dirty="0" err="1"/>
+              <a:t>opencv</a:t>
+            </a:r>
+            <a:r>
+              <a:rPr lang="en-GB" b="1" i="1" dirty="0"/>
+              <a:t>-</a:t>
+            </a:r>
+            <a:r>
+              <a:rPr lang="en-GB" b="1" i="1" dirty="0" err="1"/>
+              <a:t>contrib</a:t>
+            </a:r>
+            <a:r>
+              <a:rPr lang="en-GB" b="1" i="1" dirty="0"/>
+              <a:t>-python ==</a:t>
+            </a:r>
+            <a:r>
+              <a:rPr lang="en-GB" b="1" i="1" dirty="0">
+                <a:solidFill>
+                  <a:srgbClr val="FF0000"/>
+                </a:solidFill>
+              </a:rPr>
+              <a:t> 3.4.2.16</a:t>
+            </a:r>
+          </a:p>
+          <a:p>
             <a:pPr marL="0" indent="0">
               <a:buNone/>
             </a:pPr>
-            <a:r>
-              <a:rPr lang="en-GB" b="1" dirty="0"/>
-              <a:t>Run</a:t>
-            </a:r>
-            <a:r>
-              <a:rPr lang="en-GB" dirty="0"/>
-              <a:t> it:</a:t>
-            </a:r>
-          </a:p>
-          <a:p>
-            <a:r>
-              <a:rPr lang="en-GB" b="1" dirty="0"/>
-              <a:t>Navigate</a:t>
-            </a:r>
-            <a:r>
-              <a:rPr lang="en-GB" dirty="0"/>
-              <a:t> to the folder containing the lab-session notebooks and </a:t>
-            </a:r>
-            <a:r>
-              <a:rPr lang="en-GB" b="1" dirty="0"/>
-              <a:t>launch</a:t>
-            </a:r>
-            <a:r>
-              <a:rPr lang="en-GB" dirty="0"/>
-              <a:t> the notebook server in a terminal (</a:t>
-            </a:r>
-            <a:r>
-              <a:rPr lang="en-GB" b="1" dirty="0"/>
-              <a:t>do not close it!) </a:t>
-            </a:r>
-            <a:r>
-              <a:rPr lang="en-GB" dirty="0"/>
-              <a:t>with the following command: </a:t>
-            </a:r>
-            <a:r>
-              <a:rPr lang="en-GB" b="1" i="1" dirty="0" err="1"/>
-              <a:t>jupyter</a:t>
-            </a:r>
-            <a:r>
-              <a:rPr lang="en-GB" b="1" i="1" dirty="0"/>
-              <a:t> notebook  --port 8081</a:t>
-            </a:r>
-            <a:r>
-              <a:rPr lang="en-GB" i="1" dirty="0"/>
-              <a:t>. </a:t>
-            </a:r>
-            <a:r>
-              <a:rPr lang="en-US" dirty="0"/>
-              <a:t>You should see the notebook open in your browser. </a:t>
-            </a:r>
-            <a:r>
-              <a:rPr lang="en-GB" dirty="0"/>
-              <a:t>However, the terminal printed the URL of the server (</a:t>
-            </a:r>
-            <a:r>
-              <a:rPr lang="en-GB" b="1" dirty="0"/>
-              <a:t>http://localhost:8081</a:t>
-            </a:r>
-            <a:r>
-              <a:rPr lang="en-GB" dirty="0"/>
-              <a:t>)</a:t>
-            </a:r>
+            <a:endParaRPr lang="en-GB" dirty="0"/>
           </a:p>
           <a:p>
             <a:pPr marL="0" indent="0">
@@ -9636,7 +10535,7 @@
           <p:cNvPr id="4" name="Segnaposto data 3">
             <a:extLst>
               <a:ext uri="{FF2B5EF4-FFF2-40B4-BE49-F238E27FC236}">
-                <a16:creationId xmlns:a16="http://schemas.microsoft.com/office/drawing/2014/main" id="{CD37FF21-5647-48BC-ABE0-22F8AB863E52}"/>
+                <a16:creationId xmlns:a16="http://schemas.microsoft.com/office/drawing/2014/main" id="{A14690C0-4DA6-4DF9-A98F-99EAD8A70AC0}"/>
               </a:ext>
             </a:extLst>
           </p:cNvPr>
@@ -9650,7 +10549,7 @@
         <p:spPr>
           <a:xfrm>
             <a:off x="411891" y="6361329"/>
-            <a:ext cx="2558835" cy="365125"/>
+            <a:ext cx="2541664" cy="365125"/>
           </a:xfrm>
         </p:spPr>
         <p:txBody>
@@ -9669,7 +10568,7 @@
           <p:cNvPr id="5" name="Segnaposto numero diapositiva 4">
             <a:extLst>
               <a:ext uri="{FF2B5EF4-FFF2-40B4-BE49-F238E27FC236}">
-                <a16:creationId xmlns:a16="http://schemas.microsoft.com/office/drawing/2014/main" id="{1B67C968-09C6-409E-9094-6A61912F818E}"/>
+                <a16:creationId xmlns:a16="http://schemas.microsoft.com/office/drawing/2014/main" id="{385B2656-64C8-4519-8F81-7859234441B1}"/>
               </a:ext>
             </a:extLst>
           </p:cNvPr>
@@ -9689,14 +10588,14 @@
               <a:rPr lang="en-US" smtClean="0"/>
               <a:t>6</a:t>
             </a:fld>
-            <a:endParaRPr lang="en-US"/>
+            <a:endParaRPr lang="en-US" dirty="0"/>
           </a:p>
         </p:txBody>
       </p:sp>
     </p:spTree>
     <p:extLst>
       <p:ext uri="{BB962C8B-B14F-4D97-AF65-F5344CB8AC3E}">
-        <p14:creationId xmlns:p14="http://schemas.microsoft.com/office/powerpoint/2010/main" val="2030660169"/>
+        <p14:creationId xmlns:p14="http://schemas.microsoft.com/office/powerpoint/2010/main" val="2096771471"/>
       </p:ext>
     </p:extLst>
   </p:cSld>
@@ -9741,17 +10640,118 @@
         </p:nvSpPr>
         <p:spPr/>
         <p:txBody>
-          <a:bodyPr/>
-          <a:lstStyle/>
-          <a:p>
-            <a:r>
-              <a:rPr lang="en-GB" dirty="0" err="1"/>
+          <a:bodyPr>
+            <a:normAutofit fontScale="90000"/>
+          </a:bodyPr>
+          <a:lstStyle/>
+          <a:p>
+            <a:r>
+              <a:rPr lang="en-GB" dirty="0"/>
+              <a:t>Step 4: Install and run Jupyter Notebook</a:t>
+            </a:r>
+          </a:p>
+        </p:txBody>
+      </p:sp>
+      <p:sp>
+        <p:nvSpPr>
+          <p:cNvPr id="3" name="Segnaposto contenuto 2">
+            <a:extLst>
+              <a:ext uri="{FF2B5EF4-FFF2-40B4-BE49-F238E27FC236}">
+                <a16:creationId xmlns:a16="http://schemas.microsoft.com/office/drawing/2014/main" id="{87EB0E7F-A70F-40D1-8E72-EC4A6A106225}"/>
+              </a:ext>
+            </a:extLst>
+          </p:cNvPr>
+          <p:cNvSpPr>
+            <a:spLocks noGrp="1"/>
+          </p:cNvSpPr>
+          <p:nvPr>
+            <p:ph idx="1"/>
+          </p:nvPr>
+        </p:nvSpPr>
+        <p:spPr>
+          <a:xfrm>
+            <a:off x="411892" y="1825624"/>
+            <a:ext cx="8344930" cy="4138757"/>
+          </a:xfrm>
+        </p:spPr>
+        <p:txBody>
+          <a:bodyPr>
+            <a:normAutofit/>
+          </a:bodyPr>
+          <a:lstStyle/>
+          <a:p>
+            <a:pPr marL="0" indent="0">
+              <a:buNone/>
+            </a:pPr>
+            <a:r>
+              <a:rPr lang="en-US" dirty="0"/>
+              <a:t>The </a:t>
+            </a:r>
+            <a:r>
+              <a:rPr lang="en-US" dirty="0" err="1"/>
               <a:t>Jupyter</a:t>
             </a:r>
             <a:r>
+              <a:rPr lang="en-US" dirty="0"/>
+              <a:t> Notebook is an open-source web application that allows you to create and share documents that contain live code, equations, visualizations and narrative text. It is useful to explain how to code and to visualize interactively the results of an algorithm or code.</a:t>
+            </a:r>
+          </a:p>
+          <a:p>
+            <a:pPr marL="0" indent="0">
+              <a:buNone/>
+            </a:pPr>
+            <a:endParaRPr lang="en-GB" dirty="0"/>
+          </a:p>
+          <a:p>
+            <a:pPr marL="0" indent="0">
+              <a:buNone/>
+            </a:pPr>
+            <a:r>
+              <a:rPr lang="en-GB" b="1" dirty="0"/>
+              <a:t>Install</a:t>
+            </a:r>
+            <a:r>
               <a:rPr lang="en-GB" dirty="0"/>
-              <a:t> Notebook: An overview</a:t>
-            </a:r>
+              <a:t> on every OS:</a:t>
+            </a:r>
+          </a:p>
+          <a:p>
+            <a:r>
+              <a:rPr lang="en-GB" dirty="0"/>
+              <a:t>Open your terminal and run: </a:t>
+            </a:r>
+          </a:p>
+          <a:p>
+            <a:pPr marL="0" indent="0" algn="ctr">
+              <a:buNone/>
+            </a:pPr>
+            <a:r>
+              <a:rPr lang="en-GB" b="1" i="1" dirty="0"/>
+              <a:t>pip3 install </a:t>
+            </a:r>
+            <a:r>
+              <a:rPr lang="en-GB" b="1" i="1" dirty="0" err="1"/>
+              <a:t>jupyter</a:t>
+            </a:r>
+            <a:endParaRPr lang="en-GB" b="1" i="1" dirty="0"/>
+          </a:p>
+          <a:p>
+            <a:pPr marL="0" indent="0">
+              <a:buNone/>
+            </a:pPr>
+            <a:endParaRPr lang="en-GB" dirty="0"/>
+          </a:p>
+          <a:p>
+            <a:pPr marL="0" indent="0">
+              <a:buNone/>
+            </a:pPr>
+            <a:endParaRPr lang="en-GB" dirty="0"/>
+          </a:p>
+          <a:p>
+            <a:pPr marL="0" indent="0">
+              <a:buNone/>
+            </a:pPr>
+            <a:endParaRPr lang="en-GB" dirty="0"/>
           </a:p>
         </p:txBody>
       </p:sp>
@@ -9817,153 +10817,10 @@
           </a:p>
         </p:txBody>
       </p:sp>
-      <p:sp>
-        <p:nvSpPr>
-          <p:cNvPr id="8" name="TextBox 7">
-            <a:extLst>
-              <a:ext uri="{FF2B5EF4-FFF2-40B4-BE49-F238E27FC236}">
-                <a16:creationId xmlns:a16="http://schemas.microsoft.com/office/drawing/2014/main" id="{524FB599-5D29-4B3F-9927-9A935AB0DA50}"/>
-              </a:ext>
-            </a:extLst>
-          </p:cNvPr>
-          <p:cNvSpPr txBox="1"/>
-          <p:nvPr/>
-        </p:nvSpPr>
-        <p:spPr>
-          <a:xfrm>
-            <a:off x="1001818" y="5742638"/>
-            <a:ext cx="7140353" cy="369332"/>
-          </a:xfrm>
-          <a:prstGeom prst="rect">
-            <a:avLst/>
-          </a:prstGeom>
-          <a:noFill/>
-        </p:spPr>
-        <p:txBody>
-          <a:bodyPr wrap="none" rtlCol="0">
-            <a:spAutoFit/>
-          </a:bodyPr>
-          <a:lstStyle/>
-          <a:p>
-            <a:r>
-              <a:rPr lang="en-GB" dirty="0"/>
-              <a:t>Notebook dashboard. Navigate to your notebook (.</a:t>
-            </a:r>
-            <a:r>
-              <a:rPr lang="en-GB" dirty="0" err="1"/>
-              <a:t>ipynb</a:t>
-            </a:r>
-            <a:r>
-              <a:rPr lang="en-GB" dirty="0"/>
-              <a:t> file) and open it. </a:t>
-            </a:r>
-          </a:p>
-        </p:txBody>
-      </p:sp>
-      <p:pic>
-        <p:nvPicPr>
-          <p:cNvPr id="16" name="Content Placeholder 15" descr="A screenshot of a computer screen&#10;&#10;Description automatically generated">
-            <a:extLst>
-              <a:ext uri="{FF2B5EF4-FFF2-40B4-BE49-F238E27FC236}">
-                <a16:creationId xmlns:a16="http://schemas.microsoft.com/office/drawing/2014/main" id="{53A94E6D-7223-4FD3-810B-21B05FCFC2A3}"/>
-              </a:ext>
-            </a:extLst>
-          </p:cNvPr>
-          <p:cNvPicPr>
-            <a:picLocks noGrp="1" noChangeAspect="1"/>
-          </p:cNvPicPr>
-          <p:nvPr>
-            <p:ph idx="1"/>
-          </p:nvPr>
-        </p:nvPicPr>
-        <p:blipFill>
-          <a:blip r:embed="rId3">
-            <a:extLst>
-              <a:ext uri="{28A0092B-C50C-407E-A947-70E740481C1C}">
-                <a14:useLocalDpi xmlns:a14="http://schemas.microsoft.com/office/drawing/2010/main" val="0"/>
-              </a:ext>
-            </a:extLst>
-          </a:blip>
-          <a:stretch>
-            <a:fillRect/>
-          </a:stretch>
-        </p:blipFill>
-        <p:spPr>
-          <a:xfrm>
-            <a:off x="1388919" y="1922273"/>
-            <a:ext cx="6366153" cy="3580961"/>
-          </a:xfrm>
-          <a:prstGeom prst="rect">
-            <a:avLst/>
-          </a:prstGeom>
-          <a:ln>
-            <a:noFill/>
-          </a:ln>
-          <a:effectLst>
-            <a:outerShdw blurRad="292100" dist="139700" dir="2700000" algn="tl" rotWithShape="0">
-              <a:srgbClr val="333333">
-                <a:alpha val="65000"/>
-              </a:srgbClr>
-            </a:outerShdw>
-          </a:effectLst>
-        </p:spPr>
-      </p:pic>
-      <p:sp>
-        <p:nvSpPr>
-          <p:cNvPr id="17" name="Oval 16">
-            <a:extLst>
-              <a:ext uri="{FF2B5EF4-FFF2-40B4-BE49-F238E27FC236}">
-                <a16:creationId xmlns:a16="http://schemas.microsoft.com/office/drawing/2014/main" id="{DA07955D-3A39-45EF-9285-66533386F48D}"/>
-              </a:ext>
-            </a:extLst>
-          </p:cNvPr>
-          <p:cNvSpPr/>
-          <p:nvPr/>
-        </p:nvSpPr>
-        <p:spPr>
-          <a:xfrm>
-            <a:off x="1805940" y="3375660"/>
-            <a:ext cx="1051560" cy="106680"/>
-          </a:xfrm>
-          <a:prstGeom prst="ellipse">
-            <a:avLst/>
-          </a:prstGeom>
-          <a:noFill/>
-          <a:ln>
-            <a:solidFill>
-              <a:srgbClr val="FF0000"/>
-            </a:solidFill>
-          </a:ln>
-        </p:spPr>
-        <p:style>
-          <a:lnRef idx="2">
-            <a:schemeClr val="accent1">
-              <a:shade val="50000"/>
-            </a:schemeClr>
-          </a:lnRef>
-          <a:fillRef idx="1">
-            <a:schemeClr val="accent1"/>
-          </a:fillRef>
-          <a:effectRef idx="0">
-            <a:schemeClr val="accent1"/>
-          </a:effectRef>
-          <a:fontRef idx="minor">
-            <a:schemeClr val="lt1"/>
-          </a:fontRef>
-        </p:style>
-        <p:txBody>
-          <a:bodyPr rtlCol="0" anchor="ctr"/>
-          <a:lstStyle/>
-          <a:p>
-            <a:pPr algn="ctr"/>
-            <a:endParaRPr lang="en-GB"/>
-          </a:p>
-        </p:txBody>
-      </p:sp>
     </p:spTree>
     <p:extLst>
       <p:ext uri="{BB962C8B-B14F-4D97-AF65-F5344CB8AC3E}">
-        <p14:creationId xmlns:p14="http://schemas.microsoft.com/office/powerpoint/2010/main" val="1499836088"/>
+        <p14:creationId xmlns:p14="http://schemas.microsoft.com/office/powerpoint/2010/main" val="2030660169"/>
       </p:ext>
     </p:extLst>
   </p:cSld>
@@ -9990,63 +10847,15 @@
           <a:chExt cx="0" cy="0"/>
         </a:xfrm>
       </p:grpSpPr>
-      <p:pic>
-        <p:nvPicPr>
-          <p:cNvPr id="14" name="Content Placeholder 13" descr="A screenshot of a computer&#10;&#10;Description automatically generated">
+      <p:sp>
+        <p:nvSpPr>
+          <p:cNvPr id="2" name="Title 1">
             <a:extLst>
               <a:ext uri="{FF2B5EF4-FFF2-40B4-BE49-F238E27FC236}">
-                <a16:creationId xmlns:a16="http://schemas.microsoft.com/office/drawing/2014/main" id="{77E87B2F-9F93-48A2-945A-D50F9E8003B2}"/>
+                <a16:creationId xmlns:a16="http://schemas.microsoft.com/office/drawing/2014/main" id="{9684FB9A-E9C6-411C-A1CD-8267E2FAE1B4}"/>
               </a:ext>
             </a:extLst>
           </p:cNvPr>
-          <p:cNvPicPr>
-            <a:picLocks noGrp="1" noChangeAspect="1"/>
-          </p:cNvPicPr>
-          <p:nvPr>
-            <p:ph idx="1"/>
-          </p:nvPr>
-        </p:nvPicPr>
-        <p:blipFill>
-          <a:blip r:embed="rId3">
-            <a:extLst>
-              <a:ext uri="{28A0092B-C50C-407E-A947-70E740481C1C}">
-                <a14:useLocalDpi xmlns:a14="http://schemas.microsoft.com/office/drawing/2010/main" val="0"/>
-              </a:ext>
-            </a:extLst>
-          </a:blip>
-          <a:stretch>
-            <a:fillRect/>
-          </a:stretch>
-        </p:blipFill>
-        <p:spPr>
-          <a:xfrm>
-            <a:off x="1127325" y="1843771"/>
-            <a:ext cx="6889335" cy="3875251"/>
-          </a:xfrm>
-          <a:prstGeom prst="rect">
-            <a:avLst/>
-          </a:prstGeom>
-          <a:ln>
-            <a:noFill/>
-          </a:ln>
-          <a:effectLst>
-            <a:outerShdw blurRad="292100" dist="139700" dir="2700000" algn="tl" rotWithShape="0">
-              <a:srgbClr val="333333">
-                <a:alpha val="65000"/>
-              </a:srgbClr>
-            </a:outerShdw>
-          </a:effectLst>
-        </p:spPr>
-      </p:pic>
-      <p:sp>
-        <p:nvSpPr>
-          <p:cNvPr id="2" name="Titolo 1">
-            <a:extLst>
-              <a:ext uri="{FF2B5EF4-FFF2-40B4-BE49-F238E27FC236}">
-                <a16:creationId xmlns:a16="http://schemas.microsoft.com/office/drawing/2014/main" id="{C2425517-4760-4CAE-AE51-2926BAC8F809}"/>
-              </a:ext>
-            </a:extLst>
-          </p:cNvPr>
           <p:cNvSpPr>
             <a:spLocks noGrp="1"/>
           </p:cNvSpPr>
@@ -10054,227 +10863,32 @@
             <p:ph type="title"/>
           </p:nvPr>
         </p:nvSpPr>
-        <p:spPr/>
-        <p:txBody>
-          <a:bodyPr/>
-          <a:lstStyle/>
-          <a:p>
-            <a:r>
-              <a:rPr lang="en-GB" dirty="0" err="1"/>
-              <a:t>Jupyter</a:t>
-            </a:r>
-            <a:r>
-              <a:rPr lang="en-GB" dirty="0"/>
-              <a:t> Notebook: An overview</a:t>
-            </a:r>
-          </a:p>
-        </p:txBody>
-      </p:sp>
-      <p:sp>
-        <p:nvSpPr>
-          <p:cNvPr id="4" name="Segnaposto data 3">
-            <a:extLst>
-              <a:ext uri="{FF2B5EF4-FFF2-40B4-BE49-F238E27FC236}">
-                <a16:creationId xmlns:a16="http://schemas.microsoft.com/office/drawing/2014/main" id="{CD37FF21-5647-48BC-ABE0-22F8AB863E52}"/>
-              </a:ext>
-            </a:extLst>
-          </p:cNvPr>
-          <p:cNvSpPr>
-            <a:spLocks noGrp="1"/>
-          </p:cNvSpPr>
-          <p:nvPr>
-            <p:ph type="dt" sz="half" idx="10"/>
-          </p:nvPr>
-        </p:nvSpPr>
-        <p:spPr>
-          <a:xfrm>
-            <a:off x="411891" y="6361329"/>
-            <a:ext cx="2558835" cy="365125"/>
-          </a:xfrm>
-        </p:spPr>
-        <p:txBody>
-          <a:bodyPr/>
-          <a:lstStyle/>
-          <a:p>
-            <a:r>
-              <a:rPr lang="en-US" dirty="0"/>
-              <a:t>Initial Setup – Pierluigi Zama Ramirez</a:t>
-            </a:r>
-          </a:p>
-        </p:txBody>
-      </p:sp>
-      <p:sp>
-        <p:nvSpPr>
-          <p:cNvPr id="5" name="Segnaposto numero diapositiva 4">
-            <a:extLst>
-              <a:ext uri="{FF2B5EF4-FFF2-40B4-BE49-F238E27FC236}">
-                <a16:creationId xmlns:a16="http://schemas.microsoft.com/office/drawing/2014/main" id="{1B67C968-09C6-409E-9094-6A61912F818E}"/>
-              </a:ext>
-            </a:extLst>
-          </p:cNvPr>
-          <p:cNvSpPr>
-            <a:spLocks noGrp="1"/>
-          </p:cNvSpPr>
-          <p:nvPr>
-            <p:ph type="sldNum" sz="quarter" idx="12"/>
-          </p:nvPr>
-        </p:nvSpPr>
-        <p:spPr/>
-        <p:txBody>
-          <a:bodyPr/>
-          <a:lstStyle/>
-          <a:p>
-            <a:fld id="{21D15A9C-11B4-4C77-BDEA-04E3D7D1DFC0}" type="slidenum">
-              <a:rPr lang="en-US" smtClean="0"/>
-              <a:t>8</a:t>
-            </a:fld>
-            <a:endParaRPr lang="en-US"/>
-          </a:p>
-        </p:txBody>
-      </p:sp>
-      <p:sp>
-        <p:nvSpPr>
-          <p:cNvPr id="8" name="TextBox 7">
-            <a:extLst>
-              <a:ext uri="{FF2B5EF4-FFF2-40B4-BE49-F238E27FC236}">
-                <a16:creationId xmlns:a16="http://schemas.microsoft.com/office/drawing/2014/main" id="{524FB599-5D29-4B3F-9927-9A935AB0DA50}"/>
-              </a:ext>
-            </a:extLst>
-          </p:cNvPr>
-          <p:cNvSpPr txBox="1"/>
-          <p:nvPr/>
-        </p:nvSpPr>
-        <p:spPr>
-          <a:xfrm>
-            <a:off x="1704798" y="5938453"/>
-            <a:ext cx="5734390" cy="369332"/>
-          </a:xfrm>
-          <a:prstGeom prst="rect">
-            <a:avLst/>
-          </a:prstGeom>
-          <a:noFill/>
-        </p:spPr>
-        <p:txBody>
-          <a:bodyPr wrap="none" rtlCol="0">
-            <a:spAutoFit/>
-          </a:bodyPr>
-          <a:lstStyle/>
-          <a:p>
-            <a:r>
-              <a:rPr lang="en-GB" dirty="0"/>
-              <a:t>Run single code instruction and see the result interactively!</a:t>
-            </a:r>
-          </a:p>
-        </p:txBody>
-      </p:sp>
-      <p:sp>
-        <p:nvSpPr>
-          <p:cNvPr id="17" name="Oval 16">
-            <a:extLst>
-              <a:ext uri="{FF2B5EF4-FFF2-40B4-BE49-F238E27FC236}">
-                <a16:creationId xmlns:a16="http://schemas.microsoft.com/office/drawing/2014/main" id="{DA07955D-3A39-45EF-9285-66533386F48D}"/>
-              </a:ext>
-            </a:extLst>
-          </p:cNvPr>
-          <p:cNvSpPr/>
-          <p:nvPr/>
-        </p:nvSpPr>
-        <p:spPr>
-          <a:xfrm>
-            <a:off x="2673752" y="2562944"/>
-            <a:ext cx="296974" cy="219919"/>
-          </a:xfrm>
-          <a:prstGeom prst="ellipse">
-            <a:avLst/>
-          </a:prstGeom>
-          <a:noFill/>
-          <a:ln>
-            <a:solidFill>
-              <a:srgbClr val="FF0000"/>
-            </a:solidFill>
-          </a:ln>
-        </p:spPr>
-        <p:style>
-          <a:lnRef idx="2">
-            <a:schemeClr val="accent1">
-              <a:shade val="50000"/>
-            </a:schemeClr>
-          </a:lnRef>
-          <a:fillRef idx="1">
-            <a:schemeClr val="accent1"/>
-          </a:fillRef>
-          <a:effectRef idx="0">
-            <a:schemeClr val="accent1"/>
-          </a:effectRef>
-          <a:fontRef idx="minor">
-            <a:schemeClr val="lt1"/>
-          </a:fontRef>
-        </p:style>
-        <p:txBody>
-          <a:bodyPr rtlCol="0" anchor="ctr"/>
+        <p:spPr>
+          <a:xfrm>
+            <a:off x="628650" y="2986722"/>
+            <a:ext cx="7886700" cy="884555"/>
+          </a:xfrm>
+        </p:spPr>
+        <p:txBody>
+          <a:bodyPr/>
           <a:lstStyle/>
           <a:p>
             <a:pPr algn="ctr"/>
-            <a:endParaRPr lang="en-GB"/>
-          </a:p>
-        </p:txBody>
-      </p:sp>
-      <p:sp>
-        <p:nvSpPr>
-          <p:cNvPr id="18" name="Oval 17">
-            <a:extLst>
-              <a:ext uri="{FF2B5EF4-FFF2-40B4-BE49-F238E27FC236}">
-                <a16:creationId xmlns:a16="http://schemas.microsoft.com/office/drawing/2014/main" id="{5D323B37-775A-4802-8603-C4DF2130A544}"/>
-              </a:ext>
-            </a:extLst>
-          </p:cNvPr>
-          <p:cNvSpPr/>
-          <p:nvPr/>
-        </p:nvSpPr>
-        <p:spPr>
-          <a:xfrm>
-            <a:off x="1869080" y="4464896"/>
-            <a:ext cx="1703176" cy="539920"/>
-          </a:xfrm>
-          <a:prstGeom prst="ellipse">
-            <a:avLst/>
-          </a:prstGeom>
-          <a:noFill/>
-          <a:ln>
-            <a:solidFill>
-              <a:srgbClr val="FF0000"/>
-            </a:solidFill>
-          </a:ln>
-        </p:spPr>
-        <p:style>
-          <a:lnRef idx="2">
-            <a:schemeClr val="accent1">
-              <a:shade val="50000"/>
-            </a:schemeClr>
-          </a:lnRef>
-          <a:fillRef idx="1">
-            <a:schemeClr val="accent1"/>
-          </a:fillRef>
-          <a:effectRef idx="0">
-            <a:schemeClr val="accent1"/>
-          </a:effectRef>
-          <a:fontRef idx="minor">
-            <a:schemeClr val="lt1"/>
-          </a:fontRef>
-        </p:style>
-        <p:txBody>
-          <a:bodyPr rtlCol="0" anchor="ctr"/>
-          <a:lstStyle/>
-          <a:p>
-            <a:pPr algn="ctr"/>
-            <a:endParaRPr lang="en-GB"/>
+            <a:r>
+              <a:rPr lang="en-GB" b="1" dirty="0">
+                <a:solidFill>
+                  <a:schemeClr val="accent5"/>
+                </a:solidFill>
+              </a:rPr>
+              <a:t>Working on Lab Computer</a:t>
+            </a:r>
           </a:p>
         </p:txBody>
       </p:sp>
     </p:spTree>
     <p:extLst>
       <p:ext uri="{BB962C8B-B14F-4D97-AF65-F5344CB8AC3E}">
-        <p14:creationId xmlns:p14="http://schemas.microsoft.com/office/powerpoint/2010/main" val="4078975265"/>
+        <p14:creationId xmlns:p14="http://schemas.microsoft.com/office/powerpoint/2010/main" val="4086799980"/>
       </p:ext>
     </p:extLst>
   </p:cSld>
@@ -10303,79 +10917,6 @@
       </p:grpSpPr>
       <p:sp>
         <p:nvSpPr>
-          <p:cNvPr id="2" name="Titolo 1">
-            <a:extLst>
-              <a:ext uri="{FF2B5EF4-FFF2-40B4-BE49-F238E27FC236}">
-                <a16:creationId xmlns:a16="http://schemas.microsoft.com/office/drawing/2014/main" id="{C2425517-4760-4CAE-AE51-2926BAC8F809}"/>
-              </a:ext>
-            </a:extLst>
-          </p:cNvPr>
-          <p:cNvSpPr>
-            <a:spLocks noGrp="1"/>
-          </p:cNvSpPr>
-          <p:nvPr>
-            <p:ph type="title"/>
-          </p:nvPr>
-        </p:nvSpPr>
-        <p:spPr/>
-        <p:txBody>
-          <a:bodyPr>
-            <a:normAutofit fontScale="90000"/>
-          </a:bodyPr>
-          <a:lstStyle/>
-          <a:p>
-            <a:r>
-              <a:rPr lang="en-GB" dirty="0"/>
-              <a:t>Export python .</a:t>
-            </a:r>
-            <a:r>
-              <a:rPr lang="en-GB" dirty="0" err="1"/>
-              <a:t>py</a:t>
-            </a:r>
-            <a:r>
-              <a:rPr lang="en-GB" dirty="0"/>
-              <a:t> from notebook file</a:t>
-            </a:r>
-          </a:p>
-        </p:txBody>
-      </p:sp>
-      <p:pic>
-        <p:nvPicPr>
-          <p:cNvPr id="7" name="Content Placeholder 6" descr="A screenshot of a computer&#10;&#10;Description automatically generated">
-            <a:extLst>
-              <a:ext uri="{FF2B5EF4-FFF2-40B4-BE49-F238E27FC236}">
-                <a16:creationId xmlns:a16="http://schemas.microsoft.com/office/drawing/2014/main" id="{8FBFC568-680E-46BF-A905-6B8F742DD6A5}"/>
-              </a:ext>
-            </a:extLst>
-          </p:cNvPr>
-          <p:cNvPicPr>
-            <a:picLocks noGrp="1" noChangeAspect="1"/>
-          </p:cNvPicPr>
-          <p:nvPr>
-            <p:ph idx="1"/>
-          </p:nvPr>
-        </p:nvPicPr>
-        <p:blipFill>
-          <a:blip r:embed="rId3">
-            <a:extLst>
-              <a:ext uri="{28A0092B-C50C-407E-A947-70E740481C1C}">
-                <a14:useLocalDpi xmlns:a14="http://schemas.microsoft.com/office/drawing/2010/main" val="0"/>
-              </a:ext>
-            </a:extLst>
-          </a:blip>
-          <a:stretch>
-            <a:fillRect/>
-          </a:stretch>
-        </p:blipFill>
-        <p:spPr>
-          <a:xfrm>
-            <a:off x="1173146" y="1797627"/>
-            <a:ext cx="6797708" cy="3823711"/>
-          </a:xfrm>
-        </p:spPr>
-      </p:pic>
-      <p:sp>
-        <p:nvSpPr>
           <p:cNvPr id="4" name="Segnaposto data 3">
             <a:extLst>
               <a:ext uri="{FF2B5EF4-FFF2-40B4-BE49-F238E27FC236}">
@@ -10438,10 +10979,67 @@
       </p:sp>
       <p:sp>
         <p:nvSpPr>
-          <p:cNvPr id="8" name="TextBox 7">
+          <p:cNvPr id="10" name="Title 9">
             <a:extLst>
               <a:ext uri="{FF2B5EF4-FFF2-40B4-BE49-F238E27FC236}">
-                <a16:creationId xmlns:a16="http://schemas.microsoft.com/office/drawing/2014/main" id="{EA102731-FDB3-406B-AE1E-72D2178D3F9C}"/>
+                <a16:creationId xmlns:a16="http://schemas.microsoft.com/office/drawing/2014/main" id="{72845DCC-69CC-44B6-95CC-903390EA718D}"/>
+              </a:ext>
+            </a:extLst>
+          </p:cNvPr>
+          <p:cNvSpPr>
+            <a:spLocks noGrp="1"/>
+          </p:cNvSpPr>
+          <p:nvPr>
+            <p:ph type="title"/>
+          </p:nvPr>
+        </p:nvSpPr>
+        <p:spPr/>
+        <p:txBody>
+          <a:bodyPr/>
+          <a:lstStyle/>
+          <a:p>
+            <a:r>
+              <a:rPr lang="en-GB" dirty="0"/>
+              <a:t>Working on Lab computer</a:t>
+            </a:r>
+          </a:p>
+        </p:txBody>
+      </p:sp>
+      <p:pic>
+        <p:nvPicPr>
+          <p:cNvPr id="11" name="Picture 10">
+            <a:extLst>
+              <a:ext uri="{FF2B5EF4-FFF2-40B4-BE49-F238E27FC236}">
+                <a16:creationId xmlns:a16="http://schemas.microsoft.com/office/drawing/2014/main" id="{29F8597D-9CD6-42C0-857B-A1F99A7A332E}"/>
+              </a:ext>
+            </a:extLst>
+          </p:cNvPr>
+          <p:cNvPicPr>
+            <a:picLocks noChangeAspect="1"/>
+          </p:cNvPicPr>
+          <p:nvPr/>
+        </p:nvPicPr>
+        <p:blipFill rotWithShape="1">
+          <a:blip r:embed="rId3"/>
+          <a:srcRect l="3283" t="673" b="37374"/>
+          <a:stretch/>
+        </p:blipFill>
+        <p:spPr>
+          <a:xfrm>
+            <a:off x="2296419" y="1948014"/>
+            <a:ext cx="4551161" cy="2186459"/>
+          </a:xfrm>
+          <a:prstGeom prst="rect">
+            <a:avLst/>
+          </a:prstGeom>
+        </p:spPr>
+      </p:pic>
+      <p:sp>
+        <p:nvSpPr>
+          <p:cNvPr id="12" name="TextBox 11">
+            <a:extLst>
+              <a:ext uri="{FF2B5EF4-FFF2-40B4-BE49-F238E27FC236}">
+                <a16:creationId xmlns:a16="http://schemas.microsoft.com/office/drawing/2014/main" id="{60134894-17E9-445B-A3DC-17984E4BB348}"/>
               </a:ext>
             </a:extLst>
           </p:cNvPr>
@@ -10449,9 +11047,9 @@
           <p:nvPr/>
         </p:nvSpPr>
         <p:spPr>
-          <a:xfrm>
-            <a:off x="411891" y="5838214"/>
-            <a:ext cx="8361407" cy="646331"/>
+          <a:xfrm flipH="1">
+            <a:off x="957385" y="4365760"/>
+            <a:ext cx="7120175" cy="1754326"/>
           </a:xfrm>
           <a:prstGeom prst="rect">
             <a:avLst/>
@@ -10464,94 +11062,71 @@
           </a:bodyPr>
           <a:lstStyle/>
           <a:p>
-            <a:pPr algn="ctr"/>
             <a:r>
               <a:rPr lang="en-GB" dirty="0"/>
-              <a:t>You can download  the all notebook as a single </a:t>
+              <a:t>All the packages you need are already installed. If it is the first time in lab perform the following steps:</a:t>
+            </a:r>
+          </a:p>
+          <a:p>
+            <a:pPr marL="342900" indent="-342900">
+              <a:buFont typeface="+mj-lt"/>
+              <a:buAutoNum type="arabicPeriod"/>
+            </a:pPr>
+            <a:r>
+              <a:rPr lang="en-GB" dirty="0"/>
+              <a:t>Create your account</a:t>
+            </a:r>
+          </a:p>
+          <a:p>
+            <a:pPr marL="342900" indent="-342900">
+              <a:buFont typeface="+mj-lt"/>
+              <a:buAutoNum type="arabicPeriod"/>
+            </a:pPr>
+            <a:r>
+              <a:rPr lang="en-GB" dirty="0"/>
+              <a:t>Login into </a:t>
             </a:r>
             <a:r>
               <a:rPr lang="en-GB" b="1" dirty="0"/>
-              <a:t>.</a:t>
-            </a:r>
-            <a:r>
-              <a:rPr lang="en-GB" b="1" dirty="0" err="1"/>
-              <a:t>py</a:t>
+              <a:t>Debian 9</a:t>
+            </a:r>
+            <a:r>
+              <a:rPr lang="en-GB" dirty="0"/>
+              <a:t> (only Linux will be supported in lab PCs)</a:t>
             </a:r>
             <a:r>
               <a:rPr lang="en-GB" b="1" dirty="0"/>
-              <a:t> file</a:t>
+              <a:t> </a:t>
             </a:r>
             <a:r>
               <a:rPr lang="en-GB" dirty="0"/>
-              <a:t>! After that, you  can run it as normal </a:t>
-            </a:r>
-            <a:r>
-              <a:rPr lang="en-GB" dirty="0" err="1"/>
-              <a:t>Pyhton</a:t>
-            </a:r>
+              <a:t>with username and password</a:t>
+            </a:r>
+          </a:p>
+          <a:p>
+            <a:pPr marL="342900" indent="-342900">
+              <a:buFont typeface="+mj-lt"/>
+              <a:buAutoNum type="arabicPeriod"/>
+            </a:pPr>
             <a:r>
               <a:rPr lang="en-GB" dirty="0"/>
-              <a:t> script.</a:t>
-            </a:r>
-          </a:p>
-        </p:txBody>
-      </p:sp>
-      <p:sp>
-        <p:nvSpPr>
-          <p:cNvPr id="9" name="Oval 8">
-            <a:extLst>
-              <a:ext uri="{FF2B5EF4-FFF2-40B4-BE49-F238E27FC236}">
-                <a16:creationId xmlns:a16="http://schemas.microsoft.com/office/drawing/2014/main" id="{A2A879D0-EBDC-411F-91AD-5A89F518C42B}"/>
-              </a:ext>
-            </a:extLst>
-          </p:cNvPr>
-          <p:cNvSpPr/>
-          <p:nvPr/>
-        </p:nvSpPr>
-        <p:spPr>
-          <a:xfrm>
-            <a:off x="1551008" y="3528608"/>
-            <a:ext cx="2167134" cy="534106"/>
-          </a:xfrm>
-          <a:prstGeom prst="ellipse">
-            <a:avLst/>
-          </a:prstGeom>
-          <a:noFill/>
-          <a:ln>
-            <a:solidFill>
-              <a:srgbClr val="FF0000"/>
-            </a:solidFill>
-          </a:ln>
-        </p:spPr>
-        <p:style>
-          <a:lnRef idx="2">
-            <a:schemeClr val="accent1">
-              <a:shade val="50000"/>
-            </a:schemeClr>
-          </a:lnRef>
-          <a:fillRef idx="1">
-            <a:schemeClr val="accent1"/>
-          </a:fillRef>
-          <a:effectRef idx="0">
-            <a:schemeClr val="accent1"/>
-          </a:effectRef>
-          <a:fontRef idx="minor">
-            <a:schemeClr val="lt1"/>
-          </a:fontRef>
-        </p:style>
-        <p:txBody>
-          <a:bodyPr rtlCol="0" anchor="ctr"/>
-          <a:lstStyle/>
-          <a:p>
-            <a:pPr algn="ctr"/>
-            <a:endParaRPr lang="en-GB"/>
+              <a:t>run </a:t>
+            </a:r>
+            <a:r>
+              <a:rPr lang="en-GB" b="1" i="1" dirty="0" err="1"/>
+              <a:t>startx</a:t>
+            </a:r>
+            <a:r>
+              <a:rPr lang="en-GB" dirty="0"/>
+              <a:t> in the terminal to run the GUI</a:t>
+            </a:r>
           </a:p>
         </p:txBody>
       </p:sp>
     </p:spTree>
     <p:extLst>
       <p:ext uri="{BB962C8B-B14F-4D97-AF65-F5344CB8AC3E}">
-        <p14:creationId xmlns:p14="http://schemas.microsoft.com/office/powerpoint/2010/main" val="3267681367"/>
+        <p14:creationId xmlns:p14="http://schemas.microsoft.com/office/powerpoint/2010/main" val="1499836088"/>
       </p:ext>
     </p:extLst>
   </p:cSld>

--- a/LabSession0 - Initial Setup.pptx
+++ b/LabSession0 - Initial Setup.pptx
@@ -247,7 +247,7 @@
           <a:p>
             <a:fld id="{2CC5598C-FF10-4AF1-BC63-A7C8964CD468}" type="datetimeFigureOut">
               <a:rPr lang="en-US" smtClean="0"/>
-              <a:t>9/24/2019</a:t>
+              <a:t>9/26/2019</a:t>
             </a:fld>
             <a:endParaRPr lang="en-US"/>
           </a:p>
@@ -7788,7 +7788,7 @@
             </a:r>
             <a:r>
               <a:rPr lang="en-GB" dirty="0"/>
-              <a:t>However, the terminal printed the URL of the server (default address: </a:t>
+              <a:t>If this is not the case, just point your browser to the URL printed on the terminal (default: </a:t>
             </a:r>
             <a:r>
               <a:rPr lang="en-GB" b="1" dirty="0"/>
@@ -8493,7 +8493,7 @@
             <a:pPr algn="ctr"/>
             <a:r>
               <a:rPr lang="en-GB" dirty="0"/>
-              <a:t>You can download  the all notebook as a single </a:t>
+              <a:t>You can download  all the code cells of a notebook as a single </a:t>
             </a:r>
             <a:r>
               <a:rPr lang="en-GB" b="1" dirty="0"/>
@@ -8505,11 +8505,11 @@
             </a:r>
             <a:r>
               <a:rPr lang="en-GB" b="1" dirty="0"/>
-              <a:t> file</a:t>
+              <a:t> file.</a:t>
             </a:r>
             <a:r>
               <a:rPr lang="en-GB" dirty="0"/>
-              <a:t>! After that, you  can run it as normal </a:t>
+              <a:t> After that, you  can run it as a standard </a:t>
             </a:r>
             <a:r>
               <a:rPr lang="en-GB" dirty="0" err="1"/>
@@ -8917,7 +8917,7 @@
               <a:rPr lang="en-GB" sz="2200" dirty="0">
                 <a:latin typeface="Tw Cen MT" panose="020B0602020104020603" pitchFamily="34" charset="0"/>
               </a:rPr>
-              <a:t>When you finish writing your script from your terminal you can navigate to your script folder and run:</a:t>
+              <a:t>When you finish writing your script, navigate in your terminal to your script folder and run:</a:t>
             </a:r>
           </a:p>
           <a:p>
@@ -9576,7 +9576,7 @@
             </a:pPr>
             <a:r>
               <a:rPr lang="en-GB" sz="1800" dirty="0"/>
-              <a:t>The two version have several features in common, the two version are not fully compatible between each other and a Python 2.x program may not work for Python 3.x and vice versa.</a:t>
+              <a:t>The two version have several features in common, but they are not fully compatible: a Python 2.x program may not work in Python 3.x and vice versa.</a:t>
             </a:r>
           </a:p>
         </p:txBody>
@@ -9841,7 +9841,7 @@
               <a:rPr lang="en-GB" sz="1600" dirty="0">
                 <a:latin typeface="Tw Cen MT" panose="020B0602020104020603" pitchFamily="34" charset="0"/>
               </a:rPr>
-              <a:t>Ubuntu already have Python installed already. If you want to update it to the latest version open your terminal and run: </a:t>
+              <a:t>Ubuntu already comes with Python installed. If you want to update it to the latest version open your terminal and run: </a:t>
             </a:r>
           </a:p>
           <a:p>
@@ -9958,7 +9958,7 @@
             </a:pPr>
             <a:r>
               <a:rPr lang="en-GB" dirty="0"/>
-              <a:t>PIP is a recursive acronym that stands for “PIP Installs Packages”. It’s a command-line utility that allows you to install, reinstall, or uninstall Python packages with a simple and straightforward command: </a:t>
+              <a:t>PIP is a recursive acronym that stands for “PIP Installs Packages”. It’s a command-line utility that allows you to install, reinstall, or uninstall Python packages with a simple command: </a:t>
             </a:r>
             <a:r>
               <a:rPr lang="en-GB" b="1" dirty="0"/>
@@ -11064,7 +11064,7 @@
           <a:p>
             <a:r>
               <a:rPr lang="en-GB" dirty="0"/>
-              <a:t>All the packages you need are already installed. If it is the first time in lab perform the following steps:</a:t>
+              <a:t>All the packages you need are already installed. If it is your first time in lab, perform the following steps:</a:t>
             </a:r>
           </a:p>
           <a:p>

--- a/LabSession0 - Initial Setup.pptx
+++ b/LabSession0 - Initial Setup.pptx
@@ -10049,7 +10049,7 @@
         </p:nvSpPr>
         <p:spPr>
           <a:xfrm>
-            <a:off x="411892" y="3314700"/>
+            <a:off x="411892" y="2944310"/>
             <a:ext cx="4402156" cy="2831544"/>
           </a:xfrm>
           <a:prstGeom prst="rect">
@@ -10211,8 +10211,8 @@
         </p:nvSpPr>
         <p:spPr>
           <a:xfrm>
-            <a:off x="4584357" y="3314700"/>
-            <a:ext cx="4147751" cy="1354217"/>
+            <a:off x="4584357" y="2944310"/>
+            <a:ext cx="4402156" cy="4308872"/>
           </a:xfrm>
           <a:prstGeom prst="rect">
             <a:avLst/>
@@ -10245,7 +10245,7 @@
             </a:r>
           </a:p>
           <a:p>
-            <a:pPr algn="ctr"/>
+            <a:pPr lvl="1"/>
             <a:r>
               <a:rPr lang="en-US" altLang="en-US" sz="1600" b="1" i="1" dirty="0" err="1">
                 <a:latin typeface="Tw Cen MT" panose="020B0602020104020603" pitchFamily="34" charset="0"/>
@@ -10256,7 +10256,147 @@
               <a:rPr lang="en-US" altLang="en-US" sz="1600" b="1" i="1" dirty="0">
                 <a:latin typeface="Tw Cen MT" panose="020B0602020104020603" pitchFamily="34" charset="0"/>
               </a:rPr>
-              <a:t> apt-get install python3-pip </a:t>
+              <a:t> apt-get install python3-pip</a:t>
+            </a:r>
+          </a:p>
+          <a:p>
+            <a:pPr algn="ctr"/>
+            <a:endParaRPr lang="en-US" altLang="en-US" sz="1600" b="1" i="1" dirty="0">
+              <a:latin typeface="Tw Cen MT" panose="020B0602020104020603" pitchFamily="34" charset="0"/>
+            </a:endParaRPr>
+          </a:p>
+          <a:p>
+            <a:pPr marL="285750" indent="-285750">
+              <a:buFont typeface="Arial" panose="020B0604020202020204" pitchFamily="34" charset="0"/>
+              <a:buChar char="•"/>
+            </a:pPr>
+            <a:r>
+              <a:rPr lang="en-US" altLang="en-US" sz="1600" b="1" dirty="0">
+                <a:latin typeface="Tw Cen MT" panose="020B0602020104020603" pitchFamily="34" charset="0"/>
+              </a:rPr>
+              <a:t>[Optional] Virtual Environment </a:t>
+            </a:r>
+            <a:r>
+              <a:rPr lang="en-US" altLang="en-US" sz="1600" dirty="0">
+                <a:latin typeface="Tw Cen MT" panose="020B0602020104020603" pitchFamily="34" charset="0"/>
+              </a:rPr>
+              <a:t>if having conflicts with system libraries:</a:t>
+            </a:r>
+          </a:p>
+          <a:p>
+            <a:pPr marL="742950" lvl="1" indent="-285750">
+              <a:buFont typeface="Arial" panose="020B0604020202020204" pitchFamily="34" charset="0"/>
+              <a:buChar char="•"/>
+            </a:pPr>
+            <a:r>
+              <a:rPr lang="en-US" altLang="en-US" sz="1600" dirty="0">
+                <a:latin typeface="Tw Cen MT" panose="020B0602020104020603" pitchFamily="34" charset="0"/>
+              </a:rPr>
+              <a:t>1- Install virtual-env:</a:t>
+            </a:r>
+          </a:p>
+          <a:p>
+            <a:pPr lvl="1"/>
+            <a:r>
+              <a:rPr lang="en-US" altLang="en-US" sz="1600" i="1" dirty="0" err="1">
+                <a:latin typeface="Tw Cen MT" panose="020B0602020104020603" pitchFamily="34" charset="0"/>
+              </a:rPr>
+              <a:t>sudo</a:t>
+            </a:r>
+            <a:r>
+              <a:rPr lang="en-US" altLang="en-US" sz="1600" i="1" dirty="0">
+                <a:latin typeface="Tw Cen MT" panose="020B0602020104020603" pitchFamily="34" charset="0"/>
+              </a:rPr>
+              <a:t> pip3 install </a:t>
+            </a:r>
+            <a:r>
+              <a:rPr lang="en-US" altLang="en-US" sz="1600" i="1" dirty="0" err="1">
+                <a:latin typeface="Tw Cen MT" panose="020B0602020104020603" pitchFamily="34" charset="0"/>
+              </a:rPr>
+              <a:t>virtualenv</a:t>
+            </a:r>
+            <a:endParaRPr lang="en-US" altLang="en-US" sz="1600" i="1" dirty="0">
+              <a:latin typeface="Tw Cen MT" panose="020B0602020104020603" pitchFamily="34" charset="0"/>
+            </a:endParaRPr>
+          </a:p>
+          <a:p>
+            <a:pPr marL="742950" lvl="1" indent="-285750">
+              <a:buFont typeface="Arial" panose="020B0604020202020204" pitchFamily="34" charset="0"/>
+              <a:buChar char="•"/>
+            </a:pPr>
+            <a:r>
+              <a:rPr lang="en-US" altLang="en-US" sz="1600" dirty="0">
+                <a:latin typeface="Tw Cen MT" panose="020B0602020104020603" pitchFamily="34" charset="0"/>
+              </a:rPr>
+              <a:t>2 - Create virtual environment:</a:t>
+            </a:r>
+          </a:p>
+          <a:p>
+            <a:pPr lvl="1"/>
+            <a:r>
+              <a:rPr lang="en-US" altLang="en-US" sz="1600" i="1" dirty="0" err="1">
+                <a:latin typeface="Tw Cen MT" panose="020B0602020104020603" pitchFamily="34" charset="0"/>
+              </a:rPr>
+              <a:t>virtualenv</a:t>
+            </a:r>
+            <a:r>
+              <a:rPr lang="en-US" altLang="en-US" sz="1600" i="1" dirty="0">
+                <a:latin typeface="Tw Cen MT" panose="020B0602020104020603" pitchFamily="34" charset="0"/>
+              </a:rPr>
+              <a:t>  -p /</a:t>
+            </a:r>
+            <a:r>
+              <a:rPr lang="en-US" altLang="en-US" sz="1600" i="1" dirty="0" err="1">
+                <a:latin typeface="Tw Cen MT" panose="020B0602020104020603" pitchFamily="34" charset="0"/>
+              </a:rPr>
+              <a:t>usr</a:t>
+            </a:r>
+            <a:r>
+              <a:rPr lang="en-US" altLang="en-US" sz="1600" i="1" dirty="0">
+                <a:latin typeface="Tw Cen MT" panose="020B0602020104020603" pitchFamily="34" charset="0"/>
+              </a:rPr>
+              <a:t>/bin/python3 </a:t>
+            </a:r>
+          </a:p>
+          <a:p>
+            <a:pPr lvl="1"/>
+            <a:r>
+              <a:rPr lang="en-US" altLang="en-US" sz="1600" i="1" dirty="0">
+                <a:latin typeface="Tw Cen MT" panose="020B0602020104020603" pitchFamily="34" charset="0"/>
+              </a:rPr>
+              <a:t>“name-for-your-virtual-environment”</a:t>
+            </a:r>
+          </a:p>
+          <a:p>
+            <a:pPr marL="742950" lvl="1" indent="-285750">
+              <a:buFont typeface="Arial" panose="020B0604020202020204" pitchFamily="34" charset="0"/>
+              <a:buChar char="•"/>
+            </a:pPr>
+            <a:r>
+              <a:rPr lang="en-US" altLang="en-US" sz="1600" dirty="0">
+                <a:latin typeface="Tw Cen MT" panose="020B0602020104020603" pitchFamily="34" charset="0"/>
+              </a:rPr>
+              <a:t>3-Activate it (every new terminal):</a:t>
+            </a:r>
+            <a:endParaRPr lang="en-US" altLang="en-US" sz="1600" b="1" dirty="0">
+              <a:latin typeface="Tw Cen MT" panose="020B0602020104020603" pitchFamily="34" charset="0"/>
+            </a:endParaRPr>
+          </a:p>
+          <a:p>
+            <a:pPr lvl="1"/>
+            <a:r>
+              <a:rPr lang="en-US" altLang="en-US" sz="1600" i="1" dirty="0">
+                <a:latin typeface="Tw Cen MT" panose="020B0602020104020603" pitchFamily="34" charset="0"/>
+              </a:rPr>
+              <a:t>source “path-to-your-virtual-environment/bin/activate”</a:t>
+            </a:r>
+          </a:p>
+          <a:p>
+            <a:r>
+              <a:rPr lang="en-US" altLang="en-US" sz="1600" b="1" dirty="0">
+                <a:latin typeface="Tw Cen MT" panose="020B0602020104020603" pitchFamily="34" charset="0"/>
+              </a:rPr>
+              <a:t>  </a:t>
             </a:r>
           </a:p>
           <a:p>
@@ -10274,6 +10414,125 @@
               <a:buChar char="•"/>
             </a:pPr>
             <a:endParaRPr lang="en-GB" dirty="0"/>
+          </a:p>
+        </p:txBody>
+      </p:sp>
+      <p:sp>
+        <p:nvSpPr>
+          <p:cNvPr id="10" name="Rectangle 3">
+            <a:extLst>
+              <a:ext uri="{FF2B5EF4-FFF2-40B4-BE49-F238E27FC236}">
+                <a16:creationId xmlns:a16="http://schemas.microsoft.com/office/drawing/2014/main" id="{255E2251-9E7A-440C-9C72-2234D73B2315}"/>
+              </a:ext>
+            </a:extLst>
+          </p:cNvPr>
+          <p:cNvSpPr>
+            <a:spLocks noChangeArrowheads="1"/>
+          </p:cNvSpPr>
+          <p:nvPr/>
+        </p:nvSpPr>
+        <p:spPr bwMode="auto">
+          <a:xfrm>
+            <a:off x="0" y="0"/>
+            <a:ext cx="9144000" cy="457200"/>
+          </a:xfrm>
+          <a:prstGeom prst="rect">
+            <a:avLst/>
+          </a:prstGeom>
+          <a:noFill/>
+          <a:ln>
+            <a:noFill/>
+          </a:ln>
+          <a:effectLst/>
+          <a:extLst>
+            <a:ext uri="{909E8E84-426E-40DD-AFC4-6F175D3DCCD1}">
+              <a14:hiddenFill xmlns:a14="http://schemas.microsoft.com/office/drawing/2010/main">
+                <a:solidFill>
+                  <a:schemeClr val="accent1"/>
+                </a:solidFill>
+              </a14:hiddenFill>
+            </a:ext>
+            <a:ext uri="{91240B29-F687-4F45-9708-019B960494DF}">
+              <a14:hiddenLine xmlns:a14="http://schemas.microsoft.com/office/drawing/2010/main" w="9525">
+                <a:solidFill>
+                  <a:schemeClr val="tx1"/>
+                </a:solidFill>
+                <a:miter lim="800000"/>
+                <a:headEnd/>
+                <a:tailEnd/>
+              </a14:hiddenLine>
+            </a:ext>
+            <a:ext uri="{AF507438-7753-43E0-B8FC-AC1667EBCBE1}">
+              <a14:hiddenEffects xmlns:a14="http://schemas.microsoft.com/office/drawing/2010/main">
+                <a:effectLst>
+                  <a:outerShdw dist="35921" dir="2700000" algn="ctr" rotWithShape="0">
+                    <a:schemeClr val="bg2"/>
+                  </a:outerShdw>
+                </a:effectLst>
+              </a14:hiddenEffects>
+            </a:ext>
+          </a:extLst>
+        </p:spPr>
+        <p:txBody>
+          <a:bodyPr vert="horz" wrap="none" lIns="91440" tIns="45720" rIns="91440" bIns="45720" numCol="1" anchor="ctr" anchorCtr="0" compatLnSpc="1">
+            <a:prstTxWarp prst="textNoShape">
+              <a:avLst/>
+            </a:prstTxWarp>
+            <a:spAutoFit/>
+          </a:bodyPr>
+          <a:lstStyle/>
+          <a:p>
+            <a:pPr marL="0" marR="0" lvl="0" indent="0" algn="l" defTabSz="914400" rtl="0" eaLnBrk="0" fontAlgn="base" latinLnBrk="0" hangingPunct="0">
+              <a:lnSpc>
+                <a:spcPct val="100000"/>
+              </a:lnSpc>
+              <a:spcBef>
+                <a:spcPct val="0"/>
+              </a:spcBef>
+              <a:spcAft>
+                <a:spcPct val="0"/>
+              </a:spcAft>
+              <a:buClrTx/>
+              <a:buSzTx/>
+              <a:buFontTx/>
+              <a:buNone/>
+              <a:tabLst/>
+            </a:pPr>
+            <a:r>
+              <a:rPr kumimoji="0" lang="en-US" altLang="en-US" sz="1000" b="0" i="0" u="none" strike="noStrike" cap="none" normalizeH="0" baseline="0">
+                <a:ln>
+                  <a:noFill/>
+                </a:ln>
+                <a:solidFill>
+                  <a:schemeClr val="tx1"/>
+                </a:solidFill>
+                <a:effectLst/>
+                <a:latin typeface="Arial Unicode MS"/>
+              </a:rPr>
+              <a:t>-p /usr/bin/python2.7</a:t>
+            </a:r>
+            <a:r>
+              <a:rPr kumimoji="0" lang="en-US" altLang="en-US" sz="600" b="0" i="0" u="none" strike="noStrike" cap="none" normalizeH="0" baseline="0">
+                <a:ln>
+                  <a:noFill/>
+                </a:ln>
+                <a:solidFill>
+                  <a:schemeClr val="tx1"/>
+                </a:solidFill>
+                <a:effectLst/>
+              </a:rPr>
+              <a:t> </a:t>
+            </a:r>
+            <a:endParaRPr kumimoji="0" lang="en-US" altLang="en-US" sz="1800" b="0" i="0" u="none" strike="noStrike" cap="none" normalizeH="0" baseline="0">
+              <a:ln>
+                <a:noFill/>
+              </a:ln>
+              <a:solidFill>
+                <a:schemeClr val="tx1"/>
+              </a:solidFill>
+              <a:effectLst/>
+              <a:latin typeface="Arial" panose="020B0604020202020204" pitchFamily="34" charset="0"/>
+            </a:endParaRPr>
           </a:p>
         </p:txBody>
       </p:sp>

--- a/LabSession0 - Initial Setup.pptx
+++ b/LabSession0 - Initial Setup.pptx
@@ -247,7 +247,7 @@
           <a:p>
             <a:fld id="{2CC5598C-FF10-4AF1-BC63-A7C8964CD468}" type="datetimeFigureOut">
               <a:rPr lang="en-US" smtClean="0"/>
-              <a:t>9/26/2019</a:t>
+              <a:t>3/14/2020</a:t>
             </a:fld>
             <a:endParaRPr lang="en-US"/>
           </a:p>
@@ -9386,7 +9386,7 @@
           <a:p>
             <a:r>
               <a:rPr lang="en-GB" dirty="0"/>
-              <a:t>Python 3.x</a:t>
+              <a:t>Python 3.5.x</a:t>
             </a:r>
           </a:p>
           <a:p>
@@ -9529,7 +9529,7 @@
           <a:p>
             <a:r>
               <a:rPr lang="en-GB" dirty="0"/>
-              <a:t>Step 1: Installing Python 3.x</a:t>
+              <a:t>Step 1: Installing Python 3.5.x</a:t>
             </a:r>
           </a:p>
         </p:txBody>
@@ -9734,7 +9734,7 @@
               <a:rPr lang="en-GB" sz="1600" dirty="0">
                 <a:latin typeface="Tw Cen MT" panose="020B0602020104020603" pitchFamily="34" charset="0"/>
               </a:rPr>
-              <a:t>Download the latest Python3 release from: </a:t>
+              <a:t>Download the Python3.5.x release from: </a:t>
             </a:r>
             <a:r>
               <a:rPr lang="en-GB" sz="1600" dirty="0">

--- a/LabSession0 - Initial Setup.pptx
+++ b/LabSession0 - Initial Setup.pptx
@@ -247,7 +247,7 @@
           <a:p>
             <a:fld id="{2CC5598C-FF10-4AF1-BC63-A7C8964CD468}" type="datetimeFigureOut">
               <a:rPr lang="en-US" smtClean="0"/>
-              <a:t>3/14/2020</a:t>
+              <a:t>10/7/2020</a:t>
             </a:fld>
             <a:endParaRPr lang="en-US"/>
           </a:p>
@@ -534,7 +534,7 @@
       </p:grpSpPr>
       <p:sp>
         <p:nvSpPr>
-          <p:cNvPr id="2" name="Segnaposto immagine diapositiva 1"/>
+          <p:cNvPr id="2" name="Slide Image Placeholder 1"/>
           <p:cNvSpPr>
             <a:spLocks noGrp="1" noRot="1" noChangeAspect="1"/>
           </p:cNvSpPr>
@@ -546,7 +546,7 @@
       </p:sp>
       <p:sp>
         <p:nvSpPr>
-          <p:cNvPr id="3" name="Segnaposto note 2"/>
+          <p:cNvPr id="3" name="Notes Placeholder 2"/>
           <p:cNvSpPr>
             <a:spLocks noGrp="1"/>
           </p:cNvSpPr>
@@ -565,7 +565,7 @@
       </p:sp>
       <p:sp>
         <p:nvSpPr>
-          <p:cNvPr id="4" name="Segnaposto numero diapositiva 3"/>
+          <p:cNvPr id="4" name="Slide Number Placeholder 3"/>
           <p:cNvSpPr>
             <a:spLocks noGrp="1"/>
           </p:cNvSpPr>
@@ -580,7 +580,7 @@
           <a:p>
             <a:fld id="{579EA76A-0A3F-4C6E-BCAD-3645DACBB6C6}" type="slidenum">
               <a:rPr lang="en-US" smtClean="0"/>
-              <a:t>4</a:t>
+              <a:t>1</a:t>
             </a:fld>
             <a:endParaRPr lang="en-US"/>
           </a:p>
@@ -589,7 +589,7 @@
     </p:spTree>
     <p:extLst>
       <p:ext uri="{BB962C8B-B14F-4D97-AF65-F5344CB8AC3E}">
-        <p14:creationId xmlns:p14="http://schemas.microsoft.com/office/powerpoint/2010/main" val="4196314773"/>
+        <p14:creationId xmlns:p14="http://schemas.microsoft.com/office/powerpoint/2010/main" val="687219484"/>
       </p:ext>
     </p:extLst>
   </p:cSld>
@@ -664,7 +664,7 @@
           <a:p>
             <a:fld id="{579EA76A-0A3F-4C6E-BCAD-3645DACBB6C6}" type="slidenum">
               <a:rPr lang="en-US" smtClean="0"/>
-              <a:t>5</a:t>
+              <a:t>4</a:t>
             </a:fld>
             <a:endParaRPr lang="en-US"/>
           </a:p>
@@ -673,7 +673,7 @@
     </p:spTree>
     <p:extLst>
       <p:ext uri="{BB962C8B-B14F-4D97-AF65-F5344CB8AC3E}">
-        <p14:creationId xmlns:p14="http://schemas.microsoft.com/office/powerpoint/2010/main" val="3693777848"/>
+        <p14:creationId xmlns:p14="http://schemas.microsoft.com/office/powerpoint/2010/main" val="4196314773"/>
       </p:ext>
     </p:extLst>
   </p:cSld>
@@ -748,7 +748,7 @@
           <a:p>
             <a:fld id="{579EA76A-0A3F-4C6E-BCAD-3645DACBB6C6}" type="slidenum">
               <a:rPr lang="en-US" smtClean="0"/>
-              <a:t>6</a:t>
+              <a:t>5</a:t>
             </a:fld>
             <a:endParaRPr lang="en-US"/>
           </a:p>
@@ -757,7 +757,7 @@
     </p:spTree>
     <p:extLst>
       <p:ext uri="{BB962C8B-B14F-4D97-AF65-F5344CB8AC3E}">
-        <p14:creationId xmlns:p14="http://schemas.microsoft.com/office/powerpoint/2010/main" val="571056939"/>
+        <p14:creationId xmlns:p14="http://schemas.microsoft.com/office/powerpoint/2010/main" val="3693777848"/>
       </p:ext>
     </p:extLst>
   </p:cSld>
@@ -786,7 +786,7 @@
       </p:grpSpPr>
       <p:sp>
         <p:nvSpPr>
-          <p:cNvPr id="2" name="Slide Image Placeholder 1"/>
+          <p:cNvPr id="2" name="Segnaposto immagine diapositiva 1"/>
           <p:cNvSpPr>
             <a:spLocks noGrp="1" noRot="1" noChangeAspect="1"/>
           </p:cNvSpPr>
@@ -798,7 +798,7 @@
       </p:sp>
       <p:sp>
         <p:nvSpPr>
-          <p:cNvPr id="3" name="Notes Placeholder 2"/>
+          <p:cNvPr id="3" name="Segnaposto note 2"/>
           <p:cNvSpPr>
             <a:spLocks noGrp="1"/>
           </p:cNvSpPr>
@@ -817,7 +817,7 @@
       </p:sp>
       <p:sp>
         <p:nvSpPr>
-          <p:cNvPr id="4" name="Slide Number Placeholder 3"/>
+          <p:cNvPr id="4" name="Segnaposto numero diapositiva 3"/>
           <p:cNvSpPr>
             <a:spLocks noGrp="1"/>
           </p:cNvSpPr>
@@ -832,7 +832,7 @@
           <a:p>
             <a:fld id="{579EA76A-0A3F-4C6E-BCAD-3645DACBB6C6}" type="slidenum">
               <a:rPr lang="en-US" smtClean="0"/>
-              <a:t>9</a:t>
+              <a:t>6</a:t>
             </a:fld>
             <a:endParaRPr lang="en-US"/>
           </a:p>
@@ -841,7 +841,7 @@
     </p:spTree>
     <p:extLst>
       <p:ext uri="{BB962C8B-B14F-4D97-AF65-F5344CB8AC3E}">
-        <p14:creationId xmlns:p14="http://schemas.microsoft.com/office/powerpoint/2010/main" val="3300223062"/>
+        <p14:creationId xmlns:p14="http://schemas.microsoft.com/office/powerpoint/2010/main" val="571056939"/>
       </p:ext>
     </p:extLst>
   </p:cSld>
@@ -916,7 +916,7 @@
           <a:p>
             <a:fld id="{579EA76A-0A3F-4C6E-BCAD-3645DACBB6C6}" type="slidenum">
               <a:rPr lang="en-US" smtClean="0"/>
-              <a:t>11</a:t>
+              <a:t>9</a:t>
             </a:fld>
             <a:endParaRPr lang="en-US"/>
           </a:p>
@@ -925,7 +925,7 @@
     </p:spTree>
     <p:extLst>
       <p:ext uri="{BB962C8B-B14F-4D97-AF65-F5344CB8AC3E}">
-        <p14:creationId xmlns:p14="http://schemas.microsoft.com/office/powerpoint/2010/main" val="1238318035"/>
+        <p14:creationId xmlns:p14="http://schemas.microsoft.com/office/powerpoint/2010/main" val="3300223062"/>
       </p:ext>
     </p:extLst>
   </p:cSld>
@@ -1000,7 +1000,7 @@
           <a:p>
             <a:fld id="{579EA76A-0A3F-4C6E-BCAD-3645DACBB6C6}" type="slidenum">
               <a:rPr lang="en-US" smtClean="0"/>
-              <a:t>12</a:t>
+              <a:t>11</a:t>
             </a:fld>
             <a:endParaRPr lang="en-US"/>
           </a:p>
@@ -1009,7 +1009,7 @@
     </p:spTree>
     <p:extLst>
       <p:ext uri="{BB962C8B-B14F-4D97-AF65-F5344CB8AC3E}">
-        <p14:creationId xmlns:p14="http://schemas.microsoft.com/office/powerpoint/2010/main" val="2736114230"/>
+        <p14:creationId xmlns:p14="http://schemas.microsoft.com/office/powerpoint/2010/main" val="1238318035"/>
       </p:ext>
     </p:extLst>
   </p:cSld>
@@ -1084,6 +1084,90 @@
           <a:p>
             <a:fld id="{579EA76A-0A3F-4C6E-BCAD-3645DACBB6C6}" type="slidenum">
               <a:rPr lang="en-US" smtClean="0"/>
+              <a:t>12</a:t>
+            </a:fld>
+            <a:endParaRPr lang="en-US"/>
+          </a:p>
+        </p:txBody>
+      </p:sp>
+    </p:spTree>
+    <p:extLst>
+      <p:ext uri="{BB962C8B-B14F-4D97-AF65-F5344CB8AC3E}">
+        <p14:creationId xmlns:p14="http://schemas.microsoft.com/office/powerpoint/2010/main" val="2736114230"/>
+      </p:ext>
+    </p:extLst>
+  </p:cSld>
+  <p:clrMapOvr>
+    <a:masterClrMapping/>
+  </p:clrMapOvr>
+</p:notes>
+</file>
+
+<file path=ppt/notesSlides/notesSlide8.xml><?xml version="1.0" encoding="utf-8"?>
+<p:notes xmlns:a="http://schemas.openxmlformats.org/drawingml/2006/main" xmlns:r="http://schemas.openxmlformats.org/officeDocument/2006/relationships" xmlns:p="http://schemas.openxmlformats.org/presentationml/2006/main">
+  <p:cSld>
+    <p:spTree>
+      <p:nvGrpSpPr>
+        <p:cNvPr id="1" name=""/>
+        <p:cNvGrpSpPr/>
+        <p:nvPr/>
+      </p:nvGrpSpPr>
+      <p:grpSpPr>
+        <a:xfrm>
+          <a:off x="0" y="0"/>
+          <a:ext cx="0" cy="0"/>
+          <a:chOff x="0" y="0"/>
+          <a:chExt cx="0" cy="0"/>
+        </a:xfrm>
+      </p:grpSpPr>
+      <p:sp>
+        <p:nvSpPr>
+          <p:cNvPr id="2" name="Slide Image Placeholder 1"/>
+          <p:cNvSpPr>
+            <a:spLocks noGrp="1" noRot="1" noChangeAspect="1"/>
+          </p:cNvSpPr>
+          <p:nvPr>
+            <p:ph type="sldImg"/>
+          </p:nvPr>
+        </p:nvSpPr>
+        <p:spPr/>
+      </p:sp>
+      <p:sp>
+        <p:nvSpPr>
+          <p:cNvPr id="3" name="Notes Placeholder 2"/>
+          <p:cNvSpPr>
+            <a:spLocks noGrp="1"/>
+          </p:cNvSpPr>
+          <p:nvPr>
+            <p:ph type="body" idx="1"/>
+          </p:nvPr>
+        </p:nvSpPr>
+        <p:spPr/>
+        <p:txBody>
+          <a:bodyPr/>
+          <a:lstStyle/>
+          <a:p>
+            <a:endParaRPr lang="en-GB" dirty="0"/>
+          </a:p>
+        </p:txBody>
+      </p:sp>
+      <p:sp>
+        <p:nvSpPr>
+          <p:cNvPr id="4" name="Slide Number Placeholder 3"/>
+          <p:cNvSpPr>
+            <a:spLocks noGrp="1"/>
+          </p:cNvSpPr>
+          <p:nvPr>
+            <p:ph type="sldNum" sz="quarter" idx="5"/>
+          </p:nvPr>
+        </p:nvSpPr>
+        <p:spPr/>
+        <p:txBody>
+          <a:bodyPr/>
+          <a:lstStyle/>
+          <a:p>
+            <a:fld id="{579EA76A-0A3F-4C6E-BCAD-3645DACBB6C6}" type="slidenum">
+              <a:rPr lang="en-US" smtClean="0"/>
               <a:t>13</a:t>
             </a:fld>
             <a:endParaRPr lang="en-US"/>
@@ -1094,6 +1178,90 @@
     <p:extLst>
       <p:ext uri="{BB962C8B-B14F-4D97-AF65-F5344CB8AC3E}">
         <p14:creationId xmlns:p14="http://schemas.microsoft.com/office/powerpoint/2010/main" val="1091326578"/>
+      </p:ext>
+    </p:extLst>
+  </p:cSld>
+  <p:clrMapOvr>
+    <a:masterClrMapping/>
+  </p:clrMapOvr>
+</p:notes>
+</file>
+
+<file path=ppt/notesSlides/notesSlide9.xml><?xml version="1.0" encoding="utf-8"?>
+<p:notes xmlns:a="http://schemas.openxmlformats.org/drawingml/2006/main" xmlns:r="http://schemas.openxmlformats.org/officeDocument/2006/relationships" xmlns:p="http://schemas.openxmlformats.org/presentationml/2006/main">
+  <p:cSld>
+    <p:spTree>
+      <p:nvGrpSpPr>
+        <p:cNvPr id="1" name=""/>
+        <p:cNvGrpSpPr/>
+        <p:nvPr/>
+      </p:nvGrpSpPr>
+      <p:grpSpPr>
+        <a:xfrm>
+          <a:off x="0" y="0"/>
+          <a:ext cx="0" cy="0"/>
+          <a:chOff x="0" y="0"/>
+          <a:chExt cx="0" cy="0"/>
+        </a:xfrm>
+      </p:grpSpPr>
+      <p:sp>
+        <p:nvSpPr>
+          <p:cNvPr id="2" name="Slide Image Placeholder 1"/>
+          <p:cNvSpPr>
+            <a:spLocks noGrp="1" noRot="1" noChangeAspect="1"/>
+          </p:cNvSpPr>
+          <p:nvPr>
+            <p:ph type="sldImg"/>
+          </p:nvPr>
+        </p:nvSpPr>
+        <p:spPr/>
+      </p:sp>
+      <p:sp>
+        <p:nvSpPr>
+          <p:cNvPr id="3" name="Notes Placeholder 2"/>
+          <p:cNvSpPr>
+            <a:spLocks noGrp="1"/>
+          </p:cNvSpPr>
+          <p:nvPr>
+            <p:ph type="body" idx="1"/>
+          </p:nvPr>
+        </p:nvSpPr>
+        <p:spPr/>
+        <p:txBody>
+          <a:bodyPr/>
+          <a:lstStyle/>
+          <a:p>
+            <a:endParaRPr lang="en-GB" dirty="0"/>
+          </a:p>
+        </p:txBody>
+      </p:sp>
+      <p:sp>
+        <p:nvSpPr>
+          <p:cNvPr id="4" name="Slide Number Placeholder 3"/>
+          <p:cNvSpPr>
+            <a:spLocks noGrp="1"/>
+          </p:cNvSpPr>
+          <p:nvPr>
+            <p:ph type="sldNum" sz="quarter" idx="5"/>
+          </p:nvPr>
+        </p:nvSpPr>
+        <p:spPr/>
+        <p:txBody>
+          <a:bodyPr/>
+          <a:lstStyle/>
+          <a:p>
+            <a:fld id="{579EA76A-0A3F-4C6E-BCAD-3645DACBB6C6}" type="slidenum">
+              <a:rPr lang="en-US" smtClean="0"/>
+              <a:t>15</a:t>
+            </a:fld>
+            <a:endParaRPr lang="en-US"/>
+          </a:p>
+        </p:txBody>
+      </p:sp>
+    </p:spTree>
+    <p:extLst>
+      <p:ext uri="{BB962C8B-B14F-4D97-AF65-F5344CB8AC3E}">
+        <p14:creationId xmlns:p14="http://schemas.microsoft.com/office/powerpoint/2010/main" val="2988362460"/>
       </p:ext>
     </p:extLst>
   </p:cSld>
@@ -7448,14 +7616,26 @@
         </p:nvSpPr>
         <p:spPr>
           <a:xfrm>
-            <a:off x="387350" y="4394200"/>
-            <a:ext cx="8267700" cy="1655762"/>
-          </a:xfrm>
-        </p:spPr>
-        <p:txBody>
-          <a:bodyPr/>
-          <a:lstStyle/>
-          <a:p>
+            <a:off x="387350" y="4656847"/>
+            <a:ext cx="8267700" cy="1267298"/>
+          </a:xfrm>
+        </p:spPr>
+        <p:txBody>
+          <a:bodyPr/>
+          <a:lstStyle/>
+          <a:p>
+            <a:r>
+              <a:rPr lang="en-US" sz="2800" dirty="0">
+                <a:latin typeface="Calibri" pitchFamily="34" charset="0"/>
+              </a:rPr>
+              <a:t>Prof: Luigi di Stefano - </a:t>
+            </a:r>
+            <a:r>
+              <a:rPr lang="en-US" sz="2800" u="sng" dirty="0">
+                <a:latin typeface="Calibri" pitchFamily="34" charset="0"/>
+              </a:rPr>
+              <a:t>luigi.distefano@unibo.it</a:t>
+            </a:r>
             <a:br>
               <a:rPr lang="en-US" sz="2800" dirty="0">
                 <a:latin typeface="Calibri" pitchFamily="34" charset="0"/>
@@ -7465,51 +7645,52 @@
               <a:rPr lang="en-US" sz="2800" dirty="0">
                 <a:latin typeface="Calibri" pitchFamily="34" charset="0"/>
               </a:rPr>
-              <a:t>Prof: Luigi di Stefano - </a:t>
-            </a:r>
-            <a:r>
-              <a:rPr lang="en-US" sz="2800" u="sng" dirty="0">
+              <a:t>T</a:t>
+            </a:r>
+            <a:r>
+              <a:rPr lang="en-US" dirty="0">
                 <a:latin typeface="Calibri" pitchFamily="34" charset="0"/>
               </a:rPr>
-              <a:t>luigi.distefano@unibo.it</a:t>
-            </a:r>
-            <a:br>
+              <a:t>utors: Pierluigi Zama Ramirez - </a:t>
+            </a:r>
+            <a:r>
+              <a:rPr lang="en-US" dirty="0">
+                <a:latin typeface="Calibri" pitchFamily="34" charset="0"/>
+                <a:hlinkClick r:id="rId3"/>
+              </a:rPr>
+              <a:t>p</a:t>
+            </a:r>
+            <a:r>
+              <a:rPr lang="en-US" u="sng" dirty="0">
+                <a:latin typeface="Calibri" pitchFamily="34" charset="0"/>
+                <a:hlinkClick r:id="rId3"/>
+              </a:rPr>
+              <a:t>ierluigi.zama@unibo.it</a:t>
+            </a:r>
+            <a:r>
+              <a:rPr lang="en-US" u="sng" dirty="0">
+                <a:latin typeface="Calibri" pitchFamily="34" charset="0"/>
+              </a:rPr>
+              <a:t>      </a:t>
+            </a:r>
+            <a:r>
               <a:rPr lang="en-US" sz="2800" dirty="0">
                 <a:latin typeface="Calibri" pitchFamily="34" charset="0"/>
               </a:rPr>
-            </a:br>
-            <a:r>
-              <a:rPr lang="en-US" sz="2800" dirty="0">
-                <a:latin typeface="Calibri" pitchFamily="34" charset="0"/>
-              </a:rPr>
-              <a:t>T</a:t>
+              <a:t>     </a:t>
             </a:r>
             <a:r>
               <a:rPr lang="en-US" dirty="0">
                 <a:latin typeface="Calibri" pitchFamily="34" charset="0"/>
               </a:rPr>
-              <a:t>utor: Pierluigi Zama Ramirez - p</a:t>
+              <a:t>Riccardo Spezialetti – </a:t>
             </a:r>
             <a:r>
               <a:rPr lang="en-US" u="sng" dirty="0">
                 <a:latin typeface="Calibri" pitchFamily="34" charset="0"/>
               </a:rPr>
-              <a:t>ierluigi.zama@</a:t>
-            </a:r>
-            <a:r>
-              <a:rPr lang="en-US" u="sng" dirty="0">
-                <a:latin typeface="Calibri" pitchFamily="34" charset="0"/>
-                <a:hlinkClick r:id="rId2">
-                  <a:extLst>
-                    <a:ext uri="{A12FA001-AC4F-418D-AE19-62706E023703}">
-                      <ahyp:hlinkClr xmlns:ahyp="http://schemas.microsoft.com/office/drawing/2018/hyperlinkcolor" val="tx"/>
-                    </a:ext>
-                  </a:extLst>
-                </a:hlinkClick>
-              </a:rPr>
-              <a:t>unibo.it</a:t>
-            </a:r>
-            <a:endParaRPr lang="en-GB" dirty="0"/>
+              <a:t>riccardo.spezialetti@unibo.it</a:t>
+            </a:r>
           </a:p>
         </p:txBody>
       </p:sp>
@@ -7713,7 +7894,7 @@
         <p:spPr>
           <a:xfrm>
             <a:off x="459944" y="1724326"/>
-            <a:ext cx="8224109" cy="2031325"/>
+            <a:ext cx="8224109" cy="1754326"/>
           </a:xfrm>
           <a:prstGeom prst="rect">
             <a:avLst/>
@@ -7798,9 +7979,6 @@
               <a:rPr lang="en-GB" dirty="0"/>
               <a:t>)</a:t>
             </a:r>
-          </a:p>
-          <a:p>
-            <a:endParaRPr lang="en-GB" dirty="0"/>
           </a:p>
         </p:txBody>
       </p:sp>
@@ -9029,7 +9207,7 @@
                 <a:solidFill>
                   <a:srgbClr val="0070C0"/>
                 </a:solidFill>
-                <a:hlinkClick r:id="rId2"/>
+                <a:hlinkClick r:id="rId3"/>
               </a:rPr>
               <a:t>https://docs.python.org/3/c-api/index.html</a:t>
             </a:r>
@@ -9043,35 +9221,6 @@
             <a:r>
               <a:rPr lang="en-GB" dirty="0"/>
               <a:t>Jupyter documentation:</a:t>
-            </a:r>
-          </a:p>
-          <a:p>
-            <a:pPr marL="0" indent="0" algn="ctr">
-              <a:buNone/>
-            </a:pPr>
-            <a:r>
-              <a:rPr lang="en-GB" u="sng" dirty="0">
-                <a:solidFill>
-                  <a:srgbClr val="0070C0"/>
-                </a:solidFill>
-                <a:hlinkClick r:id="rId3"/>
-              </a:rPr>
-              <a:t>https://jupyter.readthedocs.io/en/latest/</a:t>
-            </a:r>
-            <a:endParaRPr lang="en-GB" u="sng" dirty="0">
-              <a:solidFill>
-                <a:srgbClr val="0070C0"/>
-              </a:solidFill>
-            </a:endParaRPr>
-          </a:p>
-          <a:p>
-            <a:r>
-              <a:rPr lang="en-GB" dirty="0" err="1"/>
-              <a:t>Numpy</a:t>
-            </a:r>
-            <a:r>
-              <a:rPr lang="en-GB" dirty="0"/>
-              <a:t> documentation:</a:t>
             </a:r>
           </a:p>
           <a:p>
@@ -9085,7 +9234,7 @@
                 </a:solidFill>
                 <a:hlinkClick r:id="rId4"/>
               </a:rPr>
-              <a:t>https://docs.scipy.org/doc/numpy/reference/index.html</a:t>
+              <a:t>https://jupyter.readthedocs.io/en/latest/</a:t>
             </a:r>
             <a:endParaRPr lang="en-GB" u="sng" dirty="0">
               <a:solidFill>
@@ -9095,8 +9244,12 @@
           </a:p>
           <a:p>
             <a:r>
+              <a:rPr lang="en-GB" dirty="0" err="1"/>
+              <a:t>Numpy</a:t>
+            </a:r>
+            <a:r>
               <a:rPr lang="en-GB" dirty="0"/>
-              <a:t>Matplotlib documentation:</a:t>
+              <a:t> documentation:</a:t>
             </a:r>
           </a:p>
           <a:p>
@@ -9110,7 +9263,7 @@
                 </a:solidFill>
                 <a:hlinkClick r:id="rId5"/>
               </a:rPr>
-              <a:t>https://matplotlib.org/3.1.1/api/index.html</a:t>
+              <a:t>https://docs.scipy.org/doc/numpy/reference/index.html</a:t>
             </a:r>
             <a:endParaRPr lang="en-GB" u="sng" dirty="0">
               <a:solidFill>
@@ -9121,6 +9274,31 @@
           <a:p>
             <a:r>
               <a:rPr lang="en-GB" dirty="0"/>
+              <a:t>Matplotlib documentation:</a:t>
+            </a:r>
+          </a:p>
+          <a:p>
+            <a:pPr marL="0" indent="0" algn="ctr">
+              <a:buNone/>
+            </a:pPr>
+            <a:r>
+              <a:rPr lang="en-GB" u="sng" dirty="0">
+                <a:solidFill>
+                  <a:srgbClr val="0070C0"/>
+                </a:solidFill>
+                <a:hlinkClick r:id="rId6"/>
+              </a:rPr>
+              <a:t>https://matplotlib.org/3.1.1/api/index.html</a:t>
+            </a:r>
+            <a:endParaRPr lang="en-GB" u="sng" dirty="0">
+              <a:solidFill>
+                <a:srgbClr val="0070C0"/>
+              </a:solidFill>
+            </a:endParaRPr>
+          </a:p>
+          <a:p>
+            <a:r>
+              <a:rPr lang="en-GB" dirty="0"/>
               <a:t>OpenCV documentation:</a:t>
             </a:r>
           </a:p>
@@ -9133,7 +9311,7 @@
                 <a:solidFill>
                   <a:schemeClr val="accent5"/>
                 </a:solidFill>
-                <a:hlinkClick r:id="rId6"/>
+                <a:hlinkClick r:id="rId7"/>
               </a:rPr>
               <a:t>https://docs.opencv.org/trunk/d6/d00/tutorial_py_root.html</a:t>
             </a:r>
@@ -9142,35 +9320,6 @@
                 <a:schemeClr val="accent5"/>
               </a:solidFill>
             </a:endParaRPr>
-          </a:p>
-        </p:txBody>
-      </p:sp>
-      <p:sp>
-        <p:nvSpPr>
-          <p:cNvPr id="4" name="Date Placeholder 3">
-            <a:extLst>
-              <a:ext uri="{FF2B5EF4-FFF2-40B4-BE49-F238E27FC236}">
-                <a16:creationId xmlns:a16="http://schemas.microsoft.com/office/drawing/2014/main" id="{071C9865-5481-49D2-ABC6-F1F2A902679B}"/>
-              </a:ext>
-            </a:extLst>
-          </p:cNvPr>
-          <p:cNvSpPr>
-            <a:spLocks noGrp="1"/>
-          </p:cNvSpPr>
-          <p:nvPr>
-            <p:ph type="dt" sz="half" idx="10"/>
-          </p:nvPr>
-        </p:nvSpPr>
-        <p:spPr/>
-        <p:txBody>
-          <a:bodyPr/>
-          <a:lstStyle/>
-          <a:p>
-            <a:r>
-              <a:rPr lang="en-US"/>
-              <a:t>TensorFlow 101 - Alessio Tonioni</a:t>
-            </a:r>
-            <a:endParaRPr lang="en-US" dirty="0"/>
           </a:p>
         </p:txBody>
       </p:sp>
@@ -9200,6 +9349,39 @@
               <a:t>15</a:t>
             </a:fld>
             <a:endParaRPr lang="en-US"/>
+          </a:p>
+        </p:txBody>
+      </p:sp>
+      <p:sp>
+        <p:nvSpPr>
+          <p:cNvPr id="6" name="Segnaposto data 3">
+            <a:extLst>
+              <a:ext uri="{FF2B5EF4-FFF2-40B4-BE49-F238E27FC236}">
+                <a16:creationId xmlns:a16="http://schemas.microsoft.com/office/drawing/2014/main" id="{0CDA1314-9B9B-4D1A-8639-B90C43BD1F6E}"/>
+              </a:ext>
+            </a:extLst>
+          </p:cNvPr>
+          <p:cNvSpPr>
+            <a:spLocks noGrp="1"/>
+          </p:cNvSpPr>
+          <p:nvPr>
+            <p:ph type="dt" sz="half" idx="10"/>
+          </p:nvPr>
+        </p:nvSpPr>
+        <p:spPr>
+          <a:xfrm>
+            <a:off x="411163" y="6361113"/>
+            <a:ext cx="2876786" cy="365125"/>
+          </a:xfrm>
+        </p:spPr>
+        <p:txBody>
+          <a:bodyPr/>
+          <a:lstStyle/>
+          <a:p>
+            <a:r>
+              <a:rPr lang="en-US" dirty="0"/>
+              <a:t>Initial Setup – Pierluigi Zama Ramirez</a:t>
+            </a:r>
           </a:p>
         </p:txBody>
       </p:sp>
@@ -9672,7 +9854,7 @@
         </p:blipFill>
         <p:spPr bwMode="auto">
           <a:xfrm>
-            <a:off x="1290167" y="4381500"/>
+            <a:off x="1290167" y="3877923"/>
             <a:ext cx="2990905" cy="1841395"/>
           </a:xfrm>
           <a:prstGeom prst="rect">
@@ -9704,7 +9886,7 @@
         </p:nvSpPr>
         <p:spPr>
           <a:xfrm>
-            <a:off x="387178" y="3149807"/>
+            <a:off x="387178" y="2751891"/>
             <a:ext cx="4826172" cy="1354217"/>
           </a:xfrm>
           <a:prstGeom prst="rect">
@@ -9811,8 +9993,8 @@
         </p:nvSpPr>
         <p:spPr>
           <a:xfrm>
-            <a:off x="4862929" y="3149807"/>
-            <a:ext cx="3893893" cy="1600438"/>
+            <a:off x="4862929" y="2746913"/>
+            <a:ext cx="3893893" cy="1323439"/>
           </a:xfrm>
           <a:prstGeom prst="rect">
             <a:avLst/>
@@ -9864,8 +10046,49 @@
               <a:t> apt-get install –upgrade python3 </a:t>
             </a:r>
           </a:p>
-          <a:p>
-            <a:endParaRPr lang="en-GB" dirty="0"/>
+        </p:txBody>
+      </p:sp>
+      <p:sp>
+        <p:nvSpPr>
+          <p:cNvPr id="6" name="CasellaDiTesto 7">
+            <a:extLst>
+              <a:ext uri="{FF2B5EF4-FFF2-40B4-BE49-F238E27FC236}">
+                <a16:creationId xmlns:a16="http://schemas.microsoft.com/office/drawing/2014/main" id="{573BC25A-D967-471F-9EEC-E8364891740F}"/>
+              </a:ext>
+            </a:extLst>
+          </p:cNvPr>
+          <p:cNvSpPr txBox="1"/>
+          <p:nvPr/>
+        </p:nvSpPr>
+        <p:spPr>
+          <a:xfrm>
+            <a:off x="387178" y="5824979"/>
+            <a:ext cx="8292142" cy="584775"/>
+          </a:xfrm>
+          <a:prstGeom prst="rect">
+            <a:avLst/>
+          </a:prstGeom>
+          <a:noFill/>
+        </p:spPr>
+        <p:txBody>
+          <a:bodyPr wrap="square" rtlCol="0">
+            <a:spAutoFit/>
+          </a:bodyPr>
+          <a:lstStyle/>
+          <a:p>
+            <a:pPr algn="ctr"/>
+            <a:r>
+              <a:rPr lang="en-GB" sz="1600" b="1" i="1" dirty="0">
+                <a:latin typeface="Tw Cen MT" panose="020B0602020104020603" pitchFamily="34" charset="0"/>
+              </a:rPr>
+              <a:t>IMPORTANT: </a:t>
+            </a:r>
+            <a:r>
+              <a:rPr lang="en-GB" sz="1600" i="1" dirty="0">
+                <a:latin typeface="Tw Cen MT" panose="020B0602020104020603" pitchFamily="34" charset="0"/>
+              </a:rPr>
+              <a:t>After python 3.7.x, OpenCV is only available on Pip in version &gt; 3.4.8.x. Thus, you need to install previous version of python (&lt;= 3.7.x) to run the notebooks.</a:t>
+            </a:r>
           </a:p>
         </p:txBody>
       </p:sp>
@@ -10967,7 +11190,7 @@
             </a:pPr>
             <a:r>
               <a:rPr lang="en-GB" b="1" dirty="0"/>
-              <a:t>Install</a:t>
+              <a:t>Installing</a:t>
             </a:r>
             <a:r>
               <a:rPr lang="en-GB" dirty="0"/>

--- a/LabSession0 - Initial Setup.pptx
+++ b/LabSession0 - Initial Setup.pptx
@@ -6,24 +6,23 @@
     <p:sldMasterId id="2147483672" r:id="rId2"/>
   </p:sldMasterIdLst>
   <p:notesMasterIdLst>
-    <p:notesMasterId r:id="rId18"/>
+    <p:notesMasterId r:id="rId17"/>
   </p:notesMasterIdLst>
   <p:sldIdLst>
     <p:sldId id="256" r:id="rId3"/>
     <p:sldId id="312" r:id="rId4"/>
     <p:sldId id="302" r:id="rId5"/>
     <p:sldId id="303" r:id="rId6"/>
-    <p:sldId id="304" r:id="rId7"/>
-    <p:sldId id="305" r:id="rId8"/>
-    <p:sldId id="306" r:id="rId9"/>
-    <p:sldId id="314" r:id="rId10"/>
-    <p:sldId id="307" r:id="rId11"/>
-    <p:sldId id="317" r:id="rId12"/>
-    <p:sldId id="315" r:id="rId13"/>
-    <p:sldId id="310" r:id="rId14"/>
-    <p:sldId id="309" r:id="rId15"/>
-    <p:sldId id="308" r:id="rId16"/>
-    <p:sldId id="311" r:id="rId17"/>
+    <p:sldId id="305" r:id="rId7"/>
+    <p:sldId id="306" r:id="rId8"/>
+    <p:sldId id="314" r:id="rId9"/>
+    <p:sldId id="307" r:id="rId10"/>
+    <p:sldId id="317" r:id="rId11"/>
+    <p:sldId id="315" r:id="rId12"/>
+    <p:sldId id="310" r:id="rId13"/>
+    <p:sldId id="309" r:id="rId14"/>
+    <p:sldId id="308" r:id="rId15"/>
+    <p:sldId id="311" r:id="rId16"/>
   </p:sldIdLst>
   <p:sldSz cx="9144000" cy="6858000" type="screen4x3"/>
   <p:notesSz cx="6858000" cy="9144000"/>
@@ -131,7 +130,6 @@
             <p14:sldId id="312"/>
             <p14:sldId id="302"/>
             <p14:sldId id="303"/>
-            <p14:sldId id="304"/>
             <p14:sldId id="305"/>
             <p14:sldId id="306"/>
             <p14:sldId id="314"/>
@@ -247,7 +245,7 @@
           <a:p>
             <a:fld id="{2CC5598C-FF10-4AF1-BC63-A7C8964CD468}" type="datetimeFigureOut">
               <a:rPr lang="en-US" smtClean="0"/>
-              <a:t>10/7/2020</a:t>
+              <a:t>9/26/2022</a:t>
             </a:fld>
             <a:endParaRPr lang="en-US"/>
           </a:p>
@@ -406,7 +404,7 @@
           <a:p>
             <a:fld id="{579EA76A-0A3F-4C6E-BCAD-3645DACBB6C6}" type="slidenum">
               <a:rPr lang="en-US" smtClean="0"/>
-              <a:t>‹#›</a:t>
+              <a:t>‹N›</a:t>
             </a:fld>
             <a:endParaRPr lang="en-US"/>
           </a:p>
@@ -757,7 +755,7 @@
     </p:spTree>
     <p:extLst>
       <p:ext uri="{BB962C8B-B14F-4D97-AF65-F5344CB8AC3E}">
-        <p14:creationId xmlns:p14="http://schemas.microsoft.com/office/powerpoint/2010/main" val="3693777848"/>
+        <p14:creationId xmlns:p14="http://schemas.microsoft.com/office/powerpoint/2010/main" val="571056939"/>
       </p:ext>
     </p:extLst>
   </p:cSld>
@@ -786,7 +784,7 @@
       </p:grpSpPr>
       <p:sp>
         <p:nvSpPr>
-          <p:cNvPr id="2" name="Segnaposto immagine diapositiva 1"/>
+          <p:cNvPr id="2" name="Slide Image Placeholder 1"/>
           <p:cNvSpPr>
             <a:spLocks noGrp="1" noRot="1" noChangeAspect="1"/>
           </p:cNvSpPr>
@@ -798,7 +796,7 @@
       </p:sp>
       <p:sp>
         <p:nvSpPr>
-          <p:cNvPr id="3" name="Segnaposto note 2"/>
+          <p:cNvPr id="3" name="Notes Placeholder 2"/>
           <p:cNvSpPr>
             <a:spLocks noGrp="1"/>
           </p:cNvSpPr>
@@ -817,7 +815,7 @@
       </p:sp>
       <p:sp>
         <p:nvSpPr>
-          <p:cNvPr id="4" name="Segnaposto numero diapositiva 3"/>
+          <p:cNvPr id="4" name="Slide Number Placeholder 3"/>
           <p:cNvSpPr>
             <a:spLocks noGrp="1"/>
           </p:cNvSpPr>
@@ -832,7 +830,7 @@
           <a:p>
             <a:fld id="{579EA76A-0A3F-4C6E-BCAD-3645DACBB6C6}" type="slidenum">
               <a:rPr lang="en-US" smtClean="0"/>
-              <a:t>6</a:t>
+              <a:t>8</a:t>
             </a:fld>
             <a:endParaRPr lang="en-US"/>
           </a:p>
@@ -841,7 +839,7 @@
     </p:spTree>
     <p:extLst>
       <p:ext uri="{BB962C8B-B14F-4D97-AF65-F5344CB8AC3E}">
-        <p14:creationId xmlns:p14="http://schemas.microsoft.com/office/powerpoint/2010/main" val="571056939"/>
+        <p14:creationId xmlns:p14="http://schemas.microsoft.com/office/powerpoint/2010/main" val="3300223062"/>
       </p:ext>
     </p:extLst>
   </p:cSld>
@@ -916,7 +914,7 @@
           <a:p>
             <a:fld id="{579EA76A-0A3F-4C6E-BCAD-3645DACBB6C6}" type="slidenum">
               <a:rPr lang="en-US" smtClean="0"/>
-              <a:t>9</a:t>
+              <a:t>10</a:t>
             </a:fld>
             <a:endParaRPr lang="en-US"/>
           </a:p>
@@ -925,7 +923,7 @@
     </p:spTree>
     <p:extLst>
       <p:ext uri="{BB962C8B-B14F-4D97-AF65-F5344CB8AC3E}">
-        <p14:creationId xmlns:p14="http://schemas.microsoft.com/office/powerpoint/2010/main" val="3300223062"/>
+        <p14:creationId xmlns:p14="http://schemas.microsoft.com/office/powerpoint/2010/main" val="1238318035"/>
       </p:ext>
     </p:extLst>
   </p:cSld>
@@ -1009,7 +1007,7 @@
     </p:spTree>
     <p:extLst>
       <p:ext uri="{BB962C8B-B14F-4D97-AF65-F5344CB8AC3E}">
-        <p14:creationId xmlns:p14="http://schemas.microsoft.com/office/powerpoint/2010/main" val="1238318035"/>
+        <p14:creationId xmlns:p14="http://schemas.microsoft.com/office/powerpoint/2010/main" val="2736114230"/>
       </p:ext>
     </p:extLst>
   </p:cSld>
@@ -1093,7 +1091,7 @@
     </p:spTree>
     <p:extLst>
       <p:ext uri="{BB962C8B-B14F-4D97-AF65-F5344CB8AC3E}">
-        <p14:creationId xmlns:p14="http://schemas.microsoft.com/office/powerpoint/2010/main" val="2736114230"/>
+        <p14:creationId xmlns:p14="http://schemas.microsoft.com/office/powerpoint/2010/main" val="1091326578"/>
       </p:ext>
     </p:extLst>
   </p:cSld>
@@ -1168,91 +1166,7 @@
           <a:p>
             <a:fld id="{579EA76A-0A3F-4C6E-BCAD-3645DACBB6C6}" type="slidenum">
               <a:rPr lang="en-US" smtClean="0"/>
-              <a:t>13</a:t>
-            </a:fld>
-            <a:endParaRPr lang="en-US"/>
-          </a:p>
-        </p:txBody>
-      </p:sp>
-    </p:spTree>
-    <p:extLst>
-      <p:ext uri="{BB962C8B-B14F-4D97-AF65-F5344CB8AC3E}">
-        <p14:creationId xmlns:p14="http://schemas.microsoft.com/office/powerpoint/2010/main" val="1091326578"/>
-      </p:ext>
-    </p:extLst>
-  </p:cSld>
-  <p:clrMapOvr>
-    <a:masterClrMapping/>
-  </p:clrMapOvr>
-</p:notes>
-</file>
-
-<file path=ppt/notesSlides/notesSlide9.xml><?xml version="1.0" encoding="utf-8"?>
-<p:notes xmlns:a="http://schemas.openxmlformats.org/drawingml/2006/main" xmlns:r="http://schemas.openxmlformats.org/officeDocument/2006/relationships" xmlns:p="http://schemas.openxmlformats.org/presentationml/2006/main">
-  <p:cSld>
-    <p:spTree>
-      <p:nvGrpSpPr>
-        <p:cNvPr id="1" name=""/>
-        <p:cNvGrpSpPr/>
-        <p:nvPr/>
-      </p:nvGrpSpPr>
-      <p:grpSpPr>
-        <a:xfrm>
-          <a:off x="0" y="0"/>
-          <a:ext cx="0" cy="0"/>
-          <a:chOff x="0" y="0"/>
-          <a:chExt cx="0" cy="0"/>
-        </a:xfrm>
-      </p:grpSpPr>
-      <p:sp>
-        <p:nvSpPr>
-          <p:cNvPr id="2" name="Slide Image Placeholder 1"/>
-          <p:cNvSpPr>
-            <a:spLocks noGrp="1" noRot="1" noChangeAspect="1"/>
-          </p:cNvSpPr>
-          <p:nvPr>
-            <p:ph type="sldImg"/>
-          </p:nvPr>
-        </p:nvSpPr>
-        <p:spPr/>
-      </p:sp>
-      <p:sp>
-        <p:nvSpPr>
-          <p:cNvPr id="3" name="Notes Placeholder 2"/>
-          <p:cNvSpPr>
-            <a:spLocks noGrp="1"/>
-          </p:cNvSpPr>
-          <p:nvPr>
-            <p:ph type="body" idx="1"/>
-          </p:nvPr>
-        </p:nvSpPr>
-        <p:spPr/>
-        <p:txBody>
-          <a:bodyPr/>
-          <a:lstStyle/>
-          <a:p>
-            <a:endParaRPr lang="en-GB" dirty="0"/>
-          </a:p>
-        </p:txBody>
-      </p:sp>
-      <p:sp>
-        <p:nvSpPr>
-          <p:cNvPr id="4" name="Slide Number Placeholder 3"/>
-          <p:cNvSpPr>
-            <a:spLocks noGrp="1"/>
-          </p:cNvSpPr>
-          <p:nvPr>
-            <p:ph type="sldNum" sz="quarter" idx="5"/>
-          </p:nvPr>
-        </p:nvSpPr>
-        <p:spPr/>
-        <p:txBody>
-          <a:bodyPr/>
-          <a:lstStyle/>
-          <a:p>
-            <a:fld id="{579EA76A-0A3F-4C6E-BCAD-3645DACBB6C6}" type="slidenum">
-              <a:rPr lang="en-US" smtClean="0"/>
-              <a:t>15</a:t>
+              <a:t>14</a:t>
             </a:fld>
             <a:endParaRPr lang="en-US"/>
           </a:p>
@@ -1451,7 +1365,7 @@
           <a:p>
             <a:fld id="{21D15A9C-11B4-4C77-BDEA-04E3D7D1DFC0}" type="slidenum">
               <a:rPr lang="en-US" smtClean="0"/>
-              <a:t>‹#›</a:t>
+              <a:t>‹N›</a:t>
             </a:fld>
             <a:endParaRPr lang="en-US"/>
           </a:p>
@@ -1628,7 +1542,7 @@
           <a:p>
             <a:fld id="{21D15A9C-11B4-4C77-BDEA-04E3D7D1DFC0}" type="slidenum">
               <a:rPr lang="en-US" smtClean="0"/>
-              <a:t>‹#›</a:t>
+              <a:t>‹N›</a:t>
             </a:fld>
             <a:endParaRPr lang="en-US"/>
           </a:p>
@@ -1815,7 +1729,7 @@
           <a:p>
             <a:fld id="{21D15A9C-11B4-4C77-BDEA-04E3D7D1DFC0}" type="slidenum">
               <a:rPr lang="en-US" smtClean="0"/>
-              <a:t>‹#›</a:t>
+              <a:t>‹N›</a:t>
             </a:fld>
             <a:endParaRPr lang="en-US"/>
           </a:p>
@@ -2213,7 +2127,7 @@
           <a:p>
             <a:fld id="{B6BBDCE0-C0AA-484E-A956-04C10F83074F}" type="slidenum">
               <a:rPr lang="en-US" smtClean="0"/>
-              <a:t>‹#›</a:t>
+              <a:t>‹N›</a:t>
             </a:fld>
             <a:endParaRPr lang="en-US"/>
           </a:p>
@@ -2488,7 +2402,7 @@
           <a:p>
             <a:fld id="{B6BBDCE0-C0AA-484E-A956-04C10F83074F}" type="slidenum">
               <a:rPr lang="en-US" smtClean="0"/>
-              <a:t>‹#›</a:t>
+              <a:t>‹N›</a:t>
             </a:fld>
             <a:endParaRPr lang="en-US"/>
           </a:p>
@@ -2757,7 +2671,7 @@
           <a:p>
             <a:fld id="{B6BBDCE0-C0AA-484E-A956-04C10F83074F}" type="slidenum">
               <a:rPr lang="en-US" smtClean="0"/>
-              <a:t>‹#›</a:t>
+              <a:t>‹N›</a:t>
             </a:fld>
             <a:endParaRPr lang="en-US"/>
           </a:p>
@@ -3162,7 +3076,7 @@
           <a:p>
             <a:fld id="{B6BBDCE0-C0AA-484E-A956-04C10F83074F}" type="slidenum">
               <a:rPr lang="en-US" smtClean="0"/>
-              <a:t>‹#›</a:t>
+              <a:t>‹N›</a:t>
             </a:fld>
             <a:endParaRPr lang="en-US"/>
           </a:p>
@@ -3311,7 +3225,7 @@
           <a:p>
             <a:fld id="{B6BBDCE0-C0AA-484E-A956-04C10F83074F}" type="slidenum">
               <a:rPr lang="en-US" smtClean="0"/>
-              <a:t>‹#›</a:t>
+              <a:t>‹N›</a:t>
             </a:fld>
             <a:endParaRPr lang="en-US"/>
           </a:p>
@@ -3429,7 +3343,7 @@
           <a:p>
             <a:fld id="{B6BBDCE0-C0AA-484E-A956-04C10F83074F}" type="slidenum">
               <a:rPr lang="en-US" smtClean="0"/>
-              <a:t>‹#›</a:t>
+              <a:t>‹N›</a:t>
             </a:fld>
             <a:endParaRPr lang="en-US"/>
           </a:p>
@@ -3738,7 +3652,7 @@
           <a:p>
             <a:fld id="{B6BBDCE0-C0AA-484E-A956-04C10F83074F}" type="slidenum">
               <a:rPr lang="en-US" smtClean="0"/>
-              <a:t>‹#›</a:t>
+              <a:t>‹N›</a:t>
             </a:fld>
             <a:endParaRPr lang="en-US"/>
           </a:p>
@@ -3893,7 +3807,7 @@
           <a:p>
             <a:fld id="{21D15A9C-11B4-4C77-BDEA-04E3D7D1DFC0}" type="slidenum">
               <a:rPr lang="en-US" smtClean="0"/>
-              <a:t>‹#›</a:t>
+              <a:t>‹N›</a:t>
             </a:fld>
             <a:endParaRPr lang="en-US"/>
           </a:p>
@@ -4178,7 +4092,7 @@
           <a:p>
             <a:fld id="{B6BBDCE0-C0AA-484E-A956-04C10F83074F}" type="slidenum">
               <a:rPr lang="en-US" smtClean="0"/>
-              <a:t>‹#›</a:t>
+              <a:t>‹N›</a:t>
             </a:fld>
             <a:endParaRPr lang="en-US"/>
           </a:p>
@@ -4387,7 +4301,7 @@
           <a:p>
             <a:fld id="{B6BBDCE0-C0AA-484E-A956-04C10F83074F}" type="slidenum">
               <a:rPr lang="en-US" smtClean="0"/>
-              <a:t>‹#›</a:t>
+              <a:t>‹N›</a:t>
             </a:fld>
             <a:endParaRPr lang="en-US"/>
           </a:p>
@@ -4596,7 +4510,7 @@
           <a:p>
             <a:fld id="{B6BBDCE0-C0AA-484E-A956-04C10F83074F}" type="slidenum">
               <a:rPr lang="en-US" smtClean="0"/>
-              <a:t>‹#›</a:t>
+              <a:t>‹N›</a:t>
             </a:fld>
             <a:endParaRPr lang="en-US"/>
           </a:p>
@@ -4847,7 +4761,7 @@
           <a:p>
             <a:fld id="{21D15A9C-11B4-4C77-BDEA-04E3D7D1DFC0}" type="slidenum">
               <a:rPr lang="en-US" smtClean="0"/>
-              <a:t>‹#›</a:t>
+              <a:t>‹N›</a:t>
             </a:fld>
             <a:endParaRPr lang="en-US"/>
           </a:p>
@@ -5176,7 +5090,7 @@
           <a:p>
             <a:fld id="{21D15A9C-11B4-4C77-BDEA-04E3D7D1DFC0}" type="slidenum">
               <a:rPr lang="en-US" smtClean="0"/>
-              <a:t>‹#›</a:t>
+              <a:t>‹N›</a:t>
             </a:fld>
             <a:endParaRPr lang="en-US"/>
           </a:p>
@@ -5611,7 +5525,7 @@
           <a:p>
             <a:fld id="{21D15A9C-11B4-4C77-BDEA-04E3D7D1DFC0}" type="slidenum">
               <a:rPr lang="en-US" smtClean="0"/>
-              <a:t>‹#›</a:t>
+              <a:t>‹N›</a:t>
             </a:fld>
             <a:endParaRPr lang="en-US"/>
           </a:p>
@@ -5736,7 +5650,7 @@
           <a:p>
             <a:fld id="{21D15A9C-11B4-4C77-BDEA-04E3D7D1DFC0}" type="slidenum">
               <a:rPr lang="en-US" smtClean="0"/>
-              <a:t>‹#›</a:t>
+              <a:t>‹N›</a:t>
             </a:fld>
             <a:endParaRPr lang="en-US"/>
           </a:p>
@@ -5838,7 +5752,7 @@
           <a:p>
             <a:fld id="{21D15A9C-11B4-4C77-BDEA-04E3D7D1DFC0}" type="slidenum">
               <a:rPr lang="en-US" smtClean="0"/>
-              <a:t>‹#›</a:t>
+              <a:t>‹N›</a:t>
             </a:fld>
             <a:endParaRPr lang="en-US"/>
           </a:p>
@@ -6122,7 +6036,7 @@
           <a:p>
             <a:fld id="{21D15A9C-11B4-4C77-BDEA-04E3D7D1DFC0}" type="slidenum">
               <a:rPr lang="en-US" smtClean="0"/>
-              <a:t>‹#›</a:t>
+              <a:t>‹N›</a:t>
             </a:fld>
             <a:endParaRPr lang="en-US"/>
           </a:p>
@@ -6386,7 +6300,7 @@
           <a:p>
             <a:fld id="{21D15A9C-11B4-4C77-BDEA-04E3D7D1DFC0}" type="slidenum">
               <a:rPr lang="en-US" smtClean="0"/>
-              <a:t>‹#›</a:t>
+              <a:t>‹N›</a:t>
             </a:fld>
             <a:endParaRPr lang="en-US"/>
           </a:p>
@@ -6599,7 +6513,7 @@
             <a:fld id="{21D15A9C-11B4-4C77-BDEA-04E3D7D1DFC0}" type="slidenum">
               <a:rPr lang="en-US" smtClean="0"/>
               <a:pPr/>
-              <a:t>‹#›</a:t>
+              <a:t>‹N›</a:t>
             </a:fld>
             <a:endParaRPr lang="en-US" dirty="0"/>
           </a:p>
@@ -7651,45 +7565,13 @@
               <a:rPr lang="en-US" dirty="0">
                 <a:latin typeface="Calibri" pitchFamily="34" charset="0"/>
               </a:rPr>
-              <a:t>utors: Pierluigi Zama Ramirez - </a:t>
-            </a:r>
-            <a:r>
-              <a:rPr lang="en-US" dirty="0">
-                <a:latin typeface="Calibri" pitchFamily="34" charset="0"/>
-                <a:hlinkClick r:id="rId3"/>
-              </a:rPr>
-              <a:t>p</a:t>
-            </a:r>
-            <a:r>
-              <a:rPr lang="en-US" u="sng" dirty="0">
-                <a:latin typeface="Calibri" pitchFamily="34" charset="0"/>
-                <a:hlinkClick r:id="rId3"/>
-              </a:rPr>
-              <a:t>ierluigi.zama@unibo.it</a:t>
+              <a:t>utors: Pierluigi Zama Ramirez - p</a:t>
             </a:r>
             <a:r>
               <a:rPr lang="en-US" u="sng" dirty="0">
                 <a:latin typeface="Calibri" pitchFamily="34" charset="0"/>
               </a:rPr>
-              <a:t>      </a:t>
-            </a:r>
-            <a:r>
-              <a:rPr lang="en-US" sz="2800" dirty="0">
-                <a:latin typeface="Calibri" pitchFamily="34" charset="0"/>
-              </a:rPr>
-              <a:t>     </a:t>
-            </a:r>
-            <a:r>
-              <a:rPr lang="en-US" dirty="0">
-                <a:latin typeface="Calibri" pitchFamily="34" charset="0"/>
-              </a:rPr>
-              <a:t>Riccardo Spezialetti – </a:t>
-            </a:r>
-            <a:r>
-              <a:rPr lang="en-US" u="sng" dirty="0">
-                <a:latin typeface="Calibri" pitchFamily="34" charset="0"/>
-              </a:rPr>
-              <a:t>riccardo.spezialetti@unibo.it</a:t>
+              <a:t>ierluigi.zama@unibo.it</a:t>
             </a:r>
           </a:p>
         </p:txBody>
@@ -7763,15 +7645,158 @@
           <a:chExt cx="0" cy="0"/>
         </a:xfrm>
       </p:grpSpPr>
-      <p:sp>
-        <p:nvSpPr>
-          <p:cNvPr id="2" name="Title 1">
+      <p:pic>
+        <p:nvPicPr>
+          <p:cNvPr id="16" name="Content Placeholder 15" descr="A screenshot of a computer screen&#10;&#10;Description automatically generated">
             <a:extLst>
               <a:ext uri="{FF2B5EF4-FFF2-40B4-BE49-F238E27FC236}">
-                <a16:creationId xmlns:a16="http://schemas.microsoft.com/office/drawing/2014/main" id="{9684FB9A-E9C6-411C-A1CD-8267E2FAE1B4}"/>
+                <a16:creationId xmlns:a16="http://schemas.microsoft.com/office/drawing/2014/main" id="{53A94E6D-7223-4FD3-810B-21B05FCFC2A3}"/>
               </a:ext>
             </a:extLst>
           </p:cNvPr>
+          <p:cNvPicPr>
+            <a:picLocks noGrp="1" noChangeAspect="1"/>
+          </p:cNvPicPr>
+          <p:nvPr>
+            <p:ph idx="1"/>
+          </p:nvPr>
+        </p:nvPicPr>
+        <p:blipFill>
+          <a:blip r:embed="rId3">
+            <a:extLst>
+              <a:ext uri="{28A0092B-C50C-407E-A947-70E740481C1C}">
+                <a14:useLocalDpi xmlns:a14="http://schemas.microsoft.com/office/drawing/2010/main" val="0"/>
+              </a:ext>
+            </a:extLst>
+          </a:blip>
+          <a:stretch>
+            <a:fillRect/>
+          </a:stretch>
+        </p:blipFill>
+        <p:spPr>
+          <a:xfrm>
+            <a:off x="2716964" y="3627834"/>
+            <a:ext cx="3710063" cy="2086911"/>
+          </a:xfrm>
+          <a:prstGeom prst="rect">
+            <a:avLst/>
+          </a:prstGeom>
+          <a:ln>
+            <a:noFill/>
+          </a:ln>
+          <a:effectLst>
+            <a:outerShdw blurRad="292100" dist="139700" dir="2700000" algn="tl" rotWithShape="0">
+              <a:srgbClr val="333333">
+                <a:alpha val="65000"/>
+              </a:srgbClr>
+            </a:outerShdw>
+          </a:effectLst>
+        </p:spPr>
+      </p:pic>
+      <p:sp>
+        <p:nvSpPr>
+          <p:cNvPr id="3" name="TextBox 2">
+            <a:extLst>
+              <a:ext uri="{FF2B5EF4-FFF2-40B4-BE49-F238E27FC236}">
+                <a16:creationId xmlns:a16="http://schemas.microsoft.com/office/drawing/2014/main" id="{23F9059D-4830-483D-8556-63D1A605001A}"/>
+              </a:ext>
+            </a:extLst>
+          </p:cNvPr>
+          <p:cNvSpPr txBox="1"/>
+          <p:nvPr/>
+        </p:nvSpPr>
+        <p:spPr>
+          <a:xfrm>
+            <a:off x="459944" y="1724326"/>
+            <a:ext cx="8224109" cy="1754326"/>
+          </a:xfrm>
+          <a:prstGeom prst="rect">
+            <a:avLst/>
+          </a:prstGeom>
+          <a:noFill/>
+        </p:spPr>
+        <p:txBody>
+          <a:bodyPr wrap="square" rtlCol="0">
+            <a:spAutoFit/>
+          </a:bodyPr>
+          <a:lstStyle/>
+          <a:p>
+            <a:r>
+              <a:rPr lang="en-GB" b="1" dirty="0"/>
+              <a:t>Run</a:t>
+            </a:r>
+            <a:r>
+              <a:rPr lang="en-GB" dirty="0"/>
+              <a:t> Jupyter Notebook:</a:t>
+            </a:r>
+          </a:p>
+          <a:p>
+            <a:r>
+              <a:rPr lang="en-GB" b="1" dirty="0"/>
+              <a:t>Navigate</a:t>
+            </a:r>
+            <a:r>
+              <a:rPr lang="en-GB" dirty="0"/>
+              <a:t> to the folder containing the lab-session notebooks and </a:t>
+            </a:r>
+            <a:r>
+              <a:rPr lang="en-GB" b="1" dirty="0"/>
+              <a:t>launch</a:t>
+            </a:r>
+            <a:r>
+              <a:rPr lang="en-GB" dirty="0"/>
+              <a:t> the notebook server in a terminal (</a:t>
+            </a:r>
+            <a:r>
+              <a:rPr lang="en-GB" b="1" dirty="0"/>
+              <a:t>do not close it!) </a:t>
+            </a:r>
+            <a:r>
+              <a:rPr lang="en-GB" dirty="0"/>
+              <a:t>with the following command: </a:t>
+            </a:r>
+          </a:p>
+          <a:p>
+            <a:pPr algn="ctr"/>
+            <a:r>
+              <a:rPr lang="en-GB" b="1" i="1" dirty="0" err="1"/>
+              <a:t>jupyter</a:t>
+            </a:r>
+            <a:r>
+              <a:rPr lang="en-GB" b="1" i="1" dirty="0"/>
+              <a:t> notebook</a:t>
+            </a:r>
+            <a:endParaRPr lang="en-GB" i="1" dirty="0"/>
+          </a:p>
+          <a:p>
+            <a:r>
+              <a:rPr lang="en-US" dirty="0"/>
+              <a:t>You should see the notebook open in your browser. </a:t>
+            </a:r>
+            <a:r>
+              <a:rPr lang="en-GB" dirty="0"/>
+              <a:t>If this is not the case, just point your browser to the URL printed on the terminal (default: </a:t>
+            </a:r>
+            <a:r>
+              <a:rPr lang="en-GB" b="1" dirty="0"/>
+              <a:t>http://localhost:8888</a:t>
+            </a:r>
+            <a:r>
+              <a:rPr lang="en-GB" dirty="0"/>
+              <a:t>)</a:t>
+            </a:r>
+          </a:p>
+        </p:txBody>
+      </p:sp>
+      <p:sp>
+        <p:nvSpPr>
+          <p:cNvPr id="2" name="Titolo 1">
+            <a:extLst>
+              <a:ext uri="{FF2B5EF4-FFF2-40B4-BE49-F238E27FC236}">
+                <a16:creationId xmlns:a16="http://schemas.microsoft.com/office/drawing/2014/main" id="{C2425517-4760-4CAE-AE51-2926BAC8F809}"/>
+              </a:ext>
+            </a:extLst>
+          </p:cNvPr>
           <p:cNvSpPr>
             <a:spLocks noGrp="1"/>
           </p:cNvSpPr>
@@ -7779,32 +7804,180 @@
             <p:ph type="title"/>
           </p:nvPr>
         </p:nvSpPr>
-        <p:spPr>
-          <a:xfrm>
-            <a:off x="628650" y="2986722"/>
-            <a:ext cx="7886700" cy="884555"/>
-          </a:xfrm>
-        </p:spPr>
-        <p:txBody>
-          <a:bodyPr/>
+        <p:spPr/>
+        <p:txBody>
+          <a:bodyPr/>
+          <a:lstStyle/>
+          <a:p>
+            <a:r>
+              <a:rPr lang="en-GB" dirty="0"/>
+              <a:t>Jupyter Notebook: An overview</a:t>
+            </a:r>
+          </a:p>
+        </p:txBody>
+      </p:sp>
+      <p:sp>
+        <p:nvSpPr>
+          <p:cNvPr id="4" name="Segnaposto data 3">
+            <a:extLst>
+              <a:ext uri="{FF2B5EF4-FFF2-40B4-BE49-F238E27FC236}">
+                <a16:creationId xmlns:a16="http://schemas.microsoft.com/office/drawing/2014/main" id="{CD37FF21-5647-48BC-ABE0-22F8AB863E52}"/>
+              </a:ext>
+            </a:extLst>
+          </p:cNvPr>
+          <p:cNvSpPr>
+            <a:spLocks noGrp="1"/>
+          </p:cNvSpPr>
+          <p:nvPr>
+            <p:ph type="dt" sz="half" idx="10"/>
+          </p:nvPr>
+        </p:nvSpPr>
+        <p:spPr>
+          <a:xfrm>
+            <a:off x="411891" y="6361329"/>
+            <a:ext cx="2558835" cy="365125"/>
+          </a:xfrm>
+        </p:spPr>
+        <p:txBody>
+          <a:bodyPr/>
+          <a:lstStyle/>
+          <a:p>
+            <a:r>
+              <a:rPr lang="en-US" dirty="0"/>
+              <a:t>Initial Setup – Pierluigi Zama Ramirez</a:t>
+            </a:r>
+          </a:p>
+        </p:txBody>
+      </p:sp>
+      <p:sp>
+        <p:nvSpPr>
+          <p:cNvPr id="5" name="Segnaposto numero diapositiva 4">
+            <a:extLst>
+              <a:ext uri="{FF2B5EF4-FFF2-40B4-BE49-F238E27FC236}">
+                <a16:creationId xmlns:a16="http://schemas.microsoft.com/office/drawing/2014/main" id="{1B67C968-09C6-409E-9094-6A61912F818E}"/>
+              </a:ext>
+            </a:extLst>
+          </p:cNvPr>
+          <p:cNvSpPr>
+            <a:spLocks noGrp="1"/>
+          </p:cNvSpPr>
+          <p:nvPr>
+            <p:ph type="sldNum" sz="quarter" idx="12"/>
+          </p:nvPr>
+        </p:nvSpPr>
+        <p:spPr/>
+        <p:txBody>
+          <a:bodyPr/>
+          <a:lstStyle/>
+          <a:p>
+            <a:fld id="{21D15A9C-11B4-4C77-BDEA-04E3D7D1DFC0}" type="slidenum">
+              <a:rPr lang="en-US" smtClean="0"/>
+              <a:t>10</a:t>
+            </a:fld>
+            <a:endParaRPr lang="en-US"/>
+          </a:p>
+        </p:txBody>
+      </p:sp>
+      <p:sp>
+        <p:nvSpPr>
+          <p:cNvPr id="8" name="TextBox 7">
+            <a:extLst>
+              <a:ext uri="{FF2B5EF4-FFF2-40B4-BE49-F238E27FC236}">
+                <a16:creationId xmlns:a16="http://schemas.microsoft.com/office/drawing/2014/main" id="{524FB599-5D29-4B3F-9927-9A935AB0DA50}"/>
+              </a:ext>
+            </a:extLst>
+          </p:cNvPr>
+          <p:cNvSpPr txBox="1"/>
+          <p:nvPr/>
+        </p:nvSpPr>
+        <p:spPr>
+          <a:xfrm>
+            <a:off x="1001818" y="5924693"/>
+            <a:ext cx="7140353" cy="369332"/>
+          </a:xfrm>
+          <a:prstGeom prst="rect">
+            <a:avLst/>
+          </a:prstGeom>
+          <a:noFill/>
+        </p:spPr>
+        <p:txBody>
+          <a:bodyPr wrap="none" rtlCol="0">
+            <a:spAutoFit/>
+          </a:bodyPr>
           <a:lstStyle/>
           <a:p>
             <a:pPr algn="ctr"/>
             <a:r>
-              <a:rPr lang="en-GB" b="1" dirty="0">
-                <a:solidFill>
-                  <a:schemeClr val="accent5"/>
-                </a:solidFill>
-              </a:rPr>
-              <a:t>After Initial Setup</a:t>
-            </a:r>
+              <a:rPr lang="en-GB" dirty="0"/>
+              <a:t>Notebook dashboard. Navigate to your notebook (.</a:t>
+            </a:r>
+            <a:r>
+              <a:rPr lang="en-GB" dirty="0" err="1"/>
+              <a:t>ipynb</a:t>
+            </a:r>
+            <a:r>
+              <a:rPr lang="en-GB" dirty="0"/>
+              <a:t> file) and open it</a:t>
+            </a:r>
+          </a:p>
+        </p:txBody>
+      </p:sp>
+      <p:sp>
+        <p:nvSpPr>
+          <p:cNvPr id="17" name="Oval 16">
+            <a:extLst>
+              <a:ext uri="{FF2B5EF4-FFF2-40B4-BE49-F238E27FC236}">
+                <a16:creationId xmlns:a16="http://schemas.microsoft.com/office/drawing/2014/main" id="{DA07955D-3A39-45EF-9285-66533386F48D}"/>
+              </a:ext>
+            </a:extLst>
+          </p:cNvPr>
+          <p:cNvSpPr/>
+          <p:nvPr/>
+        </p:nvSpPr>
+        <p:spPr>
+          <a:xfrm>
+            <a:off x="2877254" y="4451029"/>
+            <a:ext cx="755904" cy="105156"/>
+          </a:xfrm>
+          <a:prstGeom prst="ellipse">
+            <a:avLst/>
+          </a:prstGeom>
+          <a:noFill/>
+          <a:ln>
+            <a:solidFill>
+              <a:srgbClr val="FF0000"/>
+            </a:solidFill>
+          </a:ln>
+        </p:spPr>
+        <p:style>
+          <a:lnRef idx="2">
+            <a:schemeClr val="accent1">
+              <a:shade val="50000"/>
+            </a:schemeClr>
+          </a:lnRef>
+          <a:fillRef idx="1">
+            <a:schemeClr val="accent1"/>
+          </a:fillRef>
+          <a:effectRef idx="0">
+            <a:schemeClr val="accent1"/>
+          </a:effectRef>
+          <a:fontRef idx="minor">
+            <a:schemeClr val="lt1"/>
+          </a:fontRef>
+        </p:style>
+        <p:txBody>
+          <a:bodyPr rtlCol="0" anchor="ctr"/>
+          <a:lstStyle/>
+          <a:p>
+            <a:pPr algn="ctr"/>
+            <a:endParaRPr lang="en-GB"/>
           </a:p>
         </p:txBody>
       </p:sp>
     </p:spTree>
     <p:extLst>
       <p:ext uri="{BB962C8B-B14F-4D97-AF65-F5344CB8AC3E}">
-        <p14:creationId xmlns:p14="http://schemas.microsoft.com/office/powerpoint/2010/main" val="399536302"/>
+        <p14:creationId xmlns:p14="http://schemas.microsoft.com/office/powerpoint/2010/main" val="1701414140"/>
       </p:ext>
     </p:extLst>
   </p:cSld>
@@ -7833,10 +8006,10 @@
       </p:grpSpPr>
       <p:pic>
         <p:nvPicPr>
-          <p:cNvPr id="16" name="Content Placeholder 15" descr="A screenshot of a computer screen&#10;&#10;Description automatically generated">
+          <p:cNvPr id="14" name="Content Placeholder 13" descr="A screenshot of a computer&#10;&#10;Description automatically generated">
             <a:extLst>
               <a:ext uri="{FF2B5EF4-FFF2-40B4-BE49-F238E27FC236}">
-                <a16:creationId xmlns:a16="http://schemas.microsoft.com/office/drawing/2014/main" id="{53A94E6D-7223-4FD3-810B-21B05FCFC2A3}"/>
+                <a16:creationId xmlns:a16="http://schemas.microsoft.com/office/drawing/2014/main" id="{77E87B2F-9F93-48A2-945A-D50F9E8003B2}"/>
               </a:ext>
             </a:extLst>
           </p:cNvPr>
@@ -7861,8 +8034,8 @@
         </p:blipFill>
         <p:spPr>
           <a:xfrm>
-            <a:off x="2716964" y="3627834"/>
-            <a:ext cx="3710063" cy="2086911"/>
+            <a:off x="1127325" y="1843771"/>
+            <a:ext cx="6889335" cy="3875251"/>
           </a:xfrm>
           <a:prstGeom prst="rect">
             <a:avLst/>
@@ -7881,109 +8054,6 @@
       </p:pic>
       <p:sp>
         <p:nvSpPr>
-          <p:cNvPr id="3" name="TextBox 2">
-            <a:extLst>
-              <a:ext uri="{FF2B5EF4-FFF2-40B4-BE49-F238E27FC236}">
-                <a16:creationId xmlns:a16="http://schemas.microsoft.com/office/drawing/2014/main" id="{23F9059D-4830-483D-8556-63D1A605001A}"/>
-              </a:ext>
-            </a:extLst>
-          </p:cNvPr>
-          <p:cNvSpPr txBox="1"/>
-          <p:nvPr/>
-        </p:nvSpPr>
-        <p:spPr>
-          <a:xfrm>
-            <a:off x="459944" y="1724326"/>
-            <a:ext cx="8224109" cy="1754326"/>
-          </a:xfrm>
-          <a:prstGeom prst="rect">
-            <a:avLst/>
-          </a:prstGeom>
-          <a:noFill/>
-        </p:spPr>
-        <p:txBody>
-          <a:bodyPr wrap="square" rtlCol="0">
-            <a:spAutoFit/>
-          </a:bodyPr>
-          <a:lstStyle/>
-          <a:p>
-            <a:r>
-              <a:rPr lang="en-GB" b="1" dirty="0"/>
-              <a:t>Run</a:t>
-            </a:r>
-            <a:r>
-              <a:rPr lang="en-GB" dirty="0"/>
-              <a:t> Jupyter Notebook:</a:t>
-            </a:r>
-          </a:p>
-          <a:p>
-            <a:r>
-              <a:rPr lang="en-GB" b="1" dirty="0"/>
-              <a:t>Navigate</a:t>
-            </a:r>
-            <a:r>
-              <a:rPr lang="en-GB" dirty="0"/>
-              <a:t> to the folder containing the lab-session notebooks and </a:t>
-            </a:r>
-            <a:r>
-              <a:rPr lang="en-GB" b="1" dirty="0"/>
-              <a:t>launch</a:t>
-            </a:r>
-            <a:r>
-              <a:rPr lang="en-GB" dirty="0"/>
-              <a:t> the notebook server in a terminal (</a:t>
-            </a:r>
-            <a:r>
-              <a:rPr lang="en-GB" b="1" dirty="0"/>
-              <a:t>do not close it!) </a:t>
-            </a:r>
-            <a:r>
-              <a:rPr lang="en-GB" dirty="0"/>
-              <a:t>with the following command: </a:t>
-            </a:r>
-          </a:p>
-          <a:p>
-            <a:pPr algn="ctr"/>
-            <a:r>
-              <a:rPr lang="en-GB" b="1" i="1" dirty="0" err="1"/>
-              <a:t>jupyter</a:t>
-            </a:r>
-            <a:r>
-              <a:rPr lang="en-GB" b="1" i="1" dirty="0"/>
-              <a:t> notebook  --</a:t>
-            </a:r>
-            <a:r>
-              <a:rPr lang="en-GB" b="1" i="1" dirty="0" err="1"/>
-              <a:t>ip</a:t>
-            </a:r>
-            <a:r>
-              <a:rPr lang="en-GB" b="1" i="1" dirty="0"/>
-              <a:t> 127.0.0.1</a:t>
-            </a:r>
-            <a:endParaRPr lang="en-GB" i="1" dirty="0"/>
-          </a:p>
-          <a:p>
-            <a:r>
-              <a:rPr lang="en-US" dirty="0"/>
-              <a:t>You should see the notebook open in your browser. </a:t>
-            </a:r>
-            <a:r>
-              <a:rPr lang="en-GB" dirty="0"/>
-              <a:t>If this is not the case, just point your browser to the URL printed on the terminal (default: </a:t>
-            </a:r>
-            <a:r>
-              <a:rPr lang="en-GB" b="1" dirty="0"/>
-              <a:t>http://localhost:8888</a:t>
-            </a:r>
-            <a:r>
-              <a:rPr lang="en-GB" dirty="0"/>
-              <a:t>)</a:t>
-            </a:r>
-          </a:p>
-        </p:txBody>
-      </p:sp>
-      <p:sp>
-        <p:nvSpPr>
           <p:cNvPr id="2" name="Titolo 1">
             <a:extLst>
               <a:ext uri="{FF2B5EF4-FFF2-40B4-BE49-F238E27FC236}">
@@ -8086,8 +8156,8 @@
         </p:nvSpPr>
         <p:spPr>
           <a:xfrm>
-            <a:off x="1001818" y="5924693"/>
-            <a:ext cx="7140353" cy="369332"/>
+            <a:off x="1704798" y="5938453"/>
+            <a:ext cx="5734390" cy="369332"/>
           </a:xfrm>
           <a:prstGeom prst="rect">
             <a:avLst/>
@@ -8100,18 +8170,9 @@
           </a:bodyPr>
           <a:lstStyle/>
           <a:p>
-            <a:pPr algn="ctr"/>
             <a:r>
               <a:rPr lang="en-GB" dirty="0"/>
-              <a:t>Notebook dashboard. Navigate to your notebook (.</a:t>
-            </a:r>
-            <a:r>
-              <a:rPr lang="en-GB" dirty="0" err="1"/>
-              <a:t>ipynb</a:t>
-            </a:r>
-            <a:r>
-              <a:rPr lang="en-GB" dirty="0"/>
-              <a:t> file) and open it</a:t>
+              <a:t>Run single code instruction and see the result interactively!</a:t>
             </a:r>
           </a:p>
         </p:txBody>
@@ -8130,8 +8191,8 @@
         </p:nvSpPr>
         <p:spPr>
           <a:xfrm>
-            <a:off x="2877254" y="4451029"/>
-            <a:ext cx="755904" cy="105156"/>
+            <a:off x="2673752" y="2562944"/>
+            <a:ext cx="296974" cy="219919"/>
           </a:xfrm>
           <a:prstGeom prst="ellipse">
             <a:avLst/>
@@ -8168,10 +8229,62 @@
           </a:p>
         </p:txBody>
       </p:sp>
+      <p:sp>
+        <p:nvSpPr>
+          <p:cNvPr id="18" name="Oval 17">
+            <a:extLst>
+              <a:ext uri="{FF2B5EF4-FFF2-40B4-BE49-F238E27FC236}">
+                <a16:creationId xmlns:a16="http://schemas.microsoft.com/office/drawing/2014/main" id="{5D323B37-775A-4802-8603-C4DF2130A544}"/>
+              </a:ext>
+            </a:extLst>
+          </p:cNvPr>
+          <p:cNvSpPr/>
+          <p:nvPr/>
+        </p:nvSpPr>
+        <p:spPr>
+          <a:xfrm>
+            <a:off x="1869080" y="4464896"/>
+            <a:ext cx="1703176" cy="539920"/>
+          </a:xfrm>
+          <a:prstGeom prst="ellipse">
+            <a:avLst/>
+          </a:prstGeom>
+          <a:noFill/>
+          <a:ln>
+            <a:solidFill>
+              <a:srgbClr val="FF0000"/>
+            </a:solidFill>
+          </a:ln>
+        </p:spPr>
+        <p:style>
+          <a:lnRef idx="2">
+            <a:schemeClr val="accent1">
+              <a:shade val="50000"/>
+            </a:schemeClr>
+          </a:lnRef>
+          <a:fillRef idx="1">
+            <a:schemeClr val="accent1"/>
+          </a:fillRef>
+          <a:effectRef idx="0">
+            <a:schemeClr val="accent1"/>
+          </a:effectRef>
+          <a:fontRef idx="minor">
+            <a:schemeClr val="lt1"/>
+          </a:fontRef>
+        </p:style>
+        <p:txBody>
+          <a:bodyPr rtlCol="0" anchor="ctr"/>
+          <a:lstStyle/>
+          <a:p>
+            <a:pPr algn="ctr"/>
+            <a:endParaRPr lang="en-GB"/>
+          </a:p>
+        </p:txBody>
+      </p:sp>
     </p:spTree>
     <p:extLst>
       <p:ext uri="{BB962C8B-B14F-4D97-AF65-F5344CB8AC3E}">
-        <p14:creationId xmlns:p14="http://schemas.microsoft.com/office/powerpoint/2010/main" val="1701414140"/>
+        <p14:creationId xmlns:p14="http://schemas.microsoft.com/office/powerpoint/2010/main" val="4078975265"/>
       </p:ext>
     </p:extLst>
   </p:cSld>
@@ -8198,12 +8311,50 @@
           <a:chExt cx="0" cy="0"/>
         </a:xfrm>
       </p:grpSpPr>
+      <p:sp>
+        <p:nvSpPr>
+          <p:cNvPr id="2" name="Titolo 1">
+            <a:extLst>
+              <a:ext uri="{FF2B5EF4-FFF2-40B4-BE49-F238E27FC236}">
+                <a16:creationId xmlns:a16="http://schemas.microsoft.com/office/drawing/2014/main" id="{C2425517-4760-4CAE-AE51-2926BAC8F809}"/>
+              </a:ext>
+            </a:extLst>
+          </p:cNvPr>
+          <p:cNvSpPr>
+            <a:spLocks noGrp="1"/>
+          </p:cNvSpPr>
+          <p:nvPr>
+            <p:ph type="title"/>
+          </p:nvPr>
+        </p:nvSpPr>
+        <p:spPr/>
+        <p:txBody>
+          <a:bodyPr>
+            <a:normAutofit fontScale="90000"/>
+          </a:bodyPr>
+          <a:lstStyle/>
+          <a:p>
+            <a:r>
+              <a:rPr lang="en-GB" dirty="0"/>
+              <a:t>Export python .</a:t>
+            </a:r>
+            <a:r>
+              <a:rPr lang="en-GB" dirty="0" err="1"/>
+              <a:t>py</a:t>
+            </a:r>
+            <a:r>
+              <a:rPr lang="en-GB" dirty="0"/>
+              <a:t> from notebook file</a:t>
+            </a:r>
+          </a:p>
+        </p:txBody>
+      </p:sp>
       <p:pic>
         <p:nvPicPr>
-          <p:cNvPr id="14" name="Content Placeholder 13" descr="A screenshot of a computer&#10;&#10;Description automatically generated">
+          <p:cNvPr id="7" name="Content Placeholder 6" descr="A screenshot of a computer&#10;&#10;Description automatically generated">
             <a:extLst>
               <a:ext uri="{FF2B5EF4-FFF2-40B4-BE49-F238E27FC236}">
-                <a16:creationId xmlns:a16="http://schemas.microsoft.com/office/drawing/2014/main" id="{77E87B2F-9F93-48A2-945A-D50F9E8003B2}"/>
+                <a16:creationId xmlns:a16="http://schemas.microsoft.com/office/drawing/2014/main" id="{8FBFC568-680E-46BF-A905-6B8F742DD6A5}"/>
               </a:ext>
             </a:extLst>
           </p:cNvPr>
@@ -8228,52 +8379,11 @@
         </p:blipFill>
         <p:spPr>
           <a:xfrm>
-            <a:off x="1127325" y="1843771"/>
-            <a:ext cx="6889335" cy="3875251"/>
-          </a:xfrm>
-          <a:prstGeom prst="rect">
-            <a:avLst/>
-          </a:prstGeom>
-          <a:ln>
-            <a:noFill/>
-          </a:ln>
-          <a:effectLst>
-            <a:outerShdw blurRad="292100" dist="139700" dir="2700000" algn="tl" rotWithShape="0">
-              <a:srgbClr val="333333">
-                <a:alpha val="65000"/>
-              </a:srgbClr>
-            </a:outerShdw>
-          </a:effectLst>
+            <a:off x="1173146" y="1797627"/>
+            <a:ext cx="6797708" cy="3823711"/>
+          </a:xfrm>
         </p:spPr>
       </p:pic>
-      <p:sp>
-        <p:nvSpPr>
-          <p:cNvPr id="2" name="Titolo 1">
-            <a:extLst>
-              <a:ext uri="{FF2B5EF4-FFF2-40B4-BE49-F238E27FC236}">
-                <a16:creationId xmlns:a16="http://schemas.microsoft.com/office/drawing/2014/main" id="{C2425517-4760-4CAE-AE51-2926BAC8F809}"/>
-              </a:ext>
-            </a:extLst>
-          </p:cNvPr>
-          <p:cNvSpPr>
-            <a:spLocks noGrp="1"/>
-          </p:cNvSpPr>
-          <p:nvPr>
-            <p:ph type="title"/>
-          </p:nvPr>
-        </p:nvSpPr>
-        <p:spPr/>
-        <p:txBody>
-          <a:bodyPr/>
-          <a:lstStyle/>
-          <a:p>
-            <a:r>
-              <a:rPr lang="en-GB" dirty="0"/>
-              <a:t>Jupyter Notebook: An overview</a:t>
-            </a:r>
-          </a:p>
-        </p:txBody>
-      </p:sp>
       <p:sp>
         <p:nvSpPr>
           <p:cNvPr id="4" name="Segnaposto data 3">
@@ -8341,7 +8451,7 @@
           <p:cNvPr id="8" name="TextBox 7">
             <a:extLst>
               <a:ext uri="{FF2B5EF4-FFF2-40B4-BE49-F238E27FC236}">
-                <a16:creationId xmlns:a16="http://schemas.microsoft.com/office/drawing/2014/main" id="{524FB599-5D29-4B3F-9927-9A935AB0DA50}"/>
+                <a16:creationId xmlns:a16="http://schemas.microsoft.com/office/drawing/2014/main" id="{EA102731-FDB3-406B-AE1E-72D2178D3F9C}"/>
               </a:ext>
             </a:extLst>
           </p:cNvPr>
@@ -8350,8 +8460,8 @@
         </p:nvSpPr>
         <p:spPr>
           <a:xfrm>
-            <a:off x="1704798" y="5938453"/>
-            <a:ext cx="5734390" cy="369332"/>
+            <a:off x="411891" y="5838214"/>
+            <a:ext cx="8361407" cy="646331"/>
           </a:xfrm>
           <a:prstGeom prst="rect">
             <a:avLst/>
@@ -8359,24 +8469,49 @@
           <a:noFill/>
         </p:spPr>
         <p:txBody>
-          <a:bodyPr wrap="none" rtlCol="0">
+          <a:bodyPr wrap="square" rtlCol="0">
             <a:spAutoFit/>
           </a:bodyPr>
           <a:lstStyle/>
           <a:p>
+            <a:pPr algn="ctr"/>
             <a:r>
               <a:rPr lang="en-GB" dirty="0"/>
-              <a:t>Run single code instruction and see the result interactively!</a:t>
-            </a:r>
-          </a:p>
-        </p:txBody>
-      </p:sp>
-      <p:sp>
-        <p:nvSpPr>
-          <p:cNvPr id="17" name="Oval 16">
+              <a:t>You can download  all the code cells of a notebook as a single </a:t>
+            </a:r>
+            <a:r>
+              <a:rPr lang="en-GB" b="1" dirty="0"/>
+              <a:t>.</a:t>
+            </a:r>
+            <a:r>
+              <a:rPr lang="en-GB" b="1" dirty="0" err="1"/>
+              <a:t>py</a:t>
+            </a:r>
+            <a:r>
+              <a:rPr lang="en-GB" b="1" dirty="0"/>
+              <a:t> file.</a:t>
+            </a:r>
+            <a:r>
+              <a:rPr lang="en-GB" dirty="0"/>
+              <a:t> After that, you  can run it as a standard </a:t>
+            </a:r>
+            <a:r>
+              <a:rPr lang="en-GB" dirty="0" err="1"/>
+              <a:t>Pyhton</a:t>
+            </a:r>
+            <a:r>
+              <a:rPr lang="en-GB" dirty="0"/>
+              <a:t> script.</a:t>
+            </a:r>
+          </a:p>
+        </p:txBody>
+      </p:sp>
+      <p:sp>
+        <p:nvSpPr>
+          <p:cNvPr id="9" name="Oval 8">
             <a:extLst>
               <a:ext uri="{FF2B5EF4-FFF2-40B4-BE49-F238E27FC236}">
-                <a16:creationId xmlns:a16="http://schemas.microsoft.com/office/drawing/2014/main" id="{DA07955D-3A39-45EF-9285-66533386F48D}"/>
+                <a16:creationId xmlns:a16="http://schemas.microsoft.com/office/drawing/2014/main" id="{A2A879D0-EBDC-411F-91AD-5A89F518C42B}"/>
               </a:ext>
             </a:extLst>
           </p:cNvPr>
@@ -8385,8 +8520,8 @@
         </p:nvSpPr>
         <p:spPr>
           <a:xfrm>
-            <a:off x="2673752" y="2562944"/>
-            <a:ext cx="296974" cy="219919"/>
+            <a:off x="1551008" y="3528608"/>
+            <a:ext cx="2167134" cy="534106"/>
           </a:xfrm>
           <a:prstGeom prst="ellipse">
             <a:avLst/>
@@ -8423,62 +8558,10 @@
           </a:p>
         </p:txBody>
       </p:sp>
-      <p:sp>
-        <p:nvSpPr>
-          <p:cNvPr id="18" name="Oval 17">
-            <a:extLst>
-              <a:ext uri="{FF2B5EF4-FFF2-40B4-BE49-F238E27FC236}">
-                <a16:creationId xmlns:a16="http://schemas.microsoft.com/office/drawing/2014/main" id="{5D323B37-775A-4802-8603-C4DF2130A544}"/>
-              </a:ext>
-            </a:extLst>
-          </p:cNvPr>
-          <p:cNvSpPr/>
-          <p:nvPr/>
-        </p:nvSpPr>
-        <p:spPr>
-          <a:xfrm>
-            <a:off x="1869080" y="4464896"/>
-            <a:ext cx="1703176" cy="539920"/>
-          </a:xfrm>
-          <a:prstGeom prst="ellipse">
-            <a:avLst/>
-          </a:prstGeom>
-          <a:noFill/>
-          <a:ln>
-            <a:solidFill>
-              <a:srgbClr val="FF0000"/>
-            </a:solidFill>
-          </a:ln>
-        </p:spPr>
-        <p:style>
-          <a:lnRef idx="2">
-            <a:schemeClr val="accent1">
-              <a:shade val="50000"/>
-            </a:schemeClr>
-          </a:lnRef>
-          <a:fillRef idx="1">
-            <a:schemeClr val="accent1"/>
-          </a:fillRef>
-          <a:effectRef idx="0">
-            <a:schemeClr val="accent1"/>
-          </a:effectRef>
-          <a:fontRef idx="minor">
-            <a:schemeClr val="lt1"/>
-          </a:fontRef>
-        </p:style>
-        <p:txBody>
-          <a:bodyPr rtlCol="0" anchor="ctr"/>
-          <a:lstStyle/>
-          <a:p>
-            <a:pPr algn="ctr"/>
-            <a:endParaRPr lang="en-GB"/>
-          </a:p>
-        </p:txBody>
-      </p:sp>
     </p:spTree>
     <p:extLst>
       <p:ext uri="{BB962C8B-B14F-4D97-AF65-F5344CB8AC3E}">
-        <p14:creationId xmlns:p14="http://schemas.microsoft.com/office/powerpoint/2010/main" val="4078975265"/>
+        <p14:creationId xmlns:p14="http://schemas.microsoft.com/office/powerpoint/2010/main" val="3267681367"/>
       </p:ext>
     </p:extLst>
   </p:cSld>
@@ -8530,37 +8613,207 @@
           <a:p>
             <a:r>
               <a:rPr lang="en-GB" dirty="0"/>
-              <a:t>Export python .</a:t>
-            </a:r>
-            <a:r>
-              <a:rPr lang="en-GB" dirty="0" err="1"/>
-              <a:t>py</a:t>
-            </a:r>
+              <a:t>Working from home: IDE and terminal</a:t>
+            </a:r>
+          </a:p>
+        </p:txBody>
+      </p:sp>
+      <p:sp>
+        <p:nvSpPr>
+          <p:cNvPr id="3" name="Segnaposto contenuto 2">
+            <a:extLst>
+              <a:ext uri="{FF2B5EF4-FFF2-40B4-BE49-F238E27FC236}">
+                <a16:creationId xmlns:a16="http://schemas.microsoft.com/office/drawing/2014/main" id="{87EB0E7F-A70F-40D1-8E72-EC4A6A106225}"/>
+              </a:ext>
+            </a:extLst>
+          </p:cNvPr>
+          <p:cNvSpPr>
+            <a:spLocks noGrp="1"/>
+          </p:cNvSpPr>
+          <p:nvPr>
+            <p:ph idx="1"/>
+          </p:nvPr>
+        </p:nvSpPr>
+        <p:spPr>
+          <a:xfrm>
+            <a:off x="411892" y="1825625"/>
+            <a:ext cx="4388708" cy="2974975"/>
+          </a:xfrm>
+        </p:spPr>
+        <p:txBody>
+          <a:bodyPr>
+            <a:normAutofit fontScale="92500"/>
+          </a:bodyPr>
+          <a:lstStyle/>
+          <a:p>
+            <a:pPr marL="0" indent="0">
+              <a:buNone/>
+            </a:pPr>
             <a:r>
               <a:rPr lang="en-GB" dirty="0"/>
-              <a:t> from notebook file</a:t>
-            </a:r>
+              <a:t>When you work with python you typically do not program directly on Jupyter Notebook but it is common to use a Source Code Editor such as</a:t>
+            </a:r>
+          </a:p>
+          <a:p>
+            <a:pPr marL="0" indent="0">
+              <a:buNone/>
+            </a:pPr>
+            <a:r>
+              <a:rPr lang="en-GB" b="1" dirty="0"/>
+              <a:t>Visual Studio Code: </a:t>
+            </a:r>
+            <a:r>
+              <a:rPr lang="en-GB" u="sng" dirty="0">
+                <a:solidFill>
+                  <a:srgbClr val="0070C0"/>
+                </a:solidFill>
+                <a:hlinkClick r:id="rId2"/>
+              </a:rPr>
+              <a:t>https://code.visualstudio.com/</a:t>
+            </a:r>
+            <a:r>
+              <a:rPr lang="en-GB" b="1" u="sng" dirty="0">
+                <a:solidFill>
+                  <a:srgbClr val="0070C0"/>
+                </a:solidFill>
+                <a:hlinkClick r:id="rId2"/>
+              </a:rPr>
+              <a:t> </a:t>
+            </a:r>
+            <a:endParaRPr lang="en-GB" b="1" u="sng" dirty="0">
+              <a:solidFill>
+                <a:srgbClr val="0070C0"/>
+              </a:solidFill>
+            </a:endParaRPr>
+          </a:p>
+          <a:p>
+            <a:pPr marL="0" indent="0">
+              <a:buNone/>
+            </a:pPr>
+            <a:r>
+              <a:rPr lang="en-GB" dirty="0"/>
+              <a:t>or </a:t>
+            </a:r>
+            <a:r>
+              <a:rPr lang="en-GB" b="1" dirty="0" err="1"/>
+              <a:t>Pycharm</a:t>
+            </a:r>
+            <a:r>
+              <a:rPr lang="en-GB" b="1" dirty="0"/>
+              <a:t>:</a:t>
+            </a:r>
+          </a:p>
+          <a:p>
+            <a:pPr marL="0" indent="0">
+              <a:buNone/>
+            </a:pPr>
+            <a:r>
+              <a:rPr lang="en-GB" u="sng" dirty="0">
+                <a:solidFill>
+                  <a:srgbClr val="0070C0"/>
+                </a:solidFill>
+                <a:hlinkClick r:id="rId3"/>
+              </a:rPr>
+              <a:t>https://www.jetbrains.com/pycharm/</a:t>
+            </a:r>
+            <a:endParaRPr lang="en-GB" u="sng" dirty="0">
+              <a:solidFill>
+                <a:srgbClr val="0070C0"/>
+              </a:solidFill>
+            </a:endParaRPr>
+          </a:p>
+          <a:p>
+            <a:pPr marL="0" indent="0">
+              <a:buNone/>
+            </a:pPr>
+            <a:endParaRPr lang="en-GB" b="1" dirty="0"/>
+          </a:p>
+          <a:p>
+            <a:pPr marL="0" indent="0">
+              <a:buNone/>
+            </a:pPr>
+            <a:endParaRPr lang="en-GB" dirty="0"/>
+          </a:p>
+        </p:txBody>
+      </p:sp>
+      <p:sp>
+        <p:nvSpPr>
+          <p:cNvPr id="4" name="Segnaposto data 3">
+            <a:extLst>
+              <a:ext uri="{FF2B5EF4-FFF2-40B4-BE49-F238E27FC236}">
+                <a16:creationId xmlns:a16="http://schemas.microsoft.com/office/drawing/2014/main" id="{CD37FF21-5647-48BC-ABE0-22F8AB863E52}"/>
+              </a:ext>
+            </a:extLst>
+          </p:cNvPr>
+          <p:cNvSpPr>
+            <a:spLocks noGrp="1"/>
+          </p:cNvSpPr>
+          <p:nvPr>
+            <p:ph type="dt" sz="half" idx="10"/>
+          </p:nvPr>
+        </p:nvSpPr>
+        <p:spPr>
+          <a:xfrm>
+            <a:off x="411891" y="6361329"/>
+            <a:ext cx="2558835" cy="365125"/>
+          </a:xfrm>
+        </p:spPr>
+        <p:txBody>
+          <a:bodyPr/>
+          <a:lstStyle/>
+          <a:p>
+            <a:r>
+              <a:rPr lang="en-US" dirty="0"/>
+              <a:t>Initial Setup – Pierluigi Zama Ramirez</a:t>
+            </a:r>
+          </a:p>
+        </p:txBody>
+      </p:sp>
+      <p:sp>
+        <p:nvSpPr>
+          <p:cNvPr id="5" name="Segnaposto numero diapositiva 4">
+            <a:extLst>
+              <a:ext uri="{FF2B5EF4-FFF2-40B4-BE49-F238E27FC236}">
+                <a16:creationId xmlns:a16="http://schemas.microsoft.com/office/drawing/2014/main" id="{1B67C968-09C6-409E-9094-6A61912F818E}"/>
+              </a:ext>
+            </a:extLst>
+          </p:cNvPr>
+          <p:cNvSpPr>
+            <a:spLocks noGrp="1"/>
+          </p:cNvSpPr>
+          <p:nvPr>
+            <p:ph type="sldNum" sz="quarter" idx="12"/>
+          </p:nvPr>
+        </p:nvSpPr>
+        <p:spPr/>
+        <p:txBody>
+          <a:bodyPr/>
+          <a:lstStyle/>
+          <a:p>
+            <a:fld id="{21D15A9C-11B4-4C77-BDEA-04E3D7D1DFC0}" type="slidenum">
+              <a:rPr lang="en-US" smtClean="0"/>
+              <a:t>13</a:t>
+            </a:fld>
+            <a:endParaRPr lang="en-US"/>
           </a:p>
         </p:txBody>
       </p:sp>
       <p:pic>
         <p:nvPicPr>
-          <p:cNvPr id="7" name="Content Placeholder 6" descr="A screenshot of a computer&#10;&#10;Description automatically generated">
+          <p:cNvPr id="7" name="Picture 6" descr="A screenshot of a computer screen&#10;&#10;Description automatically generated">
             <a:extLst>
               <a:ext uri="{FF2B5EF4-FFF2-40B4-BE49-F238E27FC236}">
-                <a16:creationId xmlns:a16="http://schemas.microsoft.com/office/drawing/2014/main" id="{8FBFC568-680E-46BF-A905-6B8F742DD6A5}"/>
+                <a16:creationId xmlns:a16="http://schemas.microsoft.com/office/drawing/2014/main" id="{4DF3BEF7-DC55-4F94-A68C-905967B726EE}"/>
               </a:ext>
             </a:extLst>
           </p:cNvPr>
           <p:cNvPicPr>
-            <a:picLocks noGrp="1" noChangeAspect="1"/>
+            <a:picLocks noChangeAspect="1"/>
           </p:cNvPicPr>
-          <p:nvPr>
-            <p:ph idx="1"/>
-          </p:nvPr>
+          <p:nvPr/>
         </p:nvPicPr>
         <p:blipFill>
-          <a:blip r:embed="rId3">
+          <a:blip r:embed="rId4">
             <a:extLst>
               <a:ext uri="{28A0092B-C50C-407E-A947-70E740481C1C}">
                 <a14:useLocalDpi xmlns:a14="http://schemas.microsoft.com/office/drawing/2010/main" val="0"/>
@@ -8573,79 +8826,20 @@
         </p:blipFill>
         <p:spPr>
           <a:xfrm>
-            <a:off x="1173146" y="1797627"/>
-            <a:ext cx="6797708" cy="3823711"/>
-          </a:xfrm>
+            <a:off x="4840819" y="1825625"/>
+            <a:ext cx="3932479" cy="2364106"/>
+          </a:xfrm>
+          <a:prstGeom prst="rect">
+            <a:avLst/>
+          </a:prstGeom>
         </p:spPr>
       </p:pic>
-      <p:sp>
-        <p:nvSpPr>
-          <p:cNvPr id="4" name="Segnaposto data 3">
-            <a:extLst>
-              <a:ext uri="{FF2B5EF4-FFF2-40B4-BE49-F238E27FC236}">
-                <a16:creationId xmlns:a16="http://schemas.microsoft.com/office/drawing/2014/main" id="{CD37FF21-5647-48BC-ABE0-22F8AB863E52}"/>
-              </a:ext>
-            </a:extLst>
-          </p:cNvPr>
-          <p:cNvSpPr>
-            <a:spLocks noGrp="1"/>
-          </p:cNvSpPr>
-          <p:nvPr>
-            <p:ph type="dt" sz="half" idx="10"/>
-          </p:nvPr>
-        </p:nvSpPr>
-        <p:spPr>
-          <a:xfrm>
-            <a:off x="411891" y="6361329"/>
-            <a:ext cx="2558835" cy="365125"/>
-          </a:xfrm>
-        </p:spPr>
-        <p:txBody>
-          <a:bodyPr/>
-          <a:lstStyle/>
-          <a:p>
-            <a:r>
-              <a:rPr lang="en-US" dirty="0"/>
-              <a:t>Initial Setup – Pierluigi Zama Ramirez</a:t>
-            </a:r>
-          </a:p>
-        </p:txBody>
-      </p:sp>
-      <p:sp>
-        <p:nvSpPr>
-          <p:cNvPr id="5" name="Segnaposto numero diapositiva 4">
-            <a:extLst>
-              <a:ext uri="{FF2B5EF4-FFF2-40B4-BE49-F238E27FC236}">
-                <a16:creationId xmlns:a16="http://schemas.microsoft.com/office/drawing/2014/main" id="{1B67C968-09C6-409E-9094-6A61912F818E}"/>
-              </a:ext>
-            </a:extLst>
-          </p:cNvPr>
-          <p:cNvSpPr>
-            <a:spLocks noGrp="1"/>
-          </p:cNvSpPr>
-          <p:nvPr>
-            <p:ph type="sldNum" sz="quarter" idx="12"/>
-          </p:nvPr>
-        </p:nvSpPr>
-        <p:spPr/>
-        <p:txBody>
-          <a:bodyPr/>
-          <a:lstStyle/>
-          <a:p>
-            <a:fld id="{21D15A9C-11B4-4C77-BDEA-04E3D7D1DFC0}" type="slidenum">
-              <a:rPr lang="en-US" smtClean="0"/>
-              <a:t>13</a:t>
-            </a:fld>
-            <a:endParaRPr lang="en-US"/>
-          </a:p>
-        </p:txBody>
-      </p:sp>
       <p:sp>
         <p:nvSpPr>
           <p:cNvPr id="8" name="TextBox 7">
             <a:extLst>
               <a:ext uri="{FF2B5EF4-FFF2-40B4-BE49-F238E27FC236}">
-                <a16:creationId xmlns:a16="http://schemas.microsoft.com/office/drawing/2014/main" id="{EA102731-FDB3-406B-AE1E-72D2178D3F9C}"/>
+                <a16:creationId xmlns:a16="http://schemas.microsoft.com/office/drawing/2014/main" id="{A87279E9-021B-455F-A831-1F47A5C4ADC7}"/>
               </a:ext>
             </a:extLst>
           </p:cNvPr>
@@ -8654,8 +8848,8 @@
         </p:nvSpPr>
         <p:spPr>
           <a:xfrm>
-            <a:off x="411891" y="5838214"/>
-            <a:ext cx="8361407" cy="646331"/>
+            <a:off x="5722677" y="4316968"/>
+            <a:ext cx="1986441" cy="369332"/>
           </a:xfrm>
           <a:prstGeom prst="rect">
             <a:avLst/>
@@ -8663,99 +8857,71 @@
           <a:noFill/>
         </p:spPr>
         <p:txBody>
+          <a:bodyPr wrap="none" rtlCol="0">
+            <a:spAutoFit/>
+          </a:bodyPr>
+          <a:lstStyle/>
+          <a:p>
+            <a:r>
+              <a:rPr lang="en-GB" dirty="0"/>
+              <a:t>Visual Studio Code</a:t>
+            </a:r>
+          </a:p>
+        </p:txBody>
+      </p:sp>
+      <p:sp>
+        <p:nvSpPr>
+          <p:cNvPr id="9" name="TextBox 8">
+            <a:extLst>
+              <a:ext uri="{FF2B5EF4-FFF2-40B4-BE49-F238E27FC236}">
+                <a16:creationId xmlns:a16="http://schemas.microsoft.com/office/drawing/2014/main" id="{F94C595A-21CC-4F57-9954-C4B981E0A9EB}"/>
+              </a:ext>
+            </a:extLst>
+          </p:cNvPr>
+          <p:cNvSpPr txBox="1"/>
+          <p:nvPr/>
+        </p:nvSpPr>
+        <p:spPr>
+          <a:xfrm>
+            <a:off x="411891" y="5063689"/>
+            <a:ext cx="8361407" cy="1384995"/>
+          </a:xfrm>
+          <a:prstGeom prst="rect">
+            <a:avLst/>
+          </a:prstGeom>
+          <a:noFill/>
+        </p:spPr>
+        <p:txBody>
           <a:bodyPr wrap="square" rtlCol="0">
             <a:spAutoFit/>
           </a:bodyPr>
           <a:lstStyle/>
           <a:p>
+            <a:r>
+              <a:rPr lang="en-GB" sz="2200" dirty="0">
+                <a:latin typeface="Tw Cen MT" panose="020B0602020104020603" pitchFamily="34" charset="0"/>
+              </a:rPr>
+              <a:t>When you finish writing your script, navigate in your terminal to your script folder and run:</a:t>
+            </a:r>
+          </a:p>
+          <a:p>
             <a:pPr algn="ctr"/>
             <a:r>
-              <a:rPr lang="en-GB" dirty="0"/>
-              <a:t>You can download  all the code cells of a notebook as a single </a:t>
-            </a:r>
-            <a:r>
-              <a:rPr lang="en-GB" b="1" dirty="0"/>
-              <a:t>.</a:t>
-            </a:r>
-            <a:r>
-              <a:rPr lang="en-GB" b="1" dirty="0" err="1"/>
-              <a:t>py</a:t>
-            </a:r>
-            <a:r>
-              <a:rPr lang="en-GB" b="1" dirty="0"/>
-              <a:t> file.</a:t>
-            </a:r>
-            <a:r>
-              <a:rPr lang="en-GB" dirty="0"/>
-              <a:t> After that, you  can run it as a standard </a:t>
-            </a:r>
-            <a:r>
-              <a:rPr lang="en-GB" dirty="0" err="1"/>
-              <a:t>Pyhton</a:t>
-            </a:r>
-            <a:r>
-              <a:rPr lang="en-GB" dirty="0"/>
-              <a:t> script.</a:t>
-            </a:r>
-          </a:p>
-        </p:txBody>
-      </p:sp>
-      <p:sp>
-        <p:nvSpPr>
-          <p:cNvPr id="9" name="Oval 8">
-            <a:extLst>
-              <a:ext uri="{FF2B5EF4-FFF2-40B4-BE49-F238E27FC236}">
-                <a16:creationId xmlns:a16="http://schemas.microsoft.com/office/drawing/2014/main" id="{A2A879D0-EBDC-411F-91AD-5A89F518C42B}"/>
-              </a:ext>
-            </a:extLst>
-          </p:cNvPr>
-          <p:cNvSpPr/>
-          <p:nvPr/>
-        </p:nvSpPr>
-        <p:spPr>
-          <a:xfrm>
-            <a:off x="1551008" y="3528608"/>
-            <a:ext cx="2167134" cy="534106"/>
-          </a:xfrm>
-          <a:prstGeom prst="ellipse">
-            <a:avLst/>
-          </a:prstGeom>
-          <a:noFill/>
-          <a:ln>
-            <a:solidFill>
-              <a:srgbClr val="FF0000"/>
-            </a:solidFill>
-          </a:ln>
-        </p:spPr>
-        <p:style>
-          <a:lnRef idx="2">
-            <a:schemeClr val="accent1">
-              <a:shade val="50000"/>
-            </a:schemeClr>
-          </a:lnRef>
-          <a:fillRef idx="1">
-            <a:schemeClr val="accent1"/>
-          </a:fillRef>
-          <a:effectRef idx="0">
-            <a:schemeClr val="accent1"/>
-          </a:effectRef>
-          <a:fontRef idx="minor">
-            <a:schemeClr val="lt1"/>
-          </a:fontRef>
-        </p:style>
-        <p:txBody>
-          <a:bodyPr rtlCol="0" anchor="ctr"/>
-          <a:lstStyle/>
-          <a:p>
-            <a:pPr algn="ctr"/>
-            <a:endParaRPr lang="en-GB"/>
+              <a:rPr lang="en-GB" sz="2200" b="1" i="1" dirty="0">
+                <a:latin typeface="Tw Cen MT" panose="020B0602020104020603" pitchFamily="34" charset="0"/>
+              </a:rPr>
+              <a:t>python my_script.py</a:t>
+            </a:r>
+          </a:p>
+          <a:p>
+            <a:endParaRPr lang="en-GB" dirty="0"/>
           </a:p>
         </p:txBody>
       </p:sp>
     </p:spTree>
     <p:extLst>
       <p:ext uri="{BB962C8B-B14F-4D97-AF65-F5344CB8AC3E}">
-        <p14:creationId xmlns:p14="http://schemas.microsoft.com/office/powerpoint/2010/main" val="3267681367"/>
+        <p14:creationId xmlns:p14="http://schemas.microsoft.com/office/powerpoint/2010/main" val="2993606909"/>
       </p:ext>
     </p:extLst>
   </p:cSld>
@@ -8784,366 +8950,6 @@
       </p:grpSpPr>
       <p:sp>
         <p:nvSpPr>
-          <p:cNvPr id="2" name="Titolo 1">
-            <a:extLst>
-              <a:ext uri="{FF2B5EF4-FFF2-40B4-BE49-F238E27FC236}">
-                <a16:creationId xmlns:a16="http://schemas.microsoft.com/office/drawing/2014/main" id="{C2425517-4760-4CAE-AE51-2926BAC8F809}"/>
-              </a:ext>
-            </a:extLst>
-          </p:cNvPr>
-          <p:cNvSpPr>
-            <a:spLocks noGrp="1"/>
-          </p:cNvSpPr>
-          <p:nvPr>
-            <p:ph type="title"/>
-          </p:nvPr>
-        </p:nvSpPr>
-        <p:spPr/>
-        <p:txBody>
-          <a:bodyPr>
-            <a:normAutofit fontScale="90000"/>
-          </a:bodyPr>
-          <a:lstStyle/>
-          <a:p>
-            <a:r>
-              <a:rPr lang="en-GB" dirty="0"/>
-              <a:t>Working from home: IDE and terminal</a:t>
-            </a:r>
-          </a:p>
-        </p:txBody>
-      </p:sp>
-      <p:sp>
-        <p:nvSpPr>
-          <p:cNvPr id="3" name="Segnaposto contenuto 2">
-            <a:extLst>
-              <a:ext uri="{FF2B5EF4-FFF2-40B4-BE49-F238E27FC236}">
-                <a16:creationId xmlns:a16="http://schemas.microsoft.com/office/drawing/2014/main" id="{87EB0E7F-A70F-40D1-8E72-EC4A6A106225}"/>
-              </a:ext>
-            </a:extLst>
-          </p:cNvPr>
-          <p:cNvSpPr>
-            <a:spLocks noGrp="1"/>
-          </p:cNvSpPr>
-          <p:nvPr>
-            <p:ph idx="1"/>
-          </p:nvPr>
-        </p:nvSpPr>
-        <p:spPr>
-          <a:xfrm>
-            <a:off x="411892" y="1825625"/>
-            <a:ext cx="4388708" cy="2974975"/>
-          </a:xfrm>
-        </p:spPr>
-        <p:txBody>
-          <a:bodyPr>
-            <a:normAutofit fontScale="92500"/>
-          </a:bodyPr>
-          <a:lstStyle/>
-          <a:p>
-            <a:pPr marL="0" indent="0">
-              <a:buNone/>
-            </a:pPr>
-            <a:r>
-              <a:rPr lang="en-GB" dirty="0"/>
-              <a:t>When you work with python you typically do not program directly on Jupyter Notebook but it is common to use a Source Code Editor such as</a:t>
-            </a:r>
-          </a:p>
-          <a:p>
-            <a:pPr marL="0" indent="0">
-              <a:buNone/>
-            </a:pPr>
-            <a:r>
-              <a:rPr lang="en-GB" b="1" dirty="0"/>
-              <a:t>Visual Studio Code: </a:t>
-            </a:r>
-            <a:r>
-              <a:rPr lang="en-GB" u="sng" dirty="0">
-                <a:solidFill>
-                  <a:srgbClr val="0070C0"/>
-                </a:solidFill>
-                <a:hlinkClick r:id="rId2"/>
-              </a:rPr>
-              <a:t>https://code.visualstudio.com/</a:t>
-            </a:r>
-            <a:r>
-              <a:rPr lang="en-GB" b="1" u="sng" dirty="0">
-                <a:solidFill>
-                  <a:srgbClr val="0070C0"/>
-                </a:solidFill>
-                <a:hlinkClick r:id="rId2"/>
-              </a:rPr>
-              <a:t> </a:t>
-            </a:r>
-            <a:endParaRPr lang="en-GB" b="1" u="sng" dirty="0">
-              <a:solidFill>
-                <a:srgbClr val="0070C0"/>
-              </a:solidFill>
-            </a:endParaRPr>
-          </a:p>
-          <a:p>
-            <a:pPr marL="0" indent="0">
-              <a:buNone/>
-            </a:pPr>
-            <a:r>
-              <a:rPr lang="en-GB" dirty="0"/>
-              <a:t>or </a:t>
-            </a:r>
-            <a:r>
-              <a:rPr lang="en-GB" b="1" dirty="0" err="1"/>
-              <a:t>Pycharm</a:t>
-            </a:r>
-            <a:r>
-              <a:rPr lang="en-GB" b="1" dirty="0"/>
-              <a:t>:</a:t>
-            </a:r>
-          </a:p>
-          <a:p>
-            <a:pPr marL="0" indent="0">
-              <a:buNone/>
-            </a:pPr>
-            <a:r>
-              <a:rPr lang="en-GB" u="sng" dirty="0">
-                <a:solidFill>
-                  <a:srgbClr val="0070C0"/>
-                </a:solidFill>
-                <a:hlinkClick r:id="rId3"/>
-              </a:rPr>
-              <a:t>https://www.jetbrains.com/pycharm/</a:t>
-            </a:r>
-            <a:endParaRPr lang="en-GB" u="sng" dirty="0">
-              <a:solidFill>
-                <a:srgbClr val="0070C0"/>
-              </a:solidFill>
-            </a:endParaRPr>
-          </a:p>
-          <a:p>
-            <a:pPr marL="0" indent="0">
-              <a:buNone/>
-            </a:pPr>
-            <a:endParaRPr lang="en-GB" b="1" dirty="0"/>
-          </a:p>
-          <a:p>
-            <a:pPr marL="0" indent="0">
-              <a:buNone/>
-            </a:pPr>
-            <a:endParaRPr lang="en-GB" dirty="0"/>
-          </a:p>
-        </p:txBody>
-      </p:sp>
-      <p:sp>
-        <p:nvSpPr>
-          <p:cNvPr id="4" name="Segnaposto data 3">
-            <a:extLst>
-              <a:ext uri="{FF2B5EF4-FFF2-40B4-BE49-F238E27FC236}">
-                <a16:creationId xmlns:a16="http://schemas.microsoft.com/office/drawing/2014/main" id="{CD37FF21-5647-48BC-ABE0-22F8AB863E52}"/>
-              </a:ext>
-            </a:extLst>
-          </p:cNvPr>
-          <p:cNvSpPr>
-            <a:spLocks noGrp="1"/>
-          </p:cNvSpPr>
-          <p:nvPr>
-            <p:ph type="dt" sz="half" idx="10"/>
-          </p:nvPr>
-        </p:nvSpPr>
-        <p:spPr>
-          <a:xfrm>
-            <a:off x="411891" y="6361329"/>
-            <a:ext cx="2558835" cy="365125"/>
-          </a:xfrm>
-        </p:spPr>
-        <p:txBody>
-          <a:bodyPr/>
-          <a:lstStyle/>
-          <a:p>
-            <a:r>
-              <a:rPr lang="en-US" dirty="0"/>
-              <a:t>Initial Setup – Pierluigi Zama Ramirez</a:t>
-            </a:r>
-          </a:p>
-        </p:txBody>
-      </p:sp>
-      <p:sp>
-        <p:nvSpPr>
-          <p:cNvPr id="5" name="Segnaposto numero diapositiva 4">
-            <a:extLst>
-              <a:ext uri="{FF2B5EF4-FFF2-40B4-BE49-F238E27FC236}">
-                <a16:creationId xmlns:a16="http://schemas.microsoft.com/office/drawing/2014/main" id="{1B67C968-09C6-409E-9094-6A61912F818E}"/>
-              </a:ext>
-            </a:extLst>
-          </p:cNvPr>
-          <p:cNvSpPr>
-            <a:spLocks noGrp="1"/>
-          </p:cNvSpPr>
-          <p:nvPr>
-            <p:ph type="sldNum" sz="quarter" idx="12"/>
-          </p:nvPr>
-        </p:nvSpPr>
-        <p:spPr/>
-        <p:txBody>
-          <a:bodyPr/>
-          <a:lstStyle/>
-          <a:p>
-            <a:fld id="{21D15A9C-11B4-4C77-BDEA-04E3D7D1DFC0}" type="slidenum">
-              <a:rPr lang="en-US" smtClean="0"/>
-              <a:t>14</a:t>
-            </a:fld>
-            <a:endParaRPr lang="en-US"/>
-          </a:p>
-        </p:txBody>
-      </p:sp>
-      <p:pic>
-        <p:nvPicPr>
-          <p:cNvPr id="7" name="Picture 6" descr="A screenshot of a computer screen&#10;&#10;Description automatically generated">
-            <a:extLst>
-              <a:ext uri="{FF2B5EF4-FFF2-40B4-BE49-F238E27FC236}">
-                <a16:creationId xmlns:a16="http://schemas.microsoft.com/office/drawing/2014/main" id="{4DF3BEF7-DC55-4F94-A68C-905967B726EE}"/>
-              </a:ext>
-            </a:extLst>
-          </p:cNvPr>
-          <p:cNvPicPr>
-            <a:picLocks noChangeAspect="1"/>
-          </p:cNvPicPr>
-          <p:nvPr/>
-        </p:nvPicPr>
-        <p:blipFill>
-          <a:blip r:embed="rId4">
-            <a:extLst>
-              <a:ext uri="{28A0092B-C50C-407E-A947-70E740481C1C}">
-                <a14:useLocalDpi xmlns:a14="http://schemas.microsoft.com/office/drawing/2010/main" val="0"/>
-              </a:ext>
-            </a:extLst>
-          </a:blip>
-          <a:stretch>
-            <a:fillRect/>
-          </a:stretch>
-        </p:blipFill>
-        <p:spPr>
-          <a:xfrm>
-            <a:off x="4840819" y="1825625"/>
-            <a:ext cx="3932479" cy="2364106"/>
-          </a:xfrm>
-          <a:prstGeom prst="rect">
-            <a:avLst/>
-          </a:prstGeom>
-        </p:spPr>
-      </p:pic>
-      <p:sp>
-        <p:nvSpPr>
-          <p:cNvPr id="8" name="TextBox 7">
-            <a:extLst>
-              <a:ext uri="{FF2B5EF4-FFF2-40B4-BE49-F238E27FC236}">
-                <a16:creationId xmlns:a16="http://schemas.microsoft.com/office/drawing/2014/main" id="{A87279E9-021B-455F-A831-1F47A5C4ADC7}"/>
-              </a:ext>
-            </a:extLst>
-          </p:cNvPr>
-          <p:cNvSpPr txBox="1"/>
-          <p:nvPr/>
-        </p:nvSpPr>
-        <p:spPr>
-          <a:xfrm>
-            <a:off x="5722677" y="4316968"/>
-            <a:ext cx="1986441" cy="369332"/>
-          </a:xfrm>
-          <a:prstGeom prst="rect">
-            <a:avLst/>
-          </a:prstGeom>
-          <a:noFill/>
-        </p:spPr>
-        <p:txBody>
-          <a:bodyPr wrap="none" rtlCol="0">
-            <a:spAutoFit/>
-          </a:bodyPr>
-          <a:lstStyle/>
-          <a:p>
-            <a:r>
-              <a:rPr lang="en-GB" dirty="0"/>
-              <a:t>Visual Studio Code</a:t>
-            </a:r>
-          </a:p>
-        </p:txBody>
-      </p:sp>
-      <p:sp>
-        <p:nvSpPr>
-          <p:cNvPr id="9" name="TextBox 8">
-            <a:extLst>
-              <a:ext uri="{FF2B5EF4-FFF2-40B4-BE49-F238E27FC236}">
-                <a16:creationId xmlns:a16="http://schemas.microsoft.com/office/drawing/2014/main" id="{F94C595A-21CC-4F57-9954-C4B981E0A9EB}"/>
-              </a:ext>
-            </a:extLst>
-          </p:cNvPr>
-          <p:cNvSpPr txBox="1"/>
-          <p:nvPr/>
-        </p:nvSpPr>
-        <p:spPr>
-          <a:xfrm>
-            <a:off x="411891" y="5063689"/>
-            <a:ext cx="8361407" cy="1384995"/>
-          </a:xfrm>
-          <a:prstGeom prst="rect">
-            <a:avLst/>
-          </a:prstGeom>
-          <a:noFill/>
-        </p:spPr>
-        <p:txBody>
-          <a:bodyPr wrap="square" rtlCol="0">
-            <a:spAutoFit/>
-          </a:bodyPr>
-          <a:lstStyle/>
-          <a:p>
-            <a:r>
-              <a:rPr lang="en-GB" sz="2200" dirty="0">
-                <a:latin typeface="Tw Cen MT" panose="020B0602020104020603" pitchFamily="34" charset="0"/>
-              </a:rPr>
-              <a:t>When you finish writing your script, navigate in your terminal to your script folder and run:</a:t>
-            </a:r>
-          </a:p>
-          <a:p>
-            <a:pPr algn="ctr"/>
-            <a:r>
-              <a:rPr lang="en-GB" sz="2200" b="1" i="1" dirty="0">
-                <a:latin typeface="Tw Cen MT" panose="020B0602020104020603" pitchFamily="34" charset="0"/>
-              </a:rPr>
-              <a:t>python my_script.py</a:t>
-            </a:r>
-          </a:p>
-          <a:p>
-            <a:endParaRPr lang="en-GB" dirty="0"/>
-          </a:p>
-        </p:txBody>
-      </p:sp>
-    </p:spTree>
-    <p:extLst>
-      <p:ext uri="{BB962C8B-B14F-4D97-AF65-F5344CB8AC3E}">
-        <p14:creationId xmlns:p14="http://schemas.microsoft.com/office/powerpoint/2010/main" val="2993606909"/>
-      </p:ext>
-    </p:extLst>
-  </p:cSld>
-  <p:clrMapOvr>
-    <a:masterClrMapping/>
-  </p:clrMapOvr>
-</p:sld>
-</file>
-
-<file path=ppt/slides/slide15.xml><?xml version="1.0" encoding="utf-8"?>
-<p:sld xmlns:a="http://schemas.openxmlformats.org/drawingml/2006/main" xmlns:r="http://schemas.openxmlformats.org/officeDocument/2006/relationships" xmlns:p="http://schemas.openxmlformats.org/presentationml/2006/main">
-  <p:cSld>
-    <p:spTree>
-      <p:nvGrpSpPr>
-        <p:cNvPr id="1" name=""/>
-        <p:cNvGrpSpPr/>
-        <p:nvPr/>
-      </p:nvGrpSpPr>
-      <p:grpSpPr>
-        <a:xfrm>
-          <a:off x="0" y="0"/>
-          <a:ext cx="0" cy="0"/>
-          <a:chOff x="0" y="0"/>
-          <a:chExt cx="0" cy="0"/>
-        </a:xfrm>
-      </p:grpSpPr>
-      <p:sp>
-        <p:nvSpPr>
           <p:cNvPr id="2" name="Title 1">
             <a:extLst>
               <a:ext uri="{FF2B5EF4-FFF2-40B4-BE49-F238E27FC236}">
@@ -9346,7 +9152,7 @@
           <a:p>
             <a:fld id="{21D15A9C-11B4-4C77-BDEA-04E3D7D1DFC0}" type="slidenum">
               <a:rPr lang="en-US" smtClean="0"/>
-              <a:t>15</a:t>
+              <a:t>14</a:t>
             </a:fld>
             <a:endParaRPr lang="en-US"/>
           </a:p>
@@ -9568,7 +9374,7 @@
           <a:p>
             <a:r>
               <a:rPr lang="en-GB" dirty="0"/>
-              <a:t>Python 3.5.x</a:t>
+              <a:t>Python</a:t>
             </a:r>
           </a:p>
           <a:p>
@@ -9711,7 +9517,7 @@
           <a:p>
             <a:r>
               <a:rPr lang="en-GB" dirty="0"/>
-              <a:t>Step 1: Installing Python 3.5.x</a:t>
+              <a:t>Step 1: Installing Python 3.x</a:t>
             </a:r>
           </a:p>
         </p:txBody>
@@ -9916,7 +9722,7 @@
               <a:rPr lang="en-GB" sz="1600" dirty="0">
                 <a:latin typeface="Tw Cen MT" panose="020B0602020104020603" pitchFamily="34" charset="0"/>
               </a:rPr>
-              <a:t>Download the Python3.5.x release from: </a:t>
+              <a:t>Download the Python3 latest release from: </a:t>
             </a:r>
             <a:r>
               <a:rPr lang="en-GB" sz="1600" dirty="0">
@@ -10044,50 +9850,6 @@
                 <a:latin typeface="Tw Cen MT" panose="020B0602020104020603" pitchFamily="34" charset="0"/>
               </a:rPr>
               <a:t> apt-get install –upgrade python3 </a:t>
-            </a:r>
-          </a:p>
-        </p:txBody>
-      </p:sp>
-      <p:sp>
-        <p:nvSpPr>
-          <p:cNvPr id="6" name="CasellaDiTesto 7">
-            <a:extLst>
-              <a:ext uri="{FF2B5EF4-FFF2-40B4-BE49-F238E27FC236}">
-                <a16:creationId xmlns:a16="http://schemas.microsoft.com/office/drawing/2014/main" id="{573BC25A-D967-471F-9EEC-E8364891740F}"/>
-              </a:ext>
-            </a:extLst>
-          </p:cNvPr>
-          <p:cNvSpPr txBox="1"/>
-          <p:nvPr/>
-        </p:nvSpPr>
-        <p:spPr>
-          <a:xfrm>
-            <a:off x="387178" y="5824979"/>
-            <a:ext cx="8292142" cy="584775"/>
-          </a:xfrm>
-          <a:prstGeom prst="rect">
-            <a:avLst/>
-          </a:prstGeom>
-          <a:noFill/>
-        </p:spPr>
-        <p:txBody>
-          <a:bodyPr wrap="square" rtlCol="0">
-            <a:spAutoFit/>
-          </a:bodyPr>
-          <a:lstStyle/>
-          <a:p>
-            <a:pPr algn="ctr"/>
-            <a:r>
-              <a:rPr lang="en-GB" sz="1600" b="1" i="1" dirty="0">
-                <a:latin typeface="Tw Cen MT" panose="020B0602020104020603" pitchFamily="34" charset="0"/>
-              </a:rPr>
-              <a:t>IMPORTANT: </a:t>
-            </a:r>
-            <a:r>
-              <a:rPr lang="en-GB" sz="1600" i="1" dirty="0">
-                <a:latin typeface="Tw Cen MT" panose="020B0602020104020603" pitchFamily="34" charset="0"/>
-              </a:rPr>
-              <a:t>After python 3.7.x, OpenCV is only available on Pip in version &gt; 3.4.8.x. Thus, you need to install previous version of python (&lt;= 3.7.x) to run the notebooks.</a:t>
             </a:r>
           </a:p>
         </p:txBody>
@@ -10127,7 +9889,7 @@
           <p:cNvPr id="2" name="Titolo 1">
             <a:extLst>
               <a:ext uri="{FF2B5EF4-FFF2-40B4-BE49-F238E27FC236}">
-                <a16:creationId xmlns:a16="http://schemas.microsoft.com/office/drawing/2014/main" id="{BABBC831-34D5-492C-AABF-C131D913B082}"/>
+                <a16:creationId xmlns:a16="http://schemas.microsoft.com/office/drawing/2014/main" id="{445714CA-E0DE-4A06-983D-E6FCA0D880D9}"/>
               </a:ext>
             </a:extLst>
           </p:cNvPr>
@@ -10138,14 +9900,21 @@
             <p:ph type="title"/>
           </p:nvPr>
         </p:nvSpPr>
-        <p:spPr/>
-        <p:txBody>
-          <a:bodyPr/>
+        <p:spPr>
+          <a:xfrm>
+            <a:off x="411892" y="365127"/>
+            <a:ext cx="7759722" cy="846292"/>
+          </a:xfrm>
+        </p:spPr>
+        <p:txBody>
+          <a:bodyPr>
+            <a:normAutofit fontScale="90000"/>
+          </a:bodyPr>
           <a:lstStyle/>
           <a:p>
             <a:r>
               <a:rPr lang="en-GB" dirty="0"/>
-              <a:t>Step 2: Installing pip</a:t>
+              <a:t>Step 2: Install Python Libraries with pip</a:t>
             </a:r>
           </a:p>
         </p:txBody>
@@ -10155,7 +9924,7 @@
           <p:cNvPr id="3" name="Segnaposto contenuto 2">
             <a:extLst>
               <a:ext uri="{FF2B5EF4-FFF2-40B4-BE49-F238E27FC236}">
-                <a16:creationId xmlns:a16="http://schemas.microsoft.com/office/drawing/2014/main" id="{AB7E86F7-B8D6-4C22-B53D-B1F3877950FD}"/>
+                <a16:creationId xmlns:a16="http://schemas.microsoft.com/office/drawing/2014/main" id="{88DDDFFD-4EB5-4D54-81DA-19CDFC81B261}"/>
               </a:ext>
             </a:extLst>
           </p:cNvPr>
@@ -10168,12 +9937,14 @@
         </p:nvSpPr>
         <p:spPr>
           <a:xfrm>
-            <a:off x="411892" y="1825625"/>
-            <a:ext cx="8344930" cy="1489075"/>
-          </a:xfrm>
-        </p:spPr>
-        <p:txBody>
-          <a:bodyPr/>
+            <a:off x="399535" y="1866901"/>
+            <a:ext cx="8344930" cy="4356100"/>
+          </a:xfrm>
+        </p:spPr>
+        <p:txBody>
+          <a:bodyPr>
+            <a:normAutofit fontScale="92500" lnSpcReduction="10000"/>
+          </a:bodyPr>
           <a:lstStyle/>
           <a:p>
             <a:pPr marL="0" indent="0">
@@ -10181,12 +9952,146 @@
             </a:pPr>
             <a:r>
               <a:rPr lang="en-GB" dirty="0"/>
-              <a:t>PIP is a recursive acronym that stands for “PIP Installs Packages”. It’s a command-line utility that allows you to install, reinstall, or uninstall Python packages with a simple command: </a:t>
-            </a:r>
-            <a:r>
-              <a:rPr lang="en-GB" b="1" dirty="0"/>
-              <a:t>pip</a:t>
-            </a:r>
+              <a:t>Installing on every OS:</a:t>
+            </a:r>
+          </a:p>
+          <a:p>
+            <a:pPr marL="0" indent="0">
+              <a:buNone/>
+            </a:pPr>
+            <a:r>
+              <a:rPr lang="en-GB" dirty="0"/>
+              <a:t>Open your terminal (Windows PowerShell for Windows) and run the following commands:</a:t>
+            </a:r>
+          </a:p>
+          <a:p>
+            <a:pPr marL="0" indent="0">
+              <a:buNone/>
+            </a:pPr>
+            <a:endParaRPr lang="en-GB" dirty="0"/>
+          </a:p>
+          <a:p>
+            <a:r>
+              <a:rPr lang="en-GB" dirty="0"/>
+              <a:t>Install </a:t>
+            </a:r>
+            <a:r>
+              <a:rPr lang="en-GB" dirty="0" err="1"/>
+              <a:t>numpy</a:t>
+            </a:r>
+            <a:r>
+              <a:rPr lang="en-GB" dirty="0"/>
+              <a:t> (For array operations) :</a:t>
+            </a:r>
+          </a:p>
+          <a:p>
+            <a:pPr marL="0" indent="0" algn="ctr">
+              <a:buNone/>
+            </a:pPr>
+            <a:r>
+              <a:rPr lang="en-GB" dirty="0"/>
+              <a:t> </a:t>
+            </a:r>
+            <a:r>
+              <a:rPr lang="en-GB" b="1" i="1" dirty="0"/>
+              <a:t>pip3 install </a:t>
+            </a:r>
+            <a:r>
+              <a:rPr lang="en-GB" b="1" i="1" dirty="0" err="1"/>
+              <a:t>numpy</a:t>
+            </a:r>
+            <a:endParaRPr lang="en-GB" b="1" i="1" dirty="0"/>
+          </a:p>
+          <a:p>
+            <a:r>
+              <a:rPr lang="en-GB" dirty="0"/>
+              <a:t>Install matplotlib (For plotting and visualization)</a:t>
+            </a:r>
+          </a:p>
+          <a:p>
+            <a:pPr marL="0" indent="0" algn="ctr">
+              <a:buNone/>
+            </a:pPr>
+            <a:r>
+              <a:rPr lang="en-GB" b="1" i="1" dirty="0"/>
+              <a:t>pip3 install matplotlib</a:t>
+            </a:r>
+          </a:p>
+          <a:p>
+            <a:r>
+              <a:rPr lang="en-GB" dirty="0"/>
+              <a:t>Install OpenCV (Computer Vision Library): </a:t>
+            </a:r>
+          </a:p>
+          <a:p>
+            <a:pPr marL="0" indent="0" algn="ctr">
+              <a:buNone/>
+            </a:pPr>
+            <a:r>
+              <a:rPr lang="en-GB" b="1" i="1" dirty="0"/>
+              <a:t>pip3 install </a:t>
+            </a:r>
+            <a:r>
+              <a:rPr lang="en-GB" b="1" i="1" dirty="0" err="1"/>
+              <a:t>opencv</a:t>
+            </a:r>
+            <a:r>
+              <a:rPr lang="en-GB" b="1" i="1" dirty="0"/>
+              <a:t>-python</a:t>
+            </a:r>
+            <a:endParaRPr lang="en-GB" b="1" i="1" dirty="0">
+              <a:solidFill>
+                <a:srgbClr val="FF0000"/>
+              </a:solidFill>
+            </a:endParaRPr>
+          </a:p>
+          <a:p>
+            <a:pPr marL="0" indent="0" algn="ctr">
+              <a:buNone/>
+            </a:pPr>
+            <a:r>
+              <a:rPr lang="en-GB" b="1" i="1" dirty="0"/>
+              <a:t>pip3 install </a:t>
+            </a:r>
+            <a:r>
+              <a:rPr lang="en-GB" b="1" i="1" dirty="0" err="1"/>
+              <a:t>opencv</a:t>
+            </a:r>
+            <a:r>
+              <a:rPr lang="en-GB" b="1" i="1" dirty="0"/>
+              <a:t>-</a:t>
+            </a:r>
+            <a:r>
+              <a:rPr lang="en-GB" b="1" i="1" dirty="0" err="1"/>
+              <a:t>contrib</a:t>
+            </a:r>
+            <a:r>
+              <a:rPr lang="en-GB" b="1" i="1" dirty="0"/>
+              <a:t>-python</a:t>
+            </a:r>
+            <a:endParaRPr lang="en-GB" b="1" i="1" dirty="0">
+              <a:solidFill>
+                <a:srgbClr val="FF0000"/>
+              </a:solidFill>
+            </a:endParaRPr>
+          </a:p>
+          <a:p>
+            <a:pPr marL="0" indent="0">
+              <a:buNone/>
+            </a:pPr>
+            <a:endParaRPr lang="en-GB" dirty="0"/>
+          </a:p>
+          <a:p>
+            <a:pPr marL="0" indent="0">
+              <a:buNone/>
+            </a:pPr>
+            <a:endParaRPr lang="en-GB" dirty="0"/>
+          </a:p>
+          <a:p>
+            <a:pPr marL="0" indent="0">
+              <a:buNone/>
+            </a:pPr>
+            <a:endParaRPr lang="en-GB" dirty="0"/>
           </a:p>
           <a:p>
             <a:pPr marL="0" indent="0">
@@ -10201,7 +10106,7 @@
           <p:cNvPr id="4" name="Segnaposto data 3">
             <a:extLst>
               <a:ext uri="{FF2B5EF4-FFF2-40B4-BE49-F238E27FC236}">
-                <a16:creationId xmlns:a16="http://schemas.microsoft.com/office/drawing/2014/main" id="{1D9218CC-38FC-48A8-B386-621D6B0912B6}"/>
+                <a16:creationId xmlns:a16="http://schemas.microsoft.com/office/drawing/2014/main" id="{A14690C0-4DA6-4DF9-A98F-99EAD8A70AC0}"/>
               </a:ext>
             </a:extLst>
           </p:cNvPr>
@@ -10214,8 +10119,8 @@
         </p:nvSpPr>
         <p:spPr>
           <a:xfrm>
-            <a:off x="411892" y="6361329"/>
-            <a:ext cx="2559908" cy="365125"/>
+            <a:off x="411891" y="6361329"/>
+            <a:ext cx="2541664" cy="365125"/>
           </a:xfrm>
         </p:spPr>
         <p:txBody>
@@ -10234,7 +10139,7 @@
           <p:cNvPr id="5" name="Segnaposto numero diapositiva 4">
             <a:extLst>
               <a:ext uri="{FF2B5EF4-FFF2-40B4-BE49-F238E27FC236}">
-                <a16:creationId xmlns:a16="http://schemas.microsoft.com/office/drawing/2014/main" id="{40D77B21-85BE-41B2-9B83-7110F626F061}"/>
+                <a16:creationId xmlns:a16="http://schemas.microsoft.com/office/drawing/2014/main" id="{385B2656-64C8-4519-8F81-7859234441B1}"/>
               </a:ext>
             </a:extLst>
           </p:cNvPr>
@@ -10254,515 +10159,14 @@
               <a:rPr lang="en-US" smtClean="0"/>
               <a:t>5</a:t>
             </a:fld>
-            <a:endParaRPr lang="en-US"/>
-          </a:p>
-        </p:txBody>
-      </p:sp>
-      <p:sp>
-        <p:nvSpPr>
-          <p:cNvPr id="6" name="CasellaDiTesto 5">
-            <a:extLst>
-              <a:ext uri="{FF2B5EF4-FFF2-40B4-BE49-F238E27FC236}">
-                <a16:creationId xmlns:a16="http://schemas.microsoft.com/office/drawing/2014/main" id="{A01BC8A4-52AF-4A64-85C5-7EBEFF22FC53}"/>
-              </a:ext>
-            </a:extLst>
-          </p:cNvPr>
-          <p:cNvSpPr txBox="1"/>
-          <p:nvPr/>
-        </p:nvSpPr>
-        <p:spPr>
-          <a:xfrm>
-            <a:off x="411892" y="2944310"/>
-            <a:ext cx="4402156" cy="2831544"/>
-          </a:xfrm>
-          <a:prstGeom prst="rect">
-            <a:avLst/>
-          </a:prstGeom>
-          <a:noFill/>
-        </p:spPr>
-        <p:txBody>
-          <a:bodyPr wrap="square" rtlCol="0">
-            <a:spAutoFit/>
-          </a:bodyPr>
-          <a:lstStyle/>
-          <a:p>
-            <a:r>
-              <a:rPr lang="en-GB" sz="1600" dirty="0">
-                <a:latin typeface="Tw Cen MT" panose="020B0602020104020603" pitchFamily="34" charset="0"/>
-              </a:rPr>
-              <a:t>Installing on Windows:</a:t>
-            </a:r>
-            <a:endParaRPr lang="en-US" sz="1600" dirty="0">
-              <a:latin typeface="Tw Cen MT" panose="020B0602020104020603" pitchFamily="34" charset="0"/>
-            </a:endParaRPr>
-          </a:p>
-          <a:p>
-            <a:pPr marL="285750" indent="-285750">
-              <a:buFont typeface="Arial" panose="020B0604020202020204" pitchFamily="34" charset="0"/>
-              <a:buChar char="•"/>
-            </a:pPr>
-            <a:r>
-              <a:rPr lang="en-US" sz="1600" dirty="0">
-                <a:latin typeface="Tw Cen MT" panose="020B0602020104020603" pitchFamily="34" charset="0"/>
-              </a:rPr>
-              <a:t>Download the get-pip.py installer script from here: </a:t>
-            </a:r>
-            <a:r>
-              <a:rPr lang="en-US" sz="1600" u="sng" dirty="0">
-                <a:solidFill>
-                  <a:srgbClr val="0070C0"/>
-                </a:solidFill>
-                <a:latin typeface="Tw Cen MT" panose="020B0602020104020603" pitchFamily="34" charset="0"/>
-                <a:hlinkClick r:id="rId3"/>
-              </a:rPr>
-              <a:t>https://bootstrap.pypa.io/get-pip.py</a:t>
-            </a:r>
-            <a:r>
-              <a:rPr lang="en-US" sz="1600" u="sng" dirty="0">
-                <a:solidFill>
-                  <a:srgbClr val="0070C0"/>
-                </a:solidFill>
-                <a:latin typeface="Tw Cen MT" panose="020B0602020104020603" pitchFamily="34" charset="0"/>
-              </a:rPr>
-              <a:t> </a:t>
-            </a:r>
-            <a:r>
-              <a:rPr lang="en-US" sz="1600" dirty="0">
-                <a:latin typeface="Tw Cen MT" panose="020B0602020104020603" pitchFamily="34" charset="0"/>
-              </a:rPr>
-              <a:t>Right-click on the link and select </a:t>
-            </a:r>
-            <a:r>
-              <a:rPr lang="en-US" sz="1600" i="1" dirty="0">
-                <a:latin typeface="Tw Cen MT" panose="020B0602020104020603" pitchFamily="34" charset="0"/>
-              </a:rPr>
-              <a:t>Save As</a:t>
-            </a:r>
-            <a:r>
-              <a:rPr lang="en-US" sz="1600" dirty="0">
-                <a:latin typeface="Tw Cen MT" panose="020B0602020104020603" pitchFamily="34" charset="0"/>
-              </a:rPr>
-              <a:t> and save it to any location.</a:t>
-            </a:r>
-          </a:p>
-          <a:p>
-            <a:pPr marL="285750" indent="-285750">
-              <a:buFont typeface="Arial" panose="020B0604020202020204" pitchFamily="34" charset="0"/>
-              <a:buChar char="•"/>
-            </a:pPr>
-            <a:r>
-              <a:rPr lang="en-US" sz="1600" dirty="0">
-                <a:latin typeface="Tw Cen MT" panose="020B0602020104020603" pitchFamily="34" charset="0"/>
-              </a:rPr>
-              <a:t>Open the Command Prompt (better </a:t>
-            </a:r>
-            <a:r>
-              <a:rPr lang="en-US" sz="1600" b="1" dirty="0">
-                <a:latin typeface="Tw Cen MT" panose="020B0602020104020603" pitchFamily="34" charset="0"/>
-              </a:rPr>
-              <a:t>Windows PowerShell</a:t>
-            </a:r>
-            <a:r>
-              <a:rPr lang="en-US" sz="1600" dirty="0">
-                <a:latin typeface="Tw Cen MT" panose="020B0602020104020603" pitchFamily="34" charset="0"/>
-              </a:rPr>
-              <a:t>) and navigate to the folder containing the get-pip.py file (</a:t>
-            </a:r>
-            <a:r>
-              <a:rPr lang="en-US" sz="1600" i="1" dirty="0">
-                <a:latin typeface="Tw Cen MT" panose="020B0602020104020603" pitchFamily="34" charset="0"/>
-              </a:rPr>
-              <a:t>cd</a:t>
-            </a:r>
-            <a:r>
-              <a:rPr lang="en-US" sz="1600" dirty="0">
-                <a:latin typeface="Tw Cen MT" panose="020B0602020104020603" pitchFamily="34" charset="0"/>
-              </a:rPr>
-              <a:t> </a:t>
-            </a:r>
-            <a:r>
-              <a:rPr lang="en-US" sz="1600" i="1" dirty="0">
-                <a:latin typeface="Tw Cen MT" panose="020B0602020104020603" pitchFamily="34" charset="0"/>
-              </a:rPr>
-              <a:t>path_to_folder)</a:t>
-            </a:r>
-            <a:r>
-              <a:rPr lang="en-US" sz="1600" dirty="0">
-                <a:latin typeface="Tw Cen MT" panose="020B0602020104020603" pitchFamily="34" charset="0"/>
-              </a:rPr>
-              <a:t>. </a:t>
-            </a:r>
-          </a:p>
-          <a:p>
-            <a:pPr marL="285750" indent="-285750">
-              <a:buFont typeface="Arial" panose="020B0604020202020204" pitchFamily="34" charset="0"/>
-              <a:buChar char="•"/>
-            </a:pPr>
-            <a:r>
-              <a:rPr lang="en-US" sz="1600" dirty="0">
-                <a:latin typeface="Tw Cen MT" panose="020B0602020104020603" pitchFamily="34" charset="0"/>
-              </a:rPr>
-              <a:t>Run the following command: </a:t>
-            </a:r>
-            <a:r>
-              <a:rPr lang="en-US" sz="1600" b="1" i="1" dirty="0">
-                <a:latin typeface="Tw Cen MT" panose="020B0602020104020603" pitchFamily="34" charset="0"/>
-              </a:rPr>
-              <a:t>python get-pip.py</a:t>
-            </a:r>
-          </a:p>
-          <a:p>
-            <a:pPr marL="285750" indent="-285750">
-              <a:buFont typeface="Arial" panose="020B0604020202020204" pitchFamily="34" charset="0"/>
-              <a:buChar char="•"/>
-            </a:pPr>
-            <a:endParaRPr lang="en-GB" dirty="0"/>
-          </a:p>
-        </p:txBody>
-      </p:sp>
-      <p:sp>
-        <p:nvSpPr>
-          <p:cNvPr id="7" name="CasellaDiTesto 5">
-            <a:extLst>
-              <a:ext uri="{FF2B5EF4-FFF2-40B4-BE49-F238E27FC236}">
-                <a16:creationId xmlns:a16="http://schemas.microsoft.com/office/drawing/2014/main" id="{F396E0AF-3398-4050-9751-B9EB4EAACBAA}"/>
-              </a:ext>
-            </a:extLst>
-          </p:cNvPr>
-          <p:cNvSpPr txBox="1"/>
-          <p:nvPr/>
-        </p:nvSpPr>
-        <p:spPr>
-          <a:xfrm>
-            <a:off x="4584357" y="2944310"/>
-            <a:ext cx="4402156" cy="4308872"/>
-          </a:xfrm>
-          <a:prstGeom prst="rect">
-            <a:avLst/>
-          </a:prstGeom>
-          <a:noFill/>
-        </p:spPr>
-        <p:txBody>
-          <a:bodyPr wrap="square" rtlCol="0">
-            <a:spAutoFit/>
-          </a:bodyPr>
-          <a:lstStyle/>
-          <a:p>
-            <a:r>
-              <a:rPr lang="en-GB" sz="1600" dirty="0">
-                <a:latin typeface="Tw Cen MT" panose="020B0602020104020603" pitchFamily="34" charset="0"/>
-              </a:rPr>
-              <a:t>Installing on Ubuntu:</a:t>
-            </a:r>
-          </a:p>
-          <a:p>
-            <a:pPr marL="285750" indent="-285750">
-              <a:buFont typeface="Arial" panose="020B0604020202020204" pitchFamily="34" charset="0"/>
-              <a:buChar char="•"/>
-            </a:pPr>
-            <a:r>
-              <a:rPr lang="en-GB" sz="1600" dirty="0">
-                <a:latin typeface="Tw Cen MT" panose="020B0602020104020603" pitchFamily="34" charset="0"/>
-              </a:rPr>
-              <a:t>Open your terminal and run the following:</a:t>
-            </a:r>
-          </a:p>
-          <a:p>
-            <a:pPr lvl="1"/>
-            <a:r>
-              <a:rPr lang="en-US" altLang="en-US" sz="1600" b="1" i="1" dirty="0" err="1">
-                <a:latin typeface="Tw Cen MT" panose="020B0602020104020603" pitchFamily="34" charset="0"/>
-              </a:rPr>
-              <a:t>sudo</a:t>
-            </a:r>
-            <a:r>
-              <a:rPr lang="en-US" altLang="en-US" sz="1600" b="1" i="1" dirty="0">
-                <a:latin typeface="Tw Cen MT" panose="020B0602020104020603" pitchFamily="34" charset="0"/>
-              </a:rPr>
-              <a:t> apt-get install python3-pip</a:t>
-            </a:r>
-          </a:p>
-          <a:p>
-            <a:pPr algn="ctr"/>
-            <a:endParaRPr lang="en-US" altLang="en-US" sz="1600" b="1" i="1" dirty="0">
-              <a:latin typeface="Tw Cen MT" panose="020B0602020104020603" pitchFamily="34" charset="0"/>
-            </a:endParaRPr>
-          </a:p>
-          <a:p>
-            <a:pPr marL="285750" indent="-285750">
-              <a:buFont typeface="Arial" panose="020B0604020202020204" pitchFamily="34" charset="0"/>
-              <a:buChar char="•"/>
-            </a:pPr>
-            <a:r>
-              <a:rPr lang="en-US" altLang="en-US" sz="1600" b="1" dirty="0">
-                <a:latin typeface="Tw Cen MT" panose="020B0602020104020603" pitchFamily="34" charset="0"/>
-              </a:rPr>
-              <a:t>[Optional] Virtual Environment </a:t>
-            </a:r>
-            <a:r>
-              <a:rPr lang="en-US" altLang="en-US" sz="1600" dirty="0">
-                <a:latin typeface="Tw Cen MT" panose="020B0602020104020603" pitchFamily="34" charset="0"/>
-              </a:rPr>
-              <a:t>if having conflicts with system libraries:</a:t>
-            </a:r>
-          </a:p>
-          <a:p>
-            <a:pPr marL="742950" lvl="1" indent="-285750">
-              <a:buFont typeface="Arial" panose="020B0604020202020204" pitchFamily="34" charset="0"/>
-              <a:buChar char="•"/>
-            </a:pPr>
-            <a:r>
-              <a:rPr lang="en-US" altLang="en-US" sz="1600" dirty="0">
-                <a:latin typeface="Tw Cen MT" panose="020B0602020104020603" pitchFamily="34" charset="0"/>
-              </a:rPr>
-              <a:t>1- Install virtual-env:</a:t>
-            </a:r>
-          </a:p>
-          <a:p>
-            <a:pPr lvl="1"/>
-            <a:r>
-              <a:rPr lang="en-US" altLang="en-US" sz="1600" i="1" dirty="0" err="1">
-                <a:latin typeface="Tw Cen MT" panose="020B0602020104020603" pitchFamily="34" charset="0"/>
-              </a:rPr>
-              <a:t>sudo</a:t>
-            </a:r>
-            <a:r>
-              <a:rPr lang="en-US" altLang="en-US" sz="1600" i="1" dirty="0">
-                <a:latin typeface="Tw Cen MT" panose="020B0602020104020603" pitchFamily="34" charset="0"/>
-              </a:rPr>
-              <a:t> pip3 install </a:t>
-            </a:r>
-            <a:r>
-              <a:rPr lang="en-US" altLang="en-US" sz="1600" i="1" dirty="0" err="1">
-                <a:latin typeface="Tw Cen MT" panose="020B0602020104020603" pitchFamily="34" charset="0"/>
-              </a:rPr>
-              <a:t>virtualenv</a:t>
-            </a:r>
-            <a:endParaRPr lang="en-US" altLang="en-US" sz="1600" i="1" dirty="0">
-              <a:latin typeface="Tw Cen MT" panose="020B0602020104020603" pitchFamily="34" charset="0"/>
-            </a:endParaRPr>
-          </a:p>
-          <a:p>
-            <a:pPr marL="742950" lvl="1" indent="-285750">
-              <a:buFont typeface="Arial" panose="020B0604020202020204" pitchFamily="34" charset="0"/>
-              <a:buChar char="•"/>
-            </a:pPr>
-            <a:r>
-              <a:rPr lang="en-US" altLang="en-US" sz="1600" dirty="0">
-                <a:latin typeface="Tw Cen MT" panose="020B0602020104020603" pitchFamily="34" charset="0"/>
-              </a:rPr>
-              <a:t>2 - Create virtual environment:</a:t>
-            </a:r>
-          </a:p>
-          <a:p>
-            <a:pPr lvl="1"/>
-            <a:r>
-              <a:rPr lang="en-US" altLang="en-US" sz="1600" i="1" dirty="0" err="1">
-                <a:latin typeface="Tw Cen MT" panose="020B0602020104020603" pitchFamily="34" charset="0"/>
-              </a:rPr>
-              <a:t>virtualenv</a:t>
-            </a:r>
-            <a:r>
-              <a:rPr lang="en-US" altLang="en-US" sz="1600" i="1" dirty="0">
-                <a:latin typeface="Tw Cen MT" panose="020B0602020104020603" pitchFamily="34" charset="0"/>
-              </a:rPr>
-              <a:t>  -p /</a:t>
-            </a:r>
-            <a:r>
-              <a:rPr lang="en-US" altLang="en-US" sz="1600" i="1" dirty="0" err="1">
-                <a:latin typeface="Tw Cen MT" panose="020B0602020104020603" pitchFamily="34" charset="0"/>
-              </a:rPr>
-              <a:t>usr</a:t>
-            </a:r>
-            <a:r>
-              <a:rPr lang="en-US" altLang="en-US" sz="1600" i="1" dirty="0">
-                <a:latin typeface="Tw Cen MT" panose="020B0602020104020603" pitchFamily="34" charset="0"/>
-              </a:rPr>
-              <a:t>/bin/python3 </a:t>
-            </a:r>
-          </a:p>
-          <a:p>
-            <a:pPr lvl="1"/>
-            <a:r>
-              <a:rPr lang="en-US" altLang="en-US" sz="1600" i="1" dirty="0">
-                <a:latin typeface="Tw Cen MT" panose="020B0602020104020603" pitchFamily="34" charset="0"/>
-              </a:rPr>
-              <a:t>“name-for-your-virtual-environment”</a:t>
-            </a:r>
-          </a:p>
-          <a:p>
-            <a:pPr marL="742950" lvl="1" indent="-285750">
-              <a:buFont typeface="Arial" panose="020B0604020202020204" pitchFamily="34" charset="0"/>
-              <a:buChar char="•"/>
-            </a:pPr>
-            <a:r>
-              <a:rPr lang="en-US" altLang="en-US" sz="1600" dirty="0">
-                <a:latin typeface="Tw Cen MT" panose="020B0602020104020603" pitchFamily="34" charset="0"/>
-              </a:rPr>
-              <a:t>3-Activate it (every new terminal):</a:t>
-            </a:r>
-            <a:endParaRPr lang="en-US" altLang="en-US" sz="1600" b="1" dirty="0">
-              <a:latin typeface="Tw Cen MT" panose="020B0602020104020603" pitchFamily="34" charset="0"/>
-            </a:endParaRPr>
-          </a:p>
-          <a:p>
-            <a:pPr lvl="1"/>
-            <a:r>
-              <a:rPr lang="en-US" altLang="en-US" sz="1600" i="1" dirty="0">
-                <a:latin typeface="Tw Cen MT" panose="020B0602020104020603" pitchFamily="34" charset="0"/>
-              </a:rPr>
-              <a:t>source “path-to-your-virtual-environment/bin/activate”</a:t>
-            </a:r>
-          </a:p>
-          <a:p>
-            <a:r>
-              <a:rPr lang="en-US" altLang="en-US" sz="1600" b="1" dirty="0">
-                <a:latin typeface="Tw Cen MT" panose="020B0602020104020603" pitchFamily="34" charset="0"/>
-              </a:rPr>
-              <a:t>  </a:t>
-            </a:r>
-          </a:p>
-          <a:p>
-            <a:pPr marL="285750" indent="-285750">
-              <a:buFont typeface="Arial" panose="020B0604020202020204" pitchFamily="34" charset="0"/>
-              <a:buChar char="•"/>
-            </a:pPr>
-            <a:endParaRPr lang="en-US" sz="1600" dirty="0">
-              <a:latin typeface="Tw Cen MT" panose="020B0602020104020603" pitchFamily="34" charset="0"/>
-            </a:endParaRPr>
-          </a:p>
-          <a:p>
-            <a:pPr marL="285750" indent="-285750">
-              <a:buFont typeface="Arial" panose="020B0604020202020204" pitchFamily="34" charset="0"/>
-              <a:buChar char="•"/>
-            </a:pPr>
-            <a:endParaRPr lang="en-GB" dirty="0"/>
-          </a:p>
-        </p:txBody>
-      </p:sp>
-      <p:sp>
-        <p:nvSpPr>
-          <p:cNvPr id="10" name="Rectangle 3">
-            <a:extLst>
-              <a:ext uri="{FF2B5EF4-FFF2-40B4-BE49-F238E27FC236}">
-                <a16:creationId xmlns:a16="http://schemas.microsoft.com/office/drawing/2014/main" id="{255E2251-9E7A-440C-9C72-2234D73B2315}"/>
-              </a:ext>
-            </a:extLst>
-          </p:cNvPr>
-          <p:cNvSpPr>
-            <a:spLocks noChangeArrowheads="1"/>
-          </p:cNvSpPr>
-          <p:nvPr/>
-        </p:nvSpPr>
-        <p:spPr bwMode="auto">
-          <a:xfrm>
-            <a:off x="0" y="0"/>
-            <a:ext cx="9144000" cy="457200"/>
-          </a:xfrm>
-          <a:prstGeom prst="rect">
-            <a:avLst/>
-          </a:prstGeom>
-          <a:noFill/>
-          <a:ln>
-            <a:noFill/>
-          </a:ln>
-          <a:effectLst/>
-          <a:extLst>
-            <a:ext uri="{909E8E84-426E-40DD-AFC4-6F175D3DCCD1}">
-              <a14:hiddenFill xmlns:a14="http://schemas.microsoft.com/office/drawing/2010/main">
-                <a:solidFill>
-                  <a:schemeClr val="accent1"/>
-                </a:solidFill>
-              </a14:hiddenFill>
-            </a:ext>
-            <a:ext uri="{91240B29-F687-4F45-9708-019B960494DF}">
-              <a14:hiddenLine xmlns:a14="http://schemas.microsoft.com/office/drawing/2010/main" w="9525">
-                <a:solidFill>
-                  <a:schemeClr val="tx1"/>
-                </a:solidFill>
-                <a:miter lim="800000"/>
-                <a:headEnd/>
-                <a:tailEnd/>
-              </a14:hiddenLine>
-            </a:ext>
-            <a:ext uri="{AF507438-7753-43E0-B8FC-AC1667EBCBE1}">
-              <a14:hiddenEffects xmlns:a14="http://schemas.microsoft.com/office/drawing/2010/main">
-                <a:effectLst>
-                  <a:outerShdw dist="35921" dir="2700000" algn="ctr" rotWithShape="0">
-                    <a:schemeClr val="bg2"/>
-                  </a:outerShdw>
-                </a:effectLst>
-              </a14:hiddenEffects>
-            </a:ext>
-          </a:extLst>
-        </p:spPr>
-        <p:txBody>
-          <a:bodyPr vert="horz" wrap="none" lIns="91440" tIns="45720" rIns="91440" bIns="45720" numCol="1" anchor="ctr" anchorCtr="0" compatLnSpc="1">
-            <a:prstTxWarp prst="textNoShape">
-              <a:avLst/>
-            </a:prstTxWarp>
-            <a:spAutoFit/>
-          </a:bodyPr>
-          <a:lstStyle/>
-          <a:p>
-            <a:pPr marL="0" marR="0" lvl="0" indent="0" algn="l" defTabSz="914400" rtl="0" eaLnBrk="0" fontAlgn="base" latinLnBrk="0" hangingPunct="0">
-              <a:lnSpc>
-                <a:spcPct val="100000"/>
-              </a:lnSpc>
-              <a:spcBef>
-                <a:spcPct val="0"/>
-              </a:spcBef>
-              <a:spcAft>
-                <a:spcPct val="0"/>
-              </a:spcAft>
-              <a:buClrTx/>
-              <a:buSzTx/>
-              <a:buFontTx/>
-              <a:buNone/>
-              <a:tabLst/>
-            </a:pPr>
-            <a:r>
-              <a:rPr kumimoji="0" lang="en-US" altLang="en-US" sz="1000" b="0" i="0" u="none" strike="noStrike" cap="none" normalizeH="0" baseline="0">
-                <a:ln>
-                  <a:noFill/>
-                </a:ln>
-                <a:solidFill>
-                  <a:schemeClr val="tx1"/>
-                </a:solidFill>
-                <a:effectLst/>
-                <a:latin typeface="Arial Unicode MS"/>
-              </a:rPr>
-              <a:t>-p /usr/bin/python2.7</a:t>
-            </a:r>
-            <a:r>
-              <a:rPr kumimoji="0" lang="en-US" altLang="en-US" sz="600" b="0" i="0" u="none" strike="noStrike" cap="none" normalizeH="0" baseline="0">
-                <a:ln>
-                  <a:noFill/>
-                </a:ln>
-                <a:solidFill>
-                  <a:schemeClr val="tx1"/>
-                </a:solidFill>
-                <a:effectLst/>
-              </a:rPr>
-              <a:t> </a:t>
-            </a:r>
-            <a:endParaRPr kumimoji="0" lang="en-US" altLang="en-US" sz="1800" b="0" i="0" u="none" strike="noStrike" cap="none" normalizeH="0" baseline="0">
-              <a:ln>
-                <a:noFill/>
-              </a:ln>
-              <a:solidFill>
-                <a:schemeClr val="tx1"/>
-              </a:solidFill>
-              <a:effectLst/>
-              <a:latin typeface="Arial" panose="020B0604020202020204" pitchFamily="34" charset="0"/>
-            </a:endParaRPr>
+            <a:endParaRPr lang="en-US" dirty="0"/>
           </a:p>
         </p:txBody>
       </p:sp>
     </p:spTree>
     <p:extLst>
       <p:ext uri="{BB962C8B-B14F-4D97-AF65-F5344CB8AC3E}">
-        <p14:creationId xmlns:p14="http://schemas.microsoft.com/office/powerpoint/2010/main" val="3516899283"/>
+        <p14:creationId xmlns:p14="http://schemas.microsoft.com/office/powerpoint/2010/main" val="2096771471"/>
       </p:ext>
     </p:extLst>
   </p:cSld>
@@ -10794,7 +10198,7 @@
           <p:cNvPr id="2" name="Titolo 1">
             <a:extLst>
               <a:ext uri="{FF2B5EF4-FFF2-40B4-BE49-F238E27FC236}">
-                <a16:creationId xmlns:a16="http://schemas.microsoft.com/office/drawing/2014/main" id="{445714CA-E0DE-4A06-983D-E6FCA0D880D9}"/>
+                <a16:creationId xmlns:a16="http://schemas.microsoft.com/office/drawing/2014/main" id="{C2425517-4760-4CAE-AE51-2926BAC8F809}"/>
               </a:ext>
             </a:extLst>
           </p:cNvPr>
@@ -10805,12 +10209,7 @@
             <p:ph type="title"/>
           </p:nvPr>
         </p:nvSpPr>
-        <p:spPr>
-          <a:xfrm>
-            <a:off x="411892" y="365127"/>
-            <a:ext cx="7759722" cy="846292"/>
-          </a:xfrm>
-        </p:spPr>
+        <p:spPr/>
         <p:txBody>
           <a:bodyPr>
             <a:normAutofit fontScale="90000"/>
@@ -10819,7 +10218,7 @@
           <a:p>
             <a:r>
               <a:rPr lang="en-GB" dirty="0"/>
-              <a:t>Step 3: Install Python Libraries with pip</a:t>
+              <a:t>Step 4: Install and run Jupyter Notebook</a:t>
             </a:r>
           </a:p>
         </p:txBody>
@@ -10829,7 +10228,7 @@
           <p:cNvPr id="3" name="Segnaposto contenuto 2">
             <a:extLst>
               <a:ext uri="{FF2B5EF4-FFF2-40B4-BE49-F238E27FC236}">
-                <a16:creationId xmlns:a16="http://schemas.microsoft.com/office/drawing/2014/main" id="{88DDDFFD-4EB5-4D54-81DA-19CDFC81B261}"/>
+                <a16:creationId xmlns:a16="http://schemas.microsoft.com/office/drawing/2014/main" id="{87EB0E7F-A70F-40D1-8E72-EC4A6A106225}"/>
               </a:ext>
             </a:extLst>
           </p:cNvPr>
@@ -10842,13 +10241,13 @@
         </p:nvSpPr>
         <p:spPr>
           <a:xfrm>
-            <a:off x="399535" y="1866901"/>
-            <a:ext cx="8344930" cy="4356100"/>
+            <a:off x="411892" y="1825624"/>
+            <a:ext cx="8344930" cy="4138757"/>
           </a:xfrm>
         </p:spPr>
         <p:txBody>
           <a:bodyPr>
-            <a:normAutofit fontScale="92500" lnSpcReduction="10000"/>
+            <a:normAutofit/>
           </a:bodyPr>
           <a:lstStyle/>
           <a:p>
@@ -10856,17 +10255,16 @@
               <a:buNone/>
             </a:pPr>
             <a:r>
-              <a:rPr lang="en-GB" dirty="0"/>
-              <a:t>Installing on every OS:</a:t>
-            </a:r>
-          </a:p>
-          <a:p>
-            <a:pPr marL="0" indent="0">
-              <a:buNone/>
-            </a:pPr>
-            <a:r>
-              <a:rPr lang="en-GB" dirty="0"/>
-              <a:t>Open your terminal (Windows PowerShell for Windows) and run the following commands:</a:t>
+              <a:rPr lang="en-US" dirty="0"/>
+              <a:t>The </a:t>
+            </a:r>
+            <a:r>
+              <a:rPr lang="en-US" dirty="0" err="1"/>
+              <a:t>Jupyter</a:t>
+            </a:r>
+            <a:r>
+              <a:rPr lang="en-US" dirty="0"/>
+              <a:t> Notebook is an open-source web application that allows you to create and share documents that contain live code, equations, visualizations and narrative text. It is useful to explain how to code and to visualize interactively the results of an algorithm or code.</a:t>
             </a:r>
           </a:p>
           <a:p>
@@ -10876,121 +10274,37 @@
             <a:endParaRPr lang="en-GB" dirty="0"/>
           </a:p>
           <a:p>
+            <a:pPr marL="0" indent="0">
+              <a:buNone/>
+            </a:pPr>
+            <a:r>
+              <a:rPr lang="en-GB" b="1" dirty="0"/>
+              <a:t>Installing</a:t>
+            </a:r>
             <a:r>
               <a:rPr lang="en-GB" dirty="0"/>
-              <a:t>Install </a:t>
-            </a:r>
-            <a:r>
-              <a:rPr lang="en-GB" dirty="0" err="1"/>
-              <a:t>numpy</a:t>
-            </a:r>
+              <a:t> on every OS:</a:t>
+            </a:r>
+          </a:p>
+          <a:p>
             <a:r>
               <a:rPr lang="en-GB" dirty="0"/>
-              <a:t> (For array operations) :</a:t>
+              <a:t>Open your terminal and run: </a:t>
             </a:r>
           </a:p>
           <a:p>
             <a:pPr marL="0" indent="0" algn="ctr">
               <a:buNone/>
             </a:pPr>
-            <a:r>
-              <a:rPr lang="en-GB" dirty="0"/>
-              <a:t> </a:t>
-            </a:r>
             <a:r>
               <a:rPr lang="en-GB" b="1" i="1" dirty="0"/>
               <a:t>pip3 install </a:t>
             </a:r>
             <a:r>
               <a:rPr lang="en-GB" b="1" i="1" dirty="0" err="1"/>
-              <a:t>numpy</a:t>
+              <a:t>jupyter</a:t>
             </a:r>
             <a:endParaRPr lang="en-GB" b="1" i="1" dirty="0"/>
-          </a:p>
-          <a:p>
-            <a:r>
-              <a:rPr lang="en-GB" dirty="0"/>
-              <a:t>Install matplotlib (For plotting and visualization)</a:t>
-            </a:r>
-          </a:p>
-          <a:p>
-            <a:pPr marL="0" indent="0" algn="ctr">
-              <a:buNone/>
-            </a:pPr>
-            <a:r>
-              <a:rPr lang="en-GB" b="1" i="1" dirty="0"/>
-              <a:t>pip3 install matplotlib</a:t>
-            </a:r>
-          </a:p>
-          <a:p>
-            <a:r>
-              <a:rPr lang="en-GB" dirty="0"/>
-              <a:t>Install OpenCV (Computer Vision Library): </a:t>
-            </a:r>
-          </a:p>
-          <a:p>
-            <a:pPr marL="0" indent="0" algn="ctr">
-              <a:buNone/>
-            </a:pPr>
-            <a:r>
-              <a:rPr lang="en-GB" b="1" i="1" dirty="0"/>
-              <a:t>pip3 install </a:t>
-            </a:r>
-            <a:r>
-              <a:rPr lang="en-GB" b="1" i="1" dirty="0" err="1"/>
-              <a:t>opencv</a:t>
-            </a:r>
-            <a:r>
-              <a:rPr lang="en-GB" b="1" i="1" dirty="0"/>
-              <a:t>-python==</a:t>
-            </a:r>
-            <a:r>
-              <a:rPr lang="en-GB" b="1" i="1" dirty="0">
-                <a:solidFill>
-                  <a:srgbClr val="FF0000"/>
-                </a:solidFill>
-              </a:rPr>
-              <a:t>3.4.2.16</a:t>
-            </a:r>
-          </a:p>
-          <a:p>
-            <a:pPr marL="0" indent="0" algn="ctr">
-              <a:buNone/>
-            </a:pPr>
-            <a:r>
-              <a:rPr lang="en-GB" b="1" i="1" dirty="0"/>
-              <a:t>pip3 install </a:t>
-            </a:r>
-            <a:r>
-              <a:rPr lang="en-GB" b="1" i="1" dirty="0" err="1"/>
-              <a:t>opencv</a:t>
-            </a:r>
-            <a:r>
-              <a:rPr lang="en-GB" b="1" i="1" dirty="0"/>
-              <a:t>-</a:t>
-            </a:r>
-            <a:r>
-              <a:rPr lang="en-GB" b="1" i="1" dirty="0" err="1"/>
-              <a:t>contrib</a:t>
-            </a:r>
-            <a:r>
-              <a:rPr lang="en-GB" b="1" i="1" dirty="0"/>
-              <a:t>-python ==</a:t>
-            </a:r>
-            <a:r>
-              <a:rPr lang="en-GB" b="1" i="1" dirty="0">
-                <a:solidFill>
-                  <a:srgbClr val="FF0000"/>
-                </a:solidFill>
-              </a:rPr>
-              <a:t> 3.4.2.16</a:t>
-            </a:r>
-          </a:p>
-          <a:p>
-            <a:pPr marL="0" indent="0">
-              <a:buNone/>
-            </a:pPr>
-            <a:endParaRPr lang="en-GB" dirty="0"/>
           </a:p>
           <a:p>
             <a:pPr marL="0" indent="0">
@@ -11017,7 +10331,7 @@
           <p:cNvPr id="4" name="Segnaposto data 3">
             <a:extLst>
               <a:ext uri="{FF2B5EF4-FFF2-40B4-BE49-F238E27FC236}">
-                <a16:creationId xmlns:a16="http://schemas.microsoft.com/office/drawing/2014/main" id="{A14690C0-4DA6-4DF9-A98F-99EAD8A70AC0}"/>
+                <a16:creationId xmlns:a16="http://schemas.microsoft.com/office/drawing/2014/main" id="{CD37FF21-5647-48BC-ABE0-22F8AB863E52}"/>
               </a:ext>
             </a:extLst>
           </p:cNvPr>
@@ -11031,7 +10345,7 @@
         <p:spPr>
           <a:xfrm>
             <a:off x="411891" y="6361329"/>
-            <a:ext cx="2541664" cy="365125"/>
+            <a:ext cx="2558835" cy="365125"/>
           </a:xfrm>
         </p:spPr>
         <p:txBody>
@@ -11050,7 +10364,7 @@
           <p:cNvPr id="5" name="Segnaposto numero diapositiva 4">
             <a:extLst>
               <a:ext uri="{FF2B5EF4-FFF2-40B4-BE49-F238E27FC236}">
-                <a16:creationId xmlns:a16="http://schemas.microsoft.com/office/drawing/2014/main" id="{385B2656-64C8-4519-8F81-7859234441B1}"/>
+                <a16:creationId xmlns:a16="http://schemas.microsoft.com/office/drawing/2014/main" id="{1B67C968-09C6-409E-9094-6A61912F818E}"/>
               </a:ext>
             </a:extLst>
           </p:cNvPr>
@@ -11070,14 +10384,14 @@
               <a:rPr lang="en-US" smtClean="0"/>
               <a:t>6</a:t>
             </a:fld>
-            <a:endParaRPr lang="en-US" dirty="0"/>
+            <a:endParaRPr lang="en-US"/>
           </a:p>
         </p:txBody>
       </p:sp>
     </p:spTree>
     <p:extLst>
       <p:ext uri="{BB962C8B-B14F-4D97-AF65-F5344CB8AC3E}">
-        <p14:creationId xmlns:p14="http://schemas.microsoft.com/office/powerpoint/2010/main" val="2096771471"/>
+        <p14:creationId xmlns:p14="http://schemas.microsoft.com/office/powerpoint/2010/main" val="2030660169"/>
       </p:ext>
     </p:extLst>
   </p:cSld>
@@ -11106,10 +10420,10 @@
       </p:grpSpPr>
       <p:sp>
         <p:nvSpPr>
-          <p:cNvPr id="2" name="Titolo 1">
+          <p:cNvPr id="2" name="Title 1">
             <a:extLst>
               <a:ext uri="{FF2B5EF4-FFF2-40B4-BE49-F238E27FC236}">
-                <a16:creationId xmlns:a16="http://schemas.microsoft.com/office/drawing/2014/main" id="{C2425517-4760-4CAE-AE51-2926BAC8F809}"/>
+                <a16:creationId xmlns:a16="http://schemas.microsoft.com/office/drawing/2014/main" id="{9684FB9A-E9C6-411C-A1CD-8267E2FAE1B4}"/>
               </a:ext>
             </a:extLst>
           </p:cNvPr>
@@ -11120,189 +10434,32 @@
             <p:ph type="title"/>
           </p:nvPr>
         </p:nvSpPr>
-        <p:spPr/>
-        <p:txBody>
-          <a:bodyPr>
-            <a:normAutofit fontScale="90000"/>
-          </a:bodyPr>
-          <a:lstStyle/>
-          <a:p>
-            <a:r>
-              <a:rPr lang="en-GB" dirty="0"/>
-              <a:t>Step 4: Install and run Jupyter Notebook</a:t>
-            </a:r>
-          </a:p>
-        </p:txBody>
-      </p:sp>
-      <p:sp>
-        <p:nvSpPr>
-          <p:cNvPr id="3" name="Segnaposto contenuto 2">
-            <a:extLst>
-              <a:ext uri="{FF2B5EF4-FFF2-40B4-BE49-F238E27FC236}">
-                <a16:creationId xmlns:a16="http://schemas.microsoft.com/office/drawing/2014/main" id="{87EB0E7F-A70F-40D1-8E72-EC4A6A106225}"/>
-              </a:ext>
-            </a:extLst>
-          </p:cNvPr>
-          <p:cNvSpPr>
-            <a:spLocks noGrp="1"/>
-          </p:cNvSpPr>
-          <p:nvPr>
-            <p:ph idx="1"/>
-          </p:nvPr>
-        </p:nvSpPr>
-        <p:spPr>
-          <a:xfrm>
-            <a:off x="411892" y="1825624"/>
-            <a:ext cx="8344930" cy="4138757"/>
-          </a:xfrm>
-        </p:spPr>
-        <p:txBody>
-          <a:bodyPr>
-            <a:normAutofit/>
-          </a:bodyPr>
-          <a:lstStyle/>
-          <a:p>
-            <a:pPr marL="0" indent="0">
-              <a:buNone/>
-            </a:pPr>
-            <a:r>
-              <a:rPr lang="en-US" dirty="0"/>
-              <a:t>The </a:t>
-            </a:r>
-            <a:r>
-              <a:rPr lang="en-US" dirty="0" err="1"/>
-              <a:t>Jupyter</a:t>
-            </a:r>
-            <a:r>
-              <a:rPr lang="en-US" dirty="0"/>
-              <a:t> Notebook is an open-source web application that allows you to create and share documents that contain live code, equations, visualizations and narrative text. It is useful to explain how to code and to visualize interactively the results of an algorithm or code.</a:t>
-            </a:r>
-          </a:p>
-          <a:p>
-            <a:pPr marL="0" indent="0">
-              <a:buNone/>
-            </a:pPr>
-            <a:endParaRPr lang="en-GB" dirty="0"/>
-          </a:p>
-          <a:p>
-            <a:pPr marL="0" indent="0">
-              <a:buNone/>
-            </a:pPr>
-            <a:r>
-              <a:rPr lang="en-GB" b="1" dirty="0"/>
-              <a:t>Installing</a:t>
-            </a:r>
-            <a:r>
-              <a:rPr lang="en-GB" dirty="0"/>
-              <a:t> on every OS:</a:t>
-            </a:r>
-          </a:p>
-          <a:p>
-            <a:r>
-              <a:rPr lang="en-GB" dirty="0"/>
-              <a:t>Open your terminal and run: </a:t>
-            </a:r>
-          </a:p>
-          <a:p>
-            <a:pPr marL="0" indent="0" algn="ctr">
-              <a:buNone/>
-            </a:pPr>
-            <a:r>
-              <a:rPr lang="en-GB" b="1" i="1" dirty="0"/>
-              <a:t>pip3 install </a:t>
-            </a:r>
-            <a:r>
-              <a:rPr lang="en-GB" b="1" i="1" dirty="0" err="1"/>
-              <a:t>jupyter</a:t>
-            </a:r>
-            <a:endParaRPr lang="en-GB" b="1" i="1" dirty="0"/>
-          </a:p>
-          <a:p>
-            <a:pPr marL="0" indent="0">
-              <a:buNone/>
-            </a:pPr>
-            <a:endParaRPr lang="en-GB" dirty="0"/>
-          </a:p>
-          <a:p>
-            <a:pPr marL="0" indent="0">
-              <a:buNone/>
-            </a:pPr>
-            <a:endParaRPr lang="en-GB" dirty="0"/>
-          </a:p>
-          <a:p>
-            <a:pPr marL="0" indent="0">
-              <a:buNone/>
-            </a:pPr>
-            <a:endParaRPr lang="en-GB" dirty="0"/>
-          </a:p>
-        </p:txBody>
-      </p:sp>
-      <p:sp>
-        <p:nvSpPr>
-          <p:cNvPr id="4" name="Segnaposto data 3">
-            <a:extLst>
-              <a:ext uri="{FF2B5EF4-FFF2-40B4-BE49-F238E27FC236}">
-                <a16:creationId xmlns:a16="http://schemas.microsoft.com/office/drawing/2014/main" id="{CD37FF21-5647-48BC-ABE0-22F8AB863E52}"/>
-              </a:ext>
-            </a:extLst>
-          </p:cNvPr>
-          <p:cNvSpPr>
-            <a:spLocks noGrp="1"/>
-          </p:cNvSpPr>
-          <p:nvPr>
-            <p:ph type="dt" sz="half" idx="10"/>
-          </p:nvPr>
-        </p:nvSpPr>
-        <p:spPr>
-          <a:xfrm>
-            <a:off x="411891" y="6361329"/>
-            <a:ext cx="2558835" cy="365125"/>
-          </a:xfrm>
-        </p:spPr>
-        <p:txBody>
-          <a:bodyPr/>
-          <a:lstStyle/>
-          <a:p>
-            <a:r>
-              <a:rPr lang="en-US" dirty="0"/>
-              <a:t>Initial Setup – Pierluigi Zama Ramirez</a:t>
-            </a:r>
-          </a:p>
-        </p:txBody>
-      </p:sp>
-      <p:sp>
-        <p:nvSpPr>
-          <p:cNvPr id="5" name="Segnaposto numero diapositiva 4">
-            <a:extLst>
-              <a:ext uri="{FF2B5EF4-FFF2-40B4-BE49-F238E27FC236}">
-                <a16:creationId xmlns:a16="http://schemas.microsoft.com/office/drawing/2014/main" id="{1B67C968-09C6-409E-9094-6A61912F818E}"/>
-              </a:ext>
-            </a:extLst>
-          </p:cNvPr>
-          <p:cNvSpPr>
-            <a:spLocks noGrp="1"/>
-          </p:cNvSpPr>
-          <p:nvPr>
-            <p:ph type="sldNum" sz="quarter" idx="12"/>
-          </p:nvPr>
-        </p:nvSpPr>
-        <p:spPr/>
-        <p:txBody>
-          <a:bodyPr/>
-          <a:lstStyle/>
-          <a:p>
-            <a:fld id="{21D15A9C-11B4-4C77-BDEA-04E3D7D1DFC0}" type="slidenum">
-              <a:rPr lang="en-US" smtClean="0"/>
-              <a:t>7</a:t>
-            </a:fld>
-            <a:endParaRPr lang="en-US"/>
+        <p:spPr>
+          <a:xfrm>
+            <a:off x="628650" y="2986722"/>
+            <a:ext cx="7886700" cy="884555"/>
+          </a:xfrm>
+        </p:spPr>
+        <p:txBody>
+          <a:bodyPr/>
+          <a:lstStyle/>
+          <a:p>
+            <a:pPr algn="ctr"/>
+            <a:r>
+              <a:rPr lang="en-GB" b="1" dirty="0">
+                <a:solidFill>
+                  <a:schemeClr val="accent5"/>
+                </a:solidFill>
+              </a:rPr>
+              <a:t>Working on Lab Computer</a:t>
+            </a:r>
           </a:p>
         </p:txBody>
       </p:sp>
     </p:spTree>
     <p:extLst>
       <p:ext uri="{BB962C8B-B14F-4D97-AF65-F5344CB8AC3E}">
-        <p14:creationId xmlns:p14="http://schemas.microsoft.com/office/powerpoint/2010/main" val="2030660169"/>
+        <p14:creationId xmlns:p14="http://schemas.microsoft.com/office/powerpoint/2010/main" val="4086799980"/>
       </p:ext>
     </p:extLst>
   </p:cSld>
@@ -11331,10 +10488,10 @@
       </p:grpSpPr>
       <p:sp>
         <p:nvSpPr>
-          <p:cNvPr id="2" name="Title 1">
+          <p:cNvPr id="4" name="Segnaposto data 3">
             <a:extLst>
               <a:ext uri="{FF2B5EF4-FFF2-40B4-BE49-F238E27FC236}">
-                <a16:creationId xmlns:a16="http://schemas.microsoft.com/office/drawing/2014/main" id="{9684FB9A-E9C6-411C-A1CD-8267E2FAE1B4}"/>
+                <a16:creationId xmlns:a16="http://schemas.microsoft.com/office/drawing/2014/main" id="{CD37FF21-5647-48BC-ABE0-22F8AB863E52}"/>
               </a:ext>
             </a:extLst>
           </p:cNvPr>
@@ -11342,27 +10499,197 @@
             <a:spLocks noGrp="1"/>
           </p:cNvSpPr>
           <p:nvPr>
+            <p:ph type="dt" sz="half" idx="10"/>
+          </p:nvPr>
+        </p:nvSpPr>
+        <p:spPr>
+          <a:xfrm>
+            <a:off x="411891" y="6361329"/>
+            <a:ext cx="2558835" cy="365125"/>
+          </a:xfrm>
+        </p:spPr>
+        <p:txBody>
+          <a:bodyPr/>
+          <a:lstStyle/>
+          <a:p>
+            <a:r>
+              <a:rPr lang="en-US" dirty="0"/>
+              <a:t>Initial Setup – Pierluigi Zama Ramirez</a:t>
+            </a:r>
+          </a:p>
+        </p:txBody>
+      </p:sp>
+      <p:sp>
+        <p:nvSpPr>
+          <p:cNvPr id="5" name="Segnaposto numero diapositiva 4">
+            <a:extLst>
+              <a:ext uri="{FF2B5EF4-FFF2-40B4-BE49-F238E27FC236}">
+                <a16:creationId xmlns:a16="http://schemas.microsoft.com/office/drawing/2014/main" id="{1B67C968-09C6-409E-9094-6A61912F818E}"/>
+              </a:ext>
+            </a:extLst>
+          </p:cNvPr>
+          <p:cNvSpPr>
+            <a:spLocks noGrp="1"/>
+          </p:cNvSpPr>
+          <p:nvPr>
+            <p:ph type="sldNum" sz="quarter" idx="12"/>
+          </p:nvPr>
+        </p:nvSpPr>
+        <p:spPr/>
+        <p:txBody>
+          <a:bodyPr/>
+          <a:lstStyle/>
+          <a:p>
+            <a:fld id="{21D15A9C-11B4-4C77-BDEA-04E3D7D1DFC0}" type="slidenum">
+              <a:rPr lang="en-US" smtClean="0"/>
+              <a:t>8</a:t>
+            </a:fld>
+            <a:endParaRPr lang="en-US"/>
+          </a:p>
+        </p:txBody>
+      </p:sp>
+      <p:sp>
+        <p:nvSpPr>
+          <p:cNvPr id="10" name="Title 9">
+            <a:extLst>
+              <a:ext uri="{FF2B5EF4-FFF2-40B4-BE49-F238E27FC236}">
+                <a16:creationId xmlns:a16="http://schemas.microsoft.com/office/drawing/2014/main" id="{72845DCC-69CC-44B6-95CC-903390EA718D}"/>
+              </a:ext>
+            </a:extLst>
+          </p:cNvPr>
+          <p:cNvSpPr>
+            <a:spLocks noGrp="1"/>
+          </p:cNvSpPr>
+          <p:nvPr>
             <p:ph type="title"/>
           </p:nvPr>
         </p:nvSpPr>
-        <p:spPr>
-          <a:xfrm>
-            <a:off x="628650" y="2986722"/>
-            <a:ext cx="7886700" cy="884555"/>
-          </a:xfrm>
-        </p:spPr>
-        <p:txBody>
-          <a:bodyPr/>
-          <a:lstStyle/>
-          <a:p>
-            <a:pPr algn="ctr"/>
-            <a:r>
-              <a:rPr lang="en-GB" b="1" dirty="0">
-                <a:solidFill>
-                  <a:schemeClr val="accent5"/>
-                </a:solidFill>
-              </a:rPr>
-              <a:t>Working on Lab Computer</a:t>
+        <p:spPr/>
+        <p:txBody>
+          <a:bodyPr/>
+          <a:lstStyle/>
+          <a:p>
+            <a:r>
+              <a:rPr lang="en-GB" dirty="0"/>
+              <a:t>Working on Lab computer</a:t>
+            </a:r>
+          </a:p>
+        </p:txBody>
+      </p:sp>
+      <p:pic>
+        <p:nvPicPr>
+          <p:cNvPr id="11" name="Picture 10">
+            <a:extLst>
+              <a:ext uri="{FF2B5EF4-FFF2-40B4-BE49-F238E27FC236}">
+                <a16:creationId xmlns:a16="http://schemas.microsoft.com/office/drawing/2014/main" id="{29F8597D-9CD6-42C0-857B-A1F99A7A332E}"/>
+              </a:ext>
+            </a:extLst>
+          </p:cNvPr>
+          <p:cNvPicPr>
+            <a:picLocks noChangeAspect="1"/>
+          </p:cNvPicPr>
+          <p:nvPr/>
+        </p:nvPicPr>
+        <p:blipFill rotWithShape="1">
+          <a:blip r:embed="rId3"/>
+          <a:srcRect l="3283" t="673" b="37374"/>
+          <a:stretch/>
+        </p:blipFill>
+        <p:spPr>
+          <a:xfrm>
+            <a:off x="2296419" y="1948014"/>
+            <a:ext cx="4551161" cy="2186459"/>
+          </a:xfrm>
+          <a:prstGeom prst="rect">
+            <a:avLst/>
+          </a:prstGeom>
+        </p:spPr>
+      </p:pic>
+      <p:sp>
+        <p:nvSpPr>
+          <p:cNvPr id="12" name="TextBox 11">
+            <a:extLst>
+              <a:ext uri="{FF2B5EF4-FFF2-40B4-BE49-F238E27FC236}">
+                <a16:creationId xmlns:a16="http://schemas.microsoft.com/office/drawing/2014/main" id="{60134894-17E9-445B-A3DC-17984E4BB348}"/>
+              </a:ext>
+            </a:extLst>
+          </p:cNvPr>
+          <p:cNvSpPr txBox="1"/>
+          <p:nvPr/>
+        </p:nvSpPr>
+        <p:spPr>
+          <a:xfrm flipH="1">
+            <a:off x="957385" y="4365760"/>
+            <a:ext cx="7120175" cy="1754326"/>
+          </a:xfrm>
+          <a:prstGeom prst="rect">
+            <a:avLst/>
+          </a:prstGeom>
+          <a:noFill/>
+        </p:spPr>
+        <p:txBody>
+          <a:bodyPr wrap="square" rtlCol="0">
+            <a:spAutoFit/>
+          </a:bodyPr>
+          <a:lstStyle/>
+          <a:p>
+            <a:r>
+              <a:rPr lang="en-GB" dirty="0"/>
+              <a:t>All the packages you need are already installed. If it is your first time in lab, perform the following steps:</a:t>
+            </a:r>
+          </a:p>
+          <a:p>
+            <a:pPr marL="342900" indent="-342900">
+              <a:buFont typeface="+mj-lt"/>
+              <a:buAutoNum type="arabicPeriod"/>
+            </a:pPr>
+            <a:r>
+              <a:rPr lang="en-GB" dirty="0"/>
+              <a:t>Create your account</a:t>
+            </a:r>
+          </a:p>
+          <a:p>
+            <a:pPr marL="342900" indent="-342900">
+              <a:buFont typeface="+mj-lt"/>
+              <a:buAutoNum type="arabicPeriod"/>
+            </a:pPr>
+            <a:r>
+              <a:rPr lang="en-GB" dirty="0"/>
+              <a:t>Login into </a:t>
+            </a:r>
+            <a:r>
+              <a:rPr lang="en-GB" b="1" dirty="0"/>
+              <a:t>Debian 9</a:t>
+            </a:r>
+            <a:r>
+              <a:rPr lang="en-GB" dirty="0"/>
+              <a:t> (only Linux will be supported in lab PCs)</a:t>
+            </a:r>
+            <a:r>
+              <a:rPr lang="en-GB" b="1" dirty="0"/>
+              <a:t> </a:t>
+            </a:r>
+            <a:r>
+              <a:rPr lang="en-GB" dirty="0"/>
+              <a:t>with username and password</a:t>
+            </a:r>
+          </a:p>
+          <a:p>
+            <a:pPr marL="342900" indent="-342900">
+              <a:buFont typeface="+mj-lt"/>
+              <a:buAutoNum type="arabicPeriod"/>
+            </a:pPr>
+            <a:r>
+              <a:rPr lang="en-GB" dirty="0"/>
+              <a:t>run </a:t>
+            </a:r>
+            <a:r>
+              <a:rPr lang="en-GB" b="1" i="1" dirty="0" err="1"/>
+              <a:t>startx</a:t>
+            </a:r>
+            <a:r>
+              <a:rPr lang="en-GB" dirty="0"/>
+              <a:t> in the terminal to run the GUI</a:t>
             </a:r>
           </a:p>
         </p:txBody>
@@ -11370,7 +10697,7 @@
     </p:spTree>
     <p:extLst>
       <p:ext uri="{BB962C8B-B14F-4D97-AF65-F5344CB8AC3E}">
-        <p14:creationId xmlns:p14="http://schemas.microsoft.com/office/powerpoint/2010/main" val="4086799980"/>
+        <p14:creationId xmlns:p14="http://schemas.microsoft.com/office/powerpoint/2010/main" val="1499836088"/>
       </p:ext>
     </p:extLst>
   </p:cSld>
@@ -11399,10 +10726,10 @@
       </p:grpSpPr>
       <p:sp>
         <p:nvSpPr>
-          <p:cNvPr id="4" name="Segnaposto data 3">
+          <p:cNvPr id="2" name="Title 1">
             <a:extLst>
               <a:ext uri="{FF2B5EF4-FFF2-40B4-BE49-F238E27FC236}">
-                <a16:creationId xmlns:a16="http://schemas.microsoft.com/office/drawing/2014/main" id="{CD37FF21-5647-48BC-ABE0-22F8AB863E52}"/>
+                <a16:creationId xmlns:a16="http://schemas.microsoft.com/office/drawing/2014/main" id="{9684FB9A-E9C6-411C-A1CD-8267E2FAE1B4}"/>
               </a:ext>
             </a:extLst>
           </p:cNvPr>
@@ -11410,197 +10737,27 @@
             <a:spLocks noGrp="1"/>
           </p:cNvSpPr>
           <p:nvPr>
-            <p:ph type="dt" sz="half" idx="10"/>
-          </p:nvPr>
-        </p:nvSpPr>
-        <p:spPr>
-          <a:xfrm>
-            <a:off x="411891" y="6361329"/>
-            <a:ext cx="2558835" cy="365125"/>
-          </a:xfrm>
-        </p:spPr>
-        <p:txBody>
-          <a:bodyPr/>
-          <a:lstStyle/>
-          <a:p>
-            <a:r>
-              <a:rPr lang="en-US" dirty="0"/>
-              <a:t>Initial Setup – Pierluigi Zama Ramirez</a:t>
-            </a:r>
-          </a:p>
-        </p:txBody>
-      </p:sp>
-      <p:sp>
-        <p:nvSpPr>
-          <p:cNvPr id="5" name="Segnaposto numero diapositiva 4">
-            <a:extLst>
-              <a:ext uri="{FF2B5EF4-FFF2-40B4-BE49-F238E27FC236}">
-                <a16:creationId xmlns:a16="http://schemas.microsoft.com/office/drawing/2014/main" id="{1B67C968-09C6-409E-9094-6A61912F818E}"/>
-              </a:ext>
-            </a:extLst>
-          </p:cNvPr>
-          <p:cNvSpPr>
-            <a:spLocks noGrp="1"/>
-          </p:cNvSpPr>
-          <p:nvPr>
-            <p:ph type="sldNum" sz="quarter" idx="12"/>
-          </p:nvPr>
-        </p:nvSpPr>
-        <p:spPr/>
-        <p:txBody>
-          <a:bodyPr/>
-          <a:lstStyle/>
-          <a:p>
-            <a:fld id="{21D15A9C-11B4-4C77-BDEA-04E3D7D1DFC0}" type="slidenum">
-              <a:rPr lang="en-US" smtClean="0"/>
-              <a:t>9</a:t>
-            </a:fld>
-            <a:endParaRPr lang="en-US"/>
-          </a:p>
-        </p:txBody>
-      </p:sp>
-      <p:sp>
-        <p:nvSpPr>
-          <p:cNvPr id="10" name="Title 9">
-            <a:extLst>
-              <a:ext uri="{FF2B5EF4-FFF2-40B4-BE49-F238E27FC236}">
-                <a16:creationId xmlns:a16="http://schemas.microsoft.com/office/drawing/2014/main" id="{72845DCC-69CC-44B6-95CC-903390EA718D}"/>
-              </a:ext>
-            </a:extLst>
-          </p:cNvPr>
-          <p:cNvSpPr>
-            <a:spLocks noGrp="1"/>
-          </p:cNvSpPr>
-          <p:nvPr>
             <p:ph type="title"/>
           </p:nvPr>
         </p:nvSpPr>
-        <p:spPr/>
-        <p:txBody>
-          <a:bodyPr/>
-          <a:lstStyle/>
-          <a:p>
-            <a:r>
-              <a:rPr lang="en-GB" dirty="0"/>
-              <a:t>Working on Lab computer</a:t>
-            </a:r>
-          </a:p>
-        </p:txBody>
-      </p:sp>
-      <p:pic>
-        <p:nvPicPr>
-          <p:cNvPr id="11" name="Picture 10">
-            <a:extLst>
-              <a:ext uri="{FF2B5EF4-FFF2-40B4-BE49-F238E27FC236}">
-                <a16:creationId xmlns:a16="http://schemas.microsoft.com/office/drawing/2014/main" id="{29F8597D-9CD6-42C0-857B-A1F99A7A332E}"/>
-              </a:ext>
-            </a:extLst>
-          </p:cNvPr>
-          <p:cNvPicPr>
-            <a:picLocks noChangeAspect="1"/>
-          </p:cNvPicPr>
-          <p:nvPr/>
-        </p:nvPicPr>
-        <p:blipFill rotWithShape="1">
-          <a:blip r:embed="rId3"/>
-          <a:srcRect l="3283" t="673" b="37374"/>
-          <a:stretch/>
-        </p:blipFill>
-        <p:spPr>
-          <a:xfrm>
-            <a:off x="2296419" y="1948014"/>
-            <a:ext cx="4551161" cy="2186459"/>
-          </a:xfrm>
-          <a:prstGeom prst="rect">
-            <a:avLst/>
-          </a:prstGeom>
-        </p:spPr>
-      </p:pic>
-      <p:sp>
-        <p:nvSpPr>
-          <p:cNvPr id="12" name="TextBox 11">
-            <a:extLst>
-              <a:ext uri="{FF2B5EF4-FFF2-40B4-BE49-F238E27FC236}">
-                <a16:creationId xmlns:a16="http://schemas.microsoft.com/office/drawing/2014/main" id="{60134894-17E9-445B-A3DC-17984E4BB348}"/>
-              </a:ext>
-            </a:extLst>
-          </p:cNvPr>
-          <p:cNvSpPr txBox="1"/>
-          <p:nvPr/>
-        </p:nvSpPr>
-        <p:spPr>
-          <a:xfrm flipH="1">
-            <a:off x="957385" y="4365760"/>
-            <a:ext cx="7120175" cy="1754326"/>
-          </a:xfrm>
-          <a:prstGeom prst="rect">
-            <a:avLst/>
-          </a:prstGeom>
-          <a:noFill/>
-        </p:spPr>
-        <p:txBody>
-          <a:bodyPr wrap="square" rtlCol="0">
-            <a:spAutoFit/>
-          </a:bodyPr>
-          <a:lstStyle/>
-          <a:p>
-            <a:r>
-              <a:rPr lang="en-GB" dirty="0"/>
-              <a:t>All the packages you need are already installed. If it is your first time in lab, perform the following steps:</a:t>
-            </a:r>
-          </a:p>
-          <a:p>
-            <a:pPr marL="342900" indent="-342900">
-              <a:buFont typeface="+mj-lt"/>
-              <a:buAutoNum type="arabicPeriod"/>
-            </a:pPr>
-            <a:r>
-              <a:rPr lang="en-GB" dirty="0"/>
-              <a:t>Create your account</a:t>
-            </a:r>
-          </a:p>
-          <a:p>
-            <a:pPr marL="342900" indent="-342900">
-              <a:buFont typeface="+mj-lt"/>
-              <a:buAutoNum type="arabicPeriod"/>
-            </a:pPr>
-            <a:r>
-              <a:rPr lang="en-GB" dirty="0"/>
-              <a:t>Login into </a:t>
-            </a:r>
-            <a:r>
-              <a:rPr lang="en-GB" b="1" dirty="0"/>
-              <a:t>Debian 9</a:t>
-            </a:r>
-            <a:r>
-              <a:rPr lang="en-GB" dirty="0"/>
-              <a:t> (only Linux will be supported in lab PCs)</a:t>
-            </a:r>
-            <a:r>
-              <a:rPr lang="en-GB" b="1" dirty="0"/>
-              <a:t> </a:t>
-            </a:r>
-            <a:r>
-              <a:rPr lang="en-GB" dirty="0"/>
-              <a:t>with username and password</a:t>
-            </a:r>
-          </a:p>
-          <a:p>
-            <a:pPr marL="342900" indent="-342900">
-              <a:buFont typeface="+mj-lt"/>
-              <a:buAutoNum type="arabicPeriod"/>
-            </a:pPr>
-            <a:r>
-              <a:rPr lang="en-GB" dirty="0"/>
-              <a:t>run </a:t>
-            </a:r>
-            <a:r>
-              <a:rPr lang="en-GB" b="1" i="1" dirty="0" err="1"/>
-              <a:t>startx</a:t>
-            </a:r>
-            <a:r>
-              <a:rPr lang="en-GB" dirty="0"/>
-              <a:t> in the terminal to run the GUI</a:t>
+        <p:spPr>
+          <a:xfrm>
+            <a:off x="628650" y="2986722"/>
+            <a:ext cx="7886700" cy="884555"/>
+          </a:xfrm>
+        </p:spPr>
+        <p:txBody>
+          <a:bodyPr/>
+          <a:lstStyle/>
+          <a:p>
+            <a:pPr algn="ctr"/>
+            <a:r>
+              <a:rPr lang="en-GB" b="1" dirty="0">
+                <a:solidFill>
+                  <a:schemeClr val="accent5"/>
+                </a:solidFill>
+              </a:rPr>
+              <a:t>After Initial Setup</a:t>
             </a:r>
           </a:p>
         </p:txBody>
@@ -11608,7 +10765,7 @@
     </p:spTree>
     <p:extLst>
       <p:ext uri="{BB962C8B-B14F-4D97-AF65-F5344CB8AC3E}">
-        <p14:creationId xmlns:p14="http://schemas.microsoft.com/office/powerpoint/2010/main" val="1499836088"/>
+        <p14:creationId xmlns:p14="http://schemas.microsoft.com/office/powerpoint/2010/main" val="399536302"/>
       </p:ext>
     </p:extLst>
   </p:cSld>

--- a/LabSession0 - Initial Setup.pptx
+++ b/LabSession0 - Initial Setup.pptx
@@ -245,7 +245,7 @@
           <a:p>
             <a:fld id="{2CC5598C-FF10-4AF1-BC63-A7C8964CD468}" type="datetimeFigureOut">
               <a:rPr lang="en-US" smtClean="0"/>
-              <a:t>9/26/2022</a:t>
+              <a:t>9/16/2024</a:t>
             </a:fld>
             <a:endParaRPr lang="en-US"/>
           </a:p>
@@ -7565,13 +7565,37 @@
               <a:rPr lang="en-US" dirty="0">
                 <a:latin typeface="Calibri" pitchFamily="34" charset="0"/>
               </a:rPr>
-              <a:t>utors: Pierluigi Zama Ramirez - p</a:t>
+              <a:t>utors: Andrea Amaduzzi - </a:t>
+            </a:r>
+            <a:r>
+              <a:rPr lang="en-US" u="sng" dirty="0">
+                <a:latin typeface="Calibri" pitchFamily="34" charset="0"/>
+                <a:hlinkClick r:id="rId3"/>
+              </a:rPr>
+              <a:t>andrea.amaduzzi4@unibo.it</a:t>
             </a:r>
             <a:r>
               <a:rPr lang="en-US" u="sng" dirty="0">
                 <a:latin typeface="Calibri" pitchFamily="34" charset="0"/>
               </a:rPr>
-              <a:t>ierluigi.zama@unibo.it</a:t>
+              <a:t> </a:t>
+            </a:r>
+            <a:br>
+              <a:rPr lang="en-US" u="sng" dirty="0">
+                <a:latin typeface="Calibri" pitchFamily="34" charset="0"/>
+              </a:rPr>
+            </a:br>
+            <a:r>
+              <a:rPr lang="en-US" dirty="0">
+                <a:latin typeface="Calibri" pitchFamily="34" charset="0"/>
+              </a:rPr>
+              <a:t>Iacopo Curti - </a:t>
+            </a:r>
+            <a:r>
+              <a:rPr lang="en-US" u="sng" dirty="0">
+                <a:latin typeface="Calibri" pitchFamily="34" charset="0"/>
+              </a:rPr>
+              <a:t>iacopo.curti2@unibo.it</a:t>
             </a:r>
           </a:p>
         </p:txBody>
@@ -7844,7 +7868,7 @@
           <a:p>
             <a:r>
               <a:rPr lang="en-US" dirty="0"/>
-              <a:t>Initial Setup – Pierluigi Zama Ramirez</a:t>
+              <a:t>Initial Setup – Andrea Amaduzzi</a:t>
             </a:r>
           </a:p>
         </p:txBody>
@@ -8108,7 +8132,7 @@
           <a:p>
             <a:r>
               <a:rPr lang="en-US" dirty="0"/>
-              <a:t>Initial Setup – Pierluigi Zama Ramirez</a:t>
+              <a:t>Initial Setup – Andrea Amaduzzi</a:t>
             </a:r>
           </a:p>
         </p:txBody>
@@ -8412,7 +8436,7 @@
           <a:p>
             <a:r>
               <a:rPr lang="en-US" dirty="0"/>
-              <a:t>Initial Setup – Pierluigi Zama Ramirez</a:t>
+              <a:t>Initial Setup – Andrea Amaduzzi</a:t>
             </a:r>
           </a:p>
         </p:txBody>
@@ -8764,7 +8788,7 @@
           <a:p>
             <a:r>
               <a:rPr lang="en-US" dirty="0"/>
-              <a:t>Initial Setup – Pierluigi Zama Ramirez</a:t>
+              <a:t>Initial Setup – Andrea Amaduzzi</a:t>
             </a:r>
           </a:p>
         </p:txBody>
@@ -9186,8 +9210,13 @@
           <a:p>
             <a:r>
               <a:rPr lang="en-US" dirty="0"/>
-              <a:t>Initial Setup – Pierluigi Zama Ramirez</a:t>
-            </a:r>
+              <a:t>Initial Setup </a:t>
+            </a:r>
+            <a:r>
+              <a:rPr lang="en-US"/>
+              <a:t>– Andrea Amaduzzi</a:t>
+            </a:r>
+            <a:endParaRPr lang="en-US" dirty="0"/>
           </a:p>
         </p:txBody>
       </p:sp>
@@ -9430,7 +9459,7 @@
           <a:p>
             <a:r>
               <a:rPr lang="en-US" dirty="0"/>
-              <a:t>Initial Setup – Pierluigi Zama Ramirez</a:t>
+              <a:t>Initial Setup – Andrea Amaduzzi</a:t>
             </a:r>
           </a:p>
         </p:txBody>
@@ -9597,7 +9626,7 @@
           <a:p>
             <a:r>
               <a:rPr lang="en-US" dirty="0"/>
-              <a:t>Initial Setup – Pierluigi Zama Ramirez</a:t>
+              <a:t>Initial Setup – Andrea Amaduzzi</a:t>
             </a:r>
           </a:p>
         </p:txBody>
@@ -10129,7 +10158,7 @@
           <a:p>
             <a:r>
               <a:rPr lang="en-US" dirty="0"/>
-              <a:t>Initial Setup – Pierluigi Zama Ramirez</a:t>
+              <a:t>Initial Setup – Andrea Amaduzzi</a:t>
             </a:r>
           </a:p>
         </p:txBody>
@@ -10354,7 +10383,7 @@
           <a:p>
             <a:r>
               <a:rPr lang="en-US" dirty="0"/>
-              <a:t>Initial Setup – Pierluigi Zama Ramirez</a:t>
+              <a:t>Initial Setup – Andrea Amaduzzi</a:t>
             </a:r>
           </a:p>
         </p:txBody>
@@ -10514,7 +10543,7 @@
           <a:p>
             <a:r>
               <a:rPr lang="en-US" dirty="0"/>
-              <a:t>Initial Setup – Pierluigi Zama Ramirez</a:t>
+              <a:t>Initial Setup – Andrea Amaduzzi</a:t>
             </a:r>
           </a:p>
         </p:txBody>
